--- a/CDGC Databricks Tag Writer.pptx
+++ b/CDGC Databricks Tag Writer.pptx
@@ -7,10 +7,10 @@
     <p:sldMasterId id="2147483794" r:id="rId5"/>
   </p:sldMasterIdLst>
   <p:notesMasterIdLst>
-    <p:notesMasterId r:id="rId18"/>
+    <p:notesMasterId r:id="rId29"/>
   </p:notesMasterIdLst>
   <p:handoutMasterIdLst>
-    <p:handoutMasterId r:id="rId19"/>
+    <p:handoutMasterId r:id="rId30"/>
   </p:handoutMasterIdLst>
   <p:sldIdLst>
     <p:sldId id="288" r:id="rId6"/>
@@ -24,7 +24,18 @@
     <p:sldId id="2134807777" r:id="rId14"/>
     <p:sldId id="2134807790" r:id="rId15"/>
     <p:sldId id="2134807780" r:id="rId16"/>
-    <p:sldId id="267" r:id="rId17"/>
+    <p:sldId id="2134807792" r:id="rId17"/>
+    <p:sldId id="2134807793" r:id="rId18"/>
+    <p:sldId id="2134807794" r:id="rId19"/>
+    <p:sldId id="2134807795" r:id="rId20"/>
+    <p:sldId id="2134807796" r:id="rId21"/>
+    <p:sldId id="2134807797" r:id="rId22"/>
+    <p:sldId id="2134807798" r:id="rId23"/>
+    <p:sldId id="2134807799" r:id="rId24"/>
+    <p:sldId id="2134807800" r:id="rId25"/>
+    <p:sldId id="2134807801" r:id="rId26"/>
+    <p:sldId id="2134807802" r:id="rId27"/>
+    <p:sldId id="267" r:id="rId28"/>
   </p:sldIdLst>
   <p:sldSz cx="12188825" cy="6858000"/>
   <p:notesSz cx="7104063" cy="10234613"/>
@@ -143,6 +154,17 @@
             <p14:sldId id="2134807777"/>
             <p14:sldId id="2134807790"/>
             <p14:sldId id="2134807780"/>
+            <p14:sldId id="2134807792"/>
+            <p14:sldId id="2134807793"/>
+            <p14:sldId id="2134807794"/>
+            <p14:sldId id="2134807795"/>
+            <p14:sldId id="2134807796"/>
+            <p14:sldId id="2134807797"/>
+            <p14:sldId id="2134807798"/>
+            <p14:sldId id="2134807799"/>
+            <p14:sldId id="2134807800"/>
+            <p14:sldId id="2134807801"/>
+            <p14:sldId id="2134807802"/>
           </p14:sldIdLst>
         </p14:section>
         <p14:section name="Closing" id="{E61FE419-5492-7A45-96CE-D25AD06F4459}">
@@ -337,7 +359,7 @@
           <a:p>
             <a:fld id="{A8AF0ABA-1503-4581-BC5A-AF3D56D7DD45}" type="datetimeFigureOut">
               <a:rPr lang="en-US" smtClean="0"/>
-              <a:t>5/29/2024</a:t>
+              <a:t>7/9/2025</a:t>
             </a:fld>
             <a:endParaRPr lang="en-US"/>
           </a:p>
@@ -502,7 +524,7 @@
           <a:p>
             <a:fld id="{78186FDC-CD1E-4E7E-B1CD-1CBCCD519E8C}" type="datetimeFigureOut">
               <a:rPr lang="en-US" smtClean="0"/>
-              <a:t>5/29/2024</a:t>
+              <a:t>7/9/2025</a:t>
             </a:fld>
             <a:endParaRPr lang="en-US"/>
           </a:p>
@@ -1021,6 +1043,498 @@
           <a:bodyPr/>
           <a:lstStyle/>
           <a:p>
+            <a:endParaRPr lang="en-US" dirty="0"/>
+          </a:p>
+        </p:txBody>
+      </p:sp>
+      <p:sp>
+        <p:nvSpPr>
+          <p:cNvPr id="4" name="Slide Number Placeholder 3"/>
+          <p:cNvSpPr>
+            <a:spLocks noGrp="1"/>
+          </p:cNvSpPr>
+          <p:nvPr>
+            <p:ph type="sldNum" sz="quarter" idx="5"/>
+          </p:nvPr>
+        </p:nvSpPr>
+        <p:spPr/>
+        <p:txBody>
+          <a:bodyPr/>
+          <a:lstStyle/>
+          <a:p>
+            <a:fld id="{4B9A8B04-59C6-4476-9B83-8806D24CC38B}" type="slidenum">
+              <a:rPr lang="en-US" smtClean="0"/>
+              <a:t>9</a:t>
+            </a:fld>
+            <a:endParaRPr lang="en-US"/>
+          </a:p>
+        </p:txBody>
+      </p:sp>
+    </p:spTree>
+    <p:extLst>
+      <p:ext uri="{BB962C8B-B14F-4D97-AF65-F5344CB8AC3E}">
+        <p14:creationId xmlns:p14="http://schemas.microsoft.com/office/powerpoint/2010/main" val="3533717374"/>
+      </p:ext>
+    </p:extLst>
+  </p:cSld>
+  <p:clrMapOvr>
+    <a:masterClrMapping/>
+  </p:clrMapOvr>
+</p:notes>
+</file>
+
+<file path=ppt/notesSlides/notesSlide4.xml><?xml version="1.0" encoding="utf-8"?>
+<p:notes xmlns:a="http://schemas.openxmlformats.org/drawingml/2006/main" xmlns:r="http://schemas.openxmlformats.org/officeDocument/2006/relationships" xmlns:p="http://schemas.openxmlformats.org/presentationml/2006/main">
+  <p:cSld>
+    <p:spTree>
+      <p:nvGrpSpPr>
+        <p:cNvPr id="1" name=""/>
+        <p:cNvGrpSpPr/>
+        <p:nvPr/>
+      </p:nvGrpSpPr>
+      <p:grpSpPr>
+        <a:xfrm>
+          <a:off x="0" y="0"/>
+          <a:ext cx="0" cy="0"/>
+          <a:chOff x="0" y="0"/>
+          <a:chExt cx="0" cy="0"/>
+        </a:xfrm>
+      </p:grpSpPr>
+      <p:sp>
+        <p:nvSpPr>
+          <p:cNvPr id="2" name="Slide Image Placeholder 1"/>
+          <p:cNvSpPr>
+            <a:spLocks noGrp="1" noRot="1" noChangeAspect="1"/>
+          </p:cNvSpPr>
+          <p:nvPr>
+            <p:ph type="sldImg"/>
+          </p:nvPr>
+        </p:nvSpPr>
+        <p:spPr/>
+      </p:sp>
+      <p:sp>
+        <p:nvSpPr>
+          <p:cNvPr id="3" name="Notes Placeholder 2"/>
+          <p:cNvSpPr>
+            <a:spLocks noGrp="1"/>
+          </p:cNvSpPr>
+          <p:nvPr>
+            <p:ph type="body" idx="1"/>
+          </p:nvPr>
+        </p:nvSpPr>
+        <p:spPr/>
+        <p:txBody>
+          <a:bodyPr/>
+          <a:lstStyle/>
+          <a:p>
+            <a:endParaRPr lang="en-US" dirty="0"/>
+          </a:p>
+        </p:txBody>
+      </p:sp>
+      <p:sp>
+        <p:nvSpPr>
+          <p:cNvPr id="4" name="Slide Number Placeholder 3"/>
+          <p:cNvSpPr>
+            <a:spLocks noGrp="1"/>
+          </p:cNvSpPr>
+          <p:nvPr>
+            <p:ph type="sldNum" sz="quarter" idx="5"/>
+          </p:nvPr>
+        </p:nvSpPr>
+        <p:spPr/>
+        <p:txBody>
+          <a:bodyPr/>
+          <a:lstStyle/>
+          <a:p>
+            <a:fld id="{4B9A8B04-59C6-4476-9B83-8806D24CC38B}" type="slidenum">
+              <a:rPr lang="en-US" smtClean="0"/>
+              <a:t>19</a:t>
+            </a:fld>
+            <a:endParaRPr lang="en-US"/>
+          </a:p>
+        </p:txBody>
+      </p:sp>
+    </p:spTree>
+    <p:extLst>
+      <p:ext uri="{BB962C8B-B14F-4D97-AF65-F5344CB8AC3E}">
+        <p14:creationId xmlns:p14="http://schemas.microsoft.com/office/powerpoint/2010/main" val="3498276945"/>
+      </p:ext>
+    </p:extLst>
+  </p:cSld>
+  <p:clrMapOvr>
+    <a:masterClrMapping/>
+  </p:clrMapOvr>
+</p:notes>
+</file>
+
+<file path=ppt/notesSlides/notesSlide5.xml><?xml version="1.0" encoding="utf-8"?>
+<p:notes xmlns:a="http://schemas.openxmlformats.org/drawingml/2006/main" xmlns:r="http://schemas.openxmlformats.org/officeDocument/2006/relationships" xmlns:p="http://schemas.openxmlformats.org/presentationml/2006/main">
+  <p:cSld>
+    <p:spTree>
+      <p:nvGrpSpPr>
+        <p:cNvPr id="1" name="">
+          <a:extLst>
+            <a:ext uri="{FF2B5EF4-FFF2-40B4-BE49-F238E27FC236}">
+              <a16:creationId xmlns:a16="http://schemas.microsoft.com/office/drawing/2014/main" id="{BACA1DEE-A441-098F-454E-C8D532F7611A}"/>
+            </a:ext>
+          </a:extLst>
+        </p:cNvPr>
+        <p:cNvGrpSpPr/>
+        <p:nvPr/>
+      </p:nvGrpSpPr>
+      <p:grpSpPr>
+        <a:xfrm>
+          <a:off x="0" y="0"/>
+          <a:ext cx="0" cy="0"/>
+          <a:chOff x="0" y="0"/>
+          <a:chExt cx="0" cy="0"/>
+        </a:xfrm>
+      </p:grpSpPr>
+      <p:sp>
+        <p:nvSpPr>
+          <p:cNvPr id="2" name="Slide Image Placeholder 1">
+            <a:extLst>
+              <a:ext uri="{FF2B5EF4-FFF2-40B4-BE49-F238E27FC236}">
+                <a16:creationId xmlns:a16="http://schemas.microsoft.com/office/drawing/2014/main" id="{D40B0249-29F4-31C6-5924-3090B5CCB064}"/>
+              </a:ext>
+            </a:extLst>
+          </p:cNvPr>
+          <p:cNvSpPr>
+            <a:spLocks noGrp="1" noRot="1" noChangeAspect="1"/>
+          </p:cNvSpPr>
+          <p:nvPr>
+            <p:ph type="sldImg"/>
+          </p:nvPr>
+        </p:nvSpPr>
+        <p:spPr/>
+      </p:sp>
+      <p:sp>
+        <p:nvSpPr>
+          <p:cNvPr id="3" name="Notes Placeholder 2">
+            <a:extLst>
+              <a:ext uri="{FF2B5EF4-FFF2-40B4-BE49-F238E27FC236}">
+                <a16:creationId xmlns:a16="http://schemas.microsoft.com/office/drawing/2014/main" id="{7739DEE9-A2E4-17EF-6160-FDE17FB88A01}"/>
+              </a:ext>
+            </a:extLst>
+          </p:cNvPr>
+          <p:cNvSpPr>
+            <a:spLocks noGrp="1"/>
+          </p:cNvSpPr>
+          <p:nvPr>
+            <p:ph type="body" idx="1"/>
+          </p:nvPr>
+        </p:nvSpPr>
+        <p:spPr/>
+        <p:txBody>
+          <a:bodyPr/>
+          <a:lstStyle/>
+          <a:p>
+            <a:endParaRPr lang="en-US" dirty="0"/>
+          </a:p>
+        </p:txBody>
+      </p:sp>
+      <p:sp>
+        <p:nvSpPr>
+          <p:cNvPr id="4" name="Slide Number Placeholder 3">
+            <a:extLst>
+              <a:ext uri="{FF2B5EF4-FFF2-40B4-BE49-F238E27FC236}">
+                <a16:creationId xmlns:a16="http://schemas.microsoft.com/office/drawing/2014/main" id="{56E975C1-2893-D458-DFE0-B1E584700925}"/>
+              </a:ext>
+            </a:extLst>
+          </p:cNvPr>
+          <p:cNvSpPr>
+            <a:spLocks noGrp="1"/>
+          </p:cNvSpPr>
+          <p:nvPr>
+            <p:ph type="sldNum" sz="quarter" idx="5"/>
+          </p:nvPr>
+        </p:nvSpPr>
+        <p:spPr/>
+        <p:txBody>
+          <a:bodyPr/>
+          <a:lstStyle/>
+          <a:p>
+            <a:fld id="{4B9A8B04-59C6-4476-9B83-8806D24CC38B}" type="slidenum">
+              <a:rPr lang="en-US" smtClean="0"/>
+              <a:t>20</a:t>
+            </a:fld>
+            <a:endParaRPr lang="en-US"/>
+          </a:p>
+        </p:txBody>
+      </p:sp>
+    </p:spTree>
+    <p:extLst>
+      <p:ext uri="{BB962C8B-B14F-4D97-AF65-F5344CB8AC3E}">
+        <p14:creationId xmlns:p14="http://schemas.microsoft.com/office/powerpoint/2010/main" val="1475594950"/>
+      </p:ext>
+    </p:extLst>
+  </p:cSld>
+  <p:clrMapOvr>
+    <a:masterClrMapping/>
+  </p:clrMapOvr>
+</p:notes>
+</file>
+
+<file path=ppt/notesSlides/notesSlide6.xml><?xml version="1.0" encoding="utf-8"?>
+<p:notes xmlns:a="http://schemas.openxmlformats.org/drawingml/2006/main" xmlns:r="http://schemas.openxmlformats.org/officeDocument/2006/relationships" xmlns:p="http://schemas.openxmlformats.org/presentationml/2006/main">
+  <p:cSld>
+    <p:spTree>
+      <p:nvGrpSpPr>
+        <p:cNvPr id="1" name="">
+          <a:extLst>
+            <a:ext uri="{FF2B5EF4-FFF2-40B4-BE49-F238E27FC236}">
+              <a16:creationId xmlns:a16="http://schemas.microsoft.com/office/drawing/2014/main" id="{306A527D-61F4-BE5A-E085-0DE986BC4FD6}"/>
+            </a:ext>
+          </a:extLst>
+        </p:cNvPr>
+        <p:cNvGrpSpPr/>
+        <p:nvPr/>
+      </p:nvGrpSpPr>
+      <p:grpSpPr>
+        <a:xfrm>
+          <a:off x="0" y="0"/>
+          <a:ext cx="0" cy="0"/>
+          <a:chOff x="0" y="0"/>
+          <a:chExt cx="0" cy="0"/>
+        </a:xfrm>
+      </p:grpSpPr>
+      <p:sp>
+        <p:nvSpPr>
+          <p:cNvPr id="2" name="Slide Image Placeholder 1">
+            <a:extLst>
+              <a:ext uri="{FF2B5EF4-FFF2-40B4-BE49-F238E27FC236}">
+                <a16:creationId xmlns:a16="http://schemas.microsoft.com/office/drawing/2014/main" id="{5758D0FC-D448-3D9F-B2E7-DED8B06990D5}"/>
+              </a:ext>
+            </a:extLst>
+          </p:cNvPr>
+          <p:cNvSpPr>
+            <a:spLocks noGrp="1" noRot="1" noChangeAspect="1"/>
+          </p:cNvSpPr>
+          <p:nvPr>
+            <p:ph type="sldImg"/>
+          </p:nvPr>
+        </p:nvSpPr>
+        <p:spPr/>
+      </p:sp>
+      <p:sp>
+        <p:nvSpPr>
+          <p:cNvPr id="3" name="Notes Placeholder 2">
+            <a:extLst>
+              <a:ext uri="{FF2B5EF4-FFF2-40B4-BE49-F238E27FC236}">
+                <a16:creationId xmlns:a16="http://schemas.microsoft.com/office/drawing/2014/main" id="{5057FE32-4067-55C5-0638-1E7ACDB4A3F9}"/>
+              </a:ext>
+            </a:extLst>
+          </p:cNvPr>
+          <p:cNvSpPr>
+            <a:spLocks noGrp="1"/>
+          </p:cNvSpPr>
+          <p:nvPr>
+            <p:ph type="body" idx="1"/>
+          </p:nvPr>
+        </p:nvSpPr>
+        <p:spPr/>
+        <p:txBody>
+          <a:bodyPr/>
+          <a:lstStyle/>
+          <a:p>
+            <a:endParaRPr lang="en-US" dirty="0"/>
+          </a:p>
+        </p:txBody>
+      </p:sp>
+      <p:sp>
+        <p:nvSpPr>
+          <p:cNvPr id="4" name="Slide Number Placeholder 3">
+            <a:extLst>
+              <a:ext uri="{FF2B5EF4-FFF2-40B4-BE49-F238E27FC236}">
+                <a16:creationId xmlns:a16="http://schemas.microsoft.com/office/drawing/2014/main" id="{404E0446-766F-D904-00BC-25436F5FBFAF}"/>
+              </a:ext>
+            </a:extLst>
+          </p:cNvPr>
+          <p:cNvSpPr>
+            <a:spLocks noGrp="1"/>
+          </p:cNvSpPr>
+          <p:nvPr>
+            <p:ph type="sldNum" sz="quarter" idx="5"/>
+          </p:nvPr>
+        </p:nvSpPr>
+        <p:spPr/>
+        <p:txBody>
+          <a:bodyPr/>
+          <a:lstStyle/>
+          <a:p>
+            <a:fld id="{4B9A8B04-59C6-4476-9B83-8806D24CC38B}" type="slidenum">
+              <a:rPr lang="en-US" smtClean="0"/>
+              <a:t>21</a:t>
+            </a:fld>
+            <a:endParaRPr lang="en-US"/>
+          </a:p>
+        </p:txBody>
+      </p:sp>
+    </p:spTree>
+    <p:extLst>
+      <p:ext uri="{BB962C8B-B14F-4D97-AF65-F5344CB8AC3E}">
+        <p14:creationId xmlns:p14="http://schemas.microsoft.com/office/powerpoint/2010/main" val="4215718660"/>
+      </p:ext>
+    </p:extLst>
+  </p:cSld>
+  <p:clrMapOvr>
+    <a:masterClrMapping/>
+  </p:clrMapOvr>
+</p:notes>
+</file>
+
+<file path=ppt/notesSlides/notesSlide7.xml><?xml version="1.0" encoding="utf-8"?>
+<p:notes xmlns:a="http://schemas.openxmlformats.org/drawingml/2006/main" xmlns:r="http://schemas.openxmlformats.org/officeDocument/2006/relationships" xmlns:p="http://schemas.openxmlformats.org/presentationml/2006/main">
+  <p:cSld>
+    <p:spTree>
+      <p:nvGrpSpPr>
+        <p:cNvPr id="1" name="">
+          <a:extLst>
+            <a:ext uri="{FF2B5EF4-FFF2-40B4-BE49-F238E27FC236}">
+              <a16:creationId xmlns:a16="http://schemas.microsoft.com/office/drawing/2014/main" id="{8FCC91FA-1C1B-78B1-B386-FC45306A2410}"/>
+            </a:ext>
+          </a:extLst>
+        </p:cNvPr>
+        <p:cNvGrpSpPr/>
+        <p:nvPr/>
+      </p:nvGrpSpPr>
+      <p:grpSpPr>
+        <a:xfrm>
+          <a:off x="0" y="0"/>
+          <a:ext cx="0" cy="0"/>
+          <a:chOff x="0" y="0"/>
+          <a:chExt cx="0" cy="0"/>
+        </a:xfrm>
+      </p:grpSpPr>
+      <p:sp>
+        <p:nvSpPr>
+          <p:cNvPr id="2" name="Slide Image Placeholder 1">
+            <a:extLst>
+              <a:ext uri="{FF2B5EF4-FFF2-40B4-BE49-F238E27FC236}">
+                <a16:creationId xmlns:a16="http://schemas.microsoft.com/office/drawing/2014/main" id="{C4C60417-FFC2-67CD-7B14-B2E7483D34EE}"/>
+              </a:ext>
+            </a:extLst>
+          </p:cNvPr>
+          <p:cNvSpPr>
+            <a:spLocks noGrp="1" noRot="1" noChangeAspect="1"/>
+          </p:cNvSpPr>
+          <p:nvPr>
+            <p:ph type="sldImg"/>
+          </p:nvPr>
+        </p:nvSpPr>
+        <p:spPr/>
+      </p:sp>
+      <p:sp>
+        <p:nvSpPr>
+          <p:cNvPr id="3" name="Notes Placeholder 2">
+            <a:extLst>
+              <a:ext uri="{FF2B5EF4-FFF2-40B4-BE49-F238E27FC236}">
+                <a16:creationId xmlns:a16="http://schemas.microsoft.com/office/drawing/2014/main" id="{A3122369-BF23-8114-05DC-95CDC292AB9E}"/>
+              </a:ext>
+            </a:extLst>
+          </p:cNvPr>
+          <p:cNvSpPr>
+            <a:spLocks noGrp="1"/>
+          </p:cNvSpPr>
+          <p:nvPr>
+            <p:ph type="body" idx="1"/>
+          </p:nvPr>
+        </p:nvSpPr>
+        <p:spPr/>
+        <p:txBody>
+          <a:bodyPr/>
+          <a:lstStyle/>
+          <a:p>
+            <a:endParaRPr lang="en-US" dirty="0"/>
+          </a:p>
+        </p:txBody>
+      </p:sp>
+      <p:sp>
+        <p:nvSpPr>
+          <p:cNvPr id="4" name="Slide Number Placeholder 3">
+            <a:extLst>
+              <a:ext uri="{FF2B5EF4-FFF2-40B4-BE49-F238E27FC236}">
+                <a16:creationId xmlns:a16="http://schemas.microsoft.com/office/drawing/2014/main" id="{40149AA8-2928-719A-F363-93857E40F3B4}"/>
+              </a:ext>
+            </a:extLst>
+          </p:cNvPr>
+          <p:cNvSpPr>
+            <a:spLocks noGrp="1"/>
+          </p:cNvSpPr>
+          <p:nvPr>
+            <p:ph type="sldNum" sz="quarter" idx="5"/>
+          </p:nvPr>
+        </p:nvSpPr>
+        <p:spPr/>
+        <p:txBody>
+          <a:bodyPr/>
+          <a:lstStyle/>
+          <a:p>
+            <a:fld id="{4B9A8B04-59C6-4476-9B83-8806D24CC38B}" type="slidenum">
+              <a:rPr lang="en-US" smtClean="0"/>
+              <a:t>22</a:t>
+            </a:fld>
+            <a:endParaRPr lang="en-US"/>
+          </a:p>
+        </p:txBody>
+      </p:sp>
+    </p:spTree>
+    <p:extLst>
+      <p:ext uri="{BB962C8B-B14F-4D97-AF65-F5344CB8AC3E}">
+        <p14:creationId xmlns:p14="http://schemas.microsoft.com/office/powerpoint/2010/main" val="1567742790"/>
+      </p:ext>
+    </p:extLst>
+  </p:cSld>
+  <p:clrMapOvr>
+    <a:masterClrMapping/>
+  </p:clrMapOvr>
+</p:notes>
+</file>
+
+<file path=ppt/notesSlides/notesSlide8.xml><?xml version="1.0" encoding="utf-8"?>
+<p:notes xmlns:a="http://schemas.openxmlformats.org/drawingml/2006/main" xmlns:r="http://schemas.openxmlformats.org/officeDocument/2006/relationships" xmlns:p="http://schemas.openxmlformats.org/presentationml/2006/main">
+  <p:cSld>
+    <p:spTree>
+      <p:nvGrpSpPr>
+        <p:cNvPr id="1" name=""/>
+        <p:cNvGrpSpPr/>
+        <p:nvPr/>
+      </p:nvGrpSpPr>
+      <p:grpSpPr>
+        <a:xfrm>
+          <a:off x="0" y="0"/>
+          <a:ext cx="0" cy="0"/>
+          <a:chOff x="0" y="0"/>
+          <a:chExt cx="0" cy="0"/>
+        </a:xfrm>
+      </p:grpSpPr>
+      <p:sp>
+        <p:nvSpPr>
+          <p:cNvPr id="2" name="Slide Image Placeholder 1"/>
+          <p:cNvSpPr>
+            <a:spLocks noGrp="1" noRot="1" noChangeAspect="1"/>
+          </p:cNvSpPr>
+          <p:nvPr>
+            <p:ph type="sldImg"/>
+          </p:nvPr>
+        </p:nvSpPr>
+        <p:spPr/>
+      </p:sp>
+      <p:sp>
+        <p:nvSpPr>
+          <p:cNvPr id="3" name="Notes Placeholder 2"/>
+          <p:cNvSpPr>
+            <a:spLocks noGrp="1"/>
+          </p:cNvSpPr>
+          <p:nvPr>
+            <p:ph type="body" idx="1"/>
+          </p:nvPr>
+        </p:nvSpPr>
+        <p:spPr/>
+        <p:txBody>
+          <a:bodyPr/>
+          <a:lstStyle/>
+          <a:p>
             <a:endParaRPr lang="en-US"/>
           </a:p>
         </p:txBody>
@@ -1042,7 +1556,7 @@
           <a:p>
             <a:fld id="{4B9A8B04-59C6-4476-9B83-8806D24CC38B}" type="slidenum">
               <a:rPr lang="en-US" smtClean="0"/>
-              <a:t>12</a:t>
+              <a:t>23</a:t>
             </a:fld>
             <a:endParaRPr lang="en-US"/>
           </a:p>
@@ -22491,7 +23005,7 @@
                 <a:ea typeface="Roboto" charset="0"/>
                 <a:cs typeface="Roboto" charset="0"/>
               </a:rPr>
-              <a:t>Right now, this script uses a JDBC connection, so ensure that you have a JAVA_HOME set</a:t>
+              <a:t>This script uses a JDBC connection, so ensure that you have a JAVA_HOME set</a:t>
             </a:r>
           </a:p>
         </p:txBody>
@@ -22634,7 +23148,7 @@
               </a:spcAft>
             </a:pPr>
             <a:r>
-              <a:rPr lang="en-US" dirty="0">
+              <a:rPr lang="en-US" sz="1400" dirty="0">
                 <a:latin typeface="Roboto" charset="0"/>
                 <a:ea typeface="Roboto" charset="0"/>
                 <a:cs typeface="Roboto" charset="0"/>
@@ -22652,12 +23166,20 @@
               </a:spcAft>
             </a:pPr>
             <a:r>
-              <a:rPr lang="en-US" dirty="0">
+              <a:rPr lang="en-US" sz="1400" dirty="0">
                 <a:latin typeface="Roboto" charset="0"/>
                 <a:ea typeface="Roboto" charset="0"/>
                 <a:cs typeface="Roboto" charset="0"/>
               </a:rPr>
-              <a:t>	python tag_writer.py</a:t>
+              <a:t>	</a:t>
+            </a:r>
+            <a:r>
+              <a:rPr lang="en-US" sz="1400" i="1" dirty="0">
+                <a:latin typeface="Roboto" charset="0"/>
+                <a:ea typeface="Roboto" charset="0"/>
+                <a:cs typeface="Roboto" charset="0"/>
+              </a:rPr>
+              <a:t>python tag_writer.py</a:t>
             </a:r>
           </a:p>
           <a:p>
@@ -22670,7 +23192,7 @@
               </a:spcAft>
             </a:pPr>
             <a:r>
-              <a:rPr lang="en-US" dirty="0">
+              <a:rPr lang="en-US" sz="1400" dirty="0">
                 <a:latin typeface="Roboto" charset="0"/>
                 <a:ea typeface="Roboto" charset="0"/>
                 <a:cs typeface="Roboto" charset="0"/>
@@ -22688,12 +23210,20 @@
               </a:spcAft>
             </a:pPr>
             <a:r>
-              <a:rPr lang="en-US" dirty="0">
+              <a:rPr lang="en-US" sz="1400" dirty="0">
                 <a:latin typeface="Roboto" charset="0"/>
                 <a:ea typeface="Roboto" charset="0"/>
                 <a:cs typeface="Roboto" charset="0"/>
               </a:rPr>
-              <a:t>	python3 tag_writer.py</a:t>
+              <a:t>	</a:t>
+            </a:r>
+            <a:r>
+              <a:rPr lang="en-US" sz="1400" i="1" dirty="0">
+                <a:latin typeface="Roboto" charset="0"/>
+                <a:ea typeface="Roboto" charset="0"/>
+                <a:cs typeface="Roboto" charset="0"/>
+              </a:rPr>
+              <a:t>python3 tag_writer.py</a:t>
             </a:r>
           </a:p>
           <a:p>
@@ -22706,7 +23236,51 @@
               </a:spcAft>
             </a:pPr>
             <a:r>
-              <a:rPr lang="en-US" dirty="0">
+              <a:rPr lang="en-US" sz="1400" dirty="0">
+                <a:latin typeface="Roboto" charset="0"/>
+                <a:ea typeface="Roboto" charset="0"/>
+                <a:cs typeface="Roboto" charset="0"/>
+              </a:rPr>
+              <a:t>             or</a:t>
+            </a:r>
+          </a:p>
+          <a:p>
+            <a:pPr>
+              <a:lnSpc>
+                <a:spcPct val="90000"/>
+              </a:lnSpc>
+              <a:spcAft>
+                <a:spcPts val="1000"/>
+              </a:spcAft>
+            </a:pPr>
+            <a:r>
+              <a:rPr lang="en-US" sz="1400" dirty="0">
+                <a:latin typeface="Roboto" charset="0"/>
+                <a:ea typeface="Roboto" charset="0"/>
+                <a:cs typeface="Roboto" charset="0"/>
+              </a:rPr>
+              <a:t>          </a:t>
+            </a:r>
+            <a:r>
+              <a:rPr lang="en-US" sz="1400" i="1" dirty="0">
+                <a:latin typeface="Roboto" charset="0"/>
+                <a:ea typeface="Roboto" charset="0"/>
+                <a:cs typeface="Roboto" charset="0"/>
+              </a:rPr>
+              <a:t>tag_writer.exe</a:t>
+            </a:r>
+          </a:p>
+          <a:p>
+            <a:pPr>
+              <a:lnSpc>
+                <a:spcPct val="90000"/>
+              </a:lnSpc>
+              <a:spcAft>
+                <a:spcPts val="1000"/>
+              </a:spcAft>
+            </a:pPr>
+            <a:r>
+              <a:rPr lang="en-US" sz="1400" dirty="0">
                 <a:latin typeface="Roboto" charset="0"/>
                 <a:ea typeface="Roboto" charset="0"/>
                 <a:cs typeface="Roboto" charset="0"/>
@@ -22738,7 +23312,7 @@
         </p:blipFill>
         <p:spPr>
           <a:xfrm>
-            <a:off x="869949" y="3145972"/>
+            <a:off x="907987" y="3429000"/>
             <a:ext cx="10448925" cy="2667000"/>
           </a:xfrm>
           <a:prstGeom prst="rect">
@@ -22772,6 +23346,5785 @@
 </file>
 
 <file path=ppt/slides/slide12.xml><?xml version="1.0" encoding="utf-8"?>
+<p:sld xmlns:a="http://schemas.openxmlformats.org/drawingml/2006/main" xmlns:r="http://schemas.openxmlformats.org/officeDocument/2006/relationships" xmlns:p="http://schemas.openxmlformats.org/presentationml/2006/main">
+  <p:cSld>
+    <p:spTree>
+      <p:nvGrpSpPr>
+        <p:cNvPr id="1" name="">
+          <a:extLst>
+            <a:ext uri="{FF2B5EF4-FFF2-40B4-BE49-F238E27FC236}">
+              <a16:creationId xmlns:a16="http://schemas.microsoft.com/office/drawing/2014/main" id="{D4D91945-7C7C-B18D-9C6C-9308DC4E5204}"/>
+            </a:ext>
+          </a:extLst>
+        </p:cNvPr>
+        <p:cNvGrpSpPr/>
+        <p:nvPr/>
+      </p:nvGrpSpPr>
+      <p:grpSpPr>
+        <a:xfrm>
+          <a:off x="0" y="0"/>
+          <a:ext cx="0" cy="0"/>
+          <a:chOff x="0" y="0"/>
+          <a:chExt cx="0" cy="0"/>
+        </a:xfrm>
+      </p:grpSpPr>
+      <p:sp>
+        <p:nvSpPr>
+          <p:cNvPr id="5" name="Title 4">
+            <a:extLst>
+              <a:ext uri="{FF2B5EF4-FFF2-40B4-BE49-F238E27FC236}">
+                <a16:creationId xmlns:a16="http://schemas.microsoft.com/office/drawing/2014/main" id="{87AC1FA1-E8BF-7F72-8DD1-56691135D7E4}"/>
+              </a:ext>
+            </a:extLst>
+          </p:cNvPr>
+          <p:cNvSpPr>
+            <a:spLocks noGrp="1"/>
+          </p:cNvSpPr>
+          <p:nvPr>
+            <p:ph type="title"/>
+          </p:nvPr>
+        </p:nvSpPr>
+        <p:spPr/>
+        <p:txBody>
+          <a:bodyPr/>
+          <a:lstStyle/>
+          <a:p>
+            <a:r>
+              <a:rPr lang="en-US" dirty="0"/>
+              <a:t>Optional Command Line Arguments</a:t>
+            </a:r>
+            <a:endParaRPr lang="en-IN" dirty="0"/>
+          </a:p>
+        </p:txBody>
+      </p:sp>
+      <p:sp>
+        <p:nvSpPr>
+          <p:cNvPr id="6" name="TextBox 5">
+            <a:extLst>
+              <a:ext uri="{FF2B5EF4-FFF2-40B4-BE49-F238E27FC236}">
+                <a16:creationId xmlns:a16="http://schemas.microsoft.com/office/drawing/2014/main" id="{0D81DC31-68C0-6A7D-CF8A-16D5DAED1CD3}"/>
+              </a:ext>
+            </a:extLst>
+          </p:cNvPr>
+          <p:cNvSpPr txBox="1"/>
+          <p:nvPr/>
+        </p:nvSpPr>
+        <p:spPr>
+          <a:xfrm>
+            <a:off x="688477" y="1064288"/>
+            <a:ext cx="10989174" cy="4729424"/>
+          </a:xfrm>
+          <a:prstGeom prst="rect">
+            <a:avLst/>
+          </a:prstGeom>
+          <a:noFill/>
+        </p:spPr>
+        <p:txBody>
+          <a:bodyPr wrap="square" lIns="0" tIns="0" rIns="0" bIns="0" rtlCol="0">
+            <a:noAutofit/>
+          </a:bodyPr>
+          <a:lstStyle/>
+          <a:p>
+            <a:pPr>
+              <a:lnSpc>
+                <a:spcPct val="90000"/>
+              </a:lnSpc>
+              <a:spcAft>
+                <a:spcPts val="1000"/>
+              </a:spcAft>
+            </a:pPr>
+            <a:r>
+              <a:rPr lang="en-US" sz="1100" dirty="0">
+                <a:latin typeface="Courier New" panose="02070309020205020404" pitchFamily="49" charset="0"/>
+                <a:ea typeface="Roboto" charset="0"/>
+                <a:cs typeface="Courier New" panose="02070309020205020404" pitchFamily="49" charset="0"/>
+              </a:rPr>
+              <a:t> --</a:t>
+            </a:r>
+            <a:r>
+              <a:rPr lang="en-US" sz="1100" b="1" dirty="0">
+                <a:latin typeface="Courier New" panose="02070309020205020404" pitchFamily="49" charset="0"/>
+                <a:ea typeface="Roboto" charset="0"/>
+                <a:cs typeface="Courier New" panose="02070309020205020404" pitchFamily="49" charset="0"/>
+              </a:rPr>
+              <a:t>help</a:t>
+            </a:r>
+          </a:p>
+          <a:p>
+            <a:pPr>
+              <a:lnSpc>
+                <a:spcPct val="90000"/>
+              </a:lnSpc>
+              <a:spcAft>
+                <a:spcPts val="1000"/>
+              </a:spcAft>
+            </a:pPr>
+            <a:r>
+              <a:rPr lang="en-US" sz="1100" dirty="0">
+                <a:latin typeface="Courier New" panose="02070309020205020404" pitchFamily="49" charset="0"/>
+                <a:ea typeface="Roboto" charset="0"/>
+                <a:cs typeface="Courier New" panose="02070309020205020404" pitchFamily="49" charset="0"/>
+              </a:rPr>
+              <a:t>	  Displays this help message with all command line options.</a:t>
+            </a:r>
+          </a:p>
+          <a:p>
+            <a:pPr>
+              <a:lnSpc>
+                <a:spcPct val="90000"/>
+              </a:lnSpc>
+              <a:spcAft>
+                <a:spcPts val="1000"/>
+              </a:spcAft>
+            </a:pPr>
+            <a:r>
+              <a:rPr lang="en-US" sz="1100" dirty="0">
+                <a:latin typeface="Courier New" panose="02070309020205020404" pitchFamily="49" charset="0"/>
+                <a:ea typeface="Roboto" charset="0"/>
+                <a:cs typeface="Courier New" panose="02070309020205020404" pitchFamily="49" charset="0"/>
+              </a:rPr>
+              <a:t> --</a:t>
+            </a:r>
+            <a:r>
+              <a:rPr lang="en-US" sz="1100" b="1" dirty="0" err="1">
+                <a:latin typeface="Courier New" panose="02070309020205020404" pitchFamily="49" charset="0"/>
+                <a:ea typeface="Roboto" charset="0"/>
+                <a:cs typeface="Courier New" panose="02070309020205020404" pitchFamily="49" charset="0"/>
+              </a:rPr>
+              <a:t>catalog_pass</a:t>
+            </a:r>
+            <a:endParaRPr lang="en-US" sz="1100" b="1" dirty="0">
+              <a:latin typeface="Courier New" panose="02070309020205020404" pitchFamily="49" charset="0"/>
+              <a:ea typeface="Roboto" charset="0"/>
+              <a:cs typeface="Courier New" panose="02070309020205020404" pitchFamily="49" charset="0"/>
+            </a:endParaRPr>
+          </a:p>
+          <a:p>
+            <a:pPr>
+              <a:lnSpc>
+                <a:spcPct val="90000"/>
+              </a:lnSpc>
+              <a:spcAft>
+                <a:spcPts val="1000"/>
+              </a:spcAft>
+            </a:pPr>
+            <a:r>
+              <a:rPr lang="en-US" sz="1100" dirty="0">
+                <a:latin typeface="Courier New" panose="02070309020205020404" pitchFamily="49" charset="0"/>
+                <a:ea typeface="Roboto" charset="0"/>
+                <a:cs typeface="Courier New" panose="02070309020205020404" pitchFamily="49" charset="0"/>
+              </a:rPr>
+              <a:t>        The password for the IDMC Catalog (CDGC) user.</a:t>
+            </a:r>
+          </a:p>
+          <a:p>
+            <a:pPr>
+              <a:lnSpc>
+                <a:spcPct val="90000"/>
+              </a:lnSpc>
+              <a:spcAft>
+                <a:spcPts val="1000"/>
+              </a:spcAft>
+            </a:pPr>
+            <a:r>
+              <a:rPr lang="en-US" sz="1100" dirty="0">
+                <a:latin typeface="Courier New" panose="02070309020205020404" pitchFamily="49" charset="0"/>
+                <a:ea typeface="Roboto" charset="0"/>
+                <a:cs typeface="Courier New" panose="02070309020205020404" pitchFamily="49" charset="0"/>
+              </a:rPr>
+              <a:t>        You can provide it as plain text OR as an encrypted value using --</a:t>
+            </a:r>
+            <a:r>
+              <a:rPr lang="en-US" sz="1100" dirty="0" err="1">
+                <a:latin typeface="Courier New" panose="02070309020205020404" pitchFamily="49" charset="0"/>
+                <a:ea typeface="Roboto" charset="0"/>
+                <a:cs typeface="Courier New" panose="02070309020205020404" pitchFamily="49" charset="0"/>
+              </a:rPr>
+              <a:t>encrypted_catalog_pass</a:t>
+            </a:r>
+            <a:r>
+              <a:rPr lang="en-US" sz="1100" dirty="0">
+                <a:latin typeface="Courier New" panose="02070309020205020404" pitchFamily="49" charset="0"/>
+                <a:ea typeface="Roboto" charset="0"/>
+                <a:cs typeface="Courier New" panose="02070309020205020404" pitchFamily="49" charset="0"/>
+              </a:rPr>
+              <a:t>.</a:t>
+            </a:r>
+          </a:p>
+          <a:p>
+            <a:pPr>
+              <a:lnSpc>
+                <a:spcPct val="90000"/>
+              </a:lnSpc>
+              <a:spcAft>
+                <a:spcPts val="1000"/>
+              </a:spcAft>
+            </a:pPr>
+            <a:r>
+              <a:rPr lang="en-US" sz="1100" dirty="0">
+                <a:latin typeface="Courier New" panose="02070309020205020404" pitchFamily="49" charset="0"/>
+                <a:ea typeface="Roboto" charset="0"/>
+                <a:cs typeface="Courier New" panose="02070309020205020404" pitchFamily="49" charset="0"/>
+              </a:rPr>
+              <a:t>        If both are provided, the encrypted password will take precedence.</a:t>
+            </a:r>
+          </a:p>
+          <a:p>
+            <a:pPr>
+              <a:lnSpc>
+                <a:spcPct val="90000"/>
+              </a:lnSpc>
+              <a:spcAft>
+                <a:spcPts val="1000"/>
+              </a:spcAft>
+            </a:pPr>
+            <a:r>
+              <a:rPr lang="en-US" sz="1100" dirty="0">
+                <a:latin typeface="Courier New" panose="02070309020205020404" pitchFamily="49" charset="0"/>
+                <a:ea typeface="Roboto" charset="0"/>
+                <a:cs typeface="Courier New" panose="02070309020205020404" pitchFamily="49" charset="0"/>
+              </a:rPr>
+              <a:t>        Example:</a:t>
+            </a:r>
+          </a:p>
+          <a:p>
+            <a:pPr>
+              <a:lnSpc>
+                <a:spcPct val="90000"/>
+              </a:lnSpc>
+              <a:spcAft>
+                <a:spcPts val="1000"/>
+              </a:spcAft>
+            </a:pPr>
+            <a:r>
+              <a:rPr lang="en-US" sz="1100" dirty="0">
+                <a:latin typeface="Courier New" panose="02070309020205020404" pitchFamily="49" charset="0"/>
+                <a:ea typeface="Roboto" charset="0"/>
+                <a:cs typeface="Courier New" panose="02070309020205020404" pitchFamily="49" charset="0"/>
+              </a:rPr>
+              <a:t>            --</a:t>
+            </a:r>
+            <a:r>
+              <a:rPr lang="en-US" sz="1100" dirty="0" err="1">
+                <a:latin typeface="Courier New" panose="02070309020205020404" pitchFamily="49" charset="0"/>
+                <a:ea typeface="Roboto" charset="0"/>
+                <a:cs typeface="Courier New" panose="02070309020205020404" pitchFamily="49" charset="0"/>
+              </a:rPr>
+              <a:t>catalog_pass</a:t>
+            </a:r>
+            <a:r>
+              <a:rPr lang="en-US" sz="1100" dirty="0">
+                <a:latin typeface="Courier New" panose="02070309020205020404" pitchFamily="49" charset="0"/>
+                <a:ea typeface="Roboto" charset="0"/>
+                <a:cs typeface="Courier New" panose="02070309020205020404" pitchFamily="49" charset="0"/>
+              </a:rPr>
+              <a:t>=</a:t>
+            </a:r>
+            <a:r>
+              <a:rPr lang="en-US" sz="1100" dirty="0" err="1">
+                <a:latin typeface="Courier New" panose="02070309020205020404" pitchFamily="49" charset="0"/>
+                <a:ea typeface="Roboto" charset="0"/>
+                <a:cs typeface="Courier New" panose="02070309020205020404" pitchFamily="49" charset="0"/>
+              </a:rPr>
+              <a:t>MySecretPassword</a:t>
+            </a:r>
+            <a:endParaRPr lang="en-US" sz="1100" dirty="0">
+              <a:latin typeface="Courier New" panose="02070309020205020404" pitchFamily="49" charset="0"/>
+              <a:ea typeface="Roboto" charset="0"/>
+              <a:cs typeface="Courier New" panose="02070309020205020404" pitchFamily="49" charset="0"/>
+            </a:endParaRPr>
+          </a:p>
+          <a:p>
+            <a:pPr>
+              <a:lnSpc>
+                <a:spcPct val="90000"/>
+              </a:lnSpc>
+              <a:spcAft>
+                <a:spcPts val="1000"/>
+              </a:spcAft>
+            </a:pPr>
+            <a:endParaRPr lang="en-US" sz="1100" dirty="0">
+              <a:latin typeface="Courier New" panose="02070309020205020404" pitchFamily="49" charset="0"/>
+              <a:ea typeface="Roboto" charset="0"/>
+              <a:cs typeface="Courier New" panose="02070309020205020404" pitchFamily="49" charset="0"/>
+            </a:endParaRPr>
+          </a:p>
+          <a:p>
+            <a:pPr>
+              <a:lnSpc>
+                <a:spcPct val="90000"/>
+              </a:lnSpc>
+              <a:spcAft>
+                <a:spcPts val="1000"/>
+              </a:spcAft>
+            </a:pPr>
+            <a:r>
+              <a:rPr lang="en-US" sz="1100" dirty="0">
+                <a:latin typeface="Courier New" panose="02070309020205020404" pitchFamily="49" charset="0"/>
+                <a:ea typeface="Roboto" charset="0"/>
+                <a:cs typeface="Courier New" panose="02070309020205020404" pitchFamily="49" charset="0"/>
+              </a:rPr>
+              <a:t> --</a:t>
+            </a:r>
+            <a:r>
+              <a:rPr lang="en-US" sz="1100" b="1" dirty="0" err="1">
+                <a:latin typeface="Courier New" panose="02070309020205020404" pitchFamily="49" charset="0"/>
+                <a:ea typeface="Roboto" charset="0"/>
+                <a:cs typeface="Courier New" panose="02070309020205020404" pitchFamily="49" charset="0"/>
+              </a:rPr>
+              <a:t>encrypted_catalog_pass</a:t>
+            </a:r>
+            <a:endParaRPr lang="en-US" sz="1100" b="1" dirty="0">
+              <a:latin typeface="Courier New" panose="02070309020205020404" pitchFamily="49" charset="0"/>
+              <a:ea typeface="Roboto" charset="0"/>
+              <a:cs typeface="Courier New" panose="02070309020205020404" pitchFamily="49" charset="0"/>
+            </a:endParaRPr>
+          </a:p>
+          <a:p>
+            <a:pPr>
+              <a:lnSpc>
+                <a:spcPct val="90000"/>
+              </a:lnSpc>
+              <a:spcAft>
+                <a:spcPts val="1000"/>
+              </a:spcAft>
+            </a:pPr>
+            <a:r>
+              <a:rPr lang="en-US" sz="1100" dirty="0">
+                <a:latin typeface="Courier New" panose="02070309020205020404" pitchFamily="49" charset="0"/>
+                <a:ea typeface="Roboto" charset="0"/>
+                <a:cs typeface="Courier New" panose="02070309020205020404" pitchFamily="49" charset="0"/>
+              </a:rPr>
+              <a:t>        An encrypted version of the IDMC Catalog (CDGC) password.</a:t>
+            </a:r>
+          </a:p>
+          <a:p>
+            <a:pPr>
+              <a:lnSpc>
+                <a:spcPct val="90000"/>
+              </a:lnSpc>
+              <a:spcAft>
+                <a:spcPts val="1000"/>
+              </a:spcAft>
+            </a:pPr>
+            <a:r>
+              <a:rPr lang="en-US" sz="1100" dirty="0">
+                <a:latin typeface="Courier New" panose="02070309020205020404" pitchFamily="49" charset="0"/>
+                <a:ea typeface="Roboto" charset="0"/>
+                <a:cs typeface="Courier New" panose="02070309020205020404" pitchFamily="49" charset="0"/>
+              </a:rPr>
+              <a:t>        * See the Encryption related options to see how to create encrypted passwords</a:t>
+            </a:r>
+          </a:p>
+          <a:p>
+            <a:pPr>
+              <a:lnSpc>
+                <a:spcPct val="90000"/>
+              </a:lnSpc>
+              <a:spcAft>
+                <a:spcPts val="1000"/>
+              </a:spcAft>
+            </a:pPr>
+            <a:r>
+              <a:rPr lang="en-US" sz="1100" dirty="0">
+                <a:latin typeface="Courier New" panose="02070309020205020404" pitchFamily="49" charset="0"/>
+                <a:ea typeface="Roboto" charset="0"/>
+                <a:cs typeface="Courier New" panose="02070309020205020404" pitchFamily="49" charset="0"/>
+              </a:rPr>
+              <a:t>        If provided alongside --</a:t>
+            </a:r>
+            <a:r>
+              <a:rPr lang="en-US" sz="1100" dirty="0" err="1">
+                <a:latin typeface="Courier New" panose="02070309020205020404" pitchFamily="49" charset="0"/>
+                <a:ea typeface="Roboto" charset="0"/>
+                <a:cs typeface="Courier New" panose="02070309020205020404" pitchFamily="49" charset="0"/>
+              </a:rPr>
+              <a:t>catalog_pass</a:t>
+            </a:r>
+            <a:r>
+              <a:rPr lang="en-US" sz="1100" dirty="0">
+                <a:latin typeface="Courier New" panose="02070309020205020404" pitchFamily="49" charset="0"/>
+                <a:ea typeface="Roboto" charset="0"/>
+                <a:cs typeface="Courier New" panose="02070309020205020404" pitchFamily="49" charset="0"/>
+              </a:rPr>
+              <a:t>, this value will be used instead.</a:t>
+            </a:r>
+          </a:p>
+          <a:p>
+            <a:pPr>
+              <a:lnSpc>
+                <a:spcPct val="90000"/>
+              </a:lnSpc>
+              <a:spcAft>
+                <a:spcPts val="1000"/>
+              </a:spcAft>
+            </a:pPr>
+            <a:r>
+              <a:rPr lang="en-US" sz="1100" dirty="0">
+                <a:latin typeface="Courier New" panose="02070309020205020404" pitchFamily="49" charset="0"/>
+                <a:ea typeface="Roboto" charset="0"/>
+                <a:cs typeface="Courier New" panose="02070309020205020404" pitchFamily="49" charset="0"/>
+              </a:rPr>
+              <a:t>        The script will decrypt this automatically.</a:t>
+            </a:r>
+          </a:p>
+          <a:p>
+            <a:pPr>
+              <a:lnSpc>
+                <a:spcPct val="90000"/>
+              </a:lnSpc>
+              <a:spcAft>
+                <a:spcPts val="1000"/>
+              </a:spcAft>
+            </a:pPr>
+            <a:r>
+              <a:rPr lang="en-US" sz="1100" dirty="0">
+                <a:latin typeface="Courier New" panose="02070309020205020404" pitchFamily="49" charset="0"/>
+                <a:ea typeface="Roboto" charset="0"/>
+                <a:cs typeface="Courier New" panose="02070309020205020404" pitchFamily="49" charset="0"/>
+              </a:rPr>
+              <a:t>        Example:</a:t>
+            </a:r>
+          </a:p>
+          <a:p>
+            <a:pPr>
+              <a:lnSpc>
+                <a:spcPct val="90000"/>
+              </a:lnSpc>
+              <a:spcAft>
+                <a:spcPts val="1000"/>
+              </a:spcAft>
+            </a:pPr>
+            <a:r>
+              <a:rPr lang="en-US" sz="1100" dirty="0">
+                <a:latin typeface="Courier New" panose="02070309020205020404" pitchFamily="49" charset="0"/>
+                <a:ea typeface="Roboto" charset="0"/>
+                <a:cs typeface="Courier New" panose="02070309020205020404" pitchFamily="49" charset="0"/>
+              </a:rPr>
+              <a:t>            --</a:t>
+            </a:r>
+            <a:r>
+              <a:rPr lang="en-US" sz="1100" dirty="0" err="1">
+                <a:latin typeface="Courier New" panose="02070309020205020404" pitchFamily="49" charset="0"/>
+                <a:ea typeface="Roboto" charset="0"/>
+                <a:cs typeface="Courier New" panose="02070309020205020404" pitchFamily="49" charset="0"/>
+              </a:rPr>
+              <a:t>encrypted_catalog_pass</a:t>
+            </a:r>
+            <a:r>
+              <a:rPr lang="en-US" sz="1100" dirty="0">
+                <a:latin typeface="Courier New" panose="02070309020205020404" pitchFamily="49" charset="0"/>
+                <a:ea typeface="Roboto" charset="0"/>
+                <a:cs typeface="Courier New" panose="02070309020205020404" pitchFamily="49" charset="0"/>
+              </a:rPr>
+              <a:t>=</a:t>
+            </a:r>
+            <a:r>
+              <a:rPr lang="en-US" sz="1100" dirty="0" err="1">
+                <a:latin typeface="Courier New" panose="02070309020205020404" pitchFamily="49" charset="0"/>
+                <a:ea typeface="Roboto" charset="0"/>
+                <a:cs typeface="Courier New" panose="02070309020205020404" pitchFamily="49" charset="0"/>
+              </a:rPr>
+              <a:t>gAAAAABobs</a:t>
+            </a:r>
+            <a:r>
+              <a:rPr lang="en-US" sz="1100" dirty="0">
+                <a:latin typeface="Courier New" panose="02070309020205020404" pitchFamily="49" charset="0"/>
+                <a:ea typeface="Roboto" charset="0"/>
+                <a:cs typeface="Courier New" panose="02070309020205020404" pitchFamily="49" charset="0"/>
+              </a:rPr>
+              <a:t>...</a:t>
+            </a:r>
+          </a:p>
+        </p:txBody>
+      </p:sp>
+    </p:spTree>
+    <p:extLst>
+      <p:ext uri="{BB962C8B-B14F-4D97-AF65-F5344CB8AC3E}">
+        <p14:creationId xmlns:p14="http://schemas.microsoft.com/office/powerpoint/2010/main" val="4093756067"/>
+      </p:ext>
+    </p:extLst>
+  </p:cSld>
+  <p:clrMapOvr>
+    <a:masterClrMapping/>
+  </p:clrMapOvr>
+  <mc:AlternateContent xmlns:mc="http://schemas.openxmlformats.org/markup-compatibility/2006" xmlns:p14="http://schemas.microsoft.com/office/powerpoint/2010/main">
+    <mc:Choice Requires="p14">
+      <p:transition spd="med" p14:dur="700" advClick="0">
+        <p:fade/>
+      </p:transition>
+    </mc:Choice>
+    <mc:Fallback xmlns="">
+      <p:transition spd="med" advClick="0">
+        <p:fade/>
+      </p:transition>
+    </mc:Fallback>
+  </mc:AlternateContent>
+</p:sld>
+</file>
+
+<file path=ppt/slides/slide13.xml><?xml version="1.0" encoding="utf-8"?>
+<p:sld xmlns:a="http://schemas.openxmlformats.org/drawingml/2006/main" xmlns:r="http://schemas.openxmlformats.org/officeDocument/2006/relationships" xmlns:p="http://schemas.openxmlformats.org/presentationml/2006/main">
+  <p:cSld>
+    <p:spTree>
+      <p:nvGrpSpPr>
+        <p:cNvPr id="1" name="">
+          <a:extLst>
+            <a:ext uri="{FF2B5EF4-FFF2-40B4-BE49-F238E27FC236}">
+              <a16:creationId xmlns:a16="http://schemas.microsoft.com/office/drawing/2014/main" id="{654E1436-28D2-0863-F574-06C25BAD78DC}"/>
+            </a:ext>
+          </a:extLst>
+        </p:cNvPr>
+        <p:cNvGrpSpPr/>
+        <p:nvPr/>
+      </p:nvGrpSpPr>
+      <p:grpSpPr>
+        <a:xfrm>
+          <a:off x="0" y="0"/>
+          <a:ext cx="0" cy="0"/>
+          <a:chOff x="0" y="0"/>
+          <a:chExt cx="0" cy="0"/>
+        </a:xfrm>
+      </p:grpSpPr>
+      <p:sp>
+        <p:nvSpPr>
+          <p:cNvPr id="5" name="Title 4">
+            <a:extLst>
+              <a:ext uri="{FF2B5EF4-FFF2-40B4-BE49-F238E27FC236}">
+                <a16:creationId xmlns:a16="http://schemas.microsoft.com/office/drawing/2014/main" id="{323655B6-1DAF-8A01-85AE-5E91FE1136C4}"/>
+              </a:ext>
+            </a:extLst>
+          </p:cNvPr>
+          <p:cNvSpPr>
+            <a:spLocks noGrp="1"/>
+          </p:cNvSpPr>
+          <p:nvPr>
+            <p:ph type="title"/>
+          </p:nvPr>
+        </p:nvSpPr>
+        <p:spPr/>
+        <p:txBody>
+          <a:bodyPr/>
+          <a:lstStyle/>
+          <a:p>
+            <a:r>
+              <a:rPr lang="en-US" dirty="0"/>
+              <a:t>Optional Command Line Arguments (continued)</a:t>
+            </a:r>
+            <a:endParaRPr lang="en-IN" dirty="0"/>
+          </a:p>
+        </p:txBody>
+      </p:sp>
+      <p:sp>
+        <p:nvSpPr>
+          <p:cNvPr id="6" name="TextBox 5">
+            <a:extLst>
+              <a:ext uri="{FF2B5EF4-FFF2-40B4-BE49-F238E27FC236}">
+                <a16:creationId xmlns:a16="http://schemas.microsoft.com/office/drawing/2014/main" id="{48FFDB22-E098-5426-5C77-F5F71E034ECC}"/>
+              </a:ext>
+            </a:extLst>
+          </p:cNvPr>
+          <p:cNvSpPr txBox="1"/>
+          <p:nvPr/>
+        </p:nvSpPr>
+        <p:spPr>
+          <a:xfrm>
+            <a:off x="717177" y="1045029"/>
+            <a:ext cx="10830054" cy="4898571"/>
+          </a:xfrm>
+          <a:prstGeom prst="rect">
+            <a:avLst/>
+          </a:prstGeom>
+          <a:noFill/>
+        </p:spPr>
+        <p:txBody>
+          <a:bodyPr wrap="square" lIns="0" tIns="0" rIns="0" bIns="0" rtlCol="0">
+            <a:noAutofit/>
+          </a:bodyPr>
+          <a:lstStyle/>
+          <a:p>
+            <a:pPr>
+              <a:lnSpc>
+                <a:spcPct val="90000"/>
+              </a:lnSpc>
+              <a:spcAft>
+                <a:spcPts val="1000"/>
+              </a:spcAft>
+            </a:pPr>
+            <a:r>
+              <a:rPr lang="en-US" sz="1100" dirty="0">
+                <a:latin typeface="Courier New" panose="02070309020205020404" pitchFamily="49" charset="0"/>
+                <a:ea typeface="Roboto" charset="0"/>
+                <a:cs typeface="Courier New" panose="02070309020205020404" pitchFamily="49" charset="0"/>
+              </a:rPr>
+              <a:t> --</a:t>
+            </a:r>
+            <a:r>
+              <a:rPr lang="en-US" sz="1100" b="1" dirty="0" err="1">
+                <a:latin typeface="Courier New" panose="02070309020205020404" pitchFamily="49" charset="0"/>
+                <a:ea typeface="Roboto" charset="0"/>
+                <a:cs typeface="Courier New" panose="02070309020205020404" pitchFamily="49" charset="0"/>
+              </a:rPr>
+              <a:t>catalog_user</a:t>
+            </a:r>
+            <a:endParaRPr lang="en-US" sz="1100" b="1" dirty="0">
+              <a:latin typeface="Courier New" panose="02070309020205020404" pitchFamily="49" charset="0"/>
+              <a:ea typeface="Roboto" charset="0"/>
+              <a:cs typeface="Courier New" panose="02070309020205020404" pitchFamily="49" charset="0"/>
+            </a:endParaRPr>
+          </a:p>
+          <a:p>
+            <a:pPr>
+              <a:lnSpc>
+                <a:spcPct val="90000"/>
+              </a:lnSpc>
+              <a:spcAft>
+                <a:spcPts val="1000"/>
+              </a:spcAft>
+            </a:pPr>
+            <a:r>
+              <a:rPr lang="en-US" sz="1100" dirty="0">
+                <a:latin typeface="Courier New" panose="02070309020205020404" pitchFamily="49" charset="0"/>
+                <a:ea typeface="Roboto" charset="0"/>
+                <a:cs typeface="Courier New" panose="02070309020205020404" pitchFamily="49" charset="0"/>
+              </a:rPr>
+              <a:t>        The username to connect to the IDMC Catalog (CDGC).</a:t>
+            </a:r>
+          </a:p>
+          <a:p>
+            <a:pPr>
+              <a:lnSpc>
+                <a:spcPct val="90000"/>
+              </a:lnSpc>
+              <a:spcAft>
+                <a:spcPts val="1000"/>
+              </a:spcAft>
+            </a:pPr>
+            <a:r>
+              <a:rPr lang="en-US" sz="1100" dirty="0">
+                <a:latin typeface="Courier New" panose="02070309020205020404" pitchFamily="49" charset="0"/>
+                <a:ea typeface="Roboto" charset="0"/>
+                <a:cs typeface="Courier New" panose="02070309020205020404" pitchFamily="49" charset="0"/>
+              </a:rPr>
+              <a:t>        If not specified, the script will look for this in the config.ini file.</a:t>
+            </a:r>
+          </a:p>
+          <a:p>
+            <a:pPr>
+              <a:lnSpc>
+                <a:spcPct val="90000"/>
+              </a:lnSpc>
+              <a:spcAft>
+                <a:spcPts val="1000"/>
+              </a:spcAft>
+            </a:pPr>
+            <a:r>
+              <a:rPr lang="en-US" sz="1100" dirty="0">
+                <a:latin typeface="Courier New" panose="02070309020205020404" pitchFamily="49" charset="0"/>
+                <a:ea typeface="Roboto" charset="0"/>
+                <a:cs typeface="Courier New" panose="02070309020205020404" pitchFamily="49" charset="0"/>
+              </a:rPr>
+              <a:t>        Example:</a:t>
+            </a:r>
+          </a:p>
+          <a:p>
+            <a:pPr>
+              <a:lnSpc>
+                <a:spcPct val="90000"/>
+              </a:lnSpc>
+              <a:spcAft>
+                <a:spcPts val="1000"/>
+              </a:spcAft>
+            </a:pPr>
+            <a:r>
+              <a:rPr lang="en-US" sz="1100" dirty="0">
+                <a:latin typeface="Courier New" panose="02070309020205020404" pitchFamily="49" charset="0"/>
+                <a:ea typeface="Roboto" charset="0"/>
+                <a:cs typeface="Courier New" panose="02070309020205020404" pitchFamily="49" charset="0"/>
+              </a:rPr>
+              <a:t>            --</a:t>
+            </a:r>
+            <a:r>
+              <a:rPr lang="en-US" sz="1100" dirty="0" err="1">
+                <a:latin typeface="Courier New" panose="02070309020205020404" pitchFamily="49" charset="0"/>
+                <a:ea typeface="Roboto" charset="0"/>
+                <a:cs typeface="Courier New" panose="02070309020205020404" pitchFamily="49" charset="0"/>
+              </a:rPr>
+              <a:t>catalog_user</a:t>
+            </a:r>
+            <a:r>
+              <a:rPr lang="en-US" sz="1100" dirty="0">
+                <a:latin typeface="Courier New" panose="02070309020205020404" pitchFamily="49" charset="0"/>
+                <a:ea typeface="Roboto" charset="0"/>
+                <a:cs typeface="Courier New" panose="02070309020205020404" pitchFamily="49" charset="0"/>
+              </a:rPr>
+              <a:t>=</a:t>
+            </a:r>
+            <a:r>
+              <a:rPr lang="en-US" sz="1100" dirty="0" err="1">
+                <a:latin typeface="Courier New" panose="02070309020205020404" pitchFamily="49" charset="0"/>
+                <a:ea typeface="Roboto" charset="0"/>
+                <a:cs typeface="Courier New" panose="02070309020205020404" pitchFamily="49" charset="0"/>
+              </a:rPr>
+              <a:t>shayes_compass</a:t>
+            </a:r>
+            <a:endParaRPr lang="en-US" sz="1100" dirty="0">
+              <a:latin typeface="Courier New" panose="02070309020205020404" pitchFamily="49" charset="0"/>
+              <a:ea typeface="Roboto" charset="0"/>
+              <a:cs typeface="Courier New" panose="02070309020205020404" pitchFamily="49" charset="0"/>
+            </a:endParaRPr>
+          </a:p>
+          <a:p>
+            <a:pPr>
+              <a:lnSpc>
+                <a:spcPct val="90000"/>
+              </a:lnSpc>
+              <a:spcAft>
+                <a:spcPts val="1000"/>
+              </a:spcAft>
+            </a:pPr>
+            <a:endParaRPr lang="en-US" sz="1100" dirty="0">
+              <a:latin typeface="Courier New" panose="02070309020205020404" pitchFamily="49" charset="0"/>
+              <a:ea typeface="Roboto" charset="0"/>
+              <a:cs typeface="Courier New" panose="02070309020205020404" pitchFamily="49" charset="0"/>
+            </a:endParaRPr>
+          </a:p>
+          <a:p>
+            <a:pPr>
+              <a:lnSpc>
+                <a:spcPct val="90000"/>
+              </a:lnSpc>
+              <a:spcAft>
+                <a:spcPts val="1000"/>
+              </a:spcAft>
+            </a:pPr>
+            <a:r>
+              <a:rPr lang="en-US" sz="1100" dirty="0">
+                <a:latin typeface="Courier New" panose="02070309020205020404" pitchFamily="49" charset="0"/>
+                <a:ea typeface="Roboto" charset="0"/>
+                <a:cs typeface="Courier New" panose="02070309020205020404" pitchFamily="49" charset="0"/>
+              </a:rPr>
+              <a:t>--</a:t>
+            </a:r>
+            <a:r>
+              <a:rPr lang="en-US" sz="1100" b="1" dirty="0" err="1">
+                <a:latin typeface="Courier New" panose="02070309020205020404" pitchFamily="49" charset="0"/>
+                <a:ea typeface="Roboto" charset="0"/>
+                <a:cs typeface="Courier New" panose="02070309020205020404" pitchFamily="49" charset="0"/>
+              </a:rPr>
+              <a:t>idmc_pod</a:t>
+            </a:r>
+            <a:endParaRPr lang="en-US" sz="1100" b="1" dirty="0">
+              <a:latin typeface="Courier New" panose="02070309020205020404" pitchFamily="49" charset="0"/>
+              <a:ea typeface="Roboto" charset="0"/>
+              <a:cs typeface="Courier New" panose="02070309020205020404" pitchFamily="49" charset="0"/>
+            </a:endParaRPr>
+          </a:p>
+          <a:p>
+            <a:pPr>
+              <a:lnSpc>
+                <a:spcPct val="90000"/>
+              </a:lnSpc>
+              <a:spcAft>
+                <a:spcPts val="1000"/>
+              </a:spcAft>
+            </a:pPr>
+            <a:r>
+              <a:rPr lang="en-US" sz="1100" dirty="0">
+                <a:latin typeface="Courier New" panose="02070309020205020404" pitchFamily="49" charset="0"/>
+                <a:ea typeface="Roboto" charset="0"/>
+                <a:cs typeface="Courier New" panose="02070309020205020404" pitchFamily="49" charset="0"/>
+              </a:rPr>
+              <a:t>        The IDMC pod identifier to connect to.</a:t>
+            </a:r>
+          </a:p>
+          <a:p>
+            <a:pPr>
+              <a:lnSpc>
+                <a:spcPct val="90000"/>
+              </a:lnSpc>
+              <a:spcAft>
+                <a:spcPts val="1000"/>
+              </a:spcAft>
+            </a:pPr>
+            <a:r>
+              <a:rPr lang="en-US" sz="1100" dirty="0">
+                <a:latin typeface="Courier New" panose="02070309020205020404" pitchFamily="49" charset="0"/>
+                <a:ea typeface="Roboto" charset="0"/>
+                <a:cs typeface="Courier New" panose="02070309020205020404" pitchFamily="49" charset="0"/>
+              </a:rPr>
+              <a:t>		If you're unsure of the pod, look at your URL for your login.</a:t>
+            </a:r>
+          </a:p>
+          <a:p>
+            <a:pPr>
+              <a:lnSpc>
+                <a:spcPct val="90000"/>
+              </a:lnSpc>
+              <a:spcAft>
+                <a:spcPts val="1000"/>
+              </a:spcAft>
+            </a:pPr>
+            <a:r>
+              <a:rPr lang="en-US" sz="1100" dirty="0">
+                <a:latin typeface="Courier New" panose="02070309020205020404" pitchFamily="49" charset="0"/>
+                <a:ea typeface="Roboto" charset="0"/>
+                <a:cs typeface="Courier New" panose="02070309020205020404" pitchFamily="49" charset="0"/>
+              </a:rPr>
+              <a:t>		It'll be the string just before "informaticacloud.com"</a:t>
+            </a:r>
+          </a:p>
+          <a:p>
+            <a:pPr>
+              <a:lnSpc>
+                <a:spcPct val="90000"/>
+              </a:lnSpc>
+              <a:spcAft>
+                <a:spcPts val="1000"/>
+              </a:spcAft>
+            </a:pPr>
+            <a:r>
+              <a:rPr lang="en-US" sz="1100" dirty="0">
+                <a:latin typeface="Courier New" panose="02070309020205020404" pitchFamily="49" charset="0"/>
+                <a:ea typeface="Roboto" charset="0"/>
+                <a:cs typeface="Courier New" panose="02070309020205020404" pitchFamily="49" charset="0"/>
+              </a:rPr>
+              <a:t>		For https://dm-us.informaticacloud.com/identity-service/home it is "dm-us"</a:t>
+            </a:r>
+          </a:p>
+          <a:p>
+            <a:pPr>
+              <a:lnSpc>
+                <a:spcPct val="90000"/>
+              </a:lnSpc>
+              <a:spcAft>
+                <a:spcPts val="1000"/>
+              </a:spcAft>
+            </a:pPr>
+            <a:r>
+              <a:rPr lang="en-US" sz="1100" dirty="0">
+                <a:latin typeface="Courier New" panose="02070309020205020404" pitchFamily="49" charset="0"/>
+                <a:ea typeface="Roboto" charset="0"/>
+                <a:cs typeface="Courier New" panose="02070309020205020404" pitchFamily="49" charset="0"/>
+              </a:rPr>
+              <a:t>        Example:</a:t>
+            </a:r>
+          </a:p>
+          <a:p>
+            <a:pPr>
+              <a:lnSpc>
+                <a:spcPct val="90000"/>
+              </a:lnSpc>
+              <a:spcAft>
+                <a:spcPts val="1000"/>
+              </a:spcAft>
+            </a:pPr>
+            <a:r>
+              <a:rPr lang="en-US" sz="1100" dirty="0">
+                <a:latin typeface="Courier New" panose="02070309020205020404" pitchFamily="49" charset="0"/>
+                <a:ea typeface="Roboto" charset="0"/>
+                <a:cs typeface="Courier New" panose="02070309020205020404" pitchFamily="49" charset="0"/>
+              </a:rPr>
+              <a:t>            --</a:t>
+            </a:r>
+            <a:r>
+              <a:rPr lang="en-US" sz="1100" dirty="0" err="1">
+                <a:latin typeface="Courier New" panose="02070309020205020404" pitchFamily="49" charset="0"/>
+                <a:ea typeface="Roboto" charset="0"/>
+                <a:cs typeface="Courier New" panose="02070309020205020404" pitchFamily="49" charset="0"/>
+              </a:rPr>
+              <a:t>idmc_pod</a:t>
+            </a:r>
+            <a:r>
+              <a:rPr lang="en-US" sz="1100" dirty="0">
+                <a:latin typeface="Courier New" panose="02070309020205020404" pitchFamily="49" charset="0"/>
+                <a:ea typeface="Roboto" charset="0"/>
+                <a:cs typeface="Courier New" panose="02070309020205020404" pitchFamily="49" charset="0"/>
+              </a:rPr>
+              <a:t>=dm-us</a:t>
+            </a:r>
+          </a:p>
+          <a:p>
+            <a:pPr>
+              <a:lnSpc>
+                <a:spcPct val="90000"/>
+              </a:lnSpc>
+              <a:spcAft>
+                <a:spcPts val="1000"/>
+              </a:spcAft>
+            </a:pPr>
+            <a:endParaRPr lang="en-US" sz="1100" dirty="0">
+              <a:latin typeface="Courier New" panose="02070309020205020404" pitchFamily="49" charset="0"/>
+              <a:ea typeface="Roboto" charset="0"/>
+              <a:cs typeface="Courier New" panose="02070309020205020404" pitchFamily="49" charset="0"/>
+            </a:endParaRPr>
+          </a:p>
+          <a:p>
+            <a:pPr>
+              <a:lnSpc>
+                <a:spcPct val="90000"/>
+              </a:lnSpc>
+              <a:spcAft>
+                <a:spcPts val="1000"/>
+              </a:spcAft>
+            </a:pPr>
+            <a:r>
+              <a:rPr lang="en-US" sz="1100" dirty="0">
+                <a:latin typeface="Courier New" panose="02070309020205020404" pitchFamily="49" charset="0"/>
+                <a:ea typeface="Roboto" charset="0"/>
+                <a:cs typeface="Courier New" panose="02070309020205020404" pitchFamily="49" charset="0"/>
+              </a:rPr>
+              <a:t> --</a:t>
+            </a:r>
+            <a:r>
+              <a:rPr lang="en-US" sz="1100" b="1" dirty="0" err="1">
+                <a:latin typeface="Courier New" panose="02070309020205020404" pitchFamily="49" charset="0"/>
+                <a:ea typeface="Roboto" charset="0"/>
+                <a:cs typeface="Courier New" panose="02070309020205020404" pitchFamily="49" charset="0"/>
+              </a:rPr>
+              <a:t>catalog_resource_name</a:t>
+            </a:r>
+            <a:endParaRPr lang="en-US" sz="1100" b="1" dirty="0">
+              <a:latin typeface="Courier New" panose="02070309020205020404" pitchFamily="49" charset="0"/>
+              <a:ea typeface="Roboto" charset="0"/>
+              <a:cs typeface="Courier New" panose="02070309020205020404" pitchFamily="49" charset="0"/>
+            </a:endParaRPr>
+          </a:p>
+          <a:p>
+            <a:pPr>
+              <a:lnSpc>
+                <a:spcPct val="90000"/>
+              </a:lnSpc>
+              <a:spcAft>
+                <a:spcPts val="1000"/>
+              </a:spcAft>
+            </a:pPr>
+            <a:r>
+              <a:rPr lang="en-US" sz="1100" dirty="0">
+                <a:latin typeface="Courier New" panose="02070309020205020404" pitchFamily="49" charset="0"/>
+                <a:ea typeface="Roboto" charset="0"/>
+                <a:cs typeface="Courier New" panose="02070309020205020404" pitchFamily="49" charset="0"/>
+              </a:rPr>
+              <a:t>        Name of the catalog resource within CDGC to target.</a:t>
+            </a:r>
+          </a:p>
+          <a:p>
+            <a:pPr>
+              <a:lnSpc>
+                <a:spcPct val="90000"/>
+              </a:lnSpc>
+              <a:spcAft>
+                <a:spcPts val="1000"/>
+              </a:spcAft>
+            </a:pPr>
+            <a:r>
+              <a:rPr lang="en-US" sz="1100" dirty="0">
+                <a:latin typeface="Courier New" panose="02070309020205020404" pitchFamily="49" charset="0"/>
+                <a:ea typeface="Roboto" charset="0"/>
+                <a:cs typeface="Courier New" panose="02070309020205020404" pitchFamily="49" charset="0"/>
+              </a:rPr>
+              <a:t>        Example:</a:t>
+            </a:r>
+          </a:p>
+          <a:p>
+            <a:pPr>
+              <a:lnSpc>
+                <a:spcPct val="90000"/>
+              </a:lnSpc>
+              <a:spcAft>
+                <a:spcPts val="1000"/>
+              </a:spcAft>
+            </a:pPr>
+            <a:r>
+              <a:rPr lang="en-US" sz="1100" dirty="0">
+                <a:latin typeface="Courier New" panose="02070309020205020404" pitchFamily="49" charset="0"/>
+                <a:ea typeface="Roboto" charset="0"/>
+                <a:cs typeface="Courier New" panose="02070309020205020404" pitchFamily="49" charset="0"/>
+              </a:rPr>
+              <a:t>            --</a:t>
+            </a:r>
+            <a:r>
+              <a:rPr lang="en-US" sz="1100" dirty="0" err="1">
+                <a:latin typeface="Courier New" panose="02070309020205020404" pitchFamily="49" charset="0"/>
+                <a:ea typeface="Roboto" charset="0"/>
+                <a:cs typeface="Courier New" panose="02070309020205020404" pitchFamily="49" charset="0"/>
+              </a:rPr>
+              <a:t>catalog_resource_name</a:t>
+            </a:r>
+            <a:r>
+              <a:rPr lang="en-US" sz="1100" dirty="0">
+                <a:latin typeface="Courier New" panose="02070309020205020404" pitchFamily="49" charset="0"/>
+                <a:ea typeface="Roboto" charset="0"/>
+                <a:cs typeface="Courier New" panose="02070309020205020404" pitchFamily="49" charset="0"/>
+              </a:rPr>
+              <a:t>="Azure Databricks"</a:t>
+            </a:r>
+          </a:p>
+          <a:p>
+            <a:pPr>
+              <a:lnSpc>
+                <a:spcPct val="90000"/>
+              </a:lnSpc>
+              <a:spcAft>
+                <a:spcPts val="1000"/>
+              </a:spcAft>
+            </a:pPr>
+            <a:endParaRPr lang="en-US" sz="1100" dirty="0">
+              <a:latin typeface="Courier New" panose="02070309020205020404" pitchFamily="49" charset="0"/>
+              <a:ea typeface="Roboto" charset="0"/>
+              <a:cs typeface="Courier New" panose="02070309020205020404" pitchFamily="49" charset="0"/>
+            </a:endParaRPr>
+          </a:p>
+          <a:p>
+            <a:pPr>
+              <a:lnSpc>
+                <a:spcPct val="90000"/>
+              </a:lnSpc>
+              <a:spcAft>
+                <a:spcPts val="1000"/>
+              </a:spcAft>
+            </a:pPr>
+            <a:r>
+              <a:rPr lang="en-US" sz="1100" dirty="0">
+                <a:latin typeface="Courier New" panose="02070309020205020404" pitchFamily="49" charset="0"/>
+                <a:ea typeface="Roboto" charset="0"/>
+                <a:cs typeface="Courier New" panose="02070309020205020404" pitchFamily="49" charset="0"/>
+              </a:rPr>
+              <a:t>   </a:t>
+            </a:r>
+          </a:p>
+        </p:txBody>
+      </p:sp>
+    </p:spTree>
+    <p:extLst>
+      <p:ext uri="{BB962C8B-B14F-4D97-AF65-F5344CB8AC3E}">
+        <p14:creationId xmlns:p14="http://schemas.microsoft.com/office/powerpoint/2010/main" val="2363038502"/>
+      </p:ext>
+    </p:extLst>
+  </p:cSld>
+  <p:clrMapOvr>
+    <a:masterClrMapping/>
+  </p:clrMapOvr>
+  <mc:AlternateContent xmlns:mc="http://schemas.openxmlformats.org/markup-compatibility/2006" xmlns:p14="http://schemas.microsoft.com/office/powerpoint/2010/main">
+    <mc:Choice Requires="p14">
+      <p:transition spd="med" p14:dur="700" advClick="0">
+        <p:fade/>
+      </p:transition>
+    </mc:Choice>
+    <mc:Fallback xmlns="">
+      <p:transition spd="med" advClick="0">
+        <p:fade/>
+      </p:transition>
+    </mc:Fallback>
+  </mc:AlternateContent>
+</p:sld>
+</file>
+
+<file path=ppt/slides/slide14.xml><?xml version="1.0" encoding="utf-8"?>
+<p:sld xmlns:a="http://schemas.openxmlformats.org/drawingml/2006/main" xmlns:r="http://schemas.openxmlformats.org/officeDocument/2006/relationships" xmlns:p="http://schemas.openxmlformats.org/presentationml/2006/main">
+  <p:cSld>
+    <p:spTree>
+      <p:nvGrpSpPr>
+        <p:cNvPr id="1" name="">
+          <a:extLst>
+            <a:ext uri="{FF2B5EF4-FFF2-40B4-BE49-F238E27FC236}">
+              <a16:creationId xmlns:a16="http://schemas.microsoft.com/office/drawing/2014/main" id="{1BC5CB10-A1F0-30DA-568E-9B22DFBBF805}"/>
+            </a:ext>
+          </a:extLst>
+        </p:cNvPr>
+        <p:cNvGrpSpPr/>
+        <p:nvPr/>
+      </p:nvGrpSpPr>
+      <p:grpSpPr>
+        <a:xfrm>
+          <a:off x="0" y="0"/>
+          <a:ext cx="0" cy="0"/>
+          <a:chOff x="0" y="0"/>
+          <a:chExt cx="0" cy="0"/>
+        </a:xfrm>
+      </p:grpSpPr>
+      <p:sp>
+        <p:nvSpPr>
+          <p:cNvPr id="5" name="Title 4">
+            <a:extLst>
+              <a:ext uri="{FF2B5EF4-FFF2-40B4-BE49-F238E27FC236}">
+                <a16:creationId xmlns:a16="http://schemas.microsoft.com/office/drawing/2014/main" id="{46E2712E-907F-1667-444C-632DD6AAB2F6}"/>
+              </a:ext>
+            </a:extLst>
+          </p:cNvPr>
+          <p:cNvSpPr>
+            <a:spLocks noGrp="1"/>
+          </p:cNvSpPr>
+          <p:nvPr>
+            <p:ph type="title"/>
+          </p:nvPr>
+        </p:nvSpPr>
+        <p:spPr/>
+        <p:txBody>
+          <a:bodyPr/>
+          <a:lstStyle/>
+          <a:p>
+            <a:r>
+              <a:rPr lang="en-US" dirty="0"/>
+              <a:t>Optional Command Line Arguments (continued)</a:t>
+            </a:r>
+            <a:endParaRPr lang="en-IN" dirty="0"/>
+          </a:p>
+        </p:txBody>
+      </p:sp>
+      <p:sp>
+        <p:nvSpPr>
+          <p:cNvPr id="6" name="TextBox 5">
+            <a:extLst>
+              <a:ext uri="{FF2B5EF4-FFF2-40B4-BE49-F238E27FC236}">
+                <a16:creationId xmlns:a16="http://schemas.microsoft.com/office/drawing/2014/main" id="{5B62E37A-1CD5-6389-F6CF-B74526A3ECAB}"/>
+              </a:ext>
+            </a:extLst>
+          </p:cNvPr>
+          <p:cNvSpPr txBox="1"/>
+          <p:nvPr/>
+        </p:nvSpPr>
+        <p:spPr>
+          <a:xfrm>
+            <a:off x="717176" y="1045029"/>
+            <a:ext cx="11195177" cy="4898571"/>
+          </a:xfrm>
+          <a:prstGeom prst="rect">
+            <a:avLst/>
+          </a:prstGeom>
+          <a:noFill/>
+        </p:spPr>
+        <p:txBody>
+          <a:bodyPr wrap="square" lIns="0" tIns="0" rIns="0" bIns="0" rtlCol="0">
+            <a:noAutofit/>
+          </a:bodyPr>
+          <a:lstStyle/>
+          <a:p>
+            <a:pPr>
+              <a:lnSpc>
+                <a:spcPct val="90000"/>
+              </a:lnSpc>
+              <a:spcAft>
+                <a:spcPts val="1000"/>
+              </a:spcAft>
+            </a:pPr>
+            <a:r>
+              <a:rPr lang="en-US" sz="1100" dirty="0">
+                <a:latin typeface="Courier New" panose="02070309020205020404" pitchFamily="49" charset="0"/>
+                <a:ea typeface="Roboto" charset="0"/>
+                <a:cs typeface="Courier New" panose="02070309020205020404" pitchFamily="49" charset="0"/>
+              </a:rPr>
+              <a:t> --</a:t>
+            </a:r>
+            <a:r>
+              <a:rPr lang="en-US" sz="1100" b="1" dirty="0" err="1">
+                <a:latin typeface="Courier New" panose="02070309020205020404" pitchFamily="49" charset="0"/>
+                <a:ea typeface="Roboto" charset="0"/>
+                <a:cs typeface="Courier New" panose="02070309020205020404" pitchFamily="49" charset="0"/>
+              </a:rPr>
+              <a:t>writeback_business_term</a:t>
+            </a:r>
+            <a:endParaRPr lang="en-US" sz="1100" b="1" dirty="0">
+              <a:latin typeface="Courier New" panose="02070309020205020404" pitchFamily="49" charset="0"/>
+              <a:ea typeface="Roboto" charset="0"/>
+              <a:cs typeface="Courier New" panose="02070309020205020404" pitchFamily="49" charset="0"/>
+            </a:endParaRPr>
+          </a:p>
+          <a:p>
+            <a:pPr>
+              <a:lnSpc>
+                <a:spcPct val="90000"/>
+              </a:lnSpc>
+              <a:spcAft>
+                <a:spcPts val="1000"/>
+              </a:spcAft>
+            </a:pPr>
+            <a:r>
+              <a:rPr lang="en-US" sz="1100" dirty="0">
+                <a:latin typeface="Courier New" panose="02070309020205020404" pitchFamily="49" charset="0"/>
+                <a:ea typeface="Roboto" charset="0"/>
+                <a:cs typeface="Courier New" panose="02070309020205020404" pitchFamily="49" charset="0"/>
+              </a:rPr>
+              <a:t>        Boolean flag (True/False) to enable writing back business term tags.</a:t>
+            </a:r>
+          </a:p>
+          <a:p>
+            <a:pPr>
+              <a:lnSpc>
+                <a:spcPct val="90000"/>
+              </a:lnSpc>
+              <a:spcAft>
+                <a:spcPts val="1000"/>
+              </a:spcAft>
+            </a:pPr>
+            <a:r>
+              <a:rPr lang="en-US" sz="1100" dirty="0">
+                <a:latin typeface="Courier New" panose="02070309020205020404" pitchFamily="49" charset="0"/>
+                <a:ea typeface="Roboto" charset="0"/>
+                <a:cs typeface="Courier New" panose="02070309020205020404" pitchFamily="49" charset="0"/>
+              </a:rPr>
+              <a:t>		Do you want it to evaluate Business Terms and write these as tags to Databricks?</a:t>
+            </a:r>
+          </a:p>
+          <a:p>
+            <a:pPr>
+              <a:lnSpc>
+                <a:spcPct val="90000"/>
+              </a:lnSpc>
+              <a:spcAft>
+                <a:spcPts val="1000"/>
+              </a:spcAft>
+            </a:pPr>
+            <a:r>
+              <a:rPr lang="en-US" sz="1100" dirty="0">
+                <a:latin typeface="Courier New" panose="02070309020205020404" pitchFamily="49" charset="0"/>
+                <a:ea typeface="Roboto" charset="0"/>
+                <a:cs typeface="Courier New" panose="02070309020205020404" pitchFamily="49" charset="0"/>
+              </a:rPr>
+              <a:t>        Example:</a:t>
+            </a:r>
+          </a:p>
+          <a:p>
+            <a:pPr>
+              <a:lnSpc>
+                <a:spcPct val="90000"/>
+              </a:lnSpc>
+              <a:spcAft>
+                <a:spcPts val="1000"/>
+              </a:spcAft>
+            </a:pPr>
+            <a:r>
+              <a:rPr lang="en-US" sz="1100" dirty="0">
+                <a:latin typeface="Courier New" panose="02070309020205020404" pitchFamily="49" charset="0"/>
+                <a:ea typeface="Roboto" charset="0"/>
+                <a:cs typeface="Courier New" panose="02070309020205020404" pitchFamily="49" charset="0"/>
+              </a:rPr>
+              <a:t>            --</a:t>
+            </a:r>
+            <a:r>
+              <a:rPr lang="en-US" sz="1100" dirty="0" err="1">
+                <a:latin typeface="Courier New" panose="02070309020205020404" pitchFamily="49" charset="0"/>
+                <a:ea typeface="Roboto" charset="0"/>
+                <a:cs typeface="Courier New" panose="02070309020205020404" pitchFamily="49" charset="0"/>
+              </a:rPr>
+              <a:t>writeback_business_term</a:t>
+            </a:r>
+            <a:r>
+              <a:rPr lang="en-US" sz="1100" dirty="0">
+                <a:latin typeface="Courier New" panose="02070309020205020404" pitchFamily="49" charset="0"/>
+                <a:ea typeface="Roboto" charset="0"/>
+                <a:cs typeface="Courier New" panose="02070309020205020404" pitchFamily="49" charset="0"/>
+              </a:rPr>
+              <a:t>=True</a:t>
+            </a:r>
+          </a:p>
+          <a:p>
+            <a:pPr>
+              <a:lnSpc>
+                <a:spcPct val="90000"/>
+              </a:lnSpc>
+              <a:spcAft>
+                <a:spcPts val="1000"/>
+              </a:spcAft>
+            </a:pPr>
+            <a:endParaRPr lang="en-US" sz="1100" dirty="0">
+              <a:latin typeface="Courier New" panose="02070309020205020404" pitchFamily="49" charset="0"/>
+              <a:ea typeface="Roboto" charset="0"/>
+              <a:cs typeface="Courier New" panose="02070309020205020404" pitchFamily="49" charset="0"/>
+            </a:endParaRPr>
+          </a:p>
+          <a:p>
+            <a:pPr>
+              <a:lnSpc>
+                <a:spcPct val="90000"/>
+              </a:lnSpc>
+              <a:spcAft>
+                <a:spcPts val="1000"/>
+              </a:spcAft>
+            </a:pPr>
+            <a:r>
+              <a:rPr lang="en-US" sz="1100" dirty="0">
+                <a:latin typeface="Courier New" panose="02070309020205020404" pitchFamily="49" charset="0"/>
+                <a:ea typeface="Roboto" charset="0"/>
+                <a:cs typeface="Courier New" panose="02070309020205020404" pitchFamily="49" charset="0"/>
+              </a:rPr>
+              <a:t> --</a:t>
+            </a:r>
+            <a:r>
+              <a:rPr lang="en-US" sz="1100" b="1" dirty="0" err="1">
+                <a:latin typeface="Courier New" panose="02070309020205020404" pitchFamily="49" charset="0"/>
+                <a:ea typeface="Roboto" charset="0"/>
+                <a:cs typeface="Courier New" panose="02070309020205020404" pitchFamily="49" charset="0"/>
+              </a:rPr>
+              <a:t>writeback_business_term_tag</a:t>
+            </a:r>
+            <a:endParaRPr lang="en-US" sz="1100" b="1" dirty="0">
+              <a:latin typeface="Courier New" panose="02070309020205020404" pitchFamily="49" charset="0"/>
+              <a:ea typeface="Roboto" charset="0"/>
+              <a:cs typeface="Courier New" panose="02070309020205020404" pitchFamily="49" charset="0"/>
+            </a:endParaRPr>
+          </a:p>
+          <a:p>
+            <a:pPr>
+              <a:lnSpc>
+                <a:spcPct val="90000"/>
+              </a:lnSpc>
+              <a:spcAft>
+                <a:spcPts val="1000"/>
+              </a:spcAft>
+            </a:pPr>
+            <a:r>
+              <a:rPr lang="en-US" sz="1100" dirty="0">
+                <a:latin typeface="Courier New" panose="02070309020205020404" pitchFamily="49" charset="0"/>
+                <a:ea typeface="Roboto" charset="0"/>
+                <a:cs typeface="Courier New" panose="02070309020205020404" pitchFamily="49" charset="0"/>
+              </a:rPr>
+              <a:t>        The tag name to use when writing back business terms.</a:t>
+            </a:r>
+          </a:p>
+          <a:p>
+            <a:pPr>
+              <a:lnSpc>
+                <a:spcPct val="90000"/>
+              </a:lnSpc>
+              <a:spcAft>
+                <a:spcPts val="1000"/>
+              </a:spcAft>
+            </a:pPr>
+            <a:r>
+              <a:rPr lang="en-US" sz="1100" dirty="0">
+                <a:latin typeface="Courier New" panose="02070309020205020404" pitchFamily="49" charset="0"/>
+                <a:ea typeface="Roboto" charset="0"/>
+                <a:cs typeface="Courier New" panose="02070309020205020404" pitchFamily="49" charset="0"/>
+              </a:rPr>
+              <a:t>		What is the name of the Databricks tag to use?</a:t>
+            </a:r>
+          </a:p>
+          <a:p>
+            <a:pPr>
+              <a:lnSpc>
+                <a:spcPct val="90000"/>
+              </a:lnSpc>
+              <a:spcAft>
+                <a:spcPts val="1000"/>
+              </a:spcAft>
+            </a:pPr>
+            <a:r>
+              <a:rPr lang="en-US" sz="1100" dirty="0">
+                <a:latin typeface="Courier New" panose="02070309020205020404" pitchFamily="49" charset="0"/>
+                <a:ea typeface="Roboto" charset="0"/>
+                <a:cs typeface="Courier New" panose="02070309020205020404" pitchFamily="49" charset="0"/>
+              </a:rPr>
+              <a:t>        Example:</a:t>
+            </a:r>
+          </a:p>
+          <a:p>
+            <a:pPr>
+              <a:lnSpc>
+                <a:spcPct val="90000"/>
+              </a:lnSpc>
+              <a:spcAft>
+                <a:spcPts val="1000"/>
+              </a:spcAft>
+            </a:pPr>
+            <a:r>
+              <a:rPr lang="en-US" sz="1100" dirty="0">
+                <a:latin typeface="Courier New" panose="02070309020205020404" pitchFamily="49" charset="0"/>
+                <a:ea typeface="Roboto" charset="0"/>
+                <a:cs typeface="Courier New" panose="02070309020205020404" pitchFamily="49" charset="0"/>
+              </a:rPr>
+              <a:t>            --</a:t>
+            </a:r>
+            <a:r>
+              <a:rPr lang="en-US" sz="1100" dirty="0" err="1">
+                <a:latin typeface="Courier New" panose="02070309020205020404" pitchFamily="49" charset="0"/>
+                <a:ea typeface="Roboto" charset="0"/>
+                <a:cs typeface="Courier New" panose="02070309020205020404" pitchFamily="49" charset="0"/>
+              </a:rPr>
+              <a:t>writeback_business_term_tag</a:t>
+            </a:r>
+            <a:r>
+              <a:rPr lang="en-US" sz="1100" dirty="0">
+                <a:latin typeface="Courier New" panose="02070309020205020404" pitchFamily="49" charset="0"/>
+                <a:ea typeface="Roboto" charset="0"/>
+                <a:cs typeface="Courier New" panose="02070309020205020404" pitchFamily="49" charset="0"/>
+              </a:rPr>
+              <a:t>=</a:t>
+            </a:r>
+            <a:r>
+              <a:rPr lang="en-US" sz="1100" dirty="0" err="1">
+                <a:latin typeface="Courier New" panose="02070309020205020404" pitchFamily="49" charset="0"/>
+                <a:ea typeface="Roboto" charset="0"/>
+                <a:cs typeface="Courier New" panose="02070309020205020404" pitchFamily="49" charset="0"/>
+              </a:rPr>
+              <a:t>infa_business_term</a:t>
+            </a:r>
+            <a:endParaRPr lang="en-US" sz="1100" dirty="0">
+              <a:latin typeface="Courier New" panose="02070309020205020404" pitchFamily="49" charset="0"/>
+              <a:ea typeface="Roboto" charset="0"/>
+              <a:cs typeface="Courier New" panose="02070309020205020404" pitchFamily="49" charset="0"/>
+            </a:endParaRPr>
+          </a:p>
+          <a:p>
+            <a:pPr>
+              <a:lnSpc>
+                <a:spcPct val="90000"/>
+              </a:lnSpc>
+              <a:spcAft>
+                <a:spcPts val="1000"/>
+              </a:spcAft>
+            </a:pPr>
+            <a:endParaRPr lang="en-US" sz="1100" dirty="0">
+              <a:latin typeface="Courier New" panose="02070309020205020404" pitchFamily="49" charset="0"/>
+              <a:ea typeface="Roboto" charset="0"/>
+              <a:cs typeface="Courier New" panose="02070309020205020404" pitchFamily="49" charset="0"/>
+            </a:endParaRPr>
+          </a:p>
+          <a:p>
+            <a:pPr>
+              <a:lnSpc>
+                <a:spcPct val="90000"/>
+              </a:lnSpc>
+              <a:spcAft>
+                <a:spcPts val="1000"/>
+              </a:spcAft>
+            </a:pPr>
+            <a:r>
+              <a:rPr lang="en-US" sz="1100" dirty="0">
+                <a:latin typeface="Courier New" panose="02070309020205020404" pitchFamily="49" charset="0"/>
+                <a:ea typeface="Roboto" charset="0"/>
+                <a:cs typeface="Courier New" panose="02070309020205020404" pitchFamily="49" charset="0"/>
+              </a:rPr>
+              <a:t> --</a:t>
+            </a:r>
+            <a:r>
+              <a:rPr lang="en-US" sz="1100" b="1" dirty="0" err="1">
+                <a:latin typeface="Courier New" panose="02070309020205020404" pitchFamily="49" charset="0"/>
+                <a:ea typeface="Roboto" charset="0"/>
+                <a:cs typeface="Courier New" panose="02070309020205020404" pitchFamily="49" charset="0"/>
+              </a:rPr>
+              <a:t>writeback_parent_policy</a:t>
+            </a:r>
+            <a:endParaRPr lang="en-US" sz="1100" b="1" dirty="0">
+              <a:latin typeface="Courier New" panose="02070309020205020404" pitchFamily="49" charset="0"/>
+              <a:ea typeface="Roboto" charset="0"/>
+              <a:cs typeface="Courier New" panose="02070309020205020404" pitchFamily="49" charset="0"/>
+            </a:endParaRPr>
+          </a:p>
+          <a:p>
+            <a:pPr>
+              <a:lnSpc>
+                <a:spcPct val="90000"/>
+              </a:lnSpc>
+              <a:spcAft>
+                <a:spcPts val="1000"/>
+              </a:spcAft>
+            </a:pPr>
+            <a:r>
+              <a:rPr lang="en-US" sz="1100" dirty="0">
+                <a:latin typeface="Courier New" panose="02070309020205020404" pitchFamily="49" charset="0"/>
+                <a:ea typeface="Roboto" charset="0"/>
+                <a:cs typeface="Courier New" panose="02070309020205020404" pitchFamily="49" charset="0"/>
+              </a:rPr>
+              <a:t>        Boolean flag to enable writing back parent policy tags.</a:t>
+            </a:r>
+          </a:p>
+          <a:p>
+            <a:pPr>
+              <a:lnSpc>
+                <a:spcPct val="90000"/>
+              </a:lnSpc>
+              <a:spcAft>
+                <a:spcPts val="1000"/>
+              </a:spcAft>
+            </a:pPr>
+            <a:r>
+              <a:rPr lang="en-US" sz="1100" dirty="0">
+                <a:latin typeface="Courier New" panose="02070309020205020404" pitchFamily="49" charset="0"/>
+                <a:ea typeface="Roboto" charset="0"/>
+                <a:cs typeface="Courier New" panose="02070309020205020404" pitchFamily="49" charset="0"/>
+              </a:rPr>
+              <a:t>		Do you want it to evaluate Policies related to Tables/Views/Columns and write these as tags to Databricks?</a:t>
+            </a:r>
+          </a:p>
+          <a:p>
+            <a:pPr>
+              <a:lnSpc>
+                <a:spcPct val="90000"/>
+              </a:lnSpc>
+              <a:spcAft>
+                <a:spcPts val="1000"/>
+              </a:spcAft>
+            </a:pPr>
+            <a:r>
+              <a:rPr lang="en-US" sz="1100" dirty="0">
+                <a:latin typeface="Courier New" panose="02070309020205020404" pitchFamily="49" charset="0"/>
+                <a:ea typeface="Roboto" charset="0"/>
+                <a:cs typeface="Courier New" panose="02070309020205020404" pitchFamily="49" charset="0"/>
+              </a:rPr>
+              <a:t>        Example:</a:t>
+            </a:r>
+          </a:p>
+          <a:p>
+            <a:pPr>
+              <a:lnSpc>
+                <a:spcPct val="90000"/>
+              </a:lnSpc>
+              <a:spcAft>
+                <a:spcPts val="1000"/>
+              </a:spcAft>
+            </a:pPr>
+            <a:r>
+              <a:rPr lang="en-US" sz="1100" dirty="0">
+                <a:latin typeface="Courier New" panose="02070309020205020404" pitchFamily="49" charset="0"/>
+                <a:ea typeface="Roboto" charset="0"/>
+                <a:cs typeface="Courier New" panose="02070309020205020404" pitchFamily="49" charset="0"/>
+              </a:rPr>
+              <a:t>            --</a:t>
+            </a:r>
+            <a:r>
+              <a:rPr lang="en-US" sz="1100" dirty="0" err="1">
+                <a:latin typeface="Courier New" panose="02070309020205020404" pitchFamily="49" charset="0"/>
+                <a:ea typeface="Roboto" charset="0"/>
+                <a:cs typeface="Courier New" panose="02070309020205020404" pitchFamily="49" charset="0"/>
+              </a:rPr>
+              <a:t>writeback_parent_policy</a:t>
+            </a:r>
+            <a:r>
+              <a:rPr lang="en-US" sz="1100" dirty="0">
+                <a:latin typeface="Courier New" panose="02070309020205020404" pitchFamily="49" charset="0"/>
+                <a:ea typeface="Roboto" charset="0"/>
+                <a:cs typeface="Courier New" panose="02070309020205020404" pitchFamily="49" charset="0"/>
+              </a:rPr>
+              <a:t>=True</a:t>
+            </a:r>
+          </a:p>
+        </p:txBody>
+      </p:sp>
+    </p:spTree>
+    <p:extLst>
+      <p:ext uri="{BB962C8B-B14F-4D97-AF65-F5344CB8AC3E}">
+        <p14:creationId xmlns:p14="http://schemas.microsoft.com/office/powerpoint/2010/main" val="3243738821"/>
+      </p:ext>
+    </p:extLst>
+  </p:cSld>
+  <p:clrMapOvr>
+    <a:masterClrMapping/>
+  </p:clrMapOvr>
+  <mc:AlternateContent xmlns:mc="http://schemas.openxmlformats.org/markup-compatibility/2006" xmlns:p14="http://schemas.microsoft.com/office/powerpoint/2010/main">
+    <mc:Choice Requires="p14">
+      <p:transition spd="med" p14:dur="700" advClick="0">
+        <p:fade/>
+      </p:transition>
+    </mc:Choice>
+    <mc:Fallback xmlns="">
+      <p:transition spd="med" advClick="0">
+        <p:fade/>
+      </p:transition>
+    </mc:Fallback>
+  </mc:AlternateContent>
+</p:sld>
+</file>
+
+<file path=ppt/slides/slide15.xml><?xml version="1.0" encoding="utf-8"?>
+<p:sld xmlns:a="http://schemas.openxmlformats.org/drawingml/2006/main" xmlns:r="http://schemas.openxmlformats.org/officeDocument/2006/relationships" xmlns:p="http://schemas.openxmlformats.org/presentationml/2006/main">
+  <p:cSld>
+    <p:spTree>
+      <p:nvGrpSpPr>
+        <p:cNvPr id="1" name="">
+          <a:extLst>
+            <a:ext uri="{FF2B5EF4-FFF2-40B4-BE49-F238E27FC236}">
+              <a16:creationId xmlns:a16="http://schemas.microsoft.com/office/drawing/2014/main" id="{6089FCC9-158E-B18E-28D9-BC950A5D6B4F}"/>
+            </a:ext>
+          </a:extLst>
+        </p:cNvPr>
+        <p:cNvGrpSpPr/>
+        <p:nvPr/>
+      </p:nvGrpSpPr>
+      <p:grpSpPr>
+        <a:xfrm>
+          <a:off x="0" y="0"/>
+          <a:ext cx="0" cy="0"/>
+          <a:chOff x="0" y="0"/>
+          <a:chExt cx="0" cy="0"/>
+        </a:xfrm>
+      </p:grpSpPr>
+      <p:sp>
+        <p:nvSpPr>
+          <p:cNvPr id="5" name="Title 4">
+            <a:extLst>
+              <a:ext uri="{FF2B5EF4-FFF2-40B4-BE49-F238E27FC236}">
+                <a16:creationId xmlns:a16="http://schemas.microsoft.com/office/drawing/2014/main" id="{3C2D2FA7-2448-225A-9B88-1C22D6EA5654}"/>
+              </a:ext>
+            </a:extLst>
+          </p:cNvPr>
+          <p:cNvSpPr>
+            <a:spLocks noGrp="1"/>
+          </p:cNvSpPr>
+          <p:nvPr>
+            <p:ph type="title"/>
+          </p:nvPr>
+        </p:nvSpPr>
+        <p:spPr/>
+        <p:txBody>
+          <a:bodyPr/>
+          <a:lstStyle/>
+          <a:p>
+            <a:r>
+              <a:rPr lang="en-US" dirty="0"/>
+              <a:t>Optional Command Line Arguments (continued)</a:t>
+            </a:r>
+            <a:endParaRPr lang="en-IN" dirty="0"/>
+          </a:p>
+        </p:txBody>
+      </p:sp>
+      <p:sp>
+        <p:nvSpPr>
+          <p:cNvPr id="6" name="TextBox 5">
+            <a:extLst>
+              <a:ext uri="{FF2B5EF4-FFF2-40B4-BE49-F238E27FC236}">
+                <a16:creationId xmlns:a16="http://schemas.microsoft.com/office/drawing/2014/main" id="{6D9379C9-7510-6947-7B39-574841D04A83}"/>
+              </a:ext>
+            </a:extLst>
+          </p:cNvPr>
+          <p:cNvSpPr txBox="1"/>
+          <p:nvPr/>
+        </p:nvSpPr>
+        <p:spPr>
+          <a:xfrm>
+            <a:off x="717177" y="1045029"/>
+            <a:ext cx="10989174" cy="4898571"/>
+          </a:xfrm>
+          <a:prstGeom prst="rect">
+            <a:avLst/>
+          </a:prstGeom>
+          <a:noFill/>
+        </p:spPr>
+        <p:txBody>
+          <a:bodyPr wrap="square" lIns="0" tIns="0" rIns="0" bIns="0" rtlCol="0">
+            <a:noAutofit/>
+          </a:bodyPr>
+          <a:lstStyle/>
+          <a:p>
+            <a:pPr>
+              <a:lnSpc>
+                <a:spcPct val="90000"/>
+              </a:lnSpc>
+              <a:spcAft>
+                <a:spcPts val="1000"/>
+              </a:spcAft>
+            </a:pPr>
+            <a:r>
+              <a:rPr lang="en-US" sz="1100" dirty="0">
+                <a:latin typeface="Courier New" panose="02070309020205020404" pitchFamily="49" charset="0"/>
+                <a:ea typeface="Roboto" charset="0"/>
+                <a:cs typeface="Courier New" panose="02070309020205020404" pitchFamily="49" charset="0"/>
+              </a:rPr>
+              <a:t> --</a:t>
+            </a:r>
+            <a:r>
+              <a:rPr lang="en-US" sz="1100" b="1" dirty="0" err="1">
+                <a:latin typeface="Courier New" panose="02070309020205020404" pitchFamily="49" charset="0"/>
+                <a:ea typeface="Roboto" charset="0"/>
+                <a:cs typeface="Courier New" panose="02070309020205020404" pitchFamily="49" charset="0"/>
+              </a:rPr>
+              <a:t>writeback_parent_policy_tag</a:t>
+            </a:r>
+            <a:endParaRPr lang="en-US" sz="1100" b="1" dirty="0">
+              <a:latin typeface="Courier New" panose="02070309020205020404" pitchFamily="49" charset="0"/>
+              <a:ea typeface="Roboto" charset="0"/>
+              <a:cs typeface="Courier New" panose="02070309020205020404" pitchFamily="49" charset="0"/>
+            </a:endParaRPr>
+          </a:p>
+          <a:p>
+            <a:pPr>
+              <a:lnSpc>
+                <a:spcPct val="90000"/>
+              </a:lnSpc>
+              <a:spcAft>
+                <a:spcPts val="1000"/>
+              </a:spcAft>
+            </a:pPr>
+            <a:r>
+              <a:rPr lang="en-US" sz="1100" dirty="0">
+                <a:latin typeface="Courier New" panose="02070309020205020404" pitchFamily="49" charset="0"/>
+                <a:ea typeface="Roboto" charset="0"/>
+                <a:cs typeface="Courier New" panose="02070309020205020404" pitchFamily="49" charset="0"/>
+              </a:rPr>
+              <a:t>        The tag name to use when writing back parent policies.</a:t>
+            </a:r>
+          </a:p>
+          <a:p>
+            <a:pPr>
+              <a:lnSpc>
+                <a:spcPct val="90000"/>
+              </a:lnSpc>
+              <a:spcAft>
+                <a:spcPts val="1000"/>
+              </a:spcAft>
+            </a:pPr>
+            <a:r>
+              <a:rPr lang="en-US" sz="1100" dirty="0">
+                <a:latin typeface="Courier New" panose="02070309020205020404" pitchFamily="49" charset="0"/>
+                <a:ea typeface="Roboto" charset="0"/>
+                <a:cs typeface="Courier New" panose="02070309020205020404" pitchFamily="49" charset="0"/>
+              </a:rPr>
+              <a:t>		What is the name of the Databricks tag to use?</a:t>
+            </a:r>
+          </a:p>
+          <a:p>
+            <a:pPr>
+              <a:lnSpc>
+                <a:spcPct val="90000"/>
+              </a:lnSpc>
+              <a:spcAft>
+                <a:spcPts val="1000"/>
+              </a:spcAft>
+            </a:pPr>
+            <a:r>
+              <a:rPr lang="en-US" sz="1100" dirty="0">
+                <a:latin typeface="Courier New" panose="02070309020205020404" pitchFamily="49" charset="0"/>
+                <a:ea typeface="Roboto" charset="0"/>
+                <a:cs typeface="Courier New" panose="02070309020205020404" pitchFamily="49" charset="0"/>
+              </a:rPr>
+              <a:t>        Example:</a:t>
+            </a:r>
+          </a:p>
+          <a:p>
+            <a:pPr>
+              <a:lnSpc>
+                <a:spcPct val="90000"/>
+              </a:lnSpc>
+              <a:spcAft>
+                <a:spcPts val="1000"/>
+              </a:spcAft>
+            </a:pPr>
+            <a:r>
+              <a:rPr lang="en-US" sz="1100" dirty="0">
+                <a:latin typeface="Courier New" panose="02070309020205020404" pitchFamily="49" charset="0"/>
+                <a:ea typeface="Roboto" charset="0"/>
+                <a:cs typeface="Courier New" panose="02070309020205020404" pitchFamily="49" charset="0"/>
+              </a:rPr>
+              <a:t>            --</a:t>
+            </a:r>
+            <a:r>
+              <a:rPr lang="en-US" sz="1100" dirty="0" err="1">
+                <a:latin typeface="Courier New" panose="02070309020205020404" pitchFamily="49" charset="0"/>
+                <a:ea typeface="Roboto" charset="0"/>
+                <a:cs typeface="Courier New" panose="02070309020205020404" pitchFamily="49" charset="0"/>
+              </a:rPr>
+              <a:t>writeback_parent_policy_tag</a:t>
+            </a:r>
+            <a:r>
+              <a:rPr lang="en-US" sz="1100" dirty="0">
+                <a:latin typeface="Courier New" panose="02070309020205020404" pitchFamily="49" charset="0"/>
+                <a:ea typeface="Roboto" charset="0"/>
+                <a:cs typeface="Courier New" panose="02070309020205020404" pitchFamily="49" charset="0"/>
+              </a:rPr>
+              <a:t>=</a:t>
+            </a:r>
+            <a:r>
+              <a:rPr lang="en-US" sz="1100" dirty="0" err="1">
+                <a:latin typeface="Courier New" panose="02070309020205020404" pitchFamily="49" charset="0"/>
+                <a:ea typeface="Roboto" charset="0"/>
+                <a:cs typeface="Courier New" panose="02070309020205020404" pitchFamily="49" charset="0"/>
+              </a:rPr>
+              <a:t>infa_policy</a:t>
+            </a:r>
+            <a:endParaRPr lang="en-US" sz="1100" dirty="0">
+              <a:latin typeface="Courier New" panose="02070309020205020404" pitchFamily="49" charset="0"/>
+              <a:ea typeface="Roboto" charset="0"/>
+              <a:cs typeface="Courier New" panose="02070309020205020404" pitchFamily="49" charset="0"/>
+            </a:endParaRPr>
+          </a:p>
+          <a:p>
+            <a:pPr>
+              <a:lnSpc>
+                <a:spcPct val="90000"/>
+              </a:lnSpc>
+              <a:spcAft>
+                <a:spcPts val="1000"/>
+              </a:spcAft>
+            </a:pPr>
+            <a:endParaRPr lang="en-US" sz="1100" dirty="0">
+              <a:latin typeface="Courier New" panose="02070309020205020404" pitchFamily="49" charset="0"/>
+              <a:ea typeface="Roboto" charset="0"/>
+              <a:cs typeface="Courier New" panose="02070309020205020404" pitchFamily="49" charset="0"/>
+            </a:endParaRPr>
+          </a:p>
+          <a:p>
+            <a:pPr>
+              <a:lnSpc>
+                <a:spcPct val="90000"/>
+              </a:lnSpc>
+              <a:spcAft>
+                <a:spcPts val="1000"/>
+              </a:spcAft>
+            </a:pPr>
+            <a:r>
+              <a:rPr lang="en-US" sz="1100" dirty="0">
+                <a:latin typeface="Courier New" panose="02070309020205020404" pitchFamily="49" charset="0"/>
+                <a:ea typeface="Roboto" charset="0"/>
+                <a:cs typeface="Courier New" panose="02070309020205020404" pitchFamily="49" charset="0"/>
+              </a:rPr>
+              <a:t> --</a:t>
+            </a:r>
+            <a:r>
+              <a:rPr lang="en-US" sz="1100" b="1" dirty="0" err="1">
+                <a:latin typeface="Courier New" panose="02070309020205020404" pitchFamily="49" charset="0"/>
+                <a:ea typeface="Roboto" charset="0"/>
+                <a:cs typeface="Courier New" panose="02070309020205020404" pitchFamily="49" charset="0"/>
+              </a:rPr>
+              <a:t>writeback_classification</a:t>
+            </a:r>
+            <a:endParaRPr lang="en-US" sz="1100" b="1" dirty="0">
+              <a:latin typeface="Courier New" panose="02070309020205020404" pitchFamily="49" charset="0"/>
+              <a:ea typeface="Roboto" charset="0"/>
+              <a:cs typeface="Courier New" panose="02070309020205020404" pitchFamily="49" charset="0"/>
+            </a:endParaRPr>
+          </a:p>
+          <a:p>
+            <a:pPr>
+              <a:lnSpc>
+                <a:spcPct val="90000"/>
+              </a:lnSpc>
+              <a:spcAft>
+                <a:spcPts val="1000"/>
+              </a:spcAft>
+            </a:pPr>
+            <a:r>
+              <a:rPr lang="en-US" sz="1100" dirty="0">
+                <a:latin typeface="Courier New" panose="02070309020205020404" pitchFamily="49" charset="0"/>
+                <a:ea typeface="Roboto" charset="0"/>
+                <a:cs typeface="Courier New" panose="02070309020205020404" pitchFamily="49" charset="0"/>
+              </a:rPr>
+              <a:t>        Boolean flag to enable writing back classification tags.</a:t>
+            </a:r>
+          </a:p>
+          <a:p>
+            <a:pPr>
+              <a:lnSpc>
+                <a:spcPct val="90000"/>
+              </a:lnSpc>
+              <a:spcAft>
+                <a:spcPts val="1000"/>
+              </a:spcAft>
+            </a:pPr>
+            <a:r>
+              <a:rPr lang="en-US" sz="1100" dirty="0">
+                <a:latin typeface="Courier New" panose="02070309020205020404" pitchFamily="49" charset="0"/>
+                <a:ea typeface="Roboto" charset="0"/>
+                <a:cs typeface="Courier New" panose="02070309020205020404" pitchFamily="49" charset="0"/>
+              </a:rPr>
+              <a:t>		Do you want it to evaluate classifications related to Tables/Views/Columns and write these as tags to Databricks?</a:t>
+            </a:r>
+          </a:p>
+          <a:p>
+            <a:pPr>
+              <a:lnSpc>
+                <a:spcPct val="90000"/>
+              </a:lnSpc>
+              <a:spcAft>
+                <a:spcPts val="1000"/>
+              </a:spcAft>
+            </a:pPr>
+            <a:r>
+              <a:rPr lang="en-US" sz="1100" dirty="0">
+                <a:latin typeface="Courier New" panose="02070309020205020404" pitchFamily="49" charset="0"/>
+                <a:ea typeface="Roboto" charset="0"/>
+                <a:cs typeface="Courier New" panose="02070309020205020404" pitchFamily="49" charset="0"/>
+              </a:rPr>
+              <a:t>        Example:</a:t>
+            </a:r>
+          </a:p>
+          <a:p>
+            <a:pPr>
+              <a:lnSpc>
+                <a:spcPct val="90000"/>
+              </a:lnSpc>
+              <a:spcAft>
+                <a:spcPts val="1000"/>
+              </a:spcAft>
+            </a:pPr>
+            <a:r>
+              <a:rPr lang="en-US" sz="1100" dirty="0">
+                <a:latin typeface="Courier New" panose="02070309020205020404" pitchFamily="49" charset="0"/>
+                <a:ea typeface="Roboto" charset="0"/>
+                <a:cs typeface="Courier New" panose="02070309020205020404" pitchFamily="49" charset="0"/>
+              </a:rPr>
+              <a:t>            --</a:t>
+            </a:r>
+            <a:r>
+              <a:rPr lang="en-US" sz="1100" dirty="0" err="1">
+                <a:latin typeface="Courier New" panose="02070309020205020404" pitchFamily="49" charset="0"/>
+                <a:ea typeface="Roboto" charset="0"/>
+                <a:cs typeface="Courier New" panose="02070309020205020404" pitchFamily="49" charset="0"/>
+              </a:rPr>
+              <a:t>writeback_classification</a:t>
+            </a:r>
+            <a:r>
+              <a:rPr lang="en-US" sz="1100" dirty="0">
+                <a:latin typeface="Courier New" panose="02070309020205020404" pitchFamily="49" charset="0"/>
+                <a:ea typeface="Roboto" charset="0"/>
+                <a:cs typeface="Courier New" panose="02070309020205020404" pitchFamily="49" charset="0"/>
+              </a:rPr>
+              <a:t>=True</a:t>
+            </a:r>
+          </a:p>
+          <a:p>
+            <a:pPr>
+              <a:lnSpc>
+                <a:spcPct val="90000"/>
+              </a:lnSpc>
+              <a:spcAft>
+                <a:spcPts val="1000"/>
+              </a:spcAft>
+            </a:pPr>
+            <a:endParaRPr lang="en-US" sz="1100" dirty="0">
+              <a:latin typeface="Courier New" panose="02070309020205020404" pitchFamily="49" charset="0"/>
+              <a:ea typeface="Roboto" charset="0"/>
+              <a:cs typeface="Courier New" panose="02070309020205020404" pitchFamily="49" charset="0"/>
+            </a:endParaRPr>
+          </a:p>
+          <a:p>
+            <a:pPr>
+              <a:lnSpc>
+                <a:spcPct val="90000"/>
+              </a:lnSpc>
+              <a:spcAft>
+                <a:spcPts val="1000"/>
+              </a:spcAft>
+            </a:pPr>
+            <a:r>
+              <a:rPr lang="en-US" sz="1100" dirty="0">
+                <a:latin typeface="Courier New" panose="02070309020205020404" pitchFamily="49" charset="0"/>
+                <a:ea typeface="Roboto" charset="0"/>
+                <a:cs typeface="Courier New" panose="02070309020205020404" pitchFamily="49" charset="0"/>
+              </a:rPr>
+              <a:t> --</a:t>
+            </a:r>
+            <a:r>
+              <a:rPr lang="en-US" sz="1100" b="1" dirty="0" err="1">
+                <a:latin typeface="Courier New" panose="02070309020205020404" pitchFamily="49" charset="0"/>
+                <a:ea typeface="Roboto" charset="0"/>
+                <a:cs typeface="Courier New" panose="02070309020205020404" pitchFamily="49" charset="0"/>
+              </a:rPr>
+              <a:t>writeback_classification_tag</a:t>
+            </a:r>
+            <a:endParaRPr lang="en-US" sz="1100" b="1" dirty="0">
+              <a:latin typeface="Courier New" panose="02070309020205020404" pitchFamily="49" charset="0"/>
+              <a:ea typeface="Roboto" charset="0"/>
+              <a:cs typeface="Courier New" panose="02070309020205020404" pitchFamily="49" charset="0"/>
+            </a:endParaRPr>
+          </a:p>
+          <a:p>
+            <a:pPr>
+              <a:lnSpc>
+                <a:spcPct val="90000"/>
+              </a:lnSpc>
+              <a:spcAft>
+                <a:spcPts val="1000"/>
+              </a:spcAft>
+            </a:pPr>
+            <a:r>
+              <a:rPr lang="en-US" sz="1100" dirty="0">
+                <a:latin typeface="Courier New" panose="02070309020205020404" pitchFamily="49" charset="0"/>
+                <a:ea typeface="Roboto" charset="0"/>
+                <a:cs typeface="Courier New" panose="02070309020205020404" pitchFamily="49" charset="0"/>
+              </a:rPr>
+              <a:t>        The tag name to use when writing back classifications.</a:t>
+            </a:r>
+          </a:p>
+          <a:p>
+            <a:pPr>
+              <a:lnSpc>
+                <a:spcPct val="90000"/>
+              </a:lnSpc>
+              <a:spcAft>
+                <a:spcPts val="1000"/>
+              </a:spcAft>
+            </a:pPr>
+            <a:r>
+              <a:rPr lang="en-US" sz="1100" dirty="0">
+                <a:latin typeface="Courier New" panose="02070309020205020404" pitchFamily="49" charset="0"/>
+                <a:ea typeface="Roboto" charset="0"/>
+                <a:cs typeface="Courier New" panose="02070309020205020404" pitchFamily="49" charset="0"/>
+              </a:rPr>
+              <a:t>		What is the name of the Databricks tag to use?</a:t>
+            </a:r>
+          </a:p>
+          <a:p>
+            <a:pPr>
+              <a:lnSpc>
+                <a:spcPct val="90000"/>
+              </a:lnSpc>
+              <a:spcAft>
+                <a:spcPts val="1000"/>
+              </a:spcAft>
+            </a:pPr>
+            <a:r>
+              <a:rPr lang="en-US" sz="1100" dirty="0">
+                <a:latin typeface="Courier New" panose="02070309020205020404" pitchFamily="49" charset="0"/>
+                <a:ea typeface="Roboto" charset="0"/>
+                <a:cs typeface="Courier New" panose="02070309020205020404" pitchFamily="49" charset="0"/>
+              </a:rPr>
+              <a:t>        Example:</a:t>
+            </a:r>
+          </a:p>
+          <a:p>
+            <a:pPr>
+              <a:lnSpc>
+                <a:spcPct val="90000"/>
+              </a:lnSpc>
+              <a:spcAft>
+                <a:spcPts val="1000"/>
+              </a:spcAft>
+            </a:pPr>
+            <a:r>
+              <a:rPr lang="en-US" sz="1100" dirty="0">
+                <a:latin typeface="Courier New" panose="02070309020205020404" pitchFamily="49" charset="0"/>
+                <a:ea typeface="Roboto" charset="0"/>
+                <a:cs typeface="Courier New" panose="02070309020205020404" pitchFamily="49" charset="0"/>
+              </a:rPr>
+              <a:t>            --</a:t>
+            </a:r>
+            <a:r>
+              <a:rPr lang="en-US" sz="1100" dirty="0" err="1">
+                <a:latin typeface="Courier New" panose="02070309020205020404" pitchFamily="49" charset="0"/>
+                <a:ea typeface="Roboto" charset="0"/>
+                <a:cs typeface="Courier New" panose="02070309020205020404" pitchFamily="49" charset="0"/>
+              </a:rPr>
+              <a:t>writeback_classification_tag</a:t>
+            </a:r>
+            <a:r>
+              <a:rPr lang="en-US" sz="1100" dirty="0">
+                <a:latin typeface="Courier New" panose="02070309020205020404" pitchFamily="49" charset="0"/>
+                <a:ea typeface="Roboto" charset="0"/>
+                <a:cs typeface="Courier New" panose="02070309020205020404" pitchFamily="49" charset="0"/>
+              </a:rPr>
+              <a:t>=</a:t>
+            </a:r>
+            <a:r>
+              <a:rPr lang="en-US" sz="1100" dirty="0" err="1">
+                <a:latin typeface="Courier New" panose="02070309020205020404" pitchFamily="49" charset="0"/>
+                <a:ea typeface="Roboto" charset="0"/>
+                <a:cs typeface="Courier New" panose="02070309020205020404" pitchFamily="49" charset="0"/>
+              </a:rPr>
+              <a:t>infa_classification</a:t>
+            </a:r>
+            <a:endParaRPr lang="en-US" sz="1100" dirty="0">
+              <a:latin typeface="Courier New" panose="02070309020205020404" pitchFamily="49" charset="0"/>
+              <a:ea typeface="Roboto" charset="0"/>
+              <a:cs typeface="Courier New" panose="02070309020205020404" pitchFamily="49" charset="0"/>
+            </a:endParaRPr>
+          </a:p>
+        </p:txBody>
+      </p:sp>
+    </p:spTree>
+    <p:extLst>
+      <p:ext uri="{BB962C8B-B14F-4D97-AF65-F5344CB8AC3E}">
+        <p14:creationId xmlns:p14="http://schemas.microsoft.com/office/powerpoint/2010/main" val="3288470791"/>
+      </p:ext>
+    </p:extLst>
+  </p:cSld>
+  <p:clrMapOvr>
+    <a:masterClrMapping/>
+  </p:clrMapOvr>
+  <mc:AlternateContent xmlns:mc="http://schemas.openxmlformats.org/markup-compatibility/2006" xmlns:p14="http://schemas.microsoft.com/office/powerpoint/2010/main">
+    <mc:Choice Requires="p14">
+      <p:transition spd="med" p14:dur="700" advClick="0">
+        <p:fade/>
+      </p:transition>
+    </mc:Choice>
+    <mc:Fallback xmlns="">
+      <p:transition spd="med" advClick="0">
+        <p:fade/>
+      </p:transition>
+    </mc:Fallback>
+  </mc:AlternateContent>
+</p:sld>
+</file>
+
+<file path=ppt/slides/slide16.xml><?xml version="1.0" encoding="utf-8"?>
+<p:sld xmlns:a="http://schemas.openxmlformats.org/drawingml/2006/main" xmlns:r="http://schemas.openxmlformats.org/officeDocument/2006/relationships" xmlns:p="http://schemas.openxmlformats.org/presentationml/2006/main">
+  <p:cSld>
+    <p:spTree>
+      <p:nvGrpSpPr>
+        <p:cNvPr id="1" name="">
+          <a:extLst>
+            <a:ext uri="{FF2B5EF4-FFF2-40B4-BE49-F238E27FC236}">
+              <a16:creationId xmlns:a16="http://schemas.microsoft.com/office/drawing/2014/main" id="{D7F9FE3D-8082-053F-8839-0DCF617D5128}"/>
+            </a:ext>
+          </a:extLst>
+        </p:cNvPr>
+        <p:cNvGrpSpPr/>
+        <p:nvPr/>
+      </p:nvGrpSpPr>
+      <p:grpSpPr>
+        <a:xfrm>
+          <a:off x="0" y="0"/>
+          <a:ext cx="0" cy="0"/>
+          <a:chOff x="0" y="0"/>
+          <a:chExt cx="0" cy="0"/>
+        </a:xfrm>
+      </p:grpSpPr>
+      <p:sp>
+        <p:nvSpPr>
+          <p:cNvPr id="5" name="Title 4">
+            <a:extLst>
+              <a:ext uri="{FF2B5EF4-FFF2-40B4-BE49-F238E27FC236}">
+                <a16:creationId xmlns:a16="http://schemas.microsoft.com/office/drawing/2014/main" id="{1D512B23-9A99-48A0-BA08-F018DF503F53}"/>
+              </a:ext>
+            </a:extLst>
+          </p:cNvPr>
+          <p:cNvSpPr>
+            <a:spLocks noGrp="1"/>
+          </p:cNvSpPr>
+          <p:nvPr>
+            <p:ph type="title"/>
+          </p:nvPr>
+        </p:nvSpPr>
+        <p:spPr/>
+        <p:txBody>
+          <a:bodyPr/>
+          <a:lstStyle/>
+          <a:p>
+            <a:r>
+              <a:rPr lang="en-US" dirty="0"/>
+              <a:t>Optional Command Line Arguments (continued)</a:t>
+            </a:r>
+            <a:endParaRPr lang="en-IN" dirty="0"/>
+          </a:p>
+        </p:txBody>
+      </p:sp>
+      <p:sp>
+        <p:nvSpPr>
+          <p:cNvPr id="6" name="TextBox 5">
+            <a:extLst>
+              <a:ext uri="{FF2B5EF4-FFF2-40B4-BE49-F238E27FC236}">
+                <a16:creationId xmlns:a16="http://schemas.microsoft.com/office/drawing/2014/main" id="{427CE542-3AD1-49AD-8461-44EAEA8365B3}"/>
+              </a:ext>
+            </a:extLst>
+          </p:cNvPr>
+          <p:cNvSpPr txBox="1"/>
+          <p:nvPr/>
+        </p:nvSpPr>
+        <p:spPr>
+          <a:xfrm>
+            <a:off x="717177" y="1045029"/>
+            <a:ext cx="10960474" cy="4898571"/>
+          </a:xfrm>
+          <a:prstGeom prst="rect">
+            <a:avLst/>
+          </a:prstGeom>
+          <a:noFill/>
+        </p:spPr>
+        <p:txBody>
+          <a:bodyPr wrap="square" lIns="0" tIns="0" rIns="0" bIns="0" rtlCol="0">
+            <a:noAutofit/>
+          </a:bodyPr>
+          <a:lstStyle/>
+          <a:p>
+            <a:pPr>
+              <a:lnSpc>
+                <a:spcPct val="90000"/>
+              </a:lnSpc>
+              <a:spcAft>
+                <a:spcPts val="1000"/>
+              </a:spcAft>
+            </a:pPr>
+            <a:r>
+              <a:rPr lang="en-US" sz="1100" dirty="0">
+                <a:latin typeface="Courier New" panose="02070309020205020404" pitchFamily="49" charset="0"/>
+                <a:ea typeface="Roboto" charset="0"/>
+                <a:cs typeface="Courier New" panose="02070309020205020404" pitchFamily="49" charset="0"/>
+              </a:rPr>
+              <a:t> --</a:t>
+            </a:r>
+            <a:r>
+              <a:rPr lang="en-US" sz="1100" b="1" dirty="0" err="1">
+                <a:latin typeface="Courier New" panose="02070309020205020404" pitchFamily="49" charset="0"/>
+                <a:ea typeface="Roboto" charset="0"/>
+                <a:cs typeface="Courier New" panose="02070309020205020404" pitchFamily="49" charset="0"/>
+              </a:rPr>
+              <a:t>writeback_comment</a:t>
+            </a:r>
+            <a:endParaRPr lang="en-US" sz="1100" b="1" dirty="0">
+              <a:latin typeface="Courier New" panose="02070309020205020404" pitchFamily="49" charset="0"/>
+              <a:ea typeface="Roboto" charset="0"/>
+              <a:cs typeface="Courier New" panose="02070309020205020404" pitchFamily="49" charset="0"/>
+            </a:endParaRPr>
+          </a:p>
+          <a:p>
+            <a:pPr>
+              <a:lnSpc>
+                <a:spcPct val="90000"/>
+              </a:lnSpc>
+              <a:spcAft>
+                <a:spcPts val="1000"/>
+              </a:spcAft>
+            </a:pPr>
+            <a:r>
+              <a:rPr lang="en-US" sz="1100" dirty="0">
+                <a:latin typeface="Courier New" panose="02070309020205020404" pitchFamily="49" charset="0"/>
+                <a:ea typeface="Roboto" charset="0"/>
+                <a:cs typeface="Courier New" panose="02070309020205020404" pitchFamily="49" charset="0"/>
+              </a:rPr>
+              <a:t>        Boolean flag to enable writing back object descriptions as comments.</a:t>
+            </a:r>
+          </a:p>
+          <a:p>
+            <a:pPr>
+              <a:lnSpc>
+                <a:spcPct val="90000"/>
+              </a:lnSpc>
+              <a:spcAft>
+                <a:spcPts val="1000"/>
+              </a:spcAft>
+            </a:pPr>
+            <a:r>
+              <a:rPr lang="en-US" sz="1100" dirty="0">
+                <a:latin typeface="Courier New" panose="02070309020205020404" pitchFamily="49" charset="0"/>
+                <a:ea typeface="Roboto" charset="0"/>
+                <a:cs typeface="Courier New" panose="02070309020205020404" pitchFamily="49" charset="0"/>
+              </a:rPr>
+              <a:t>		Do you want it to evaluate Descriptions related to Tables/Views/Columns and write these as comments to Databricks?</a:t>
+            </a:r>
+          </a:p>
+          <a:p>
+            <a:pPr>
+              <a:lnSpc>
+                <a:spcPct val="90000"/>
+              </a:lnSpc>
+              <a:spcAft>
+                <a:spcPts val="1000"/>
+              </a:spcAft>
+            </a:pPr>
+            <a:r>
+              <a:rPr lang="en-US" sz="1100" dirty="0">
+                <a:latin typeface="Courier New" panose="02070309020205020404" pitchFamily="49" charset="0"/>
+                <a:ea typeface="Roboto" charset="0"/>
+                <a:cs typeface="Courier New" panose="02070309020205020404" pitchFamily="49" charset="0"/>
+              </a:rPr>
+              <a:t>        Example:</a:t>
+            </a:r>
+          </a:p>
+          <a:p>
+            <a:pPr>
+              <a:lnSpc>
+                <a:spcPct val="90000"/>
+              </a:lnSpc>
+              <a:spcAft>
+                <a:spcPts val="1000"/>
+              </a:spcAft>
+            </a:pPr>
+            <a:r>
+              <a:rPr lang="en-US" sz="1100" dirty="0">
+                <a:latin typeface="Courier New" panose="02070309020205020404" pitchFamily="49" charset="0"/>
+                <a:ea typeface="Roboto" charset="0"/>
+                <a:cs typeface="Courier New" panose="02070309020205020404" pitchFamily="49" charset="0"/>
+              </a:rPr>
+              <a:t>            --</a:t>
+            </a:r>
+            <a:r>
+              <a:rPr lang="en-US" sz="1100" dirty="0" err="1">
+                <a:latin typeface="Courier New" panose="02070309020205020404" pitchFamily="49" charset="0"/>
+                <a:ea typeface="Roboto" charset="0"/>
+                <a:cs typeface="Courier New" panose="02070309020205020404" pitchFamily="49" charset="0"/>
+              </a:rPr>
+              <a:t>writeback_comment</a:t>
+            </a:r>
+            <a:r>
+              <a:rPr lang="en-US" sz="1100" dirty="0">
+                <a:latin typeface="Courier New" panose="02070309020205020404" pitchFamily="49" charset="0"/>
+                <a:ea typeface="Roboto" charset="0"/>
+                <a:cs typeface="Courier New" panose="02070309020205020404" pitchFamily="49" charset="0"/>
+              </a:rPr>
+              <a:t>=True</a:t>
+            </a:r>
+          </a:p>
+          <a:p>
+            <a:pPr>
+              <a:lnSpc>
+                <a:spcPct val="90000"/>
+              </a:lnSpc>
+              <a:spcAft>
+                <a:spcPts val="1000"/>
+              </a:spcAft>
+            </a:pPr>
+            <a:endParaRPr lang="en-US" sz="1100" dirty="0">
+              <a:latin typeface="Courier New" panose="02070309020205020404" pitchFamily="49" charset="0"/>
+              <a:ea typeface="Roboto" charset="0"/>
+              <a:cs typeface="Courier New" panose="02070309020205020404" pitchFamily="49" charset="0"/>
+            </a:endParaRPr>
+          </a:p>
+          <a:p>
+            <a:pPr>
+              <a:lnSpc>
+                <a:spcPct val="90000"/>
+              </a:lnSpc>
+              <a:spcAft>
+                <a:spcPts val="1000"/>
+              </a:spcAft>
+            </a:pPr>
+            <a:r>
+              <a:rPr lang="en-US" sz="1100" dirty="0">
+                <a:latin typeface="Courier New" panose="02070309020205020404" pitchFamily="49" charset="0"/>
+                <a:ea typeface="Roboto" charset="0"/>
+                <a:cs typeface="Courier New" panose="02070309020205020404" pitchFamily="49" charset="0"/>
+              </a:rPr>
+              <a:t> --</a:t>
+            </a:r>
+            <a:r>
+              <a:rPr lang="en-US" sz="1100" b="1" dirty="0" err="1">
+                <a:latin typeface="Courier New" panose="02070309020205020404" pitchFamily="49" charset="0"/>
+                <a:ea typeface="Roboto" charset="0"/>
+                <a:cs typeface="Courier New" panose="02070309020205020404" pitchFamily="49" charset="0"/>
+              </a:rPr>
+              <a:t>include_url_in_table_comment</a:t>
+            </a:r>
+            <a:endParaRPr lang="en-US" sz="1100" b="1" dirty="0">
+              <a:latin typeface="Courier New" panose="02070309020205020404" pitchFamily="49" charset="0"/>
+              <a:ea typeface="Roboto" charset="0"/>
+              <a:cs typeface="Courier New" panose="02070309020205020404" pitchFamily="49" charset="0"/>
+            </a:endParaRPr>
+          </a:p>
+          <a:p>
+            <a:pPr>
+              <a:lnSpc>
+                <a:spcPct val="90000"/>
+              </a:lnSpc>
+              <a:spcAft>
+                <a:spcPts val="1000"/>
+              </a:spcAft>
+            </a:pPr>
+            <a:r>
+              <a:rPr lang="en-US" sz="1100" dirty="0">
+                <a:latin typeface="Courier New" panose="02070309020205020404" pitchFamily="49" charset="0"/>
+                <a:ea typeface="Roboto" charset="0"/>
+                <a:cs typeface="Courier New" panose="02070309020205020404" pitchFamily="49" charset="0"/>
+              </a:rPr>
+              <a:t>        Boolean flag to include a URL link in the table comment when writing back.</a:t>
+            </a:r>
+          </a:p>
+          <a:p>
+            <a:pPr>
+              <a:lnSpc>
+                <a:spcPct val="90000"/>
+              </a:lnSpc>
+              <a:spcAft>
+                <a:spcPts val="1000"/>
+              </a:spcAft>
+            </a:pPr>
+            <a:r>
+              <a:rPr lang="en-US" sz="1100" dirty="0">
+                <a:latin typeface="Courier New" panose="02070309020205020404" pitchFamily="49" charset="0"/>
+                <a:ea typeface="Roboto" charset="0"/>
+                <a:cs typeface="Courier New" panose="02070309020205020404" pitchFamily="49" charset="0"/>
+              </a:rPr>
+              <a:t>		If evaluating comments, do you want to include a URL from the Table/View that points to the table in CDGC?</a:t>
+            </a:r>
+          </a:p>
+          <a:p>
+            <a:pPr>
+              <a:lnSpc>
+                <a:spcPct val="90000"/>
+              </a:lnSpc>
+              <a:spcAft>
+                <a:spcPts val="1000"/>
+              </a:spcAft>
+            </a:pPr>
+            <a:r>
+              <a:rPr lang="en-US" sz="1100" dirty="0">
+                <a:latin typeface="Courier New" panose="02070309020205020404" pitchFamily="49" charset="0"/>
+                <a:ea typeface="Roboto" charset="0"/>
+                <a:cs typeface="Courier New" panose="02070309020205020404" pitchFamily="49" charset="0"/>
+              </a:rPr>
+              <a:t>		This is particularly useful if you want your users to see additional information like lineage.</a:t>
+            </a:r>
+          </a:p>
+          <a:p>
+            <a:pPr>
+              <a:lnSpc>
+                <a:spcPct val="90000"/>
+              </a:lnSpc>
+              <a:spcAft>
+                <a:spcPts val="1000"/>
+              </a:spcAft>
+            </a:pPr>
+            <a:r>
+              <a:rPr lang="en-US" sz="1100" dirty="0">
+                <a:latin typeface="Courier New" panose="02070309020205020404" pitchFamily="49" charset="0"/>
+                <a:ea typeface="Roboto" charset="0"/>
+                <a:cs typeface="Courier New" panose="02070309020205020404" pitchFamily="49" charset="0"/>
+              </a:rPr>
+              <a:t>        Example:</a:t>
+            </a:r>
+          </a:p>
+          <a:p>
+            <a:pPr>
+              <a:lnSpc>
+                <a:spcPct val="90000"/>
+              </a:lnSpc>
+              <a:spcAft>
+                <a:spcPts val="1000"/>
+              </a:spcAft>
+            </a:pPr>
+            <a:r>
+              <a:rPr lang="en-US" sz="1100" dirty="0">
+                <a:latin typeface="Courier New" panose="02070309020205020404" pitchFamily="49" charset="0"/>
+                <a:ea typeface="Roboto" charset="0"/>
+                <a:cs typeface="Courier New" panose="02070309020205020404" pitchFamily="49" charset="0"/>
+              </a:rPr>
+              <a:t>            --</a:t>
+            </a:r>
+            <a:r>
+              <a:rPr lang="en-US" sz="1100" dirty="0" err="1">
+                <a:latin typeface="Courier New" panose="02070309020205020404" pitchFamily="49" charset="0"/>
+                <a:ea typeface="Roboto" charset="0"/>
+                <a:cs typeface="Courier New" panose="02070309020205020404" pitchFamily="49" charset="0"/>
+              </a:rPr>
+              <a:t>include_url_in_table_comment</a:t>
+            </a:r>
+            <a:r>
+              <a:rPr lang="en-US" sz="1100" dirty="0">
+                <a:latin typeface="Courier New" panose="02070309020205020404" pitchFamily="49" charset="0"/>
+                <a:ea typeface="Roboto" charset="0"/>
+                <a:cs typeface="Courier New" panose="02070309020205020404" pitchFamily="49" charset="0"/>
+              </a:rPr>
+              <a:t>=True</a:t>
+            </a:r>
+          </a:p>
+          <a:p>
+            <a:pPr>
+              <a:lnSpc>
+                <a:spcPct val="90000"/>
+              </a:lnSpc>
+              <a:spcAft>
+                <a:spcPts val="1000"/>
+              </a:spcAft>
+            </a:pPr>
+            <a:endParaRPr lang="en-US" sz="1100" dirty="0">
+              <a:latin typeface="Courier New" panose="02070309020205020404" pitchFamily="49" charset="0"/>
+              <a:ea typeface="Roboto" charset="0"/>
+              <a:cs typeface="Courier New" panose="02070309020205020404" pitchFamily="49" charset="0"/>
+            </a:endParaRPr>
+          </a:p>
+        </p:txBody>
+      </p:sp>
+    </p:spTree>
+    <p:extLst>
+      <p:ext uri="{BB962C8B-B14F-4D97-AF65-F5344CB8AC3E}">
+        <p14:creationId xmlns:p14="http://schemas.microsoft.com/office/powerpoint/2010/main" val="1944070869"/>
+      </p:ext>
+    </p:extLst>
+  </p:cSld>
+  <p:clrMapOvr>
+    <a:masterClrMapping/>
+  </p:clrMapOvr>
+  <mc:AlternateContent xmlns:mc="http://schemas.openxmlformats.org/markup-compatibility/2006" xmlns:p14="http://schemas.microsoft.com/office/powerpoint/2010/main">
+    <mc:Choice Requires="p14">
+      <p:transition spd="med" p14:dur="700" advClick="0">
+        <p:fade/>
+      </p:transition>
+    </mc:Choice>
+    <mc:Fallback xmlns="">
+      <p:transition spd="med" advClick="0">
+        <p:fade/>
+      </p:transition>
+    </mc:Fallback>
+  </mc:AlternateContent>
+</p:sld>
+</file>
+
+<file path=ppt/slides/slide17.xml><?xml version="1.0" encoding="utf-8"?>
+<p:sld xmlns:a="http://schemas.openxmlformats.org/drawingml/2006/main" xmlns:r="http://schemas.openxmlformats.org/officeDocument/2006/relationships" xmlns:p="http://schemas.openxmlformats.org/presentationml/2006/main">
+  <p:cSld>
+    <p:spTree>
+      <p:nvGrpSpPr>
+        <p:cNvPr id="1" name="">
+          <a:extLst>
+            <a:ext uri="{FF2B5EF4-FFF2-40B4-BE49-F238E27FC236}">
+              <a16:creationId xmlns:a16="http://schemas.microsoft.com/office/drawing/2014/main" id="{94AE06C4-8E91-525E-3C99-A85BD50866B3}"/>
+            </a:ext>
+          </a:extLst>
+        </p:cNvPr>
+        <p:cNvGrpSpPr/>
+        <p:nvPr/>
+      </p:nvGrpSpPr>
+      <p:grpSpPr>
+        <a:xfrm>
+          <a:off x="0" y="0"/>
+          <a:ext cx="0" cy="0"/>
+          <a:chOff x="0" y="0"/>
+          <a:chExt cx="0" cy="0"/>
+        </a:xfrm>
+      </p:grpSpPr>
+      <p:sp>
+        <p:nvSpPr>
+          <p:cNvPr id="5" name="Title 4">
+            <a:extLst>
+              <a:ext uri="{FF2B5EF4-FFF2-40B4-BE49-F238E27FC236}">
+                <a16:creationId xmlns:a16="http://schemas.microsoft.com/office/drawing/2014/main" id="{C18C3C3E-672B-640D-611A-F88F1FFEF6BD}"/>
+              </a:ext>
+            </a:extLst>
+          </p:cNvPr>
+          <p:cNvSpPr>
+            <a:spLocks noGrp="1"/>
+          </p:cNvSpPr>
+          <p:nvPr>
+            <p:ph type="title"/>
+          </p:nvPr>
+        </p:nvSpPr>
+        <p:spPr/>
+        <p:txBody>
+          <a:bodyPr/>
+          <a:lstStyle/>
+          <a:p>
+            <a:r>
+              <a:rPr lang="en-US" dirty="0"/>
+              <a:t>Optional Command Line Arguments (continued)</a:t>
+            </a:r>
+            <a:endParaRPr lang="en-IN" dirty="0"/>
+          </a:p>
+        </p:txBody>
+      </p:sp>
+      <p:sp>
+        <p:nvSpPr>
+          <p:cNvPr id="6" name="TextBox 5">
+            <a:extLst>
+              <a:ext uri="{FF2B5EF4-FFF2-40B4-BE49-F238E27FC236}">
+                <a16:creationId xmlns:a16="http://schemas.microsoft.com/office/drawing/2014/main" id="{5ABCE368-3BC8-21A5-8EBA-656C0B16F83A}"/>
+              </a:ext>
+            </a:extLst>
+          </p:cNvPr>
+          <p:cNvSpPr txBox="1"/>
+          <p:nvPr/>
+        </p:nvSpPr>
+        <p:spPr>
+          <a:xfrm>
+            <a:off x="717176" y="1045029"/>
+            <a:ext cx="11195177" cy="4898571"/>
+          </a:xfrm>
+          <a:prstGeom prst="rect">
+            <a:avLst/>
+          </a:prstGeom>
+          <a:noFill/>
+        </p:spPr>
+        <p:txBody>
+          <a:bodyPr wrap="square" lIns="0" tIns="0" rIns="0" bIns="0" rtlCol="0">
+            <a:noAutofit/>
+          </a:bodyPr>
+          <a:lstStyle/>
+          <a:p>
+            <a:pPr>
+              <a:lnSpc>
+                <a:spcPct val="90000"/>
+              </a:lnSpc>
+              <a:spcAft>
+                <a:spcPts val="1000"/>
+              </a:spcAft>
+            </a:pPr>
+            <a:r>
+              <a:rPr lang="en-US" sz="1100" dirty="0">
+                <a:latin typeface="Courier New" panose="02070309020205020404" pitchFamily="49" charset="0"/>
+                <a:ea typeface="Roboto" charset="0"/>
+                <a:cs typeface="Courier New" panose="02070309020205020404" pitchFamily="49" charset="0"/>
+              </a:rPr>
+              <a:t> --</a:t>
+            </a:r>
+            <a:r>
+              <a:rPr lang="en-US" sz="1100" b="1" dirty="0" err="1">
+                <a:latin typeface="Courier New" panose="02070309020205020404" pitchFamily="49" charset="0"/>
+                <a:ea typeface="Roboto" charset="0"/>
+                <a:cs typeface="Courier New" panose="02070309020205020404" pitchFamily="49" charset="0"/>
+              </a:rPr>
+              <a:t>url_text</a:t>
+            </a:r>
+            <a:endParaRPr lang="en-US" sz="1100" b="1" dirty="0">
+              <a:latin typeface="Courier New" panose="02070309020205020404" pitchFamily="49" charset="0"/>
+              <a:ea typeface="Roboto" charset="0"/>
+              <a:cs typeface="Courier New" panose="02070309020205020404" pitchFamily="49" charset="0"/>
+            </a:endParaRPr>
+          </a:p>
+          <a:p>
+            <a:pPr>
+              <a:lnSpc>
+                <a:spcPct val="90000"/>
+              </a:lnSpc>
+              <a:spcAft>
+                <a:spcPts val="1000"/>
+              </a:spcAft>
+            </a:pPr>
+            <a:r>
+              <a:rPr lang="en-US" sz="1100" dirty="0">
+                <a:latin typeface="Courier New" panose="02070309020205020404" pitchFamily="49" charset="0"/>
+                <a:ea typeface="Roboto" charset="0"/>
+                <a:cs typeface="Courier New" panose="02070309020205020404" pitchFamily="49" charset="0"/>
+              </a:rPr>
+              <a:t>        The display text for the URL included in table comments.</a:t>
+            </a:r>
+          </a:p>
+          <a:p>
+            <a:pPr>
+              <a:lnSpc>
+                <a:spcPct val="90000"/>
+              </a:lnSpc>
+              <a:spcAft>
+                <a:spcPts val="1000"/>
+              </a:spcAft>
+            </a:pPr>
+            <a:r>
+              <a:rPr lang="en-US" sz="1100" dirty="0">
+                <a:latin typeface="Courier New" panose="02070309020205020404" pitchFamily="49" charset="0"/>
+                <a:ea typeface="Roboto" charset="0"/>
+                <a:cs typeface="Courier New" panose="02070309020205020404" pitchFamily="49" charset="0"/>
+              </a:rPr>
+              <a:t>		If including a URL, What do you want the link text to be displayed in the comment in the Table/View</a:t>
+            </a:r>
+          </a:p>
+          <a:p>
+            <a:pPr>
+              <a:lnSpc>
+                <a:spcPct val="90000"/>
+              </a:lnSpc>
+              <a:spcAft>
+                <a:spcPts val="1000"/>
+              </a:spcAft>
+            </a:pPr>
+            <a:r>
+              <a:rPr lang="en-US" sz="1100" dirty="0">
+                <a:latin typeface="Courier New" panose="02070309020205020404" pitchFamily="49" charset="0"/>
+                <a:ea typeface="Roboto" charset="0"/>
+                <a:cs typeface="Courier New" panose="02070309020205020404" pitchFamily="49" charset="0"/>
+              </a:rPr>
+              <a:t>        Example:</a:t>
+            </a:r>
+          </a:p>
+          <a:p>
+            <a:pPr>
+              <a:lnSpc>
+                <a:spcPct val="90000"/>
+              </a:lnSpc>
+              <a:spcAft>
+                <a:spcPts val="1000"/>
+              </a:spcAft>
+            </a:pPr>
+            <a:r>
+              <a:rPr lang="en-US" sz="1100" dirty="0">
+                <a:latin typeface="Courier New" panose="02070309020205020404" pitchFamily="49" charset="0"/>
+                <a:ea typeface="Roboto" charset="0"/>
+                <a:cs typeface="Courier New" panose="02070309020205020404" pitchFamily="49" charset="0"/>
+              </a:rPr>
+              <a:t>            --</a:t>
+            </a:r>
+            <a:r>
+              <a:rPr lang="en-US" sz="1100" dirty="0" err="1">
+                <a:latin typeface="Courier New" panose="02070309020205020404" pitchFamily="49" charset="0"/>
+                <a:ea typeface="Roboto" charset="0"/>
+                <a:cs typeface="Courier New" panose="02070309020205020404" pitchFamily="49" charset="0"/>
+              </a:rPr>
+              <a:t>url_text</a:t>
+            </a:r>
+            <a:r>
+              <a:rPr lang="en-US" sz="1100" dirty="0">
+                <a:latin typeface="Courier New" panose="02070309020205020404" pitchFamily="49" charset="0"/>
+                <a:ea typeface="Roboto" charset="0"/>
+                <a:cs typeface="Courier New" panose="02070309020205020404" pitchFamily="49" charset="0"/>
+              </a:rPr>
+              <a:t>="Open in Informatica Cloud Data Catalog"</a:t>
+            </a:r>
+          </a:p>
+          <a:p>
+            <a:pPr>
+              <a:lnSpc>
+                <a:spcPct val="90000"/>
+              </a:lnSpc>
+              <a:spcAft>
+                <a:spcPts val="1000"/>
+              </a:spcAft>
+            </a:pPr>
+            <a:endParaRPr lang="en-US" sz="1100" dirty="0">
+              <a:latin typeface="Courier New" panose="02070309020205020404" pitchFamily="49" charset="0"/>
+              <a:ea typeface="Roboto" charset="0"/>
+              <a:cs typeface="Courier New" panose="02070309020205020404" pitchFamily="49" charset="0"/>
+            </a:endParaRPr>
+          </a:p>
+          <a:p>
+            <a:pPr>
+              <a:lnSpc>
+                <a:spcPct val="90000"/>
+              </a:lnSpc>
+              <a:spcAft>
+                <a:spcPts val="1000"/>
+              </a:spcAft>
+            </a:pPr>
+            <a:r>
+              <a:rPr lang="en-US" sz="1100" dirty="0">
+                <a:latin typeface="Courier New" panose="02070309020205020404" pitchFamily="49" charset="0"/>
+                <a:ea typeface="Roboto" charset="0"/>
+                <a:cs typeface="Courier New" panose="02070309020205020404" pitchFamily="49" charset="0"/>
+              </a:rPr>
+              <a:t> --</a:t>
+            </a:r>
+            <a:r>
+              <a:rPr lang="en-US" sz="1100" b="1" dirty="0" err="1">
+                <a:latin typeface="Courier New" panose="02070309020205020404" pitchFamily="49" charset="0"/>
+                <a:ea typeface="Roboto" charset="0"/>
+                <a:cs typeface="Courier New" panose="02070309020205020404" pitchFamily="49" charset="0"/>
+              </a:rPr>
+              <a:t>unset_tags_first</a:t>
+            </a:r>
+            <a:endParaRPr lang="en-US" sz="1100" b="1" dirty="0">
+              <a:latin typeface="Courier New" panose="02070309020205020404" pitchFamily="49" charset="0"/>
+              <a:ea typeface="Roboto" charset="0"/>
+              <a:cs typeface="Courier New" panose="02070309020205020404" pitchFamily="49" charset="0"/>
+            </a:endParaRPr>
+          </a:p>
+          <a:p>
+            <a:pPr>
+              <a:lnSpc>
+                <a:spcPct val="90000"/>
+              </a:lnSpc>
+              <a:spcAft>
+                <a:spcPts val="1000"/>
+              </a:spcAft>
+            </a:pPr>
+            <a:r>
+              <a:rPr lang="en-US" sz="1100" dirty="0">
+                <a:latin typeface="Courier New" panose="02070309020205020404" pitchFamily="49" charset="0"/>
+                <a:ea typeface="Roboto" charset="0"/>
+                <a:cs typeface="Courier New" panose="02070309020205020404" pitchFamily="49" charset="0"/>
+              </a:rPr>
+              <a:t>        Boolean flag to unset existing tags before writing back new ones.</a:t>
+            </a:r>
+          </a:p>
+          <a:p>
+            <a:pPr>
+              <a:lnSpc>
+                <a:spcPct val="90000"/>
+              </a:lnSpc>
+              <a:spcAft>
+                <a:spcPts val="1000"/>
+              </a:spcAft>
+            </a:pPr>
+            <a:r>
+              <a:rPr lang="en-US" sz="1100" dirty="0">
+                <a:latin typeface="Courier New" panose="02070309020205020404" pitchFamily="49" charset="0"/>
+                <a:ea typeface="Roboto" charset="0"/>
+                <a:cs typeface="Courier New" panose="02070309020205020404" pitchFamily="49" charset="0"/>
+              </a:rPr>
+              <a:t>		Do you want be to unset these tags, before set them?</a:t>
+            </a:r>
+          </a:p>
+          <a:p>
+            <a:pPr>
+              <a:lnSpc>
+                <a:spcPct val="90000"/>
+              </a:lnSpc>
+              <a:spcAft>
+                <a:spcPts val="1000"/>
+              </a:spcAft>
+            </a:pPr>
+            <a:r>
+              <a:rPr lang="en-US" sz="1100" dirty="0">
+                <a:latin typeface="Courier New" panose="02070309020205020404" pitchFamily="49" charset="0"/>
+                <a:ea typeface="Roboto" charset="0"/>
+                <a:cs typeface="Courier New" panose="02070309020205020404" pitchFamily="49" charset="0"/>
+              </a:rPr>
+              <a:t>		This is useful if there may have been objects that got set, prior.</a:t>
+            </a:r>
+          </a:p>
+          <a:p>
+            <a:pPr>
+              <a:lnSpc>
+                <a:spcPct val="90000"/>
+              </a:lnSpc>
+              <a:spcAft>
+                <a:spcPts val="1000"/>
+              </a:spcAft>
+            </a:pPr>
+            <a:r>
+              <a:rPr lang="en-US" sz="1100" dirty="0">
+                <a:latin typeface="Courier New" panose="02070309020205020404" pitchFamily="49" charset="0"/>
+                <a:ea typeface="Roboto" charset="0"/>
+                <a:cs typeface="Courier New" panose="02070309020205020404" pitchFamily="49" charset="0"/>
+              </a:rPr>
+              <a:t>		Note it will ONLY effect the tags specified here </a:t>
+            </a:r>
+          </a:p>
+          <a:p>
+            <a:pPr>
+              <a:lnSpc>
+                <a:spcPct val="90000"/>
+              </a:lnSpc>
+              <a:spcAft>
+                <a:spcPts val="1000"/>
+              </a:spcAft>
+            </a:pPr>
+            <a:r>
+              <a:rPr lang="en-US" sz="1100" dirty="0">
+                <a:latin typeface="Courier New" panose="02070309020205020404" pitchFamily="49" charset="0"/>
+                <a:ea typeface="Roboto" charset="0"/>
+                <a:cs typeface="Courier New" panose="02070309020205020404" pitchFamily="49" charset="0"/>
+              </a:rPr>
+              <a:t>          (</a:t>
+            </a:r>
+            <a:r>
+              <a:rPr lang="en-US" sz="1100" dirty="0" err="1">
+                <a:latin typeface="Courier New" panose="02070309020205020404" pitchFamily="49" charset="0"/>
+                <a:ea typeface="Roboto" charset="0"/>
+                <a:cs typeface="Courier New" panose="02070309020205020404" pitchFamily="49" charset="0"/>
+              </a:rPr>
+              <a:t>writeback_business_term_tag</a:t>
+            </a:r>
+            <a:r>
+              <a:rPr lang="en-US" sz="1100" dirty="0">
+                <a:latin typeface="Courier New" panose="02070309020205020404" pitchFamily="49" charset="0"/>
+                <a:ea typeface="Roboto" charset="0"/>
+                <a:cs typeface="Courier New" panose="02070309020205020404" pitchFamily="49" charset="0"/>
+              </a:rPr>
+              <a:t>, </a:t>
+            </a:r>
+            <a:r>
+              <a:rPr lang="en-US" sz="1100" dirty="0" err="1">
+                <a:latin typeface="Courier New" panose="02070309020205020404" pitchFamily="49" charset="0"/>
+                <a:ea typeface="Roboto" charset="0"/>
+                <a:cs typeface="Courier New" panose="02070309020205020404" pitchFamily="49" charset="0"/>
+              </a:rPr>
+              <a:t>writeback_parent_policy_tag</a:t>
+            </a:r>
+            <a:r>
+              <a:rPr lang="en-US" sz="1100" dirty="0">
+                <a:latin typeface="Courier New" panose="02070309020205020404" pitchFamily="49" charset="0"/>
+                <a:ea typeface="Roboto" charset="0"/>
+                <a:cs typeface="Courier New" panose="02070309020205020404" pitchFamily="49" charset="0"/>
+              </a:rPr>
+              <a:t>, </a:t>
+            </a:r>
+            <a:r>
+              <a:rPr lang="en-US" sz="1100" dirty="0" err="1">
+                <a:latin typeface="Courier New" panose="02070309020205020404" pitchFamily="49" charset="0"/>
+                <a:ea typeface="Roboto" charset="0"/>
+                <a:cs typeface="Courier New" panose="02070309020205020404" pitchFamily="49" charset="0"/>
+              </a:rPr>
+              <a:t>writeback_classification_tag</a:t>
+            </a:r>
+            <a:r>
+              <a:rPr lang="en-US" sz="1100" dirty="0">
+                <a:latin typeface="Courier New" panose="02070309020205020404" pitchFamily="49" charset="0"/>
+                <a:ea typeface="Roboto" charset="0"/>
+                <a:cs typeface="Courier New" panose="02070309020205020404" pitchFamily="49" charset="0"/>
+              </a:rPr>
+              <a:t>)</a:t>
+            </a:r>
+          </a:p>
+          <a:p>
+            <a:pPr>
+              <a:lnSpc>
+                <a:spcPct val="90000"/>
+              </a:lnSpc>
+              <a:spcAft>
+                <a:spcPts val="1000"/>
+              </a:spcAft>
+            </a:pPr>
+            <a:r>
+              <a:rPr lang="en-US" sz="1100" dirty="0">
+                <a:latin typeface="Courier New" panose="02070309020205020404" pitchFamily="49" charset="0"/>
+                <a:ea typeface="Roboto" charset="0"/>
+                <a:cs typeface="Courier New" panose="02070309020205020404" pitchFamily="49" charset="0"/>
+              </a:rPr>
+              <a:t>        Example:</a:t>
+            </a:r>
+          </a:p>
+          <a:p>
+            <a:pPr>
+              <a:lnSpc>
+                <a:spcPct val="90000"/>
+              </a:lnSpc>
+              <a:spcAft>
+                <a:spcPts val="1000"/>
+              </a:spcAft>
+            </a:pPr>
+            <a:r>
+              <a:rPr lang="en-US" sz="1100" dirty="0">
+                <a:latin typeface="Courier New" panose="02070309020205020404" pitchFamily="49" charset="0"/>
+                <a:ea typeface="Roboto" charset="0"/>
+                <a:cs typeface="Courier New" panose="02070309020205020404" pitchFamily="49" charset="0"/>
+              </a:rPr>
+              <a:t>            --</a:t>
+            </a:r>
+            <a:r>
+              <a:rPr lang="en-US" sz="1100" dirty="0" err="1">
+                <a:latin typeface="Courier New" panose="02070309020205020404" pitchFamily="49" charset="0"/>
+                <a:ea typeface="Roboto" charset="0"/>
+                <a:cs typeface="Courier New" panose="02070309020205020404" pitchFamily="49" charset="0"/>
+              </a:rPr>
+              <a:t>unset_tags_first</a:t>
+            </a:r>
+            <a:r>
+              <a:rPr lang="en-US" sz="1100" dirty="0">
+                <a:latin typeface="Courier New" panose="02070309020205020404" pitchFamily="49" charset="0"/>
+                <a:ea typeface="Roboto" charset="0"/>
+                <a:cs typeface="Courier New" panose="02070309020205020404" pitchFamily="49" charset="0"/>
+              </a:rPr>
+              <a:t>=True</a:t>
+            </a:r>
+          </a:p>
+          <a:p>
+            <a:pPr>
+              <a:lnSpc>
+                <a:spcPct val="90000"/>
+              </a:lnSpc>
+              <a:spcAft>
+                <a:spcPts val="1000"/>
+              </a:spcAft>
+            </a:pPr>
+            <a:endParaRPr lang="en-US" sz="1100" dirty="0">
+              <a:latin typeface="Courier New" panose="02070309020205020404" pitchFamily="49" charset="0"/>
+              <a:ea typeface="Roboto" charset="0"/>
+              <a:cs typeface="Courier New" panose="02070309020205020404" pitchFamily="49" charset="0"/>
+            </a:endParaRPr>
+          </a:p>
+          <a:p>
+            <a:pPr>
+              <a:lnSpc>
+                <a:spcPct val="90000"/>
+              </a:lnSpc>
+              <a:spcAft>
+                <a:spcPts val="1000"/>
+              </a:spcAft>
+            </a:pPr>
+            <a:endParaRPr lang="en-US" sz="1100" dirty="0">
+              <a:latin typeface="Courier New" panose="02070309020205020404" pitchFamily="49" charset="0"/>
+              <a:ea typeface="Roboto" charset="0"/>
+              <a:cs typeface="Courier New" panose="02070309020205020404" pitchFamily="49" charset="0"/>
+            </a:endParaRPr>
+          </a:p>
+        </p:txBody>
+      </p:sp>
+    </p:spTree>
+    <p:extLst>
+      <p:ext uri="{BB962C8B-B14F-4D97-AF65-F5344CB8AC3E}">
+        <p14:creationId xmlns:p14="http://schemas.microsoft.com/office/powerpoint/2010/main" val="3205675437"/>
+      </p:ext>
+    </p:extLst>
+  </p:cSld>
+  <p:clrMapOvr>
+    <a:masterClrMapping/>
+  </p:clrMapOvr>
+  <mc:AlternateContent xmlns:mc="http://schemas.openxmlformats.org/markup-compatibility/2006" xmlns:p14="http://schemas.microsoft.com/office/powerpoint/2010/main">
+    <mc:Choice Requires="p14">
+      <p:transition spd="med" p14:dur="700" advClick="0">
+        <p:fade/>
+      </p:transition>
+    </mc:Choice>
+    <mc:Fallback xmlns="">
+      <p:transition spd="med" advClick="0">
+        <p:fade/>
+      </p:transition>
+    </mc:Fallback>
+  </mc:AlternateContent>
+</p:sld>
+</file>
+
+<file path=ppt/slides/slide18.xml><?xml version="1.0" encoding="utf-8"?>
+<p:sld xmlns:a="http://schemas.openxmlformats.org/drawingml/2006/main" xmlns:r="http://schemas.openxmlformats.org/officeDocument/2006/relationships" xmlns:p="http://schemas.openxmlformats.org/presentationml/2006/main">
+  <p:cSld>
+    <p:spTree>
+      <p:nvGrpSpPr>
+        <p:cNvPr id="1" name="">
+          <a:extLst>
+            <a:ext uri="{FF2B5EF4-FFF2-40B4-BE49-F238E27FC236}">
+              <a16:creationId xmlns:a16="http://schemas.microsoft.com/office/drawing/2014/main" id="{C355F64B-788B-A483-489D-D8F368F81D84}"/>
+            </a:ext>
+          </a:extLst>
+        </p:cNvPr>
+        <p:cNvGrpSpPr/>
+        <p:nvPr/>
+      </p:nvGrpSpPr>
+      <p:grpSpPr>
+        <a:xfrm>
+          <a:off x="0" y="0"/>
+          <a:ext cx="0" cy="0"/>
+          <a:chOff x="0" y="0"/>
+          <a:chExt cx="0" cy="0"/>
+        </a:xfrm>
+      </p:grpSpPr>
+      <p:sp>
+        <p:nvSpPr>
+          <p:cNvPr id="5" name="Title 4">
+            <a:extLst>
+              <a:ext uri="{FF2B5EF4-FFF2-40B4-BE49-F238E27FC236}">
+                <a16:creationId xmlns:a16="http://schemas.microsoft.com/office/drawing/2014/main" id="{D52C77E2-E97C-C331-9F8B-AF5C424933F5}"/>
+              </a:ext>
+            </a:extLst>
+          </p:cNvPr>
+          <p:cNvSpPr>
+            <a:spLocks noGrp="1"/>
+          </p:cNvSpPr>
+          <p:nvPr>
+            <p:ph type="title"/>
+          </p:nvPr>
+        </p:nvSpPr>
+        <p:spPr/>
+        <p:txBody>
+          <a:bodyPr/>
+          <a:lstStyle/>
+          <a:p>
+            <a:r>
+              <a:rPr lang="en-US" dirty="0"/>
+              <a:t>Optional Command Line Arguments (continued)</a:t>
+            </a:r>
+            <a:endParaRPr lang="en-IN" dirty="0"/>
+          </a:p>
+        </p:txBody>
+      </p:sp>
+      <p:sp>
+        <p:nvSpPr>
+          <p:cNvPr id="6" name="TextBox 5">
+            <a:extLst>
+              <a:ext uri="{FF2B5EF4-FFF2-40B4-BE49-F238E27FC236}">
+                <a16:creationId xmlns:a16="http://schemas.microsoft.com/office/drawing/2014/main" id="{408EDC36-B4BA-86AF-9AFE-4B5C2EE49519}"/>
+              </a:ext>
+            </a:extLst>
+          </p:cNvPr>
+          <p:cNvSpPr txBox="1"/>
+          <p:nvPr/>
+        </p:nvSpPr>
+        <p:spPr>
+          <a:xfrm>
+            <a:off x="717176" y="1045029"/>
+            <a:ext cx="11195177" cy="4898571"/>
+          </a:xfrm>
+          <a:prstGeom prst="rect">
+            <a:avLst/>
+          </a:prstGeom>
+          <a:noFill/>
+        </p:spPr>
+        <p:txBody>
+          <a:bodyPr wrap="square" lIns="0" tIns="0" rIns="0" bIns="0" rtlCol="0">
+            <a:noAutofit/>
+          </a:bodyPr>
+          <a:lstStyle/>
+          <a:p>
+            <a:pPr>
+              <a:lnSpc>
+                <a:spcPct val="90000"/>
+              </a:lnSpc>
+              <a:spcAft>
+                <a:spcPts val="1000"/>
+              </a:spcAft>
+            </a:pPr>
+            <a:r>
+              <a:rPr lang="en-US" sz="1100" dirty="0">
+                <a:latin typeface="Courier New" panose="02070309020205020404" pitchFamily="49" charset="0"/>
+                <a:ea typeface="Roboto" charset="0"/>
+                <a:cs typeface="Courier New" panose="02070309020205020404" pitchFamily="49" charset="0"/>
+              </a:rPr>
+              <a:t> --</a:t>
+            </a:r>
+            <a:r>
+              <a:rPr lang="en-US" sz="1100" b="1" dirty="0" err="1">
+                <a:latin typeface="Courier New" panose="02070309020205020404" pitchFamily="49" charset="0"/>
+                <a:ea typeface="Roboto" charset="0"/>
+                <a:cs typeface="Courier New" panose="02070309020205020404" pitchFamily="49" charset="0"/>
+              </a:rPr>
+              <a:t>writeback_tags</a:t>
+            </a:r>
+            <a:endParaRPr lang="en-US" sz="1100" b="1" dirty="0">
+              <a:latin typeface="Courier New" panose="02070309020205020404" pitchFamily="49" charset="0"/>
+              <a:ea typeface="Roboto" charset="0"/>
+              <a:cs typeface="Courier New" panose="02070309020205020404" pitchFamily="49" charset="0"/>
+            </a:endParaRPr>
+          </a:p>
+          <a:p>
+            <a:pPr>
+              <a:lnSpc>
+                <a:spcPct val="90000"/>
+              </a:lnSpc>
+              <a:spcAft>
+                <a:spcPts val="1000"/>
+              </a:spcAft>
+            </a:pPr>
+            <a:r>
+              <a:rPr lang="en-US" sz="1100" dirty="0">
+                <a:latin typeface="Courier New" panose="02070309020205020404" pitchFamily="49" charset="0"/>
+                <a:ea typeface="Roboto" charset="0"/>
+                <a:cs typeface="Courier New" panose="02070309020205020404" pitchFamily="49" charset="0"/>
+              </a:rPr>
+              <a:t>        Boolean flag to enable writing back tags in general.</a:t>
+            </a:r>
+          </a:p>
+          <a:p>
+            <a:pPr>
+              <a:lnSpc>
+                <a:spcPct val="90000"/>
+              </a:lnSpc>
+              <a:spcAft>
+                <a:spcPts val="1000"/>
+              </a:spcAft>
+            </a:pPr>
+            <a:r>
+              <a:rPr lang="en-US" sz="1100" dirty="0">
+                <a:latin typeface="Courier New" panose="02070309020205020404" pitchFamily="49" charset="0"/>
+                <a:ea typeface="Roboto" charset="0"/>
+                <a:cs typeface="Courier New" panose="02070309020205020404" pitchFamily="49" charset="0"/>
+              </a:rPr>
+              <a:t>		Set this to False in order to test what it will do, without performing the update</a:t>
+            </a:r>
+          </a:p>
+          <a:p>
+            <a:pPr>
+              <a:lnSpc>
+                <a:spcPct val="90000"/>
+              </a:lnSpc>
+              <a:spcAft>
+                <a:spcPts val="1000"/>
+              </a:spcAft>
+            </a:pPr>
+            <a:r>
+              <a:rPr lang="en-US" sz="1100" dirty="0">
+                <a:latin typeface="Courier New" panose="02070309020205020404" pitchFamily="49" charset="0"/>
+                <a:ea typeface="Roboto" charset="0"/>
+                <a:cs typeface="Courier New" panose="02070309020205020404" pitchFamily="49" charset="0"/>
+              </a:rPr>
+              <a:t>        Example:</a:t>
+            </a:r>
+          </a:p>
+          <a:p>
+            <a:pPr>
+              <a:lnSpc>
+                <a:spcPct val="90000"/>
+              </a:lnSpc>
+              <a:spcAft>
+                <a:spcPts val="1000"/>
+              </a:spcAft>
+            </a:pPr>
+            <a:r>
+              <a:rPr lang="en-US" sz="1100" dirty="0">
+                <a:latin typeface="Courier New" panose="02070309020205020404" pitchFamily="49" charset="0"/>
+                <a:ea typeface="Roboto" charset="0"/>
+                <a:cs typeface="Courier New" panose="02070309020205020404" pitchFamily="49" charset="0"/>
+              </a:rPr>
+              <a:t>            --</a:t>
+            </a:r>
+            <a:r>
+              <a:rPr lang="en-US" sz="1100" dirty="0" err="1">
+                <a:latin typeface="Courier New" panose="02070309020205020404" pitchFamily="49" charset="0"/>
+                <a:ea typeface="Roboto" charset="0"/>
+                <a:cs typeface="Courier New" panose="02070309020205020404" pitchFamily="49" charset="0"/>
+              </a:rPr>
+              <a:t>writeback_tags</a:t>
+            </a:r>
+            <a:r>
+              <a:rPr lang="en-US" sz="1100" dirty="0">
+                <a:latin typeface="Courier New" panose="02070309020205020404" pitchFamily="49" charset="0"/>
+                <a:ea typeface="Roboto" charset="0"/>
+                <a:cs typeface="Courier New" panose="02070309020205020404" pitchFamily="49" charset="0"/>
+              </a:rPr>
+              <a:t>=True</a:t>
+            </a:r>
+          </a:p>
+          <a:p>
+            <a:pPr>
+              <a:lnSpc>
+                <a:spcPct val="90000"/>
+              </a:lnSpc>
+              <a:spcAft>
+                <a:spcPts val="1000"/>
+              </a:spcAft>
+            </a:pPr>
+            <a:endParaRPr lang="en-US" sz="1100" dirty="0">
+              <a:latin typeface="Courier New" panose="02070309020205020404" pitchFamily="49" charset="0"/>
+              <a:ea typeface="Roboto" charset="0"/>
+              <a:cs typeface="Courier New" panose="02070309020205020404" pitchFamily="49" charset="0"/>
+            </a:endParaRPr>
+          </a:p>
+          <a:p>
+            <a:pPr>
+              <a:lnSpc>
+                <a:spcPct val="90000"/>
+              </a:lnSpc>
+              <a:spcAft>
+                <a:spcPts val="1000"/>
+              </a:spcAft>
+            </a:pPr>
+            <a:r>
+              <a:rPr lang="en-US" sz="1100" dirty="0">
+                <a:latin typeface="Courier New" panose="02070309020205020404" pitchFamily="49" charset="0"/>
+                <a:ea typeface="Roboto" charset="0"/>
+                <a:cs typeface="Courier New" panose="02070309020205020404" pitchFamily="49" charset="0"/>
+              </a:rPr>
+              <a:t> --</a:t>
+            </a:r>
+            <a:r>
+              <a:rPr lang="en-US" sz="1100" b="1" dirty="0" err="1">
+                <a:latin typeface="Courier New" panose="02070309020205020404" pitchFamily="49" charset="0"/>
+                <a:ea typeface="Roboto" charset="0"/>
+                <a:cs typeface="Courier New" panose="02070309020205020404" pitchFamily="49" charset="0"/>
+              </a:rPr>
+              <a:t>jdbc_driver</a:t>
+            </a:r>
+            <a:endParaRPr lang="en-US" sz="1100" b="1" dirty="0">
+              <a:latin typeface="Courier New" panose="02070309020205020404" pitchFamily="49" charset="0"/>
+              <a:ea typeface="Roboto" charset="0"/>
+              <a:cs typeface="Courier New" panose="02070309020205020404" pitchFamily="49" charset="0"/>
+            </a:endParaRPr>
+          </a:p>
+          <a:p>
+            <a:pPr>
+              <a:lnSpc>
+                <a:spcPct val="90000"/>
+              </a:lnSpc>
+              <a:spcAft>
+                <a:spcPts val="1000"/>
+              </a:spcAft>
+            </a:pPr>
+            <a:r>
+              <a:rPr lang="en-US" sz="1100" dirty="0">
+                <a:latin typeface="Courier New" panose="02070309020205020404" pitchFamily="49" charset="0"/>
+                <a:ea typeface="Roboto" charset="0"/>
+                <a:cs typeface="Courier New" panose="02070309020205020404" pitchFamily="49" charset="0"/>
+              </a:rPr>
+              <a:t>        (Databricks JDBC) The fully qualified class name of the JDBC driver to connect to Databricks.</a:t>
+            </a:r>
+          </a:p>
+          <a:p>
+            <a:pPr>
+              <a:lnSpc>
+                <a:spcPct val="90000"/>
+              </a:lnSpc>
+              <a:spcAft>
+                <a:spcPts val="1000"/>
+              </a:spcAft>
+            </a:pPr>
+            <a:r>
+              <a:rPr lang="en-US" sz="1100" dirty="0">
+                <a:latin typeface="Courier New" panose="02070309020205020404" pitchFamily="49" charset="0"/>
+                <a:ea typeface="Roboto" charset="0"/>
+                <a:cs typeface="Courier New" panose="02070309020205020404" pitchFamily="49" charset="0"/>
+              </a:rPr>
+              <a:t>        Example:</a:t>
+            </a:r>
+          </a:p>
+          <a:p>
+            <a:pPr>
+              <a:lnSpc>
+                <a:spcPct val="90000"/>
+              </a:lnSpc>
+              <a:spcAft>
+                <a:spcPts val="1000"/>
+              </a:spcAft>
+            </a:pPr>
+            <a:r>
+              <a:rPr lang="en-US" sz="1100" dirty="0">
+                <a:latin typeface="Courier New" panose="02070309020205020404" pitchFamily="49" charset="0"/>
+                <a:ea typeface="Roboto" charset="0"/>
+                <a:cs typeface="Courier New" panose="02070309020205020404" pitchFamily="49" charset="0"/>
+              </a:rPr>
+              <a:t>            --</a:t>
+            </a:r>
+            <a:r>
+              <a:rPr lang="en-US" sz="1100" dirty="0" err="1">
+                <a:latin typeface="Courier New" panose="02070309020205020404" pitchFamily="49" charset="0"/>
+                <a:ea typeface="Roboto" charset="0"/>
+                <a:cs typeface="Courier New" panose="02070309020205020404" pitchFamily="49" charset="0"/>
+              </a:rPr>
+              <a:t>jdbc_driver</a:t>
+            </a:r>
+            <a:r>
+              <a:rPr lang="en-US" sz="1100" dirty="0">
+                <a:latin typeface="Courier New" panose="02070309020205020404" pitchFamily="49" charset="0"/>
+                <a:ea typeface="Roboto" charset="0"/>
+                <a:cs typeface="Courier New" panose="02070309020205020404" pitchFamily="49" charset="0"/>
+              </a:rPr>
+              <a:t>=</a:t>
+            </a:r>
+            <a:r>
+              <a:rPr lang="en-US" sz="1100" dirty="0" err="1">
+                <a:latin typeface="Courier New" panose="02070309020205020404" pitchFamily="49" charset="0"/>
+                <a:ea typeface="Roboto" charset="0"/>
+                <a:cs typeface="Courier New" panose="02070309020205020404" pitchFamily="49" charset="0"/>
+              </a:rPr>
+              <a:t>com.databricks.client.jdbc.Driver</a:t>
+            </a:r>
+            <a:endParaRPr lang="en-US" sz="1100" dirty="0">
+              <a:latin typeface="Courier New" panose="02070309020205020404" pitchFamily="49" charset="0"/>
+              <a:ea typeface="Roboto" charset="0"/>
+              <a:cs typeface="Courier New" panose="02070309020205020404" pitchFamily="49" charset="0"/>
+            </a:endParaRPr>
+          </a:p>
+          <a:p>
+            <a:pPr>
+              <a:lnSpc>
+                <a:spcPct val="90000"/>
+              </a:lnSpc>
+              <a:spcAft>
+                <a:spcPts val="1000"/>
+              </a:spcAft>
+            </a:pPr>
+            <a:endParaRPr lang="en-US" sz="1100" dirty="0">
+              <a:latin typeface="Courier New" panose="02070309020205020404" pitchFamily="49" charset="0"/>
+              <a:ea typeface="Roboto" charset="0"/>
+              <a:cs typeface="Courier New" panose="02070309020205020404" pitchFamily="49" charset="0"/>
+            </a:endParaRPr>
+          </a:p>
+          <a:p>
+            <a:pPr>
+              <a:lnSpc>
+                <a:spcPct val="90000"/>
+              </a:lnSpc>
+              <a:spcAft>
+                <a:spcPts val="1000"/>
+              </a:spcAft>
+            </a:pPr>
+            <a:r>
+              <a:rPr lang="en-US" sz="1100" dirty="0">
+                <a:latin typeface="Courier New" panose="02070309020205020404" pitchFamily="49" charset="0"/>
+                <a:ea typeface="Roboto" charset="0"/>
+                <a:cs typeface="Courier New" panose="02070309020205020404" pitchFamily="49" charset="0"/>
+              </a:rPr>
+              <a:t> --</a:t>
+            </a:r>
+            <a:r>
+              <a:rPr lang="en-US" sz="1100" b="1" dirty="0" err="1">
+                <a:latin typeface="Courier New" panose="02070309020205020404" pitchFamily="49" charset="0"/>
+                <a:ea typeface="Roboto" charset="0"/>
+                <a:cs typeface="Courier New" panose="02070309020205020404" pitchFamily="49" charset="0"/>
+              </a:rPr>
+              <a:t>jdbc_url</a:t>
+            </a:r>
+            <a:endParaRPr lang="en-US" sz="1100" b="1" dirty="0">
+              <a:latin typeface="Courier New" panose="02070309020205020404" pitchFamily="49" charset="0"/>
+              <a:ea typeface="Roboto" charset="0"/>
+              <a:cs typeface="Courier New" panose="02070309020205020404" pitchFamily="49" charset="0"/>
+            </a:endParaRPr>
+          </a:p>
+          <a:p>
+            <a:pPr>
+              <a:lnSpc>
+                <a:spcPct val="90000"/>
+              </a:lnSpc>
+              <a:spcAft>
+                <a:spcPts val="1000"/>
+              </a:spcAft>
+            </a:pPr>
+            <a:r>
+              <a:rPr lang="en-US" sz="1100" dirty="0">
+                <a:latin typeface="Courier New" panose="02070309020205020404" pitchFamily="49" charset="0"/>
+                <a:ea typeface="Roboto" charset="0"/>
+                <a:cs typeface="Courier New" panose="02070309020205020404" pitchFamily="49" charset="0"/>
+              </a:rPr>
+              <a:t>        (Databricks JDBC) The JDBC connection URL string.</a:t>
+            </a:r>
+          </a:p>
+          <a:p>
+            <a:pPr>
+              <a:lnSpc>
+                <a:spcPct val="90000"/>
+              </a:lnSpc>
+              <a:spcAft>
+                <a:spcPts val="1000"/>
+              </a:spcAft>
+            </a:pPr>
+            <a:r>
+              <a:rPr lang="en-US" sz="1100" dirty="0">
+                <a:latin typeface="Courier New" panose="02070309020205020404" pitchFamily="49" charset="0"/>
+                <a:ea typeface="Roboto" charset="0"/>
+                <a:cs typeface="Courier New" panose="02070309020205020404" pitchFamily="49" charset="0"/>
+              </a:rPr>
+              <a:t>        Example:</a:t>
+            </a:r>
+          </a:p>
+          <a:p>
+            <a:pPr>
+              <a:lnSpc>
+                <a:spcPct val="90000"/>
+              </a:lnSpc>
+              <a:spcAft>
+                <a:spcPts val="1000"/>
+              </a:spcAft>
+            </a:pPr>
+            <a:r>
+              <a:rPr lang="en-US" sz="1100" dirty="0">
+                <a:latin typeface="Courier New" panose="02070309020205020404" pitchFamily="49" charset="0"/>
+                <a:ea typeface="Roboto" charset="0"/>
+                <a:cs typeface="Courier New" panose="02070309020205020404" pitchFamily="49" charset="0"/>
+              </a:rPr>
+              <a:t>            --</a:t>
+            </a:r>
+            <a:r>
+              <a:rPr lang="en-US" sz="1100" dirty="0" err="1">
+                <a:latin typeface="Courier New" panose="02070309020205020404" pitchFamily="49" charset="0"/>
+                <a:ea typeface="Roboto" charset="0"/>
+                <a:cs typeface="Courier New" panose="02070309020205020404" pitchFamily="49" charset="0"/>
+              </a:rPr>
+              <a:t>jdbc_url</a:t>
+            </a:r>
+            <a:r>
+              <a:rPr lang="en-US" sz="1100" dirty="0">
+                <a:latin typeface="Courier New" panose="02070309020205020404" pitchFamily="49" charset="0"/>
+                <a:ea typeface="Roboto" charset="0"/>
+                <a:cs typeface="Courier New" panose="02070309020205020404" pitchFamily="49" charset="0"/>
+              </a:rPr>
+              <a:t>="</a:t>
+            </a:r>
+            <a:r>
+              <a:rPr lang="en-US" sz="1100" dirty="0" err="1">
+                <a:latin typeface="Courier New" panose="02070309020205020404" pitchFamily="49" charset="0"/>
+                <a:ea typeface="Roboto" charset="0"/>
+                <a:cs typeface="Courier New" panose="02070309020205020404" pitchFamily="49" charset="0"/>
+              </a:rPr>
+              <a:t>jdbc:databricks</a:t>
+            </a:r>
+            <a:r>
+              <a:rPr lang="en-US" sz="1100" dirty="0">
+                <a:latin typeface="Courier New" panose="02070309020205020404" pitchFamily="49" charset="0"/>
+                <a:ea typeface="Roboto" charset="0"/>
+                <a:cs typeface="Courier New" panose="02070309020205020404" pitchFamily="49" charset="0"/>
+              </a:rPr>
+              <a:t>://adb-3507816793016728.8.azuredatabricks.net:443/</a:t>
+            </a:r>
+            <a:r>
+              <a:rPr lang="en-US" sz="1100" dirty="0" err="1">
+                <a:latin typeface="Courier New" panose="02070309020205020404" pitchFamily="49" charset="0"/>
+                <a:ea typeface="Roboto" charset="0"/>
+                <a:cs typeface="Courier New" panose="02070309020205020404" pitchFamily="49" charset="0"/>
+              </a:rPr>
+              <a:t>nsen;transportMode</a:t>
+            </a:r>
+            <a:r>
+              <a:rPr lang="en-US" sz="1100" dirty="0">
+                <a:latin typeface="Courier New" panose="02070309020205020404" pitchFamily="49" charset="0"/>
+                <a:ea typeface="Roboto" charset="0"/>
+                <a:cs typeface="Courier New" panose="02070309020205020404" pitchFamily="49" charset="0"/>
+              </a:rPr>
+              <a:t>=</a:t>
+            </a:r>
+            <a:r>
+              <a:rPr lang="en-US" sz="1100" dirty="0" err="1">
+                <a:latin typeface="Courier New" panose="02070309020205020404" pitchFamily="49" charset="0"/>
+                <a:ea typeface="Roboto" charset="0"/>
+                <a:cs typeface="Courier New" panose="02070309020205020404" pitchFamily="49" charset="0"/>
+              </a:rPr>
+              <a:t>http;ssl</a:t>
+            </a:r>
+            <a:r>
+              <a:rPr lang="en-US" sz="1100" dirty="0">
+                <a:latin typeface="Courier New" panose="02070309020205020404" pitchFamily="49" charset="0"/>
+                <a:ea typeface="Roboto" charset="0"/>
+                <a:cs typeface="Courier New" panose="02070309020205020404" pitchFamily="49" charset="0"/>
+              </a:rPr>
+              <a:t>=1;AuthMech=3;httpPath=/</a:t>
+            </a:r>
+            <a:r>
+              <a:rPr lang="en-US" sz="1100" dirty="0" err="1">
+                <a:latin typeface="Courier New" panose="02070309020205020404" pitchFamily="49" charset="0"/>
+                <a:ea typeface="Roboto" charset="0"/>
+                <a:cs typeface="Courier New" panose="02070309020205020404" pitchFamily="49" charset="0"/>
+              </a:rPr>
+              <a:t>sql</a:t>
+            </a:r>
+            <a:r>
+              <a:rPr lang="en-US" sz="1100" dirty="0">
+                <a:latin typeface="Courier New" panose="02070309020205020404" pitchFamily="49" charset="0"/>
+                <a:ea typeface="Roboto" charset="0"/>
+                <a:cs typeface="Courier New" panose="02070309020205020404" pitchFamily="49" charset="0"/>
+              </a:rPr>
+              <a:t>/1.0/endpoints/556b3ac6518656a2;"</a:t>
+            </a:r>
+          </a:p>
+        </p:txBody>
+      </p:sp>
+    </p:spTree>
+    <p:extLst>
+      <p:ext uri="{BB962C8B-B14F-4D97-AF65-F5344CB8AC3E}">
+        <p14:creationId xmlns:p14="http://schemas.microsoft.com/office/powerpoint/2010/main" val="576539168"/>
+      </p:ext>
+    </p:extLst>
+  </p:cSld>
+  <p:clrMapOvr>
+    <a:masterClrMapping/>
+  </p:clrMapOvr>
+  <mc:AlternateContent xmlns:mc="http://schemas.openxmlformats.org/markup-compatibility/2006" xmlns:p14="http://schemas.microsoft.com/office/powerpoint/2010/main">
+    <mc:Choice Requires="p14">
+      <p:transition spd="med" p14:dur="700" advClick="0">
+        <p:fade/>
+      </p:transition>
+    </mc:Choice>
+    <mc:Fallback xmlns="">
+      <p:transition spd="med" advClick="0">
+        <p:fade/>
+      </p:transition>
+    </mc:Fallback>
+  </mc:AlternateContent>
+</p:sld>
+</file>
+
+<file path=ppt/slides/slide19.xml><?xml version="1.0" encoding="utf-8"?>
+<p:sld xmlns:a="http://schemas.openxmlformats.org/drawingml/2006/main" xmlns:r="http://schemas.openxmlformats.org/officeDocument/2006/relationships" xmlns:p="http://schemas.openxmlformats.org/presentationml/2006/main">
+  <p:cSld>
+    <p:spTree>
+      <p:nvGrpSpPr>
+        <p:cNvPr id="1" name="">
+          <a:extLst>
+            <a:ext uri="{FF2B5EF4-FFF2-40B4-BE49-F238E27FC236}">
+              <a16:creationId xmlns:a16="http://schemas.microsoft.com/office/drawing/2014/main" id="{2D605F78-F07F-448F-4F63-BEF73E6B8059}"/>
+            </a:ext>
+          </a:extLst>
+        </p:cNvPr>
+        <p:cNvGrpSpPr/>
+        <p:nvPr/>
+      </p:nvGrpSpPr>
+      <p:grpSpPr>
+        <a:xfrm>
+          <a:off x="0" y="0"/>
+          <a:ext cx="0" cy="0"/>
+          <a:chOff x="0" y="0"/>
+          <a:chExt cx="0" cy="0"/>
+        </a:xfrm>
+      </p:grpSpPr>
+      <p:sp>
+        <p:nvSpPr>
+          <p:cNvPr id="5" name="Title 4">
+            <a:extLst>
+              <a:ext uri="{FF2B5EF4-FFF2-40B4-BE49-F238E27FC236}">
+                <a16:creationId xmlns:a16="http://schemas.microsoft.com/office/drawing/2014/main" id="{CF9AFE68-8EC0-2BF4-3907-10F1CBF9574B}"/>
+              </a:ext>
+            </a:extLst>
+          </p:cNvPr>
+          <p:cNvSpPr>
+            <a:spLocks noGrp="1"/>
+          </p:cNvSpPr>
+          <p:nvPr>
+            <p:ph type="title"/>
+          </p:nvPr>
+        </p:nvSpPr>
+        <p:spPr/>
+        <p:txBody>
+          <a:bodyPr/>
+          <a:lstStyle/>
+          <a:p>
+            <a:r>
+              <a:rPr lang="en-US" dirty="0"/>
+              <a:t>Optional Command Line Arguments (continued)</a:t>
+            </a:r>
+            <a:endParaRPr lang="en-IN" dirty="0"/>
+          </a:p>
+        </p:txBody>
+      </p:sp>
+      <p:sp>
+        <p:nvSpPr>
+          <p:cNvPr id="6" name="TextBox 5">
+            <a:extLst>
+              <a:ext uri="{FF2B5EF4-FFF2-40B4-BE49-F238E27FC236}">
+                <a16:creationId xmlns:a16="http://schemas.microsoft.com/office/drawing/2014/main" id="{109B1C0A-2874-CB15-CC4E-C925553DC456}"/>
+              </a:ext>
+            </a:extLst>
+          </p:cNvPr>
+          <p:cNvSpPr txBox="1"/>
+          <p:nvPr/>
+        </p:nvSpPr>
+        <p:spPr>
+          <a:xfrm>
+            <a:off x="717176" y="1045029"/>
+            <a:ext cx="11195177" cy="4898571"/>
+          </a:xfrm>
+          <a:prstGeom prst="rect">
+            <a:avLst/>
+          </a:prstGeom>
+          <a:noFill/>
+        </p:spPr>
+        <p:txBody>
+          <a:bodyPr wrap="square" lIns="0" tIns="0" rIns="0" bIns="0" rtlCol="0">
+            <a:noAutofit/>
+          </a:bodyPr>
+          <a:lstStyle/>
+          <a:p>
+            <a:pPr>
+              <a:lnSpc>
+                <a:spcPct val="90000"/>
+              </a:lnSpc>
+              <a:spcAft>
+                <a:spcPts val="1000"/>
+              </a:spcAft>
+            </a:pPr>
+            <a:r>
+              <a:rPr lang="en-US" sz="1100" dirty="0">
+                <a:latin typeface="Courier New" panose="02070309020205020404" pitchFamily="49" charset="0"/>
+                <a:ea typeface="Roboto" charset="0"/>
+                <a:cs typeface="Courier New" panose="02070309020205020404" pitchFamily="49" charset="0"/>
+              </a:rPr>
+              <a:t> --</a:t>
+            </a:r>
+            <a:r>
+              <a:rPr lang="en-US" sz="1100" b="1" dirty="0" err="1">
+                <a:latin typeface="Courier New" panose="02070309020205020404" pitchFamily="49" charset="0"/>
+                <a:ea typeface="Roboto" charset="0"/>
+                <a:cs typeface="Courier New" panose="02070309020205020404" pitchFamily="49" charset="0"/>
+              </a:rPr>
+              <a:t>jdbc_username</a:t>
+            </a:r>
+            <a:endParaRPr lang="en-US" sz="1100" b="1" dirty="0">
+              <a:latin typeface="Courier New" panose="02070309020205020404" pitchFamily="49" charset="0"/>
+              <a:ea typeface="Roboto" charset="0"/>
+              <a:cs typeface="Courier New" panose="02070309020205020404" pitchFamily="49" charset="0"/>
+            </a:endParaRPr>
+          </a:p>
+          <a:p>
+            <a:pPr>
+              <a:lnSpc>
+                <a:spcPct val="90000"/>
+              </a:lnSpc>
+              <a:spcAft>
+                <a:spcPts val="1000"/>
+              </a:spcAft>
+            </a:pPr>
+            <a:r>
+              <a:rPr lang="en-US" sz="1100" dirty="0">
+                <a:latin typeface="Courier New" panose="02070309020205020404" pitchFamily="49" charset="0"/>
+                <a:ea typeface="Roboto" charset="0"/>
+                <a:cs typeface="Courier New" panose="02070309020205020404" pitchFamily="49" charset="0"/>
+              </a:rPr>
+              <a:t>        (Databricks JDBC) The username for the JDBC connection.</a:t>
+            </a:r>
+          </a:p>
+          <a:p>
+            <a:pPr>
+              <a:lnSpc>
+                <a:spcPct val="90000"/>
+              </a:lnSpc>
+              <a:spcAft>
+                <a:spcPts val="1000"/>
+              </a:spcAft>
+            </a:pPr>
+            <a:r>
+              <a:rPr lang="en-US" sz="1100" dirty="0">
+                <a:latin typeface="Courier New" panose="02070309020205020404" pitchFamily="49" charset="0"/>
+                <a:ea typeface="Roboto" charset="0"/>
+                <a:cs typeface="Courier New" panose="02070309020205020404" pitchFamily="49" charset="0"/>
+              </a:rPr>
+              <a:t>		for Databricks, this is usually the string "token"</a:t>
+            </a:r>
+          </a:p>
+          <a:p>
+            <a:pPr>
+              <a:lnSpc>
+                <a:spcPct val="90000"/>
+              </a:lnSpc>
+              <a:spcAft>
+                <a:spcPts val="1000"/>
+              </a:spcAft>
+            </a:pPr>
+            <a:r>
+              <a:rPr lang="en-US" sz="1100" dirty="0">
+                <a:latin typeface="Courier New" panose="02070309020205020404" pitchFamily="49" charset="0"/>
+                <a:ea typeface="Roboto" charset="0"/>
+                <a:cs typeface="Courier New" panose="02070309020205020404" pitchFamily="49" charset="0"/>
+              </a:rPr>
+              <a:t>        Example:</a:t>
+            </a:r>
+          </a:p>
+          <a:p>
+            <a:pPr>
+              <a:lnSpc>
+                <a:spcPct val="90000"/>
+              </a:lnSpc>
+              <a:spcAft>
+                <a:spcPts val="1000"/>
+              </a:spcAft>
+            </a:pPr>
+            <a:r>
+              <a:rPr lang="en-US" sz="1100" dirty="0">
+                <a:latin typeface="Courier New" panose="02070309020205020404" pitchFamily="49" charset="0"/>
+                <a:ea typeface="Roboto" charset="0"/>
+                <a:cs typeface="Courier New" panose="02070309020205020404" pitchFamily="49" charset="0"/>
+              </a:rPr>
+              <a:t>            --</a:t>
+            </a:r>
+            <a:r>
+              <a:rPr lang="en-US" sz="1100" dirty="0" err="1">
+                <a:latin typeface="Courier New" panose="02070309020205020404" pitchFamily="49" charset="0"/>
+                <a:ea typeface="Roboto" charset="0"/>
+                <a:cs typeface="Courier New" panose="02070309020205020404" pitchFamily="49" charset="0"/>
+              </a:rPr>
+              <a:t>jdbc_username</a:t>
+            </a:r>
+            <a:r>
+              <a:rPr lang="en-US" sz="1100" dirty="0">
+                <a:latin typeface="Courier New" panose="02070309020205020404" pitchFamily="49" charset="0"/>
+                <a:ea typeface="Roboto" charset="0"/>
+                <a:cs typeface="Courier New" panose="02070309020205020404" pitchFamily="49" charset="0"/>
+              </a:rPr>
+              <a:t>=token</a:t>
+            </a:r>
+          </a:p>
+          <a:p>
+            <a:pPr>
+              <a:lnSpc>
+                <a:spcPct val="90000"/>
+              </a:lnSpc>
+              <a:spcAft>
+                <a:spcPts val="1000"/>
+              </a:spcAft>
+            </a:pPr>
+            <a:endParaRPr lang="en-US" sz="1100" dirty="0">
+              <a:latin typeface="Courier New" panose="02070309020205020404" pitchFamily="49" charset="0"/>
+              <a:ea typeface="Roboto" charset="0"/>
+              <a:cs typeface="Courier New" panose="02070309020205020404" pitchFamily="49" charset="0"/>
+            </a:endParaRPr>
+          </a:p>
+          <a:p>
+            <a:pPr>
+              <a:lnSpc>
+                <a:spcPct val="90000"/>
+              </a:lnSpc>
+              <a:spcAft>
+                <a:spcPts val="1000"/>
+              </a:spcAft>
+            </a:pPr>
+            <a:r>
+              <a:rPr lang="en-US" sz="1100" dirty="0">
+                <a:latin typeface="Courier New" panose="02070309020205020404" pitchFamily="49" charset="0"/>
+                <a:ea typeface="Roboto" charset="0"/>
+                <a:cs typeface="Courier New" panose="02070309020205020404" pitchFamily="49" charset="0"/>
+              </a:rPr>
+              <a:t> --</a:t>
+            </a:r>
+            <a:r>
+              <a:rPr lang="en-US" sz="1100" b="1" dirty="0" err="1">
+                <a:latin typeface="Courier New" panose="02070309020205020404" pitchFamily="49" charset="0"/>
+                <a:ea typeface="Roboto" charset="0"/>
+                <a:cs typeface="Courier New" panose="02070309020205020404" pitchFamily="49" charset="0"/>
+              </a:rPr>
+              <a:t>jdbc_password</a:t>
+            </a:r>
+            <a:endParaRPr lang="en-US" sz="1100" b="1" dirty="0">
+              <a:latin typeface="Courier New" panose="02070309020205020404" pitchFamily="49" charset="0"/>
+              <a:ea typeface="Roboto" charset="0"/>
+              <a:cs typeface="Courier New" panose="02070309020205020404" pitchFamily="49" charset="0"/>
+            </a:endParaRPr>
+          </a:p>
+          <a:p>
+            <a:pPr>
+              <a:lnSpc>
+                <a:spcPct val="90000"/>
+              </a:lnSpc>
+              <a:spcAft>
+                <a:spcPts val="1000"/>
+              </a:spcAft>
+            </a:pPr>
+            <a:r>
+              <a:rPr lang="en-US" sz="1100" dirty="0">
+                <a:latin typeface="Courier New" panose="02070309020205020404" pitchFamily="49" charset="0"/>
+                <a:ea typeface="Roboto" charset="0"/>
+                <a:cs typeface="Courier New" panose="02070309020205020404" pitchFamily="49" charset="0"/>
+              </a:rPr>
+              <a:t>        (Databricks JDBC) The password for the JDBC connection.</a:t>
+            </a:r>
+          </a:p>
+          <a:p>
+            <a:pPr>
+              <a:lnSpc>
+                <a:spcPct val="90000"/>
+              </a:lnSpc>
+              <a:spcAft>
+                <a:spcPts val="1000"/>
+              </a:spcAft>
+            </a:pPr>
+            <a:r>
+              <a:rPr lang="en-US" sz="1100" dirty="0">
+                <a:latin typeface="Courier New" panose="02070309020205020404" pitchFamily="49" charset="0"/>
+                <a:ea typeface="Roboto" charset="0"/>
+                <a:cs typeface="Courier New" panose="02070309020205020404" pitchFamily="49" charset="0"/>
+              </a:rPr>
+              <a:t>		For Databricks, this is typically a token that you can create.</a:t>
+            </a:r>
+          </a:p>
+          <a:p>
+            <a:pPr>
+              <a:lnSpc>
+                <a:spcPct val="90000"/>
+              </a:lnSpc>
+              <a:spcAft>
+                <a:spcPts val="1000"/>
+              </a:spcAft>
+            </a:pPr>
+            <a:r>
+              <a:rPr lang="en-US" sz="1100" dirty="0">
+                <a:latin typeface="Courier New" panose="02070309020205020404" pitchFamily="49" charset="0"/>
+                <a:ea typeface="Roboto" charset="0"/>
+                <a:cs typeface="Courier New" panose="02070309020205020404" pitchFamily="49" charset="0"/>
+              </a:rPr>
+              <a:t>        You can provide it as plain text OR use the encrypted version with --</a:t>
+            </a:r>
+            <a:r>
+              <a:rPr lang="en-US" sz="1100" dirty="0" err="1">
+                <a:latin typeface="Courier New" panose="02070309020205020404" pitchFamily="49" charset="0"/>
+                <a:ea typeface="Roboto" charset="0"/>
+                <a:cs typeface="Courier New" panose="02070309020205020404" pitchFamily="49" charset="0"/>
+              </a:rPr>
+              <a:t>encrypted_jdbc_password</a:t>
+            </a:r>
+            <a:r>
+              <a:rPr lang="en-US" sz="1100" dirty="0">
+                <a:latin typeface="Courier New" panose="02070309020205020404" pitchFamily="49" charset="0"/>
+                <a:ea typeface="Roboto" charset="0"/>
+                <a:cs typeface="Courier New" panose="02070309020205020404" pitchFamily="49" charset="0"/>
+              </a:rPr>
+              <a:t>.</a:t>
+            </a:r>
+          </a:p>
+          <a:p>
+            <a:pPr>
+              <a:lnSpc>
+                <a:spcPct val="90000"/>
+              </a:lnSpc>
+              <a:spcAft>
+                <a:spcPts val="1000"/>
+              </a:spcAft>
+            </a:pPr>
+            <a:r>
+              <a:rPr lang="en-US" sz="1100" dirty="0">
+                <a:latin typeface="Courier New" panose="02070309020205020404" pitchFamily="49" charset="0"/>
+                <a:ea typeface="Roboto" charset="0"/>
+                <a:cs typeface="Courier New" panose="02070309020205020404" pitchFamily="49" charset="0"/>
+              </a:rPr>
+              <a:t>		* See the Encryption related options to see how to create encrypted passwords</a:t>
+            </a:r>
+          </a:p>
+          <a:p>
+            <a:pPr>
+              <a:lnSpc>
+                <a:spcPct val="90000"/>
+              </a:lnSpc>
+              <a:spcAft>
+                <a:spcPts val="1000"/>
+              </a:spcAft>
+            </a:pPr>
+            <a:r>
+              <a:rPr lang="en-US" sz="1100" dirty="0">
+                <a:latin typeface="Courier New" panose="02070309020205020404" pitchFamily="49" charset="0"/>
+                <a:ea typeface="Roboto" charset="0"/>
+                <a:cs typeface="Courier New" panose="02070309020205020404" pitchFamily="49" charset="0"/>
+              </a:rPr>
+              <a:t>        If both are present, the encrypted password will be used.</a:t>
+            </a:r>
+          </a:p>
+          <a:p>
+            <a:pPr>
+              <a:lnSpc>
+                <a:spcPct val="90000"/>
+              </a:lnSpc>
+              <a:spcAft>
+                <a:spcPts val="1000"/>
+              </a:spcAft>
+            </a:pPr>
+            <a:r>
+              <a:rPr lang="en-US" sz="1100" dirty="0">
+                <a:latin typeface="Courier New" panose="02070309020205020404" pitchFamily="49" charset="0"/>
+                <a:ea typeface="Roboto" charset="0"/>
+                <a:cs typeface="Courier New" panose="02070309020205020404" pitchFamily="49" charset="0"/>
+              </a:rPr>
+              <a:t>        Example:</a:t>
+            </a:r>
+          </a:p>
+          <a:p>
+            <a:pPr>
+              <a:lnSpc>
+                <a:spcPct val="90000"/>
+              </a:lnSpc>
+              <a:spcAft>
+                <a:spcPts val="1000"/>
+              </a:spcAft>
+            </a:pPr>
+            <a:r>
+              <a:rPr lang="en-US" sz="1100" dirty="0">
+                <a:latin typeface="Courier New" panose="02070309020205020404" pitchFamily="49" charset="0"/>
+                <a:ea typeface="Roboto" charset="0"/>
+                <a:cs typeface="Courier New" panose="02070309020205020404" pitchFamily="49" charset="0"/>
+              </a:rPr>
+              <a:t>            --</a:t>
+            </a:r>
+            <a:r>
+              <a:rPr lang="en-US" sz="1100" dirty="0" err="1">
+                <a:latin typeface="Courier New" panose="02070309020205020404" pitchFamily="49" charset="0"/>
+                <a:ea typeface="Roboto" charset="0"/>
+                <a:cs typeface="Courier New" panose="02070309020205020404" pitchFamily="49" charset="0"/>
+              </a:rPr>
+              <a:t>jdbc_password</a:t>
+            </a:r>
+            <a:r>
+              <a:rPr lang="en-US" sz="1100" dirty="0">
+                <a:latin typeface="Courier New" panose="02070309020205020404" pitchFamily="49" charset="0"/>
+                <a:ea typeface="Roboto" charset="0"/>
+                <a:cs typeface="Courier New" panose="02070309020205020404" pitchFamily="49" charset="0"/>
+              </a:rPr>
+              <a:t>=</a:t>
+            </a:r>
+            <a:r>
+              <a:rPr lang="en-US" sz="1100" dirty="0" err="1">
+                <a:latin typeface="Courier New" panose="02070309020205020404" pitchFamily="49" charset="0"/>
+                <a:ea typeface="Roboto" charset="0"/>
+                <a:cs typeface="Courier New" panose="02070309020205020404" pitchFamily="49" charset="0"/>
+              </a:rPr>
+              <a:t>MySecretPassword</a:t>
+            </a:r>
+            <a:endParaRPr lang="en-US" sz="1100" dirty="0">
+              <a:latin typeface="Courier New" panose="02070309020205020404" pitchFamily="49" charset="0"/>
+              <a:ea typeface="Roboto" charset="0"/>
+              <a:cs typeface="Courier New" panose="02070309020205020404" pitchFamily="49" charset="0"/>
+            </a:endParaRPr>
+          </a:p>
+          <a:p>
+            <a:pPr>
+              <a:lnSpc>
+                <a:spcPct val="90000"/>
+              </a:lnSpc>
+              <a:spcAft>
+                <a:spcPts val="1000"/>
+              </a:spcAft>
+            </a:pPr>
+            <a:endParaRPr lang="en-US" sz="1100" dirty="0">
+              <a:latin typeface="Courier New" panose="02070309020205020404" pitchFamily="49" charset="0"/>
+              <a:ea typeface="Roboto" charset="0"/>
+              <a:cs typeface="Courier New" panose="02070309020205020404" pitchFamily="49" charset="0"/>
+            </a:endParaRPr>
+          </a:p>
+        </p:txBody>
+      </p:sp>
+    </p:spTree>
+    <p:extLst>
+      <p:ext uri="{BB962C8B-B14F-4D97-AF65-F5344CB8AC3E}">
+        <p14:creationId xmlns:p14="http://schemas.microsoft.com/office/powerpoint/2010/main" val="3542068506"/>
+      </p:ext>
+    </p:extLst>
+  </p:cSld>
+  <p:clrMapOvr>
+    <a:masterClrMapping/>
+  </p:clrMapOvr>
+  <mc:AlternateContent xmlns:mc="http://schemas.openxmlformats.org/markup-compatibility/2006" xmlns:p14="http://schemas.microsoft.com/office/powerpoint/2010/main">
+    <mc:Choice Requires="p14">
+      <p:transition spd="med" p14:dur="700" advClick="0">
+        <p:fade/>
+      </p:transition>
+    </mc:Choice>
+    <mc:Fallback xmlns="">
+      <p:transition spd="med" advClick="0">
+        <p:fade/>
+      </p:transition>
+    </mc:Fallback>
+  </mc:AlternateContent>
+</p:sld>
+</file>
+
+<file path=ppt/slides/slide2.xml><?xml version="1.0" encoding="utf-8"?>
+<p:sld xmlns:a="http://schemas.openxmlformats.org/drawingml/2006/main" xmlns:r="http://schemas.openxmlformats.org/officeDocument/2006/relationships" xmlns:p="http://schemas.openxmlformats.org/presentationml/2006/main">
+  <p:cSld>
+    <p:spTree>
+      <p:nvGrpSpPr>
+        <p:cNvPr id="1" name=""/>
+        <p:cNvGrpSpPr/>
+        <p:nvPr/>
+      </p:nvGrpSpPr>
+      <p:grpSpPr>
+        <a:xfrm>
+          <a:off x="0" y="0"/>
+          <a:ext cx="0" cy="0"/>
+          <a:chOff x="0" y="0"/>
+          <a:chExt cx="0" cy="0"/>
+        </a:xfrm>
+      </p:grpSpPr>
+      <p:sp>
+        <p:nvSpPr>
+          <p:cNvPr id="5" name="Title 4">
+            <a:extLst>
+              <a:ext uri="{FF2B5EF4-FFF2-40B4-BE49-F238E27FC236}">
+                <a16:creationId xmlns:a16="http://schemas.microsoft.com/office/drawing/2014/main" id="{C2B479B7-4E1E-475F-B459-5CE8B05302D3}"/>
+              </a:ext>
+            </a:extLst>
+          </p:cNvPr>
+          <p:cNvSpPr>
+            <a:spLocks noGrp="1"/>
+          </p:cNvSpPr>
+          <p:nvPr>
+            <p:ph type="title"/>
+          </p:nvPr>
+        </p:nvSpPr>
+        <p:spPr/>
+        <p:txBody>
+          <a:bodyPr/>
+          <a:lstStyle/>
+          <a:p>
+            <a:r>
+              <a:rPr lang="en-US" dirty="0"/>
+              <a:t>What are we trying to do?</a:t>
+            </a:r>
+            <a:endParaRPr lang="en-IN" dirty="0"/>
+          </a:p>
+        </p:txBody>
+      </p:sp>
+      <p:sp>
+        <p:nvSpPr>
+          <p:cNvPr id="16" name="Content Placeholder 13">
+            <a:extLst>
+              <a:ext uri="{FF2B5EF4-FFF2-40B4-BE49-F238E27FC236}">
+                <a16:creationId xmlns:a16="http://schemas.microsoft.com/office/drawing/2014/main" id="{807EB0DB-72EF-4CAE-8A2F-F7E55C093081}"/>
+              </a:ext>
+            </a:extLst>
+          </p:cNvPr>
+          <p:cNvSpPr txBox="1">
+            <a:spLocks/>
+          </p:cNvSpPr>
+          <p:nvPr/>
+        </p:nvSpPr>
+        <p:spPr>
+          <a:xfrm>
+            <a:off x="1180247" y="1610532"/>
+            <a:ext cx="3180631" cy="2562457"/>
+          </a:xfrm>
+          <a:prstGeom prst="rect">
+            <a:avLst/>
+          </a:prstGeom>
+        </p:spPr>
+        <p:txBody>
+          <a:bodyPr vert="horz" lIns="0" tIns="0" rIns="0" bIns="0" rtlCol="0">
+            <a:noAutofit/>
+          </a:bodyPr>
+          <a:lstStyle>
+            <a:lvl1pPr marL="173038" indent="-173038" algn="l" defTabSz="914217" rtl="0" eaLnBrk="1" latinLnBrk="0" hangingPunct="1">
+              <a:lnSpc>
+                <a:spcPct val="90000"/>
+              </a:lnSpc>
+              <a:spcBef>
+                <a:spcPts val="400"/>
+              </a:spcBef>
+              <a:spcAft>
+                <a:spcPts val="1200"/>
+              </a:spcAft>
+              <a:buClr>
+                <a:schemeClr val="accent2"/>
+              </a:buClr>
+              <a:buFont typeface="Arial" panose="020B0604020202020204" pitchFamily="34" charset="0"/>
+              <a:buChar char="•"/>
+              <a:defRPr sz="2100" b="0" i="0" kern="1200" baseline="0">
+                <a:solidFill>
+                  <a:schemeClr val="tx1"/>
+                </a:solidFill>
+                <a:latin typeface="Roboto" charset="0"/>
+                <a:ea typeface="Roboto" charset="0"/>
+                <a:cs typeface="Roboto" charset="0"/>
+              </a:defRPr>
+            </a:lvl1pPr>
+            <a:lvl2pPr marL="344488" indent="-174625" algn="l" defTabSz="914217" rtl="0" eaLnBrk="1" latinLnBrk="0" hangingPunct="1">
+              <a:lnSpc>
+                <a:spcPct val="90000"/>
+              </a:lnSpc>
+              <a:spcBef>
+                <a:spcPts val="0"/>
+              </a:spcBef>
+              <a:spcAft>
+                <a:spcPts val="1200"/>
+              </a:spcAft>
+              <a:buClr>
+                <a:schemeClr val="accent2"/>
+              </a:buClr>
+              <a:buFont typeface="Arial" panose="020B0604020202020204" pitchFamily="34" charset="0"/>
+              <a:buChar char="•"/>
+              <a:defRPr sz="1800" b="0" i="0" kern="1200" baseline="0">
+                <a:solidFill>
+                  <a:schemeClr val="tx1"/>
+                </a:solidFill>
+                <a:latin typeface="Roboto" charset="0"/>
+                <a:ea typeface="Roboto" charset="0"/>
+                <a:cs typeface="Roboto" charset="0"/>
+              </a:defRPr>
+            </a:lvl2pPr>
+            <a:lvl3pPr marL="514350" indent="-169863" algn="l" defTabSz="914217" rtl="0" eaLnBrk="1" latinLnBrk="0" hangingPunct="1">
+              <a:lnSpc>
+                <a:spcPct val="90000"/>
+              </a:lnSpc>
+              <a:spcBef>
+                <a:spcPts val="0"/>
+              </a:spcBef>
+              <a:spcAft>
+                <a:spcPts val="1200"/>
+              </a:spcAft>
+              <a:buClr>
+                <a:schemeClr val="accent2"/>
+              </a:buClr>
+              <a:buFont typeface="Arial" panose="020B0604020202020204" pitchFamily="34" charset="0"/>
+              <a:buChar char="•"/>
+              <a:defRPr sz="1600" b="0" i="0" kern="1200">
+                <a:solidFill>
+                  <a:schemeClr val="tx1"/>
+                </a:solidFill>
+                <a:latin typeface="Roboto" charset="0"/>
+                <a:ea typeface="Roboto" charset="0"/>
+                <a:cs typeface="Roboto" charset="0"/>
+              </a:defRPr>
+            </a:lvl3pPr>
+            <a:lvl4pPr marL="630238" indent="-171450" algn="l" defTabSz="914217" rtl="0" eaLnBrk="1" latinLnBrk="0" hangingPunct="1">
+              <a:lnSpc>
+                <a:spcPct val="90000"/>
+              </a:lnSpc>
+              <a:spcBef>
+                <a:spcPts val="0"/>
+              </a:spcBef>
+              <a:spcAft>
+                <a:spcPts val="1200"/>
+              </a:spcAft>
+              <a:buClr>
+                <a:schemeClr val="accent2"/>
+              </a:buClr>
+              <a:buFont typeface="Arial" panose="020B0604020202020204" pitchFamily="34" charset="0"/>
+              <a:buChar char="•"/>
+              <a:defRPr sz="1400" b="0" i="0" kern="1200">
+                <a:solidFill>
+                  <a:schemeClr val="tx1"/>
+                </a:solidFill>
+                <a:latin typeface="Roboto" charset="0"/>
+                <a:ea typeface="Roboto" charset="0"/>
+                <a:cs typeface="Roboto" charset="0"/>
+              </a:defRPr>
+            </a:lvl4pPr>
+            <a:lvl5pPr marL="800100" indent="-169863" algn="l" defTabSz="914217" rtl="0" eaLnBrk="1" latinLnBrk="0" hangingPunct="1">
+              <a:lnSpc>
+                <a:spcPct val="90000"/>
+              </a:lnSpc>
+              <a:spcBef>
+                <a:spcPts val="0"/>
+              </a:spcBef>
+              <a:spcAft>
+                <a:spcPts val="1200"/>
+              </a:spcAft>
+              <a:buClr>
+                <a:schemeClr val="accent2"/>
+              </a:buClr>
+              <a:buFont typeface="Arial" panose="020B0604020202020204" pitchFamily="34" charset="0"/>
+              <a:buChar char="•"/>
+              <a:defRPr sz="1400" b="0" i="0" kern="1200">
+                <a:solidFill>
+                  <a:schemeClr val="tx1"/>
+                </a:solidFill>
+                <a:latin typeface="Roboto" charset="0"/>
+                <a:ea typeface="Roboto" charset="0"/>
+                <a:cs typeface="Roboto" charset="0"/>
+              </a:defRPr>
+            </a:lvl5pPr>
+            <a:lvl6pPr marL="914400" indent="-169863" algn="l" defTabSz="914217" rtl="0" eaLnBrk="1" latinLnBrk="0" hangingPunct="1">
+              <a:lnSpc>
+                <a:spcPct val="90000"/>
+              </a:lnSpc>
+              <a:spcBef>
+                <a:spcPts val="500"/>
+              </a:spcBef>
+              <a:spcAft>
+                <a:spcPts val="1200"/>
+              </a:spcAft>
+              <a:buClr>
+                <a:schemeClr val="accent2"/>
+              </a:buClr>
+              <a:buFont typeface="Arial" panose="020B0604020202020204" pitchFamily="34" charset="0"/>
+              <a:buChar char="•"/>
+              <a:defRPr sz="1200" b="0" i="0" kern="1200">
+                <a:solidFill>
+                  <a:schemeClr val="tx1"/>
+                </a:solidFill>
+                <a:latin typeface="Roboto" charset="0"/>
+                <a:ea typeface="Roboto" charset="0"/>
+                <a:cs typeface="Roboto" charset="0"/>
+              </a:defRPr>
+            </a:lvl6pPr>
+            <a:lvl7pPr marL="1084263" indent="-169863" algn="l" defTabSz="914217" rtl="0" eaLnBrk="1" latinLnBrk="0" hangingPunct="1">
+              <a:lnSpc>
+                <a:spcPct val="90000"/>
+              </a:lnSpc>
+              <a:spcBef>
+                <a:spcPts val="500"/>
+              </a:spcBef>
+              <a:spcAft>
+                <a:spcPts val="1200"/>
+              </a:spcAft>
+              <a:buClr>
+                <a:schemeClr val="accent2"/>
+              </a:buClr>
+              <a:buFont typeface="Arial" panose="020B0604020202020204" pitchFamily="34" charset="0"/>
+              <a:buChar char="•"/>
+              <a:defRPr sz="1200" b="0" i="0" kern="1200">
+                <a:solidFill>
+                  <a:schemeClr val="tx1"/>
+                </a:solidFill>
+                <a:latin typeface="Roboto" charset="0"/>
+                <a:ea typeface="Roboto" charset="0"/>
+                <a:cs typeface="Roboto" charset="0"/>
+              </a:defRPr>
+            </a:lvl7pPr>
+            <a:lvl8pPr marL="1258888" indent="-174625" algn="l" defTabSz="914217" rtl="0" eaLnBrk="1" latinLnBrk="0" hangingPunct="1">
+              <a:lnSpc>
+                <a:spcPct val="90000"/>
+              </a:lnSpc>
+              <a:spcBef>
+                <a:spcPts val="500"/>
+              </a:spcBef>
+              <a:spcAft>
+                <a:spcPts val="1200"/>
+              </a:spcAft>
+              <a:buClr>
+                <a:schemeClr val="accent2"/>
+              </a:buClr>
+              <a:buFont typeface="Arial" panose="020B0604020202020204" pitchFamily="34" charset="0"/>
+              <a:buChar char="•"/>
+              <a:defRPr sz="1200" b="0" i="0" kern="1200">
+                <a:solidFill>
+                  <a:schemeClr val="tx1"/>
+                </a:solidFill>
+                <a:latin typeface="Roboto" charset="0"/>
+                <a:ea typeface="Roboto" charset="0"/>
+                <a:cs typeface="Roboto" charset="0"/>
+              </a:defRPr>
+            </a:lvl8pPr>
+            <a:lvl9pPr marL="1428750" indent="-169863" algn="l" defTabSz="914217" rtl="0" eaLnBrk="1" latinLnBrk="0" hangingPunct="1">
+              <a:lnSpc>
+                <a:spcPct val="90000"/>
+              </a:lnSpc>
+              <a:spcBef>
+                <a:spcPts val="500"/>
+              </a:spcBef>
+              <a:spcAft>
+                <a:spcPts val="1200"/>
+              </a:spcAft>
+              <a:buClr>
+                <a:schemeClr val="accent2"/>
+              </a:buClr>
+              <a:buFont typeface="Arial" panose="020B0604020202020204" pitchFamily="34" charset="0"/>
+              <a:buChar char="•"/>
+              <a:defRPr sz="1200" b="0" i="0" kern="1200">
+                <a:solidFill>
+                  <a:schemeClr val="tx1"/>
+                </a:solidFill>
+                <a:latin typeface="Roboto" charset="0"/>
+                <a:ea typeface="Roboto" charset="0"/>
+                <a:cs typeface="Roboto" charset="0"/>
+              </a:defRPr>
+            </a:lvl9pPr>
+          </a:lstStyle>
+          <a:p>
+            <a:pPr marL="0" indent="0">
+              <a:buNone/>
+            </a:pPr>
+            <a:endParaRPr lang="en-IN" sz="1600" dirty="0"/>
+          </a:p>
+        </p:txBody>
+      </p:sp>
+      <p:sp>
+        <p:nvSpPr>
+          <p:cNvPr id="6" name="TextBox 5">
+            <a:extLst>
+              <a:ext uri="{FF2B5EF4-FFF2-40B4-BE49-F238E27FC236}">
+                <a16:creationId xmlns:a16="http://schemas.microsoft.com/office/drawing/2014/main" id="{9F8FFC18-4FD7-5E97-CCB3-5E13CE612AEB}"/>
+              </a:ext>
+            </a:extLst>
+          </p:cNvPr>
+          <p:cNvSpPr txBox="1"/>
+          <p:nvPr/>
+        </p:nvSpPr>
+        <p:spPr>
+          <a:xfrm>
+            <a:off x="1013254" y="1754659"/>
+            <a:ext cx="10490887" cy="4090087"/>
+          </a:xfrm>
+          <a:prstGeom prst="rect">
+            <a:avLst/>
+          </a:prstGeom>
+          <a:noFill/>
+        </p:spPr>
+        <p:txBody>
+          <a:bodyPr wrap="square" lIns="0" tIns="0" rIns="0" bIns="0" rtlCol="0">
+            <a:noAutofit/>
+          </a:bodyPr>
+          <a:lstStyle/>
+          <a:p>
+            <a:pPr>
+              <a:lnSpc>
+                <a:spcPct val="90000"/>
+              </a:lnSpc>
+              <a:spcAft>
+                <a:spcPts val="1000"/>
+              </a:spcAft>
+            </a:pPr>
+            <a:r>
+              <a:rPr lang="en-US" sz="2100" dirty="0">
+                <a:latin typeface="Roboto" charset="0"/>
+                <a:ea typeface="Roboto" charset="0"/>
+                <a:cs typeface="Roboto" charset="0"/>
+              </a:rPr>
+              <a:t>Write tags into the Unity Catalog, based on data within the Informatica Catalog</a:t>
+            </a:r>
+          </a:p>
+          <a:p>
+            <a:pPr marL="342900" indent="-342900">
+              <a:lnSpc>
+                <a:spcPct val="90000"/>
+              </a:lnSpc>
+              <a:spcAft>
+                <a:spcPts val="1000"/>
+              </a:spcAft>
+              <a:buFont typeface="Arial" panose="020B0604020202020204" pitchFamily="34" charset="0"/>
+              <a:buChar char="•"/>
+            </a:pPr>
+            <a:r>
+              <a:rPr lang="en-US" sz="2100" dirty="0">
+                <a:latin typeface="Roboto" charset="0"/>
+                <a:ea typeface="Roboto" charset="0"/>
+                <a:cs typeface="Roboto" charset="0"/>
+              </a:rPr>
+              <a:t>Informatica’s Catalog is very good at classifying the data</a:t>
+            </a:r>
+          </a:p>
+          <a:p>
+            <a:pPr marL="342900" indent="-342900">
+              <a:lnSpc>
+                <a:spcPct val="90000"/>
+              </a:lnSpc>
+              <a:spcAft>
+                <a:spcPts val="1000"/>
+              </a:spcAft>
+              <a:buFont typeface="Arial" panose="020B0604020202020204" pitchFamily="34" charset="0"/>
+              <a:buChar char="•"/>
+            </a:pPr>
+            <a:r>
+              <a:rPr lang="en-US" sz="2100" dirty="0">
+                <a:latin typeface="Roboto" charset="0"/>
+                <a:ea typeface="Roboto" charset="0"/>
+                <a:cs typeface="Roboto" charset="0"/>
+              </a:rPr>
+              <a:t>Push tags that contain:</a:t>
+            </a:r>
+          </a:p>
+          <a:p>
+            <a:pPr marL="800100" lvl="1" indent="-342900">
+              <a:lnSpc>
+                <a:spcPct val="90000"/>
+              </a:lnSpc>
+              <a:spcAft>
+                <a:spcPts val="1000"/>
+              </a:spcAft>
+              <a:buFont typeface="Arial" panose="020B0604020202020204" pitchFamily="34" charset="0"/>
+              <a:buChar char="•"/>
+            </a:pPr>
+            <a:r>
+              <a:rPr lang="en-US" sz="2100" dirty="0">
+                <a:latin typeface="Roboto" charset="0"/>
+                <a:ea typeface="Roboto" charset="0"/>
+                <a:cs typeface="Roboto" charset="0"/>
+              </a:rPr>
+              <a:t>Classifications. Rule Base, AI Based, or Manual. It makes no difference. Be able to push all classifications to tags in Databricks.</a:t>
+            </a:r>
+          </a:p>
+          <a:p>
+            <a:pPr marL="800100" lvl="1" indent="-342900">
+              <a:lnSpc>
+                <a:spcPct val="90000"/>
+              </a:lnSpc>
+              <a:spcAft>
+                <a:spcPts val="1000"/>
+              </a:spcAft>
+              <a:buFont typeface="Arial" panose="020B0604020202020204" pitchFamily="34" charset="0"/>
+              <a:buChar char="•"/>
+            </a:pPr>
+            <a:r>
+              <a:rPr lang="en-US" sz="2100" dirty="0">
+                <a:latin typeface="Roboto" charset="0"/>
+                <a:ea typeface="Roboto" charset="0"/>
+                <a:cs typeface="Roboto" charset="0"/>
+              </a:rPr>
+              <a:t>Business Terms. Push down “business friendly” Terms to the assets in Databricks.</a:t>
+            </a:r>
+          </a:p>
+          <a:p>
+            <a:pPr marL="800100" lvl="1" indent="-342900">
+              <a:lnSpc>
+                <a:spcPct val="90000"/>
+              </a:lnSpc>
+              <a:spcAft>
+                <a:spcPts val="1000"/>
+              </a:spcAft>
+              <a:buFont typeface="Arial" panose="020B0604020202020204" pitchFamily="34" charset="0"/>
+              <a:buChar char="•"/>
+            </a:pPr>
+            <a:r>
+              <a:rPr lang="en-US" sz="2100" dirty="0">
+                <a:latin typeface="Roboto" charset="0"/>
+                <a:ea typeface="Roboto" charset="0"/>
+                <a:cs typeface="Roboto" charset="0"/>
+              </a:rPr>
+              <a:t>Policies. Push down direct and indirect policies to tags within Databricks.</a:t>
+            </a:r>
+          </a:p>
+          <a:p>
+            <a:pPr marL="342900" indent="-342900">
+              <a:lnSpc>
+                <a:spcPct val="90000"/>
+              </a:lnSpc>
+              <a:spcAft>
+                <a:spcPts val="1000"/>
+              </a:spcAft>
+              <a:buFont typeface="Arial" panose="020B0604020202020204" pitchFamily="34" charset="0"/>
+              <a:buChar char="•"/>
+            </a:pPr>
+            <a:r>
+              <a:rPr lang="en-US" sz="2100" dirty="0">
+                <a:latin typeface="Roboto" charset="0"/>
+                <a:ea typeface="Roboto" charset="0"/>
+                <a:cs typeface="Roboto" charset="0"/>
+              </a:rPr>
+              <a:t>Also push descriptions to columns and tables</a:t>
+            </a:r>
+          </a:p>
+          <a:p>
+            <a:pPr marL="800100" lvl="1" indent="-342900">
+              <a:lnSpc>
+                <a:spcPct val="90000"/>
+              </a:lnSpc>
+              <a:spcAft>
+                <a:spcPts val="1000"/>
+              </a:spcAft>
+              <a:buFont typeface="Arial" panose="020B0604020202020204" pitchFamily="34" charset="0"/>
+              <a:buChar char="•"/>
+            </a:pPr>
+            <a:r>
+              <a:rPr lang="en-US" sz="2100" dirty="0">
+                <a:latin typeface="Roboto" charset="0"/>
+                <a:ea typeface="Roboto" charset="0"/>
+                <a:cs typeface="Roboto" charset="0"/>
+              </a:rPr>
+              <a:t>And optionally the link to the informatica Catalog object</a:t>
+            </a:r>
+          </a:p>
+        </p:txBody>
+      </p:sp>
+    </p:spTree>
+    <p:extLst>
+      <p:ext uri="{BB962C8B-B14F-4D97-AF65-F5344CB8AC3E}">
+        <p14:creationId xmlns:p14="http://schemas.microsoft.com/office/powerpoint/2010/main" val="3233205923"/>
+      </p:ext>
+    </p:extLst>
+  </p:cSld>
+  <p:clrMapOvr>
+    <a:masterClrMapping/>
+  </p:clrMapOvr>
+  <mc:AlternateContent xmlns:mc="http://schemas.openxmlformats.org/markup-compatibility/2006" xmlns:p14="http://schemas.microsoft.com/office/powerpoint/2010/main">
+    <mc:Choice Requires="p14">
+      <p:transition spd="med" p14:dur="700" advClick="0">
+        <p:fade/>
+      </p:transition>
+    </mc:Choice>
+    <mc:Fallback xmlns="">
+      <p:transition spd="med" advClick="0">
+        <p:fade/>
+      </p:transition>
+    </mc:Fallback>
+  </mc:AlternateContent>
+</p:sld>
+</file>
+
+<file path=ppt/slides/slide20.xml><?xml version="1.0" encoding="utf-8"?>
+<p:sld xmlns:a="http://schemas.openxmlformats.org/drawingml/2006/main" xmlns:r="http://schemas.openxmlformats.org/officeDocument/2006/relationships" xmlns:p="http://schemas.openxmlformats.org/presentationml/2006/main">
+  <p:cSld>
+    <p:spTree>
+      <p:nvGrpSpPr>
+        <p:cNvPr id="1" name="">
+          <a:extLst>
+            <a:ext uri="{FF2B5EF4-FFF2-40B4-BE49-F238E27FC236}">
+              <a16:creationId xmlns:a16="http://schemas.microsoft.com/office/drawing/2014/main" id="{6E97DB95-0030-BBE7-9EAF-AD2320A80700}"/>
+            </a:ext>
+          </a:extLst>
+        </p:cNvPr>
+        <p:cNvGrpSpPr/>
+        <p:nvPr/>
+      </p:nvGrpSpPr>
+      <p:grpSpPr>
+        <a:xfrm>
+          <a:off x="0" y="0"/>
+          <a:ext cx="0" cy="0"/>
+          <a:chOff x="0" y="0"/>
+          <a:chExt cx="0" cy="0"/>
+        </a:xfrm>
+      </p:grpSpPr>
+      <p:sp>
+        <p:nvSpPr>
+          <p:cNvPr id="5" name="Title 4">
+            <a:extLst>
+              <a:ext uri="{FF2B5EF4-FFF2-40B4-BE49-F238E27FC236}">
+                <a16:creationId xmlns:a16="http://schemas.microsoft.com/office/drawing/2014/main" id="{1DCCE66F-F0D7-5749-D059-7C2D0D00735A}"/>
+              </a:ext>
+            </a:extLst>
+          </p:cNvPr>
+          <p:cNvSpPr>
+            <a:spLocks noGrp="1"/>
+          </p:cNvSpPr>
+          <p:nvPr>
+            <p:ph type="title"/>
+          </p:nvPr>
+        </p:nvSpPr>
+        <p:spPr/>
+        <p:txBody>
+          <a:bodyPr/>
+          <a:lstStyle/>
+          <a:p>
+            <a:r>
+              <a:rPr lang="en-US" dirty="0"/>
+              <a:t>Optional Command Line Arguments (continued)</a:t>
+            </a:r>
+            <a:endParaRPr lang="en-IN" dirty="0"/>
+          </a:p>
+        </p:txBody>
+      </p:sp>
+      <p:sp>
+        <p:nvSpPr>
+          <p:cNvPr id="6" name="TextBox 5">
+            <a:extLst>
+              <a:ext uri="{FF2B5EF4-FFF2-40B4-BE49-F238E27FC236}">
+                <a16:creationId xmlns:a16="http://schemas.microsoft.com/office/drawing/2014/main" id="{1952A84B-2E7F-2DE6-FC4E-70F1B110D5C3}"/>
+              </a:ext>
+            </a:extLst>
+          </p:cNvPr>
+          <p:cNvSpPr txBox="1"/>
+          <p:nvPr/>
+        </p:nvSpPr>
+        <p:spPr>
+          <a:xfrm>
+            <a:off x="717176" y="1045029"/>
+            <a:ext cx="11195177" cy="5330369"/>
+          </a:xfrm>
+          <a:prstGeom prst="rect">
+            <a:avLst/>
+          </a:prstGeom>
+          <a:noFill/>
+        </p:spPr>
+        <p:txBody>
+          <a:bodyPr wrap="square" lIns="0" tIns="0" rIns="0" bIns="0" rtlCol="0">
+            <a:noAutofit/>
+          </a:bodyPr>
+          <a:lstStyle/>
+          <a:p>
+            <a:pPr>
+              <a:lnSpc>
+                <a:spcPct val="90000"/>
+              </a:lnSpc>
+              <a:spcAft>
+                <a:spcPts val="1000"/>
+              </a:spcAft>
+            </a:pPr>
+            <a:r>
+              <a:rPr lang="en-US" sz="1100" dirty="0">
+                <a:latin typeface="Courier New" panose="02070309020205020404" pitchFamily="49" charset="0"/>
+                <a:ea typeface="Roboto" charset="0"/>
+                <a:cs typeface="Courier New" panose="02070309020205020404" pitchFamily="49" charset="0"/>
+              </a:rPr>
+              <a:t> --</a:t>
+            </a:r>
+            <a:r>
+              <a:rPr lang="en-US" sz="1100" b="1" dirty="0" err="1">
+                <a:latin typeface="Courier New" panose="02070309020205020404" pitchFamily="49" charset="0"/>
+                <a:ea typeface="Roboto" charset="0"/>
+                <a:cs typeface="Courier New" panose="02070309020205020404" pitchFamily="49" charset="0"/>
+              </a:rPr>
+              <a:t>encrypted_jdbc_password</a:t>
+            </a:r>
+            <a:endParaRPr lang="en-US" sz="1100" b="1" dirty="0">
+              <a:latin typeface="Courier New" panose="02070309020205020404" pitchFamily="49" charset="0"/>
+              <a:ea typeface="Roboto" charset="0"/>
+              <a:cs typeface="Courier New" panose="02070309020205020404" pitchFamily="49" charset="0"/>
+            </a:endParaRPr>
+          </a:p>
+          <a:p>
+            <a:pPr>
+              <a:lnSpc>
+                <a:spcPct val="90000"/>
+              </a:lnSpc>
+              <a:spcAft>
+                <a:spcPts val="1000"/>
+              </a:spcAft>
+            </a:pPr>
+            <a:r>
+              <a:rPr lang="en-US" sz="1100" dirty="0">
+                <a:latin typeface="Courier New" panose="02070309020205020404" pitchFamily="49" charset="0"/>
+                <a:ea typeface="Roboto" charset="0"/>
+                <a:cs typeface="Courier New" panose="02070309020205020404" pitchFamily="49" charset="0"/>
+              </a:rPr>
+              <a:t>        (Databricks JDBC) Encrypted JDBC password.</a:t>
+            </a:r>
+          </a:p>
+          <a:p>
+            <a:pPr>
+              <a:lnSpc>
+                <a:spcPct val="90000"/>
+              </a:lnSpc>
+              <a:spcAft>
+                <a:spcPts val="1000"/>
+              </a:spcAft>
+            </a:pPr>
+            <a:r>
+              <a:rPr lang="en-US" sz="1100" dirty="0">
+                <a:latin typeface="Courier New" panose="02070309020205020404" pitchFamily="49" charset="0"/>
+                <a:ea typeface="Roboto" charset="0"/>
+                <a:cs typeface="Courier New" panose="02070309020205020404" pitchFamily="49" charset="0"/>
+              </a:rPr>
+              <a:t>		* See the Encryption related options to see how to create encrypted passwords</a:t>
+            </a:r>
+          </a:p>
+          <a:p>
+            <a:pPr>
+              <a:lnSpc>
+                <a:spcPct val="90000"/>
+              </a:lnSpc>
+              <a:spcAft>
+                <a:spcPts val="1000"/>
+              </a:spcAft>
+            </a:pPr>
+            <a:r>
+              <a:rPr lang="en-US" sz="1100" dirty="0">
+                <a:latin typeface="Courier New" panose="02070309020205020404" pitchFamily="49" charset="0"/>
+                <a:ea typeface="Roboto" charset="0"/>
+                <a:cs typeface="Courier New" panose="02070309020205020404" pitchFamily="49" charset="0"/>
+              </a:rPr>
+              <a:t>        If provided alongside --</a:t>
+            </a:r>
+            <a:r>
+              <a:rPr lang="en-US" sz="1100" dirty="0" err="1">
+                <a:latin typeface="Courier New" panose="02070309020205020404" pitchFamily="49" charset="0"/>
+                <a:ea typeface="Roboto" charset="0"/>
+                <a:cs typeface="Courier New" panose="02070309020205020404" pitchFamily="49" charset="0"/>
+              </a:rPr>
+              <a:t>jdbc_password</a:t>
+            </a:r>
+            <a:r>
+              <a:rPr lang="en-US" sz="1100" dirty="0">
+                <a:latin typeface="Courier New" panose="02070309020205020404" pitchFamily="49" charset="0"/>
+                <a:ea typeface="Roboto" charset="0"/>
+                <a:cs typeface="Courier New" panose="02070309020205020404" pitchFamily="49" charset="0"/>
+              </a:rPr>
+              <a:t>, this value will be used instead.</a:t>
+            </a:r>
+          </a:p>
+          <a:p>
+            <a:pPr>
+              <a:lnSpc>
+                <a:spcPct val="90000"/>
+              </a:lnSpc>
+              <a:spcAft>
+                <a:spcPts val="1000"/>
+              </a:spcAft>
+            </a:pPr>
+            <a:r>
+              <a:rPr lang="en-US" sz="1100" dirty="0">
+                <a:latin typeface="Courier New" panose="02070309020205020404" pitchFamily="49" charset="0"/>
+                <a:ea typeface="Roboto" charset="0"/>
+                <a:cs typeface="Courier New" panose="02070309020205020404" pitchFamily="49" charset="0"/>
+              </a:rPr>
+              <a:t>        The script will decrypt it automatically.</a:t>
+            </a:r>
+          </a:p>
+          <a:p>
+            <a:pPr>
+              <a:lnSpc>
+                <a:spcPct val="90000"/>
+              </a:lnSpc>
+              <a:spcAft>
+                <a:spcPts val="1000"/>
+              </a:spcAft>
+            </a:pPr>
+            <a:r>
+              <a:rPr lang="en-US" sz="1100" dirty="0">
+                <a:latin typeface="Courier New" panose="02070309020205020404" pitchFamily="49" charset="0"/>
+                <a:ea typeface="Roboto" charset="0"/>
+                <a:cs typeface="Courier New" panose="02070309020205020404" pitchFamily="49" charset="0"/>
+              </a:rPr>
+              <a:t>        Example:</a:t>
+            </a:r>
+          </a:p>
+          <a:p>
+            <a:pPr>
+              <a:lnSpc>
+                <a:spcPct val="90000"/>
+              </a:lnSpc>
+              <a:spcAft>
+                <a:spcPts val="1000"/>
+              </a:spcAft>
+            </a:pPr>
+            <a:r>
+              <a:rPr lang="en-US" sz="1100" dirty="0">
+                <a:latin typeface="Courier New" panose="02070309020205020404" pitchFamily="49" charset="0"/>
+                <a:ea typeface="Roboto" charset="0"/>
+                <a:cs typeface="Courier New" panose="02070309020205020404" pitchFamily="49" charset="0"/>
+              </a:rPr>
+              <a:t>            --</a:t>
+            </a:r>
+            <a:r>
+              <a:rPr lang="en-US" sz="1100" dirty="0" err="1">
+                <a:latin typeface="Courier New" panose="02070309020205020404" pitchFamily="49" charset="0"/>
+                <a:ea typeface="Roboto" charset="0"/>
+                <a:cs typeface="Courier New" panose="02070309020205020404" pitchFamily="49" charset="0"/>
+              </a:rPr>
+              <a:t>encrypted_jdbc_password</a:t>
+            </a:r>
+            <a:r>
+              <a:rPr lang="en-US" sz="1100" dirty="0">
+                <a:latin typeface="Courier New" panose="02070309020205020404" pitchFamily="49" charset="0"/>
+                <a:ea typeface="Roboto" charset="0"/>
+                <a:cs typeface="Courier New" panose="02070309020205020404" pitchFamily="49" charset="0"/>
+              </a:rPr>
+              <a:t>=gAAAAABn7rHu...</a:t>
+            </a:r>
+          </a:p>
+          <a:p>
+            <a:pPr>
+              <a:lnSpc>
+                <a:spcPct val="90000"/>
+              </a:lnSpc>
+              <a:spcAft>
+                <a:spcPts val="1000"/>
+              </a:spcAft>
+            </a:pPr>
+            <a:endParaRPr lang="en-US" sz="1100" dirty="0">
+              <a:latin typeface="Courier New" panose="02070309020205020404" pitchFamily="49" charset="0"/>
+              <a:ea typeface="Roboto" charset="0"/>
+              <a:cs typeface="Courier New" panose="02070309020205020404" pitchFamily="49" charset="0"/>
+            </a:endParaRPr>
+          </a:p>
+          <a:p>
+            <a:pPr>
+              <a:lnSpc>
+                <a:spcPct val="90000"/>
+              </a:lnSpc>
+              <a:spcAft>
+                <a:spcPts val="1000"/>
+              </a:spcAft>
+            </a:pPr>
+            <a:r>
+              <a:rPr lang="en-US" sz="1100" dirty="0">
+                <a:latin typeface="Courier New" panose="02070309020205020404" pitchFamily="49" charset="0"/>
+                <a:ea typeface="Roboto" charset="0"/>
+                <a:cs typeface="Courier New" panose="02070309020205020404" pitchFamily="49" charset="0"/>
+              </a:rPr>
+              <a:t> --</a:t>
+            </a:r>
+            <a:r>
+              <a:rPr lang="en-US" sz="1100" b="1" dirty="0" err="1">
+                <a:latin typeface="Courier New" panose="02070309020205020404" pitchFamily="49" charset="0"/>
+                <a:ea typeface="Roboto" charset="0"/>
+                <a:cs typeface="Courier New" panose="02070309020205020404" pitchFamily="49" charset="0"/>
+              </a:rPr>
+              <a:t>jdbc_driver_file</a:t>
+            </a:r>
+            <a:endParaRPr lang="en-US" sz="1100" b="1" dirty="0">
+              <a:latin typeface="Courier New" panose="02070309020205020404" pitchFamily="49" charset="0"/>
+              <a:ea typeface="Roboto" charset="0"/>
+              <a:cs typeface="Courier New" panose="02070309020205020404" pitchFamily="49" charset="0"/>
+            </a:endParaRPr>
+          </a:p>
+          <a:p>
+            <a:pPr>
+              <a:lnSpc>
+                <a:spcPct val="90000"/>
+              </a:lnSpc>
+              <a:spcAft>
+                <a:spcPts val="1000"/>
+              </a:spcAft>
+            </a:pPr>
+            <a:r>
+              <a:rPr lang="en-US" sz="1100" dirty="0">
+                <a:latin typeface="Courier New" panose="02070309020205020404" pitchFamily="49" charset="0"/>
+                <a:ea typeface="Roboto" charset="0"/>
+                <a:cs typeface="Courier New" panose="02070309020205020404" pitchFamily="49" charset="0"/>
+              </a:rPr>
+              <a:t>        (Databricks JDBC) File path to the JDBC driver JAR file.</a:t>
+            </a:r>
+          </a:p>
+          <a:p>
+            <a:pPr>
+              <a:lnSpc>
+                <a:spcPct val="90000"/>
+              </a:lnSpc>
+              <a:spcAft>
+                <a:spcPts val="1000"/>
+              </a:spcAft>
+            </a:pPr>
+            <a:r>
+              <a:rPr lang="en-US" sz="1100" dirty="0">
+                <a:latin typeface="Courier New" panose="02070309020205020404" pitchFamily="49" charset="0"/>
+                <a:ea typeface="Roboto" charset="0"/>
+                <a:cs typeface="Courier New" panose="02070309020205020404" pitchFamily="49" charset="0"/>
+              </a:rPr>
+              <a:t>		You can specify just a filename (which it will expect in the same directory as the python script,</a:t>
+            </a:r>
+          </a:p>
+          <a:p>
+            <a:pPr>
+              <a:lnSpc>
+                <a:spcPct val="90000"/>
+              </a:lnSpc>
+              <a:spcAft>
+                <a:spcPts val="1000"/>
+              </a:spcAft>
+            </a:pPr>
+            <a:r>
+              <a:rPr lang="en-US" sz="1100" dirty="0">
+                <a:latin typeface="Courier New" panose="02070309020205020404" pitchFamily="49" charset="0"/>
+                <a:ea typeface="Roboto" charset="0"/>
+                <a:cs typeface="Courier New" panose="02070309020205020404" pitchFamily="49" charset="0"/>
+              </a:rPr>
+              <a:t>		or you can specify a full path to where the jar file resides.</a:t>
+            </a:r>
+          </a:p>
+          <a:p>
+            <a:pPr>
+              <a:lnSpc>
+                <a:spcPct val="90000"/>
+              </a:lnSpc>
+              <a:spcAft>
+                <a:spcPts val="1000"/>
+              </a:spcAft>
+            </a:pPr>
+            <a:r>
+              <a:rPr lang="en-US" sz="1100" dirty="0">
+                <a:latin typeface="Courier New" panose="02070309020205020404" pitchFamily="49" charset="0"/>
+                <a:ea typeface="Roboto" charset="0"/>
+                <a:cs typeface="Courier New" panose="02070309020205020404" pitchFamily="49" charset="0"/>
+              </a:rPr>
+              <a:t>        Example:</a:t>
+            </a:r>
+          </a:p>
+          <a:p>
+            <a:pPr>
+              <a:lnSpc>
+                <a:spcPct val="90000"/>
+              </a:lnSpc>
+              <a:spcAft>
+                <a:spcPts val="1000"/>
+              </a:spcAft>
+            </a:pPr>
+            <a:r>
+              <a:rPr lang="en-US" sz="1100" dirty="0">
+                <a:latin typeface="Courier New" panose="02070309020205020404" pitchFamily="49" charset="0"/>
+                <a:ea typeface="Roboto" charset="0"/>
+                <a:cs typeface="Courier New" panose="02070309020205020404" pitchFamily="49" charset="0"/>
+              </a:rPr>
+              <a:t>            --</a:t>
+            </a:r>
+            <a:r>
+              <a:rPr lang="en-US" sz="1100" dirty="0" err="1">
+                <a:latin typeface="Courier New" panose="02070309020205020404" pitchFamily="49" charset="0"/>
+                <a:ea typeface="Roboto" charset="0"/>
+                <a:cs typeface="Courier New" panose="02070309020205020404" pitchFamily="49" charset="0"/>
+              </a:rPr>
+              <a:t>jdbc_driver_file</a:t>
+            </a:r>
+            <a:r>
+              <a:rPr lang="en-US" sz="1100" dirty="0">
+                <a:latin typeface="Courier New" panose="02070309020205020404" pitchFamily="49" charset="0"/>
+                <a:ea typeface="Roboto" charset="0"/>
+                <a:cs typeface="Courier New" panose="02070309020205020404" pitchFamily="49" charset="0"/>
+              </a:rPr>
+              <a:t>=./DatabricksJDBC42.jar</a:t>
+            </a:r>
+          </a:p>
+          <a:p>
+            <a:pPr>
+              <a:lnSpc>
+                <a:spcPct val="90000"/>
+              </a:lnSpc>
+              <a:spcAft>
+                <a:spcPts val="1000"/>
+              </a:spcAft>
+            </a:pPr>
+            <a:endParaRPr lang="en-US" sz="1100" dirty="0">
+              <a:latin typeface="Courier New" panose="02070309020205020404" pitchFamily="49" charset="0"/>
+              <a:ea typeface="Roboto" charset="0"/>
+              <a:cs typeface="Courier New" panose="02070309020205020404" pitchFamily="49" charset="0"/>
+            </a:endParaRPr>
+          </a:p>
+          <a:p>
+            <a:pPr>
+              <a:lnSpc>
+                <a:spcPct val="90000"/>
+              </a:lnSpc>
+              <a:spcAft>
+                <a:spcPts val="1000"/>
+              </a:spcAft>
+            </a:pPr>
+            <a:r>
+              <a:rPr lang="en-US" sz="1100" dirty="0">
+                <a:latin typeface="Courier New" panose="02070309020205020404" pitchFamily="49" charset="0"/>
+                <a:ea typeface="Roboto" charset="0"/>
+                <a:cs typeface="Courier New" panose="02070309020205020404" pitchFamily="49" charset="0"/>
+              </a:rPr>
+              <a:t> --</a:t>
+            </a:r>
+            <a:r>
+              <a:rPr lang="en-US" sz="1100" b="1" dirty="0" err="1">
+                <a:latin typeface="Courier New" panose="02070309020205020404" pitchFamily="49" charset="0"/>
+                <a:ea typeface="Roboto" charset="0"/>
+                <a:cs typeface="Courier New" panose="02070309020205020404" pitchFamily="49" charset="0"/>
+              </a:rPr>
+              <a:t>databricks_pre_statements</a:t>
+            </a:r>
+            <a:endParaRPr lang="en-US" sz="1100" b="1" dirty="0">
+              <a:latin typeface="Courier New" panose="02070309020205020404" pitchFamily="49" charset="0"/>
+              <a:ea typeface="Roboto" charset="0"/>
+              <a:cs typeface="Courier New" panose="02070309020205020404" pitchFamily="49" charset="0"/>
+            </a:endParaRPr>
+          </a:p>
+          <a:p>
+            <a:pPr>
+              <a:lnSpc>
+                <a:spcPct val="90000"/>
+              </a:lnSpc>
+              <a:spcAft>
+                <a:spcPts val="1000"/>
+              </a:spcAft>
+            </a:pPr>
+            <a:r>
+              <a:rPr lang="en-US" sz="1100" dirty="0">
+                <a:latin typeface="Courier New" panose="02070309020205020404" pitchFamily="49" charset="0"/>
+                <a:ea typeface="Roboto" charset="0"/>
+                <a:cs typeface="Courier New" panose="02070309020205020404" pitchFamily="49" charset="0"/>
+              </a:rPr>
+              <a:t>        (Databricks) List of SQL statements to execute prior to main operations.</a:t>
+            </a:r>
+          </a:p>
+          <a:p>
+            <a:pPr>
+              <a:lnSpc>
+                <a:spcPct val="90000"/>
+              </a:lnSpc>
+              <a:spcAft>
+                <a:spcPts val="1000"/>
+              </a:spcAft>
+            </a:pPr>
+            <a:r>
+              <a:rPr lang="en-US" sz="1100" dirty="0">
+                <a:latin typeface="Courier New" panose="02070309020205020404" pitchFamily="49" charset="0"/>
+                <a:ea typeface="Roboto" charset="0"/>
+                <a:cs typeface="Courier New" panose="02070309020205020404" pitchFamily="49" charset="0"/>
+              </a:rPr>
+              <a:t>        Example:</a:t>
+            </a:r>
+          </a:p>
+          <a:p>
+            <a:pPr>
+              <a:lnSpc>
+                <a:spcPct val="90000"/>
+              </a:lnSpc>
+              <a:spcAft>
+                <a:spcPts val="1000"/>
+              </a:spcAft>
+            </a:pPr>
+            <a:r>
+              <a:rPr lang="en-US" sz="1100" dirty="0">
+                <a:latin typeface="Courier New" panose="02070309020205020404" pitchFamily="49" charset="0"/>
+                <a:ea typeface="Roboto" charset="0"/>
+                <a:cs typeface="Courier New" panose="02070309020205020404" pitchFamily="49" charset="0"/>
+              </a:rPr>
+              <a:t>            --</a:t>
+            </a:r>
+            <a:r>
+              <a:rPr lang="en-US" sz="1100" dirty="0" err="1">
+                <a:latin typeface="Courier New" panose="02070309020205020404" pitchFamily="49" charset="0"/>
+                <a:ea typeface="Roboto" charset="0"/>
+                <a:cs typeface="Courier New" panose="02070309020205020404" pitchFamily="49" charset="0"/>
+              </a:rPr>
+              <a:t>databricks_pre_statements</a:t>
+            </a:r>
+            <a:r>
+              <a:rPr lang="en-US" sz="1100" dirty="0">
+                <a:latin typeface="Courier New" panose="02070309020205020404" pitchFamily="49" charset="0"/>
+                <a:ea typeface="Roboto" charset="0"/>
+                <a:cs typeface="Courier New" panose="02070309020205020404" pitchFamily="49" charset="0"/>
+              </a:rPr>
+              <a:t>=["SET </a:t>
+            </a:r>
+            <a:r>
+              <a:rPr lang="en-US" sz="1100" dirty="0" err="1">
+                <a:latin typeface="Courier New" panose="02070309020205020404" pitchFamily="49" charset="0"/>
+                <a:ea typeface="Roboto" charset="0"/>
+                <a:cs typeface="Courier New" panose="02070309020205020404" pitchFamily="49" charset="0"/>
+              </a:rPr>
+              <a:t>spark.sql.shuffle.partitions</a:t>
+            </a:r>
+            <a:r>
+              <a:rPr lang="en-US" sz="1100" dirty="0">
+                <a:latin typeface="Courier New" panose="02070309020205020404" pitchFamily="49" charset="0"/>
+                <a:ea typeface="Roboto" charset="0"/>
+                <a:cs typeface="Courier New" panose="02070309020205020404" pitchFamily="49" charset="0"/>
+              </a:rPr>
+              <a:t>=10"]</a:t>
+            </a:r>
+          </a:p>
+        </p:txBody>
+      </p:sp>
+    </p:spTree>
+    <p:extLst>
+      <p:ext uri="{BB962C8B-B14F-4D97-AF65-F5344CB8AC3E}">
+        <p14:creationId xmlns:p14="http://schemas.microsoft.com/office/powerpoint/2010/main" val="584359797"/>
+      </p:ext>
+    </p:extLst>
+  </p:cSld>
+  <p:clrMapOvr>
+    <a:masterClrMapping/>
+  </p:clrMapOvr>
+  <mc:AlternateContent xmlns:mc="http://schemas.openxmlformats.org/markup-compatibility/2006" xmlns:p14="http://schemas.microsoft.com/office/powerpoint/2010/main">
+    <mc:Choice Requires="p14">
+      <p:transition spd="med" p14:dur="700" advClick="0">
+        <p:fade/>
+      </p:transition>
+    </mc:Choice>
+    <mc:Fallback xmlns="">
+      <p:transition spd="med" advClick="0">
+        <p:fade/>
+      </p:transition>
+    </mc:Fallback>
+  </mc:AlternateContent>
+</p:sld>
+</file>
+
+<file path=ppt/slides/slide21.xml><?xml version="1.0" encoding="utf-8"?>
+<p:sld xmlns:a="http://schemas.openxmlformats.org/drawingml/2006/main" xmlns:r="http://schemas.openxmlformats.org/officeDocument/2006/relationships" xmlns:p="http://schemas.openxmlformats.org/presentationml/2006/main">
+  <p:cSld>
+    <p:spTree>
+      <p:nvGrpSpPr>
+        <p:cNvPr id="1" name="">
+          <a:extLst>
+            <a:ext uri="{FF2B5EF4-FFF2-40B4-BE49-F238E27FC236}">
+              <a16:creationId xmlns:a16="http://schemas.microsoft.com/office/drawing/2014/main" id="{8B964BBB-7921-36F0-3521-B56ADAD1E54F}"/>
+            </a:ext>
+          </a:extLst>
+        </p:cNvPr>
+        <p:cNvGrpSpPr/>
+        <p:nvPr/>
+      </p:nvGrpSpPr>
+      <p:grpSpPr>
+        <a:xfrm>
+          <a:off x="0" y="0"/>
+          <a:ext cx="0" cy="0"/>
+          <a:chOff x="0" y="0"/>
+          <a:chExt cx="0" cy="0"/>
+        </a:xfrm>
+      </p:grpSpPr>
+      <p:sp>
+        <p:nvSpPr>
+          <p:cNvPr id="5" name="Title 4">
+            <a:extLst>
+              <a:ext uri="{FF2B5EF4-FFF2-40B4-BE49-F238E27FC236}">
+                <a16:creationId xmlns:a16="http://schemas.microsoft.com/office/drawing/2014/main" id="{7C789DF0-9456-26CD-0BC0-51F723DECF54}"/>
+              </a:ext>
+            </a:extLst>
+          </p:cNvPr>
+          <p:cNvSpPr>
+            <a:spLocks noGrp="1"/>
+          </p:cNvSpPr>
+          <p:nvPr>
+            <p:ph type="title"/>
+          </p:nvPr>
+        </p:nvSpPr>
+        <p:spPr/>
+        <p:txBody>
+          <a:bodyPr/>
+          <a:lstStyle/>
+          <a:p>
+            <a:r>
+              <a:rPr lang="en-US" dirty="0"/>
+              <a:t>Optional Command Line Arguments (continued)</a:t>
+            </a:r>
+            <a:endParaRPr lang="en-IN" dirty="0"/>
+          </a:p>
+        </p:txBody>
+      </p:sp>
+      <p:sp>
+        <p:nvSpPr>
+          <p:cNvPr id="6" name="TextBox 5">
+            <a:extLst>
+              <a:ext uri="{FF2B5EF4-FFF2-40B4-BE49-F238E27FC236}">
+                <a16:creationId xmlns:a16="http://schemas.microsoft.com/office/drawing/2014/main" id="{EB9876C1-C13C-F574-0F67-C54CFC2BEF27}"/>
+              </a:ext>
+            </a:extLst>
+          </p:cNvPr>
+          <p:cNvSpPr txBox="1"/>
+          <p:nvPr/>
+        </p:nvSpPr>
+        <p:spPr>
+          <a:xfrm>
+            <a:off x="717176" y="1045029"/>
+            <a:ext cx="11195177" cy="5330369"/>
+          </a:xfrm>
+          <a:prstGeom prst="rect">
+            <a:avLst/>
+          </a:prstGeom>
+          <a:noFill/>
+        </p:spPr>
+        <p:txBody>
+          <a:bodyPr wrap="square" lIns="0" tIns="0" rIns="0" bIns="0" rtlCol="0">
+            <a:noAutofit/>
+          </a:bodyPr>
+          <a:lstStyle/>
+          <a:p>
+            <a:pPr>
+              <a:lnSpc>
+                <a:spcPct val="90000"/>
+              </a:lnSpc>
+              <a:spcAft>
+                <a:spcPts val="1000"/>
+              </a:spcAft>
+            </a:pPr>
+            <a:r>
+              <a:rPr lang="en-US" sz="1100" dirty="0">
+                <a:latin typeface="Courier New" panose="02070309020205020404" pitchFamily="49" charset="0"/>
+                <a:ea typeface="Roboto" charset="0"/>
+                <a:cs typeface="Courier New" panose="02070309020205020404" pitchFamily="49" charset="0"/>
+              </a:rPr>
+              <a:t> --</a:t>
+            </a:r>
+            <a:r>
+              <a:rPr lang="en-US" sz="1100" b="1" dirty="0" err="1">
+                <a:latin typeface="Courier New" panose="02070309020205020404" pitchFamily="49" charset="0"/>
+                <a:ea typeface="Roboto" charset="0"/>
+                <a:cs typeface="Courier New" panose="02070309020205020404" pitchFamily="49" charset="0"/>
+              </a:rPr>
+              <a:t>debugFlag</a:t>
+            </a:r>
+            <a:endParaRPr lang="en-US" sz="1100" b="1" dirty="0">
+              <a:latin typeface="Courier New" panose="02070309020205020404" pitchFamily="49" charset="0"/>
+              <a:ea typeface="Roboto" charset="0"/>
+              <a:cs typeface="Courier New" panose="02070309020205020404" pitchFamily="49" charset="0"/>
+            </a:endParaRPr>
+          </a:p>
+          <a:p>
+            <a:pPr>
+              <a:lnSpc>
+                <a:spcPct val="90000"/>
+              </a:lnSpc>
+              <a:spcAft>
+                <a:spcPts val="1000"/>
+              </a:spcAft>
+            </a:pPr>
+            <a:r>
+              <a:rPr lang="en-US" sz="1100" dirty="0">
+                <a:latin typeface="Courier New" panose="02070309020205020404" pitchFamily="49" charset="0"/>
+                <a:ea typeface="Roboto" charset="0"/>
+                <a:cs typeface="Courier New" panose="02070309020205020404" pitchFamily="49" charset="0"/>
+              </a:rPr>
+              <a:t>        Boolean flag to enable debug mode with verbose output.</a:t>
+            </a:r>
+          </a:p>
+          <a:p>
+            <a:pPr>
+              <a:lnSpc>
+                <a:spcPct val="90000"/>
+              </a:lnSpc>
+              <a:spcAft>
+                <a:spcPts val="1000"/>
+              </a:spcAft>
+            </a:pPr>
+            <a:r>
+              <a:rPr lang="en-US" sz="1100" dirty="0">
+                <a:latin typeface="Courier New" panose="02070309020205020404" pitchFamily="49" charset="0"/>
+                <a:ea typeface="Roboto" charset="0"/>
+                <a:cs typeface="Courier New" panose="02070309020205020404" pitchFamily="49" charset="0"/>
+              </a:rPr>
+              <a:t>        Example:</a:t>
+            </a:r>
+          </a:p>
+          <a:p>
+            <a:pPr>
+              <a:lnSpc>
+                <a:spcPct val="90000"/>
+              </a:lnSpc>
+              <a:spcAft>
+                <a:spcPts val="1000"/>
+              </a:spcAft>
+            </a:pPr>
+            <a:r>
+              <a:rPr lang="en-US" sz="1100" dirty="0">
+                <a:latin typeface="Courier New" panose="02070309020205020404" pitchFamily="49" charset="0"/>
+                <a:ea typeface="Roboto" charset="0"/>
+                <a:cs typeface="Courier New" panose="02070309020205020404" pitchFamily="49" charset="0"/>
+              </a:rPr>
+              <a:t>            --</a:t>
+            </a:r>
+            <a:r>
+              <a:rPr lang="en-US" sz="1100" dirty="0" err="1">
+                <a:latin typeface="Courier New" panose="02070309020205020404" pitchFamily="49" charset="0"/>
+                <a:ea typeface="Roboto" charset="0"/>
+                <a:cs typeface="Courier New" panose="02070309020205020404" pitchFamily="49" charset="0"/>
+              </a:rPr>
+              <a:t>debugFlag</a:t>
+            </a:r>
+            <a:r>
+              <a:rPr lang="en-US" sz="1100" dirty="0">
+                <a:latin typeface="Courier New" panose="02070309020205020404" pitchFamily="49" charset="0"/>
+                <a:ea typeface="Roboto" charset="0"/>
+                <a:cs typeface="Courier New" panose="02070309020205020404" pitchFamily="49" charset="0"/>
+              </a:rPr>
+              <a:t>=False</a:t>
+            </a:r>
+          </a:p>
+          <a:p>
+            <a:pPr>
+              <a:lnSpc>
+                <a:spcPct val="90000"/>
+              </a:lnSpc>
+              <a:spcAft>
+                <a:spcPts val="1000"/>
+              </a:spcAft>
+            </a:pPr>
+            <a:endParaRPr lang="en-US" sz="1100" dirty="0">
+              <a:latin typeface="Courier New" panose="02070309020205020404" pitchFamily="49" charset="0"/>
+              <a:ea typeface="Roboto" charset="0"/>
+              <a:cs typeface="Courier New" panose="02070309020205020404" pitchFamily="49" charset="0"/>
+            </a:endParaRPr>
+          </a:p>
+          <a:p>
+            <a:pPr>
+              <a:lnSpc>
+                <a:spcPct val="90000"/>
+              </a:lnSpc>
+              <a:spcAft>
+                <a:spcPts val="1000"/>
+              </a:spcAft>
+            </a:pPr>
+            <a:r>
+              <a:rPr lang="en-US" sz="1100" dirty="0">
+                <a:latin typeface="Courier New" panose="02070309020205020404" pitchFamily="49" charset="0"/>
+                <a:ea typeface="Roboto" charset="0"/>
+                <a:cs typeface="Courier New" panose="02070309020205020404" pitchFamily="49" charset="0"/>
+              </a:rPr>
+              <a:t> --</a:t>
+            </a:r>
+            <a:r>
+              <a:rPr lang="en-US" sz="1100" b="1" dirty="0" err="1">
+                <a:latin typeface="Courier New" panose="02070309020205020404" pitchFamily="49" charset="0"/>
+                <a:ea typeface="Roboto" charset="0"/>
+                <a:cs typeface="Courier New" panose="02070309020205020404" pitchFamily="49" charset="0"/>
+              </a:rPr>
+              <a:t>stop_and_verify</a:t>
+            </a:r>
+            <a:endParaRPr lang="en-US" sz="1100" b="1" dirty="0">
+              <a:latin typeface="Courier New" panose="02070309020205020404" pitchFamily="49" charset="0"/>
+              <a:ea typeface="Roboto" charset="0"/>
+              <a:cs typeface="Courier New" panose="02070309020205020404" pitchFamily="49" charset="0"/>
+            </a:endParaRPr>
+          </a:p>
+          <a:p>
+            <a:pPr>
+              <a:lnSpc>
+                <a:spcPct val="90000"/>
+              </a:lnSpc>
+              <a:spcAft>
+                <a:spcPts val="1000"/>
+              </a:spcAft>
+            </a:pPr>
+            <a:r>
+              <a:rPr lang="en-US" sz="1100" dirty="0">
+                <a:latin typeface="Courier New" panose="02070309020205020404" pitchFamily="49" charset="0"/>
+                <a:ea typeface="Roboto" charset="0"/>
+                <a:cs typeface="Courier New" panose="02070309020205020404" pitchFamily="49" charset="0"/>
+              </a:rPr>
+              <a:t>        Boolean flag to pause execution for manual verification steps.</a:t>
+            </a:r>
+          </a:p>
+          <a:p>
+            <a:pPr>
+              <a:lnSpc>
+                <a:spcPct val="90000"/>
+              </a:lnSpc>
+              <a:spcAft>
+                <a:spcPts val="1000"/>
+              </a:spcAft>
+            </a:pPr>
+            <a:r>
+              <a:rPr lang="en-US" sz="1100" dirty="0">
+                <a:latin typeface="Courier New" panose="02070309020205020404" pitchFamily="49" charset="0"/>
+                <a:ea typeface="Roboto" charset="0"/>
+                <a:cs typeface="Courier New" panose="02070309020205020404" pitchFamily="49" charset="0"/>
+              </a:rPr>
+              <a:t>        Example:</a:t>
+            </a:r>
+          </a:p>
+          <a:p>
+            <a:pPr>
+              <a:lnSpc>
+                <a:spcPct val="90000"/>
+              </a:lnSpc>
+              <a:spcAft>
+                <a:spcPts val="1000"/>
+              </a:spcAft>
+            </a:pPr>
+            <a:r>
+              <a:rPr lang="en-US" sz="1100" dirty="0">
+                <a:latin typeface="Courier New" panose="02070309020205020404" pitchFamily="49" charset="0"/>
+                <a:ea typeface="Roboto" charset="0"/>
+                <a:cs typeface="Courier New" panose="02070309020205020404" pitchFamily="49" charset="0"/>
+              </a:rPr>
+              <a:t>            --</a:t>
+            </a:r>
+            <a:r>
+              <a:rPr lang="en-US" sz="1100" dirty="0" err="1">
+                <a:latin typeface="Courier New" panose="02070309020205020404" pitchFamily="49" charset="0"/>
+                <a:ea typeface="Roboto" charset="0"/>
+                <a:cs typeface="Courier New" panose="02070309020205020404" pitchFamily="49" charset="0"/>
+              </a:rPr>
+              <a:t>stop_and_verify</a:t>
+            </a:r>
+            <a:r>
+              <a:rPr lang="en-US" sz="1100" dirty="0">
+                <a:latin typeface="Courier New" panose="02070309020205020404" pitchFamily="49" charset="0"/>
+                <a:ea typeface="Roboto" charset="0"/>
+                <a:cs typeface="Courier New" panose="02070309020205020404" pitchFamily="49" charset="0"/>
+              </a:rPr>
+              <a:t>=True</a:t>
+            </a:r>
+          </a:p>
+        </p:txBody>
+      </p:sp>
+    </p:spTree>
+    <p:extLst>
+      <p:ext uri="{BB962C8B-B14F-4D97-AF65-F5344CB8AC3E}">
+        <p14:creationId xmlns:p14="http://schemas.microsoft.com/office/powerpoint/2010/main" val="2098974105"/>
+      </p:ext>
+    </p:extLst>
+  </p:cSld>
+  <p:clrMapOvr>
+    <a:masterClrMapping/>
+  </p:clrMapOvr>
+  <mc:AlternateContent xmlns:mc="http://schemas.openxmlformats.org/markup-compatibility/2006" xmlns:p14="http://schemas.microsoft.com/office/powerpoint/2010/main">
+    <mc:Choice Requires="p14">
+      <p:transition spd="med" p14:dur="700" advClick="0">
+        <p:fade/>
+      </p:transition>
+    </mc:Choice>
+    <mc:Fallback xmlns="">
+      <p:transition spd="med" advClick="0">
+        <p:fade/>
+      </p:transition>
+    </mc:Fallback>
+  </mc:AlternateContent>
+</p:sld>
+</file>
+
+<file path=ppt/slides/slide22.xml><?xml version="1.0" encoding="utf-8"?>
+<p:sld xmlns:a="http://schemas.openxmlformats.org/drawingml/2006/main" xmlns:r="http://schemas.openxmlformats.org/officeDocument/2006/relationships" xmlns:p="http://schemas.openxmlformats.org/presentationml/2006/main">
+  <p:cSld>
+    <p:spTree>
+      <p:nvGrpSpPr>
+        <p:cNvPr id="1" name="">
+          <a:extLst>
+            <a:ext uri="{FF2B5EF4-FFF2-40B4-BE49-F238E27FC236}">
+              <a16:creationId xmlns:a16="http://schemas.microsoft.com/office/drawing/2014/main" id="{7B8B0D77-3C8C-D711-2A0B-027ACCAB34D8}"/>
+            </a:ext>
+          </a:extLst>
+        </p:cNvPr>
+        <p:cNvGrpSpPr/>
+        <p:nvPr/>
+      </p:nvGrpSpPr>
+      <p:grpSpPr>
+        <a:xfrm>
+          <a:off x="0" y="0"/>
+          <a:ext cx="0" cy="0"/>
+          <a:chOff x="0" y="0"/>
+          <a:chExt cx="0" cy="0"/>
+        </a:xfrm>
+      </p:grpSpPr>
+      <p:sp>
+        <p:nvSpPr>
+          <p:cNvPr id="5" name="Title 4">
+            <a:extLst>
+              <a:ext uri="{FF2B5EF4-FFF2-40B4-BE49-F238E27FC236}">
+                <a16:creationId xmlns:a16="http://schemas.microsoft.com/office/drawing/2014/main" id="{345A340C-CC2F-8961-DFF0-CC8AB20ED4D3}"/>
+              </a:ext>
+            </a:extLst>
+          </p:cNvPr>
+          <p:cNvSpPr>
+            <a:spLocks noGrp="1"/>
+          </p:cNvSpPr>
+          <p:nvPr>
+            <p:ph type="title"/>
+          </p:nvPr>
+        </p:nvSpPr>
+        <p:spPr/>
+        <p:txBody>
+          <a:bodyPr/>
+          <a:lstStyle/>
+          <a:p>
+            <a:r>
+              <a:rPr lang="en-US" dirty="0"/>
+              <a:t>Optional Command Line Arguments (continued)</a:t>
+            </a:r>
+            <a:endParaRPr lang="en-IN" dirty="0"/>
+          </a:p>
+        </p:txBody>
+      </p:sp>
+      <p:sp>
+        <p:nvSpPr>
+          <p:cNvPr id="6" name="TextBox 5">
+            <a:extLst>
+              <a:ext uri="{FF2B5EF4-FFF2-40B4-BE49-F238E27FC236}">
+                <a16:creationId xmlns:a16="http://schemas.microsoft.com/office/drawing/2014/main" id="{0143C403-C5BE-7F27-3133-8D927255B10F}"/>
+              </a:ext>
+            </a:extLst>
+          </p:cNvPr>
+          <p:cNvSpPr txBox="1"/>
+          <p:nvPr/>
+        </p:nvSpPr>
+        <p:spPr>
+          <a:xfrm>
+            <a:off x="717176" y="1045029"/>
+            <a:ext cx="11195177" cy="5330369"/>
+          </a:xfrm>
+          <a:prstGeom prst="rect">
+            <a:avLst/>
+          </a:prstGeom>
+          <a:noFill/>
+        </p:spPr>
+        <p:txBody>
+          <a:bodyPr wrap="square" lIns="0" tIns="0" rIns="0" bIns="0" rtlCol="0">
+            <a:noAutofit/>
+          </a:bodyPr>
+          <a:lstStyle/>
+          <a:p>
+            <a:pPr>
+              <a:lnSpc>
+                <a:spcPct val="90000"/>
+              </a:lnSpc>
+              <a:spcAft>
+                <a:spcPts val="1000"/>
+              </a:spcAft>
+            </a:pPr>
+            <a:r>
+              <a:rPr lang="en-US" sz="1100" dirty="0">
+                <a:latin typeface="Courier New" panose="02070309020205020404" pitchFamily="49" charset="0"/>
+                <a:ea typeface="Roboto" charset="0"/>
+                <a:cs typeface="Courier New" panose="02070309020205020404" pitchFamily="49" charset="0"/>
+              </a:rPr>
+              <a:t>Encryption related options:</a:t>
+            </a:r>
+          </a:p>
+          <a:p>
+            <a:pPr>
+              <a:lnSpc>
+                <a:spcPct val="90000"/>
+              </a:lnSpc>
+              <a:spcAft>
+                <a:spcPts val="1000"/>
+              </a:spcAft>
+            </a:pPr>
+            <a:endParaRPr lang="en-US" sz="1100" dirty="0">
+              <a:latin typeface="Courier New" panose="02070309020205020404" pitchFamily="49" charset="0"/>
+              <a:ea typeface="Roboto" charset="0"/>
+              <a:cs typeface="Courier New" panose="02070309020205020404" pitchFamily="49" charset="0"/>
+            </a:endParaRPr>
+          </a:p>
+          <a:p>
+            <a:pPr>
+              <a:lnSpc>
+                <a:spcPct val="90000"/>
+              </a:lnSpc>
+              <a:spcAft>
+                <a:spcPts val="1000"/>
+              </a:spcAft>
+            </a:pPr>
+            <a:r>
+              <a:rPr lang="en-US" sz="1100" dirty="0">
+                <a:latin typeface="Courier New" panose="02070309020205020404" pitchFamily="49" charset="0"/>
+                <a:ea typeface="Roboto" charset="0"/>
+                <a:cs typeface="Courier New" panose="02070309020205020404" pitchFamily="49" charset="0"/>
+              </a:rPr>
+              <a:t> --</a:t>
+            </a:r>
+            <a:r>
+              <a:rPr lang="en-US" sz="1100" b="1" dirty="0">
+                <a:latin typeface="Courier New" panose="02070309020205020404" pitchFamily="49" charset="0"/>
+                <a:ea typeface="Roboto" charset="0"/>
+                <a:cs typeface="Courier New" panose="02070309020205020404" pitchFamily="49" charset="0"/>
+              </a:rPr>
+              <a:t>encrypt</a:t>
+            </a:r>
+          </a:p>
+          <a:p>
+            <a:pPr>
+              <a:lnSpc>
+                <a:spcPct val="90000"/>
+              </a:lnSpc>
+              <a:spcAft>
+                <a:spcPts val="1000"/>
+              </a:spcAft>
+            </a:pPr>
+            <a:r>
+              <a:rPr lang="en-US" sz="1100" dirty="0">
+                <a:latin typeface="Courier New" panose="02070309020205020404" pitchFamily="49" charset="0"/>
+                <a:ea typeface="Roboto" charset="0"/>
+                <a:cs typeface="Courier New" panose="02070309020205020404" pitchFamily="49" charset="0"/>
+              </a:rPr>
+              <a:t>        Prompts to enter a plain text password and outputs its encrypted form.</a:t>
+            </a:r>
+          </a:p>
+          <a:p>
+            <a:pPr>
+              <a:lnSpc>
+                <a:spcPct val="90000"/>
+              </a:lnSpc>
+              <a:spcAft>
+                <a:spcPts val="1000"/>
+              </a:spcAft>
+            </a:pPr>
+            <a:r>
+              <a:rPr lang="en-US" sz="1100" dirty="0">
+                <a:latin typeface="Courier New" panose="02070309020205020404" pitchFamily="49" charset="0"/>
+                <a:ea typeface="Roboto" charset="0"/>
+                <a:cs typeface="Courier New" panose="02070309020205020404" pitchFamily="49" charset="0"/>
+              </a:rPr>
+              <a:t>        Useful for generating encrypted passwords for config or command line use.</a:t>
+            </a:r>
+          </a:p>
+          <a:p>
+            <a:pPr>
+              <a:lnSpc>
+                <a:spcPct val="90000"/>
+              </a:lnSpc>
+              <a:spcAft>
+                <a:spcPts val="1000"/>
+              </a:spcAft>
+            </a:pPr>
+            <a:endParaRPr lang="en-US" sz="1100" dirty="0">
+              <a:latin typeface="Courier New" panose="02070309020205020404" pitchFamily="49" charset="0"/>
+              <a:ea typeface="Roboto" charset="0"/>
+              <a:cs typeface="Courier New" panose="02070309020205020404" pitchFamily="49" charset="0"/>
+            </a:endParaRPr>
+          </a:p>
+          <a:p>
+            <a:pPr>
+              <a:lnSpc>
+                <a:spcPct val="90000"/>
+              </a:lnSpc>
+              <a:spcAft>
+                <a:spcPts val="1000"/>
+              </a:spcAft>
+            </a:pPr>
+            <a:r>
+              <a:rPr lang="en-US" sz="1100" dirty="0">
+                <a:latin typeface="Courier New" panose="02070309020205020404" pitchFamily="49" charset="0"/>
+                <a:ea typeface="Roboto" charset="0"/>
+                <a:cs typeface="Courier New" panose="02070309020205020404" pitchFamily="49" charset="0"/>
+              </a:rPr>
+              <a:t> --</a:t>
+            </a:r>
+            <a:r>
+              <a:rPr lang="en-US" sz="1100" b="1" dirty="0">
+                <a:latin typeface="Courier New" panose="02070309020205020404" pitchFamily="49" charset="0"/>
+                <a:ea typeface="Roboto" charset="0"/>
+                <a:cs typeface="Courier New" panose="02070309020205020404" pitchFamily="49" charset="0"/>
+              </a:rPr>
+              <a:t>decrypt</a:t>
+            </a:r>
+          </a:p>
+          <a:p>
+            <a:pPr>
+              <a:lnSpc>
+                <a:spcPct val="90000"/>
+              </a:lnSpc>
+              <a:spcAft>
+                <a:spcPts val="1000"/>
+              </a:spcAft>
+            </a:pPr>
+            <a:r>
+              <a:rPr lang="en-US" sz="1100" dirty="0">
+                <a:latin typeface="Courier New" panose="02070309020205020404" pitchFamily="49" charset="0"/>
+                <a:ea typeface="Roboto" charset="0"/>
+                <a:cs typeface="Courier New" panose="02070309020205020404" pitchFamily="49" charset="0"/>
+              </a:rPr>
+              <a:t>        Prompts to enter encrypted text and outputs the decrypted plain text.</a:t>
+            </a:r>
+          </a:p>
+          <a:p>
+            <a:pPr>
+              <a:lnSpc>
+                <a:spcPct val="90000"/>
+              </a:lnSpc>
+              <a:spcAft>
+                <a:spcPts val="1000"/>
+              </a:spcAft>
+            </a:pPr>
+            <a:r>
+              <a:rPr lang="en-US" sz="1100" dirty="0">
+                <a:latin typeface="Courier New" panose="02070309020205020404" pitchFamily="49" charset="0"/>
+                <a:ea typeface="Roboto" charset="0"/>
+                <a:cs typeface="Courier New" panose="02070309020205020404" pitchFamily="49" charset="0"/>
+              </a:rPr>
+              <a:t>        Use this to verify that encrypted passwords were copied correctly.</a:t>
+            </a:r>
+          </a:p>
+          <a:p>
+            <a:pPr>
+              <a:lnSpc>
+                <a:spcPct val="90000"/>
+              </a:lnSpc>
+              <a:spcAft>
+                <a:spcPts val="1000"/>
+              </a:spcAft>
+            </a:pPr>
+            <a:endParaRPr lang="en-US" sz="1100" dirty="0">
+              <a:latin typeface="Courier New" panose="02070309020205020404" pitchFamily="49" charset="0"/>
+              <a:ea typeface="Roboto" charset="0"/>
+              <a:cs typeface="Courier New" panose="02070309020205020404" pitchFamily="49" charset="0"/>
+            </a:endParaRPr>
+          </a:p>
+          <a:p>
+            <a:pPr>
+              <a:lnSpc>
+                <a:spcPct val="90000"/>
+              </a:lnSpc>
+              <a:spcAft>
+                <a:spcPts val="1000"/>
+              </a:spcAft>
+            </a:pPr>
+            <a:r>
+              <a:rPr lang="en-US" sz="1100" dirty="0">
+                <a:latin typeface="Courier New" panose="02070309020205020404" pitchFamily="49" charset="0"/>
+                <a:ea typeface="Roboto" charset="0"/>
+                <a:cs typeface="Courier New" panose="02070309020205020404" pitchFamily="49" charset="0"/>
+              </a:rPr>
+              <a:t> --</a:t>
+            </a:r>
+            <a:r>
+              <a:rPr lang="en-US" sz="1100" b="1" dirty="0" err="1">
+                <a:latin typeface="Courier New" panose="02070309020205020404" pitchFamily="49" charset="0"/>
+                <a:ea typeface="Roboto" charset="0"/>
+                <a:cs typeface="Courier New" panose="02070309020205020404" pitchFamily="49" charset="0"/>
+              </a:rPr>
+              <a:t>generate_key</a:t>
+            </a:r>
+            <a:endParaRPr lang="en-US" sz="1100" b="1" dirty="0">
+              <a:latin typeface="Courier New" panose="02070309020205020404" pitchFamily="49" charset="0"/>
+              <a:ea typeface="Roboto" charset="0"/>
+              <a:cs typeface="Courier New" panose="02070309020205020404" pitchFamily="49" charset="0"/>
+            </a:endParaRPr>
+          </a:p>
+          <a:p>
+            <a:pPr>
+              <a:lnSpc>
+                <a:spcPct val="90000"/>
+              </a:lnSpc>
+              <a:spcAft>
+                <a:spcPts val="1000"/>
+              </a:spcAft>
+            </a:pPr>
+            <a:r>
+              <a:rPr lang="en-US" sz="1100" dirty="0">
+                <a:latin typeface="Courier New" panose="02070309020205020404" pitchFamily="49" charset="0"/>
+                <a:ea typeface="Roboto" charset="0"/>
+                <a:cs typeface="Courier New" panose="02070309020205020404" pitchFamily="49" charset="0"/>
+              </a:rPr>
+              <a:t>        Generates a new secret key file (</a:t>
+            </a:r>
+            <a:r>
+              <a:rPr lang="en-US" sz="1100" dirty="0" err="1">
+                <a:latin typeface="Courier New" panose="02070309020205020404" pitchFamily="49" charset="0"/>
+                <a:ea typeface="Roboto" charset="0"/>
+                <a:cs typeface="Courier New" panose="02070309020205020404" pitchFamily="49" charset="0"/>
+              </a:rPr>
+              <a:t>secret.key</a:t>
+            </a:r>
+            <a:r>
+              <a:rPr lang="en-US" sz="1100" dirty="0">
+                <a:latin typeface="Courier New" panose="02070309020205020404" pitchFamily="49" charset="0"/>
+                <a:ea typeface="Roboto" charset="0"/>
+                <a:cs typeface="Courier New" panose="02070309020205020404" pitchFamily="49" charset="0"/>
+              </a:rPr>
+              <a:t>) used as the basis for encryption and decryption.</a:t>
+            </a:r>
+          </a:p>
+          <a:p>
+            <a:pPr>
+              <a:lnSpc>
+                <a:spcPct val="90000"/>
+              </a:lnSpc>
+              <a:spcAft>
+                <a:spcPts val="1000"/>
+              </a:spcAft>
+            </a:pPr>
+            <a:r>
+              <a:rPr lang="en-US" sz="1100" dirty="0">
+                <a:latin typeface="Courier New" panose="02070309020205020404" pitchFamily="49" charset="0"/>
+                <a:ea typeface="Roboto" charset="0"/>
+                <a:cs typeface="Courier New" panose="02070309020205020404" pitchFamily="49" charset="0"/>
+              </a:rPr>
+              <a:t>		If you generate a new </a:t>
+            </a:r>
+            <a:r>
+              <a:rPr lang="en-US" sz="1100" dirty="0" err="1">
+                <a:latin typeface="Courier New" panose="02070309020205020404" pitchFamily="49" charset="0"/>
+                <a:ea typeface="Roboto" charset="0"/>
+                <a:cs typeface="Courier New" panose="02070309020205020404" pitchFamily="49" charset="0"/>
+              </a:rPr>
+              <a:t>secrety.key</a:t>
+            </a:r>
+            <a:r>
+              <a:rPr lang="en-US" sz="1100" dirty="0">
+                <a:latin typeface="Courier New" panose="02070309020205020404" pitchFamily="49" charset="0"/>
+                <a:ea typeface="Roboto" charset="0"/>
+                <a:cs typeface="Courier New" panose="02070309020205020404" pitchFamily="49" charset="0"/>
+              </a:rPr>
+              <a:t>, any previous encrypted passwords will be invalidated.</a:t>
+            </a:r>
+          </a:p>
+          <a:p>
+            <a:pPr>
+              <a:lnSpc>
+                <a:spcPct val="90000"/>
+              </a:lnSpc>
+              <a:spcAft>
+                <a:spcPts val="1000"/>
+              </a:spcAft>
+            </a:pPr>
+            <a:r>
+              <a:rPr lang="en-US" sz="1100" dirty="0">
+                <a:latin typeface="Courier New" panose="02070309020205020404" pitchFamily="49" charset="0"/>
+                <a:ea typeface="Roboto" charset="0"/>
+                <a:cs typeface="Courier New" panose="02070309020205020404" pitchFamily="49" charset="0"/>
+              </a:rPr>
+              <a:t>           Note: This encryption is intended to obscure passwords, not provide strong cryptographic security.</a:t>
+            </a:r>
+          </a:p>
+        </p:txBody>
+      </p:sp>
+    </p:spTree>
+    <p:extLst>
+      <p:ext uri="{BB962C8B-B14F-4D97-AF65-F5344CB8AC3E}">
+        <p14:creationId xmlns:p14="http://schemas.microsoft.com/office/powerpoint/2010/main" val="1798743237"/>
+      </p:ext>
+    </p:extLst>
+  </p:cSld>
+  <p:clrMapOvr>
+    <a:masterClrMapping/>
+  </p:clrMapOvr>
+  <mc:AlternateContent xmlns:mc="http://schemas.openxmlformats.org/markup-compatibility/2006" xmlns:p14="http://schemas.microsoft.com/office/powerpoint/2010/main">
+    <mc:Choice Requires="p14">
+      <p:transition spd="med" p14:dur="700" advClick="0">
+        <p:fade/>
+      </p:transition>
+    </mc:Choice>
+    <mc:Fallback xmlns="">
+      <p:transition spd="med" advClick="0">
+        <p:fade/>
+      </p:transition>
+    </mc:Fallback>
+  </mc:AlternateContent>
+</p:sld>
+</file>
+
+<file path=ppt/slides/slide23.xml><?xml version="1.0" encoding="utf-8"?>
 <p:sld xmlns:a="http://schemas.openxmlformats.org/drawingml/2006/main" xmlns:r="http://schemas.openxmlformats.org/officeDocument/2006/relationships" xmlns:p="http://schemas.openxmlformats.org/presentationml/2006/main">
   <p:cSld>
     <p:spTree>
@@ -23090,517 +29443,6 @@
   <p:clrMapOvr>
     <a:masterClrMapping/>
   </p:clrMapOvr>
-</p:sld>
-</file>
-
-<file path=ppt/slides/slide2.xml><?xml version="1.0" encoding="utf-8"?>
-<p:sld xmlns:a="http://schemas.openxmlformats.org/drawingml/2006/main" xmlns:r="http://schemas.openxmlformats.org/officeDocument/2006/relationships" xmlns:p="http://schemas.openxmlformats.org/presentationml/2006/main">
-  <p:cSld>
-    <p:spTree>
-      <p:nvGrpSpPr>
-        <p:cNvPr id="1" name=""/>
-        <p:cNvGrpSpPr/>
-        <p:nvPr/>
-      </p:nvGrpSpPr>
-      <p:grpSpPr>
-        <a:xfrm>
-          <a:off x="0" y="0"/>
-          <a:ext cx="0" cy="0"/>
-          <a:chOff x="0" y="0"/>
-          <a:chExt cx="0" cy="0"/>
-        </a:xfrm>
-      </p:grpSpPr>
-      <p:sp>
-        <p:nvSpPr>
-          <p:cNvPr id="5" name="Title 4">
-            <a:extLst>
-              <a:ext uri="{FF2B5EF4-FFF2-40B4-BE49-F238E27FC236}">
-                <a16:creationId xmlns:a16="http://schemas.microsoft.com/office/drawing/2014/main" id="{C2B479B7-4E1E-475F-B459-5CE8B05302D3}"/>
-              </a:ext>
-            </a:extLst>
-          </p:cNvPr>
-          <p:cNvSpPr>
-            <a:spLocks noGrp="1"/>
-          </p:cNvSpPr>
-          <p:nvPr>
-            <p:ph type="title"/>
-          </p:nvPr>
-        </p:nvSpPr>
-        <p:spPr/>
-        <p:txBody>
-          <a:bodyPr/>
-          <a:lstStyle/>
-          <a:p>
-            <a:r>
-              <a:rPr lang="en-US" dirty="0"/>
-              <a:t>What are we trying to do?</a:t>
-            </a:r>
-            <a:endParaRPr lang="en-IN" dirty="0"/>
-          </a:p>
-        </p:txBody>
-      </p:sp>
-      <p:sp>
-        <p:nvSpPr>
-          <p:cNvPr id="16" name="Content Placeholder 13">
-            <a:extLst>
-              <a:ext uri="{FF2B5EF4-FFF2-40B4-BE49-F238E27FC236}">
-                <a16:creationId xmlns:a16="http://schemas.microsoft.com/office/drawing/2014/main" id="{807EB0DB-72EF-4CAE-8A2F-F7E55C093081}"/>
-              </a:ext>
-            </a:extLst>
-          </p:cNvPr>
-          <p:cNvSpPr txBox="1">
-            <a:spLocks/>
-          </p:cNvSpPr>
-          <p:nvPr/>
-        </p:nvSpPr>
-        <p:spPr>
-          <a:xfrm>
-            <a:off x="1180247" y="1610532"/>
-            <a:ext cx="3180631" cy="2562457"/>
-          </a:xfrm>
-          <a:prstGeom prst="rect">
-            <a:avLst/>
-          </a:prstGeom>
-        </p:spPr>
-        <p:txBody>
-          <a:bodyPr vert="horz" lIns="0" tIns="0" rIns="0" bIns="0" rtlCol="0">
-            <a:noAutofit/>
-          </a:bodyPr>
-          <a:lstStyle>
-            <a:lvl1pPr marL="173038" indent="-173038" algn="l" defTabSz="914217" rtl="0" eaLnBrk="1" latinLnBrk="0" hangingPunct="1">
-              <a:lnSpc>
-                <a:spcPct val="90000"/>
-              </a:lnSpc>
-              <a:spcBef>
-                <a:spcPts val="400"/>
-              </a:spcBef>
-              <a:spcAft>
-                <a:spcPts val="1200"/>
-              </a:spcAft>
-              <a:buClr>
-                <a:schemeClr val="accent2"/>
-              </a:buClr>
-              <a:buFont typeface="Arial" panose="020B0604020202020204" pitchFamily="34" charset="0"/>
-              <a:buChar char="•"/>
-              <a:defRPr sz="2100" b="0" i="0" kern="1200" baseline="0">
-                <a:solidFill>
-                  <a:schemeClr val="tx1"/>
-                </a:solidFill>
-                <a:latin typeface="Roboto" charset="0"/>
-                <a:ea typeface="Roboto" charset="0"/>
-                <a:cs typeface="Roboto" charset="0"/>
-              </a:defRPr>
-            </a:lvl1pPr>
-            <a:lvl2pPr marL="344488" indent="-174625" algn="l" defTabSz="914217" rtl="0" eaLnBrk="1" latinLnBrk="0" hangingPunct="1">
-              <a:lnSpc>
-                <a:spcPct val="90000"/>
-              </a:lnSpc>
-              <a:spcBef>
-                <a:spcPts val="0"/>
-              </a:spcBef>
-              <a:spcAft>
-                <a:spcPts val="1200"/>
-              </a:spcAft>
-              <a:buClr>
-                <a:schemeClr val="accent2"/>
-              </a:buClr>
-              <a:buFont typeface="Arial" panose="020B0604020202020204" pitchFamily="34" charset="0"/>
-              <a:buChar char="•"/>
-              <a:defRPr sz="1800" b="0" i="0" kern="1200" baseline="0">
-                <a:solidFill>
-                  <a:schemeClr val="tx1"/>
-                </a:solidFill>
-                <a:latin typeface="Roboto" charset="0"/>
-                <a:ea typeface="Roboto" charset="0"/>
-                <a:cs typeface="Roboto" charset="0"/>
-              </a:defRPr>
-            </a:lvl2pPr>
-            <a:lvl3pPr marL="514350" indent="-169863" algn="l" defTabSz="914217" rtl="0" eaLnBrk="1" latinLnBrk="0" hangingPunct="1">
-              <a:lnSpc>
-                <a:spcPct val="90000"/>
-              </a:lnSpc>
-              <a:spcBef>
-                <a:spcPts val="0"/>
-              </a:spcBef>
-              <a:spcAft>
-                <a:spcPts val="1200"/>
-              </a:spcAft>
-              <a:buClr>
-                <a:schemeClr val="accent2"/>
-              </a:buClr>
-              <a:buFont typeface="Arial" panose="020B0604020202020204" pitchFamily="34" charset="0"/>
-              <a:buChar char="•"/>
-              <a:defRPr sz="1600" b="0" i="0" kern="1200">
-                <a:solidFill>
-                  <a:schemeClr val="tx1"/>
-                </a:solidFill>
-                <a:latin typeface="Roboto" charset="0"/>
-                <a:ea typeface="Roboto" charset="0"/>
-                <a:cs typeface="Roboto" charset="0"/>
-              </a:defRPr>
-            </a:lvl3pPr>
-            <a:lvl4pPr marL="630238" indent="-171450" algn="l" defTabSz="914217" rtl="0" eaLnBrk="1" latinLnBrk="0" hangingPunct="1">
-              <a:lnSpc>
-                <a:spcPct val="90000"/>
-              </a:lnSpc>
-              <a:spcBef>
-                <a:spcPts val="0"/>
-              </a:spcBef>
-              <a:spcAft>
-                <a:spcPts val="1200"/>
-              </a:spcAft>
-              <a:buClr>
-                <a:schemeClr val="accent2"/>
-              </a:buClr>
-              <a:buFont typeface="Arial" panose="020B0604020202020204" pitchFamily="34" charset="0"/>
-              <a:buChar char="•"/>
-              <a:defRPr sz="1400" b="0" i="0" kern="1200">
-                <a:solidFill>
-                  <a:schemeClr val="tx1"/>
-                </a:solidFill>
-                <a:latin typeface="Roboto" charset="0"/>
-                <a:ea typeface="Roboto" charset="0"/>
-                <a:cs typeface="Roboto" charset="0"/>
-              </a:defRPr>
-            </a:lvl4pPr>
-            <a:lvl5pPr marL="800100" indent="-169863" algn="l" defTabSz="914217" rtl="0" eaLnBrk="1" latinLnBrk="0" hangingPunct="1">
-              <a:lnSpc>
-                <a:spcPct val="90000"/>
-              </a:lnSpc>
-              <a:spcBef>
-                <a:spcPts val="0"/>
-              </a:spcBef>
-              <a:spcAft>
-                <a:spcPts val="1200"/>
-              </a:spcAft>
-              <a:buClr>
-                <a:schemeClr val="accent2"/>
-              </a:buClr>
-              <a:buFont typeface="Arial" panose="020B0604020202020204" pitchFamily="34" charset="0"/>
-              <a:buChar char="•"/>
-              <a:defRPr sz="1400" b="0" i="0" kern="1200">
-                <a:solidFill>
-                  <a:schemeClr val="tx1"/>
-                </a:solidFill>
-                <a:latin typeface="Roboto" charset="0"/>
-                <a:ea typeface="Roboto" charset="0"/>
-                <a:cs typeface="Roboto" charset="0"/>
-              </a:defRPr>
-            </a:lvl5pPr>
-            <a:lvl6pPr marL="914400" indent="-169863" algn="l" defTabSz="914217" rtl="0" eaLnBrk="1" latinLnBrk="0" hangingPunct="1">
-              <a:lnSpc>
-                <a:spcPct val="90000"/>
-              </a:lnSpc>
-              <a:spcBef>
-                <a:spcPts val="500"/>
-              </a:spcBef>
-              <a:spcAft>
-                <a:spcPts val="1200"/>
-              </a:spcAft>
-              <a:buClr>
-                <a:schemeClr val="accent2"/>
-              </a:buClr>
-              <a:buFont typeface="Arial" panose="020B0604020202020204" pitchFamily="34" charset="0"/>
-              <a:buChar char="•"/>
-              <a:defRPr sz="1200" b="0" i="0" kern="1200">
-                <a:solidFill>
-                  <a:schemeClr val="tx1"/>
-                </a:solidFill>
-                <a:latin typeface="Roboto" charset="0"/>
-                <a:ea typeface="Roboto" charset="0"/>
-                <a:cs typeface="Roboto" charset="0"/>
-              </a:defRPr>
-            </a:lvl6pPr>
-            <a:lvl7pPr marL="1084263" indent="-169863" algn="l" defTabSz="914217" rtl="0" eaLnBrk="1" latinLnBrk="0" hangingPunct="1">
-              <a:lnSpc>
-                <a:spcPct val="90000"/>
-              </a:lnSpc>
-              <a:spcBef>
-                <a:spcPts val="500"/>
-              </a:spcBef>
-              <a:spcAft>
-                <a:spcPts val="1200"/>
-              </a:spcAft>
-              <a:buClr>
-                <a:schemeClr val="accent2"/>
-              </a:buClr>
-              <a:buFont typeface="Arial" panose="020B0604020202020204" pitchFamily="34" charset="0"/>
-              <a:buChar char="•"/>
-              <a:defRPr sz="1200" b="0" i="0" kern="1200">
-                <a:solidFill>
-                  <a:schemeClr val="tx1"/>
-                </a:solidFill>
-                <a:latin typeface="Roboto" charset="0"/>
-                <a:ea typeface="Roboto" charset="0"/>
-                <a:cs typeface="Roboto" charset="0"/>
-              </a:defRPr>
-            </a:lvl7pPr>
-            <a:lvl8pPr marL="1258888" indent="-174625" algn="l" defTabSz="914217" rtl="0" eaLnBrk="1" latinLnBrk="0" hangingPunct="1">
-              <a:lnSpc>
-                <a:spcPct val="90000"/>
-              </a:lnSpc>
-              <a:spcBef>
-                <a:spcPts val="500"/>
-              </a:spcBef>
-              <a:spcAft>
-                <a:spcPts val="1200"/>
-              </a:spcAft>
-              <a:buClr>
-                <a:schemeClr val="accent2"/>
-              </a:buClr>
-              <a:buFont typeface="Arial" panose="020B0604020202020204" pitchFamily="34" charset="0"/>
-              <a:buChar char="•"/>
-              <a:defRPr sz="1200" b="0" i="0" kern="1200">
-                <a:solidFill>
-                  <a:schemeClr val="tx1"/>
-                </a:solidFill>
-                <a:latin typeface="Roboto" charset="0"/>
-                <a:ea typeface="Roboto" charset="0"/>
-                <a:cs typeface="Roboto" charset="0"/>
-              </a:defRPr>
-            </a:lvl8pPr>
-            <a:lvl9pPr marL="1428750" indent="-169863" algn="l" defTabSz="914217" rtl="0" eaLnBrk="1" latinLnBrk="0" hangingPunct="1">
-              <a:lnSpc>
-                <a:spcPct val="90000"/>
-              </a:lnSpc>
-              <a:spcBef>
-                <a:spcPts val="500"/>
-              </a:spcBef>
-              <a:spcAft>
-                <a:spcPts val="1200"/>
-              </a:spcAft>
-              <a:buClr>
-                <a:schemeClr val="accent2"/>
-              </a:buClr>
-              <a:buFont typeface="Arial" panose="020B0604020202020204" pitchFamily="34" charset="0"/>
-              <a:buChar char="•"/>
-              <a:defRPr sz="1200" b="0" i="0" kern="1200">
-                <a:solidFill>
-                  <a:schemeClr val="tx1"/>
-                </a:solidFill>
-                <a:latin typeface="Roboto" charset="0"/>
-                <a:ea typeface="Roboto" charset="0"/>
-                <a:cs typeface="Roboto" charset="0"/>
-              </a:defRPr>
-            </a:lvl9pPr>
-          </a:lstStyle>
-          <a:p>
-            <a:pPr marL="0" indent="0">
-              <a:buNone/>
-            </a:pPr>
-            <a:endParaRPr lang="en-IN" sz="1600" dirty="0"/>
-          </a:p>
-        </p:txBody>
-      </p:sp>
-      <p:sp>
-        <p:nvSpPr>
-          <p:cNvPr id="6" name="TextBox 5">
-            <a:extLst>
-              <a:ext uri="{FF2B5EF4-FFF2-40B4-BE49-F238E27FC236}">
-                <a16:creationId xmlns:a16="http://schemas.microsoft.com/office/drawing/2014/main" id="{9F8FFC18-4FD7-5E97-CCB3-5E13CE612AEB}"/>
-              </a:ext>
-            </a:extLst>
-          </p:cNvPr>
-          <p:cNvSpPr txBox="1"/>
-          <p:nvPr/>
-        </p:nvSpPr>
-        <p:spPr>
-          <a:xfrm>
-            <a:off x="1013254" y="1754659"/>
-            <a:ext cx="10490887" cy="4090087"/>
-          </a:xfrm>
-          <a:prstGeom prst="rect">
-            <a:avLst/>
-          </a:prstGeom>
-          <a:noFill/>
-        </p:spPr>
-        <p:txBody>
-          <a:bodyPr wrap="square" lIns="0" tIns="0" rIns="0" bIns="0" rtlCol="0">
-            <a:noAutofit/>
-          </a:bodyPr>
-          <a:lstStyle/>
-          <a:p>
-            <a:pPr>
-              <a:lnSpc>
-                <a:spcPct val="90000"/>
-              </a:lnSpc>
-              <a:spcAft>
-                <a:spcPts val="1000"/>
-              </a:spcAft>
-            </a:pPr>
-            <a:r>
-              <a:rPr lang="en-US" sz="2100" dirty="0">
-                <a:latin typeface="Roboto" charset="0"/>
-                <a:ea typeface="Roboto" charset="0"/>
-                <a:cs typeface="Roboto" charset="0"/>
-              </a:rPr>
-              <a:t>Write tags into the Unity Catalog, based on data within the Informatica Catalog</a:t>
-            </a:r>
-          </a:p>
-          <a:p>
-            <a:pPr marL="342900" indent="-342900">
-              <a:lnSpc>
-                <a:spcPct val="90000"/>
-              </a:lnSpc>
-              <a:spcAft>
-                <a:spcPts val="1000"/>
-              </a:spcAft>
-              <a:buFont typeface="Arial" panose="020B0604020202020204" pitchFamily="34" charset="0"/>
-              <a:buChar char="•"/>
-            </a:pPr>
-            <a:r>
-              <a:rPr lang="en-US" sz="2100" dirty="0">
-                <a:latin typeface="Roboto" charset="0"/>
-                <a:ea typeface="Roboto" charset="0"/>
-                <a:cs typeface="Roboto" charset="0"/>
-              </a:rPr>
-              <a:t>Informatica’s Catalog is very good at classifying the data</a:t>
-            </a:r>
-          </a:p>
-          <a:p>
-            <a:pPr marL="342900" indent="-342900">
-              <a:lnSpc>
-                <a:spcPct val="90000"/>
-              </a:lnSpc>
-              <a:spcAft>
-                <a:spcPts val="1000"/>
-              </a:spcAft>
-              <a:buFont typeface="Arial" panose="020B0604020202020204" pitchFamily="34" charset="0"/>
-              <a:buChar char="•"/>
-            </a:pPr>
-            <a:r>
-              <a:rPr lang="en-US" sz="2100" dirty="0">
-                <a:latin typeface="Roboto" charset="0"/>
-                <a:ea typeface="Roboto" charset="0"/>
-                <a:cs typeface="Roboto" charset="0"/>
-              </a:rPr>
-              <a:t>Push tags that contain:</a:t>
-            </a:r>
-          </a:p>
-          <a:p>
-            <a:pPr marL="800100" lvl="1" indent="-342900">
-              <a:lnSpc>
-                <a:spcPct val="90000"/>
-              </a:lnSpc>
-              <a:spcAft>
-                <a:spcPts val="1000"/>
-              </a:spcAft>
-              <a:buFont typeface="Arial" panose="020B0604020202020204" pitchFamily="34" charset="0"/>
-              <a:buChar char="•"/>
-            </a:pPr>
-            <a:r>
-              <a:rPr lang="en-US" sz="2100" dirty="0">
-                <a:latin typeface="Roboto" charset="0"/>
-                <a:ea typeface="Roboto" charset="0"/>
-                <a:cs typeface="Roboto" charset="0"/>
-              </a:rPr>
-              <a:t>Classifications. Rule Base, AI Based, or Manual. It makes no difference. Be able to push all classifications to tags in Databricks.</a:t>
-            </a:r>
-          </a:p>
-          <a:p>
-            <a:pPr marL="800100" lvl="1" indent="-342900">
-              <a:lnSpc>
-                <a:spcPct val="90000"/>
-              </a:lnSpc>
-              <a:spcAft>
-                <a:spcPts val="1000"/>
-              </a:spcAft>
-              <a:buFont typeface="Arial" panose="020B0604020202020204" pitchFamily="34" charset="0"/>
-              <a:buChar char="•"/>
-            </a:pPr>
-            <a:r>
-              <a:rPr lang="en-US" sz="2100" dirty="0">
-                <a:latin typeface="Roboto" charset="0"/>
-                <a:ea typeface="Roboto" charset="0"/>
-                <a:cs typeface="Roboto" charset="0"/>
-              </a:rPr>
-              <a:t>Business Terms. Push down “business friendly” Terms to the assets in Databricks.</a:t>
-            </a:r>
-          </a:p>
-          <a:p>
-            <a:pPr marL="800100" lvl="1" indent="-342900">
-              <a:lnSpc>
-                <a:spcPct val="90000"/>
-              </a:lnSpc>
-              <a:spcAft>
-                <a:spcPts val="1000"/>
-              </a:spcAft>
-              <a:buFont typeface="Arial" panose="020B0604020202020204" pitchFamily="34" charset="0"/>
-              <a:buChar char="•"/>
-            </a:pPr>
-            <a:r>
-              <a:rPr lang="en-US" sz="2100" dirty="0">
-                <a:latin typeface="Roboto" charset="0"/>
-                <a:ea typeface="Roboto" charset="0"/>
-                <a:cs typeface="Roboto" charset="0"/>
-              </a:rPr>
-              <a:t>Policies. Push down direct and indirect policies to tags within Databricks.</a:t>
-            </a:r>
-          </a:p>
-          <a:p>
-            <a:pPr marL="342900" indent="-342900">
-              <a:lnSpc>
-                <a:spcPct val="90000"/>
-              </a:lnSpc>
-              <a:spcAft>
-                <a:spcPts val="1000"/>
-              </a:spcAft>
-              <a:buFont typeface="Arial" panose="020B0604020202020204" pitchFamily="34" charset="0"/>
-              <a:buChar char="•"/>
-            </a:pPr>
-            <a:r>
-              <a:rPr lang="en-US" sz="2100" dirty="0">
-                <a:latin typeface="Roboto" charset="0"/>
-                <a:ea typeface="Roboto" charset="0"/>
-                <a:cs typeface="Roboto" charset="0"/>
-              </a:rPr>
-              <a:t>Also push descriptions to columns and tables</a:t>
-            </a:r>
-          </a:p>
-          <a:p>
-            <a:pPr marL="800100" lvl="1" indent="-342900">
-              <a:lnSpc>
-                <a:spcPct val="90000"/>
-              </a:lnSpc>
-              <a:spcAft>
-                <a:spcPts val="1000"/>
-              </a:spcAft>
-              <a:buFont typeface="Arial" panose="020B0604020202020204" pitchFamily="34" charset="0"/>
-              <a:buChar char="•"/>
-            </a:pPr>
-            <a:r>
-              <a:rPr lang="en-US" sz="2100" dirty="0">
-                <a:latin typeface="Roboto" charset="0"/>
-                <a:ea typeface="Roboto" charset="0"/>
-                <a:cs typeface="Roboto" charset="0"/>
-              </a:rPr>
-              <a:t>And optionally the link to the informatica Catalog object</a:t>
-            </a:r>
-          </a:p>
-        </p:txBody>
-      </p:sp>
-    </p:spTree>
-    <p:extLst>
-      <p:ext uri="{BB962C8B-B14F-4D97-AF65-F5344CB8AC3E}">
-        <p14:creationId xmlns:p14="http://schemas.microsoft.com/office/powerpoint/2010/main" val="3233205923"/>
-      </p:ext>
-    </p:extLst>
-  </p:cSld>
-  <p:clrMapOvr>
-    <a:masterClrMapping/>
-  </p:clrMapOvr>
-  <mc:AlternateContent xmlns:mc="http://schemas.openxmlformats.org/markup-compatibility/2006" xmlns:p14="http://schemas.microsoft.com/office/powerpoint/2010/main">
-    <mc:Choice Requires="p14">
-      <p:transition spd="med" p14:dur="700" advClick="0">
-        <p:fade/>
-      </p:transition>
-    </mc:Choice>
-    <mc:Fallback xmlns="">
-      <p:transition spd="med" advClick="0">
-        <p:fade/>
-      </p:transition>
-    </mc:Fallback>
-  </mc:AlternateContent>
 </p:sld>
 </file>
 
@@ -24377,7 +30219,7 @@
         <p:spPr>
           <a:xfrm>
             <a:off x="1717589" y="1707353"/>
-            <a:ext cx="8723870" cy="1395094"/>
+            <a:ext cx="8723870" cy="2524678"/>
           </a:xfrm>
           <a:prstGeom prst="rect">
             <a:avLst/>
@@ -24399,12 +30241,28 @@
               </a:spcAft>
             </a:pPr>
             <a:r>
-              <a:rPr lang="en-US" dirty="0">
+              <a:rPr lang="en-US" b="1" dirty="0">
                 <a:latin typeface="Roboto" charset="0"/>
                 <a:ea typeface="Roboto" charset="0"/>
                 <a:cs typeface="Roboto" charset="0"/>
               </a:rPr>
-              <a:t>Using "pip" ensure the required libraries are installed</a:t>
+              <a:t>* Only required if using the “</a:t>
+            </a:r>
+            <a:r>
+              <a:rPr lang="en-US" b="1" dirty="0" err="1">
+                <a:latin typeface="Roboto" charset="0"/>
+                <a:ea typeface="Roboto" charset="0"/>
+                <a:cs typeface="Roboto" charset="0"/>
+              </a:rPr>
+              <a:t>py</a:t>
+            </a:r>
+            <a:r>
+              <a:rPr lang="en-US" b="1" dirty="0">
+                <a:latin typeface="Roboto" charset="0"/>
+                <a:ea typeface="Roboto" charset="0"/>
+                <a:cs typeface="Roboto" charset="0"/>
+              </a:rPr>
+              <a:t>” file. If using Windows, you can skip this step and use the “exe” file.</a:t>
             </a:r>
           </a:p>
           <a:p>
@@ -24422,23 +30280,7 @@
                 <a:ea typeface="Roboto" charset="0"/>
                 <a:cs typeface="Roboto" charset="0"/>
               </a:rPr>
-              <a:t>	pip install </a:t>
-            </a:r>
-            <a:r>
-              <a:rPr lang="en-US" dirty="0" err="1">
-                <a:latin typeface="Roboto" charset="0"/>
-                <a:ea typeface="Roboto" charset="0"/>
-                <a:cs typeface="Roboto" charset="0"/>
-              </a:rPr>
-              <a:t>jaydebeapi</a:t>
-            </a:r>
-            <a:r>
-              <a:rPr lang="en-US" dirty="0">
-                <a:latin typeface="Roboto" charset="0"/>
-                <a:ea typeface="Roboto" charset="0"/>
-                <a:cs typeface="Roboto" charset="0"/>
-              </a:rPr>
-              <a:t> pandas requests cryptography</a:t>
+              <a:t>Using "pip" ensure the required libraries are installed</a:t>
             </a:r>
           </a:p>
           <a:p>
@@ -24456,7 +30298,7 @@
                 <a:ea typeface="Roboto" charset="0"/>
                 <a:cs typeface="Roboto" charset="0"/>
               </a:rPr>
-              <a:t>              or </a:t>
+              <a:t>	pip install -r requirements.txt</a:t>
             </a:r>
           </a:p>
           <a:p>
@@ -24474,57 +30316,29 @@
                 <a:ea typeface="Roboto" charset="0"/>
                 <a:cs typeface="Roboto" charset="0"/>
               </a:rPr>
-              <a:t>        pip3 install </a:t>
-            </a:r>
-            <a:r>
-              <a:rPr lang="en-US" dirty="0" err="1">
-                <a:latin typeface="Roboto" charset="0"/>
-                <a:ea typeface="Roboto" charset="0"/>
-                <a:cs typeface="Roboto" charset="0"/>
-              </a:rPr>
-              <a:t>jaydebeapi</a:t>
-            </a:r>
+              <a:t>              or </a:t>
+            </a:r>
+          </a:p>
+          <a:p>
+            <a:pPr>
+              <a:lnSpc>
+                <a:spcPct val="90000"/>
+              </a:lnSpc>
+              <a:spcAft>
+                <a:spcPts val="1000"/>
+              </a:spcAft>
+            </a:pPr>
             <a:r>
               <a:rPr lang="en-US" dirty="0">
                 <a:latin typeface="Roboto" charset="0"/>
                 <a:ea typeface="Roboto" charset="0"/>
                 <a:cs typeface="Roboto" charset="0"/>
               </a:rPr>
-              <a:t> pandas requests cryptography</a:t>
+              <a:t>        pip3 install -r requirements.txt</a:t>
             </a:r>
           </a:p>
         </p:txBody>
       </p:sp>
-      <p:pic>
-        <p:nvPicPr>
-          <p:cNvPr id="3" name="Picture 2">
-            <a:extLst>
-              <a:ext uri="{FF2B5EF4-FFF2-40B4-BE49-F238E27FC236}">
-                <a16:creationId xmlns:a16="http://schemas.microsoft.com/office/drawing/2014/main" id="{FE7E5DD2-5C32-703F-7562-F0478B3A5FA4}"/>
-              </a:ext>
-            </a:extLst>
-          </p:cNvPr>
-          <p:cNvPicPr>
-            <a:picLocks noChangeAspect="1"/>
-          </p:cNvPicPr>
-          <p:nvPr/>
-        </p:nvPicPr>
-        <p:blipFill>
-          <a:blip r:embed="rId2"/>
-          <a:stretch>
-            <a:fillRect/>
-          </a:stretch>
-        </p:blipFill>
-        <p:spPr>
-          <a:xfrm>
-            <a:off x="1480762" y="3755553"/>
-            <a:ext cx="8252953" cy="1215457"/>
-          </a:xfrm>
-          <a:prstGeom prst="rect">
-            <a:avLst/>
-          </a:prstGeom>
-        </p:spPr>
-      </p:pic>
     </p:spTree>
     <p:extLst>
       <p:ext uri="{BB962C8B-B14F-4D97-AF65-F5344CB8AC3E}">
@@ -24610,8 +30424,8 @@
         </p:nvSpPr>
         <p:spPr>
           <a:xfrm>
-            <a:off x="1717589" y="1707353"/>
-            <a:ext cx="8723870" cy="974063"/>
+            <a:off x="1717589" y="1707352"/>
+            <a:ext cx="8723870" cy="2255047"/>
           </a:xfrm>
           <a:prstGeom prst="rect">
             <a:avLst/>
@@ -24672,8 +30486,21 @@
                 <a:ea typeface="Roboto" charset="0"/>
                 <a:cs typeface="Roboto" charset="0"/>
               </a:rPr>
-              <a:t>	python my_encrypt.py</a:t>
-            </a:r>
+              <a:t>	python tag_writer.py --</a:t>
+            </a:r>
+            <a:r>
+              <a:rPr lang="en-US" dirty="0" err="1">
+                <a:latin typeface="Roboto" charset="0"/>
+                <a:ea typeface="Roboto" charset="0"/>
+                <a:cs typeface="Roboto" charset="0"/>
+              </a:rPr>
+              <a:t>generate_key</a:t>
+            </a:r>
+            <a:endParaRPr lang="en-US" dirty="0">
+              <a:latin typeface="Roboto" charset="0"/>
+              <a:ea typeface="Roboto" charset="0"/>
+              <a:cs typeface="Roboto" charset="0"/>
+            </a:endParaRPr>
           </a:p>
           <a:p>
             <a:pPr>
@@ -24690,7 +30517,25 @@
                 <a:ea typeface="Roboto" charset="0"/>
                 <a:cs typeface="Roboto" charset="0"/>
               </a:rPr>
-              <a:t>* Note this is the </a:t>
+              <a:t>		or</a:t>
+            </a:r>
+          </a:p>
+          <a:p>
+            <a:pPr>
+              <a:lnSpc>
+                <a:spcPct val="90000"/>
+              </a:lnSpc>
+              <a:spcAft>
+                <a:spcPts val="1000"/>
+              </a:spcAft>
+            </a:pPr>
+            <a:r>
+              <a:rPr lang="en-US" dirty="0">
+                <a:latin typeface="Roboto" charset="0"/>
+                <a:ea typeface="Roboto" charset="0"/>
+                <a:cs typeface="Roboto" charset="0"/>
+              </a:rPr>
+              <a:t>	tag_writer.exe --</a:t>
             </a:r>
             <a:r>
               <a:rPr lang="en-US" dirty="0" err="1">
@@ -24698,15 +30543,30 @@
                 <a:ea typeface="Roboto" charset="0"/>
                 <a:cs typeface="Roboto" charset="0"/>
               </a:rPr>
-              <a:t>keyfile</a:t>
-            </a:r>
+              <a:t>generate_key</a:t>
+            </a:r>
+            <a:endParaRPr lang="en-US" dirty="0">
+              <a:latin typeface="Roboto" charset="0"/>
+              <a:ea typeface="Roboto" charset="0"/>
+              <a:cs typeface="Roboto" charset="0"/>
+            </a:endParaRPr>
+          </a:p>
+          <a:p>
+            <a:pPr>
+              <a:lnSpc>
+                <a:spcPct val="90000"/>
+              </a:lnSpc>
+              <a:spcAft>
+                <a:spcPts val="1000"/>
+              </a:spcAft>
+            </a:pPr>
             <a:r>
               <a:rPr lang="en-US" dirty="0">
                 <a:latin typeface="Roboto" charset="0"/>
                 <a:ea typeface="Roboto" charset="0"/>
                 <a:cs typeface="Roboto" charset="0"/>
               </a:rPr>
-              <a:t> for our encrypted password. If you share this solution, DON’T SHARE THE </a:t>
+              <a:t>* Note this is the </a:t>
             </a:r>
             <a:r>
               <a:rPr lang="en-US" dirty="0" err="1">
@@ -24714,7 +30574,7 @@
                 <a:ea typeface="Roboto" charset="0"/>
                 <a:cs typeface="Roboto" charset="0"/>
               </a:rPr>
-              <a:t>secrey.key</a:t>
+              <a:t>keyfile</a:t>
             </a:r>
             <a:r>
               <a:rPr lang="en-US" dirty="0">
@@ -24722,41 +30582,27 @@
                 <a:ea typeface="Roboto" charset="0"/>
                 <a:cs typeface="Roboto" charset="0"/>
               </a:rPr>
+              <a:t> for our encrypted password. If you share this solution, DON’T SHARE THE </a:t>
+            </a:r>
+            <a:r>
+              <a:rPr lang="en-US" dirty="0" err="1">
+                <a:latin typeface="Roboto" charset="0"/>
+                <a:ea typeface="Roboto" charset="0"/>
+                <a:cs typeface="Roboto" charset="0"/>
+              </a:rPr>
+              <a:t>secrey.key</a:t>
+            </a:r>
+            <a:r>
+              <a:rPr lang="en-US" dirty="0">
+                <a:latin typeface="Roboto" charset="0"/>
+                <a:ea typeface="Roboto" charset="0"/>
+                <a:cs typeface="Roboto" charset="0"/>
+              </a:rPr>
               <a:t> FILE or it is easy to get the password in clear text!</a:t>
             </a:r>
           </a:p>
         </p:txBody>
       </p:sp>
-      <p:pic>
-        <p:nvPicPr>
-          <p:cNvPr id="9" name="Picture 8">
-            <a:extLst>
-              <a:ext uri="{FF2B5EF4-FFF2-40B4-BE49-F238E27FC236}">
-                <a16:creationId xmlns:a16="http://schemas.microsoft.com/office/drawing/2014/main" id="{5A4998DF-FD1E-AA5C-2F47-8DFD7417394B}"/>
-              </a:ext>
-            </a:extLst>
-          </p:cNvPr>
-          <p:cNvPicPr>
-            <a:picLocks noChangeAspect="1"/>
-          </p:cNvPicPr>
-          <p:nvPr/>
-        </p:nvPicPr>
-        <p:blipFill>
-          <a:blip r:embed="rId2"/>
-          <a:stretch>
-            <a:fillRect/>
-          </a:stretch>
-        </p:blipFill>
-        <p:spPr>
-          <a:xfrm>
-            <a:off x="852261" y="3132228"/>
-            <a:ext cx="10295043" cy="775744"/>
-          </a:xfrm>
-          <a:prstGeom prst="rect">
-            <a:avLst/>
-          </a:prstGeom>
-        </p:spPr>
-      </p:pic>
       <p:pic>
         <p:nvPicPr>
           <p:cNvPr id="3" name="Picture 2">
@@ -24772,7 +30618,7 @@
           <p:nvPr/>
         </p:nvPicPr>
         <p:blipFill>
-          <a:blip r:embed="rId3"/>
+          <a:blip r:embed="rId2"/>
           <a:stretch>
             <a:fillRect/>
           </a:stretch>
@@ -24872,8 +30718,8 @@
         </p:nvSpPr>
         <p:spPr>
           <a:xfrm>
-            <a:off x="1732477" y="1237796"/>
-            <a:ext cx="8723870" cy="2191204"/>
+            <a:off x="762000" y="1237796"/>
+            <a:ext cx="10328031" cy="2191204"/>
           </a:xfrm>
           <a:prstGeom prst="rect">
             <a:avLst/>
@@ -24900,7 +30746,31 @@
                 <a:ea typeface="Roboto" charset="0"/>
                 <a:cs typeface="Roboto" charset="0"/>
               </a:rPr>
-              <a:t>Get encrypted passwords by running the my_encrypt.py file		</a:t>
+              <a:t>Get encrypted passwords by running the </a:t>
+            </a:r>
+            <a:r>
+              <a:rPr lang="en-US" i="1" dirty="0">
+                <a:latin typeface="Roboto" charset="0"/>
+                <a:ea typeface="Roboto" charset="0"/>
+                <a:cs typeface="Roboto" charset="0"/>
+              </a:rPr>
+              <a:t>python tag_writer.py –encrypt </a:t>
+            </a:r>
+            <a:r>
+              <a:rPr lang="en-US" dirty="0">
+                <a:latin typeface="Roboto" charset="0"/>
+                <a:ea typeface="Roboto" charset="0"/>
+                <a:cs typeface="Roboto" charset="0"/>
+              </a:rPr>
+              <a:t>or</a:t>
+            </a:r>
+            <a:r>
+              <a:rPr lang="en-US" i="1" dirty="0">
+                <a:latin typeface="Roboto" charset="0"/>
+                <a:ea typeface="Roboto" charset="0"/>
+                <a:cs typeface="Roboto" charset="0"/>
+              </a:rPr>
+              <a:t> tag_writer.exe --encrypt </a:t>
             </a:r>
           </a:p>
           <a:p>
@@ -24920,7 +30790,7 @@
                 <a:ea typeface="Roboto" charset="0"/>
                 <a:cs typeface="Roboto" charset="0"/>
               </a:rPr>
-              <a:t>Re-run to generate encrypted passwords. </a:t>
+              <a:t>You will be prompted to enter a password in clear text, and be given the encrypted version of that password. </a:t>
             </a:r>
           </a:p>
           <a:p>
@@ -24940,43 +30810,7 @@
                 <a:ea typeface="Roboto" charset="0"/>
                 <a:cs typeface="Roboto" charset="0"/>
               </a:rPr>
-              <a:t>(When prompted to regen the </a:t>
-            </a:r>
-            <a:r>
-              <a:rPr lang="en-US" dirty="0" err="1">
-                <a:latin typeface="Roboto" charset="0"/>
-                <a:ea typeface="Roboto" charset="0"/>
-                <a:cs typeface="Roboto" charset="0"/>
-              </a:rPr>
-              <a:t>secret.key</a:t>
-            </a:r>
-            <a:r>
-              <a:rPr lang="en-US" dirty="0">
-                <a:latin typeface="Roboto" charset="0"/>
-                <a:ea typeface="Roboto" charset="0"/>
-                <a:cs typeface="Roboto" charset="0"/>
-              </a:rPr>
-              <a:t>, answer "N")</a:t>
-            </a:r>
-          </a:p>
-          <a:p>
-            <a:pPr marL="285750" indent="-285750">
-              <a:lnSpc>
-                <a:spcPct val="90000"/>
-              </a:lnSpc>
-              <a:spcAft>
-                <a:spcPts val="1000"/>
-              </a:spcAft>
-              <a:buFont typeface="Arial" panose="020B0604020202020204" pitchFamily="34" charset="0"/>
-              <a:buChar char="•"/>
-            </a:pPr>
-            <a:r>
-              <a:rPr lang="en-US" dirty="0">
-                <a:latin typeface="Roboto" charset="0"/>
-                <a:ea typeface="Roboto" charset="0"/>
-                <a:cs typeface="Roboto" charset="0"/>
-              </a:rPr>
-              <a:t>You'll need to do this for the Informatica User's password, and the Snowflake user's password.</a:t>
+              <a:t>You'll need to do this for the Informatica User's password, and the Databricks user's password (secret token).</a:t>
             </a:r>
           </a:p>
           <a:p>
@@ -24994,7 +30828,39 @@
                 <a:ea typeface="Roboto" charset="0"/>
                 <a:cs typeface="Roboto" charset="0"/>
               </a:rPr>
-              <a:t>Optionally, you can paste that encrypted password back, to verify. </a:t>
+              <a:t>Optionally, you can run </a:t>
+            </a:r>
+            <a:r>
+              <a:rPr lang="en-US" i="1" dirty="0">
+                <a:latin typeface="Roboto" charset="0"/>
+                <a:ea typeface="Roboto" charset="0"/>
+                <a:cs typeface="Roboto" charset="0"/>
+              </a:rPr>
+              <a:t>python tag_writer.py –encrypt </a:t>
+            </a:r>
+            <a:r>
+              <a:rPr lang="en-US" dirty="0">
+                <a:latin typeface="Roboto" charset="0"/>
+                <a:ea typeface="Roboto" charset="0"/>
+                <a:cs typeface="Roboto" charset="0"/>
+              </a:rPr>
+              <a:t>or</a:t>
+            </a:r>
+            <a:r>
+              <a:rPr lang="en-US" i="1" dirty="0">
+                <a:latin typeface="Roboto" charset="0"/>
+                <a:ea typeface="Roboto" charset="0"/>
+                <a:cs typeface="Roboto" charset="0"/>
+              </a:rPr>
+              <a:t> tag_writer.exe –encrypt </a:t>
+            </a:r>
+            <a:r>
+              <a:rPr lang="en-US" dirty="0">
+                <a:latin typeface="Roboto" charset="0"/>
+                <a:ea typeface="Roboto" charset="0"/>
+                <a:cs typeface="Roboto" charset="0"/>
+              </a:rPr>
+              <a:t>to verify the password </a:t>
             </a:r>
           </a:p>
         </p:txBody>
@@ -25114,8 +30980,8 @@
         </p:nvSpPr>
         <p:spPr>
           <a:xfrm>
-            <a:off x="1334529" y="1045029"/>
-            <a:ext cx="10022383" cy="947057"/>
+            <a:off x="597877" y="1045029"/>
+            <a:ext cx="11291064" cy="947057"/>
           </a:xfrm>
           <a:prstGeom prst="rect">
             <a:avLst/>
@@ -25142,7 +31008,7 @@
                 <a:ea typeface="Roboto" charset="0"/>
                 <a:cs typeface="Roboto" charset="0"/>
               </a:rPr>
-              <a:t>Modify the tag_writer.py file and put in your usernames, encrypted passwords, and </a:t>
+              <a:t>Modify the config.ini file and put in your usernames, encrypted passwords, and </a:t>
             </a:r>
             <a:r>
               <a:rPr lang="en-US" dirty="0" err="1">
@@ -25150,7 +31016,7 @@
                 <a:ea typeface="Roboto" charset="0"/>
                 <a:cs typeface="Roboto" charset="0"/>
               </a:rPr>
-              <a:t>url_base</a:t>
+              <a:t>idmc_pod</a:t>
             </a:r>
             <a:r>
               <a:rPr lang="en-US" dirty="0">
@@ -25461,7 +31327,7 @@
         <p:spPr>
           <a:xfrm>
             <a:off x="3758135" y="2226982"/>
-            <a:ext cx="1254803" cy="422398"/>
+            <a:ext cx="1416486" cy="94876"/>
           </a:xfrm>
           <a:prstGeom prst="straightConnector1">
             <a:avLst/>
@@ -25504,8 +31370,8 @@
         </p:nvCxnSpPr>
         <p:spPr>
           <a:xfrm>
-            <a:off x="3575118" y="2703340"/>
-            <a:ext cx="1335549" cy="173625"/>
+            <a:off x="3735851" y="2610178"/>
+            <a:ext cx="1438770" cy="100219"/>
           </a:xfrm>
           <a:prstGeom prst="straightConnector1">
             <a:avLst/>
@@ -25548,8 +31414,8 @@
         </p:nvCxnSpPr>
         <p:spPr>
           <a:xfrm flipV="1">
-            <a:off x="2935111" y="4069082"/>
-            <a:ext cx="2064257" cy="594362"/>
+            <a:off x="2935111" y="4058287"/>
+            <a:ext cx="2225941" cy="605157"/>
           </a:xfrm>
           <a:prstGeom prst="straightConnector1">
             <a:avLst/>
@@ -25592,8 +31458,8 @@
         </p:nvCxnSpPr>
         <p:spPr>
           <a:xfrm flipV="1">
-            <a:off x="3716071" y="3525172"/>
-            <a:ext cx="1252108" cy="341527"/>
+            <a:off x="3716071" y="3339976"/>
+            <a:ext cx="1444981" cy="526723"/>
           </a:xfrm>
           <a:prstGeom prst="straightConnector1">
             <a:avLst/>
@@ -25636,8 +31502,8 @@
         </p:nvCxnSpPr>
         <p:spPr>
           <a:xfrm flipV="1">
-            <a:off x="3758135" y="3217333"/>
-            <a:ext cx="1254803" cy="11502"/>
+            <a:off x="3758135" y="3050964"/>
+            <a:ext cx="1416486" cy="177871"/>
           </a:xfrm>
           <a:prstGeom prst="straightConnector1">
             <a:avLst/>
@@ -25679,9 +31545,9 @@
           <p:nvPr/>
         </p:nvCxnSpPr>
         <p:spPr>
-          <a:xfrm flipV="1">
-            <a:off x="2223911" y="5368349"/>
-            <a:ext cx="2686756" cy="338952"/>
+          <a:xfrm>
+            <a:off x="2071019" y="5709731"/>
+            <a:ext cx="3090033" cy="0"/>
           </a:xfrm>
           <a:prstGeom prst="straightConnector1">
             <a:avLst/>
@@ -25724,8 +31590,8 @@
         </p:nvCxnSpPr>
         <p:spPr>
           <a:xfrm flipV="1">
-            <a:off x="3228622" y="4807903"/>
-            <a:ext cx="1739557" cy="522728"/>
+            <a:off x="3165231" y="4896881"/>
+            <a:ext cx="1995821" cy="352857"/>
           </a:xfrm>
           <a:prstGeom prst="straightConnector1">
             <a:avLst/>
@@ -25768,8 +31634,8 @@
         </p:nvCxnSpPr>
         <p:spPr>
           <a:xfrm flipV="1">
-            <a:off x="3045017" y="4274601"/>
-            <a:ext cx="1923162" cy="679360"/>
+            <a:off x="3045017" y="4243369"/>
+            <a:ext cx="2116035" cy="710592"/>
           </a:xfrm>
           <a:prstGeom prst="straightConnector1">
             <a:avLst/>
@@ -25796,36 +31662,6 @@
           </a:fontRef>
         </p:style>
       </p:cxnSp>
-      <p:pic>
-        <p:nvPicPr>
-          <p:cNvPr id="4" name="Picture 3">
-            <a:extLst>
-              <a:ext uri="{FF2B5EF4-FFF2-40B4-BE49-F238E27FC236}">
-                <a16:creationId xmlns:a16="http://schemas.microsoft.com/office/drawing/2014/main" id="{3ADF5184-3302-40F1-B523-4BF137CB760D}"/>
-              </a:ext>
-            </a:extLst>
-          </p:cNvPr>
-          <p:cNvPicPr>
-            <a:picLocks noChangeAspect="1"/>
-          </p:cNvPicPr>
-          <p:nvPr/>
-        </p:nvPicPr>
-        <p:blipFill>
-          <a:blip r:embed="rId2"/>
-          <a:stretch>
-            <a:fillRect/>
-          </a:stretch>
-        </p:blipFill>
-        <p:spPr>
-          <a:xfrm>
-            <a:off x="5030558" y="1703478"/>
-            <a:ext cx="5823738" cy="4326442"/>
-          </a:xfrm>
-          <a:prstGeom prst="rect">
-            <a:avLst/>
-          </a:prstGeom>
-        </p:spPr>
-      </p:pic>
       <p:cxnSp>
         <p:nvCxnSpPr>
           <p:cNvPr id="25" name="Straight Arrow Connector 24">
@@ -25837,13 +31673,14 @@
           </p:cNvPr>
           <p:cNvCxnSpPr>
             <a:cxnSpLocks/>
+            <a:endCxn id="3" idx="1"/>
           </p:cNvCxnSpPr>
           <p:nvPr/>
         </p:nvCxnSpPr>
         <p:spPr>
           <a:xfrm flipV="1">
-            <a:off x="3443704" y="3728515"/>
-            <a:ext cx="1542095" cy="558259"/>
+            <a:off x="3423138" y="3866699"/>
+            <a:ext cx="1751483" cy="392318"/>
           </a:xfrm>
           <a:prstGeom prst="straightConnector1">
             <a:avLst/>
@@ -25885,9 +31722,9 @@
           <p:nvPr/>
         </p:nvCxnSpPr>
         <p:spPr>
-          <a:xfrm flipV="1">
-            <a:off x="2223911" y="5944682"/>
-            <a:ext cx="2705237" cy="85238"/>
+          <a:xfrm>
+            <a:off x="2223911" y="6029920"/>
+            <a:ext cx="2937141" cy="139805"/>
           </a:xfrm>
           <a:prstGeom prst="straightConnector1">
             <a:avLst/>
@@ -25914,6 +31751,36 @@
           </a:fontRef>
         </p:style>
       </p:cxnSp>
+      <p:pic>
+        <p:nvPicPr>
+          <p:cNvPr id="3" name="Picture 2">
+            <a:extLst>
+              <a:ext uri="{FF2B5EF4-FFF2-40B4-BE49-F238E27FC236}">
+                <a16:creationId xmlns:a16="http://schemas.microsoft.com/office/drawing/2014/main" id="{60E51846-EC42-426D-7025-0C49CC7C56F0}"/>
+              </a:ext>
+            </a:extLst>
+          </p:cNvPr>
+          <p:cNvPicPr>
+            <a:picLocks noChangeAspect="1"/>
+          </p:cNvPicPr>
+          <p:nvPr/>
+        </p:nvPicPr>
+        <p:blipFill>
+          <a:blip r:embed="rId3"/>
+          <a:stretch>
+            <a:fillRect/>
+          </a:stretch>
+        </p:blipFill>
+        <p:spPr>
+          <a:xfrm>
+            <a:off x="5174621" y="1418432"/>
+            <a:ext cx="5420481" cy="4896533"/>
+          </a:xfrm>
+          <a:prstGeom prst="rect">
+            <a:avLst/>
+          </a:prstGeom>
+        </p:spPr>
+      </p:pic>
     </p:spTree>
     <p:extLst>
       <p:ext uri="{BB962C8B-B14F-4D97-AF65-F5344CB8AC3E}">
@@ -27369,15 +33236,6 @@
 </file>
 
 <file path=customXml/item1.xml><?xml version="1.0" encoding="utf-8"?>
-<?mso-contentType ?>
-<FormTemplates xmlns="http://schemas.microsoft.com/sharepoint/v3/contenttype/forms">
-  <Display>DocumentLibraryForm</Display>
-  <Edit>DocumentLibraryForm</Edit>
-  <New>DocumentLibraryForm</New>
-</FormTemplates>
-</file>
-
-<file path=customXml/item2.xml><?xml version="1.0" encoding="utf-8"?>
 <ct:contentTypeSchema xmlns:ct="http://schemas.microsoft.com/office/2006/metadata/contentType" xmlns:ma="http://schemas.microsoft.com/office/2006/metadata/properties/metaAttributes" ct:_="" ma:_="" ma:contentTypeName="Document" ma:contentTypeID="0x0101008F469B9DDCB7884E95DD88D1FAB455BB" ma:contentTypeVersion="4" ma:contentTypeDescription="Create a new document." ma:contentTypeScope="" ma:versionID="2af74787b6fa7b67583c56dc5776735d">
   <xsd:schema xmlns:xsd="http://www.w3.org/2001/XMLSchema" xmlns:xs="http://www.w3.org/2001/XMLSchema" xmlns:p="http://schemas.microsoft.com/office/2006/metadata/properties" xmlns:ns2="d7abb67f-8ba3-4629-af4a-9ad47f056db5" targetNamespace="http://schemas.microsoft.com/office/2006/metadata/properties" ma:root="true" ma:fieldsID="03e5ccd49f08cdc976c4df5b8baab980" ns2:_="">
     <xsd:import namespace="d7abb67f-8ba3-4629-af4a-9ad47f056db5"/>
@@ -27523,15 +33381,16 @@
 </ct:contentTypeSchema>
 </file>
 
-<file path=customXml/itemProps1.xml><?xml version="1.0" encoding="utf-8"?>
-<ds:datastoreItem xmlns:ds="http://schemas.openxmlformats.org/officeDocument/2006/customXml" ds:itemID="{0FFC13DC-9E91-480E-AA50-E69DFCF153D3}">
-  <ds:schemaRefs>
-    <ds:schemaRef ds:uri="http://schemas.microsoft.com/sharepoint/v3/contenttype/forms"/>
-  </ds:schemaRefs>
-</ds:datastoreItem>
+<file path=customXml/item2.xml><?xml version="1.0" encoding="utf-8"?>
+<?mso-contentType ?>
+<FormTemplates xmlns="http://schemas.microsoft.com/sharepoint/v3/contenttype/forms">
+  <Display>DocumentLibraryForm</Display>
+  <Edit>DocumentLibraryForm</Edit>
+  <New>DocumentLibraryForm</New>
+</FormTemplates>
 </file>
 
-<file path=customXml/itemProps2.xml><?xml version="1.0" encoding="utf-8"?>
+<file path=customXml/itemProps1.xml><?xml version="1.0" encoding="utf-8"?>
 <ds:datastoreItem xmlns:ds="http://schemas.openxmlformats.org/officeDocument/2006/customXml" ds:itemID="{5CA5433E-CDB9-440C-BB77-1799205ED86D}">
   <ds:schemaRefs>
     <ds:schemaRef ds:uri="d7abb67f-8ba3-4629-af4a-9ad47f056db5"/>
@@ -27547,4 +33406,18 @@
     <ds:schemaRef ds:uri="http://www.w3.org/2001/XMLSchema"/>
   </ds:schemaRefs>
 </ds:datastoreItem>
+</file>
+
+<file path=customXml/itemProps2.xml><?xml version="1.0" encoding="utf-8"?>
+<ds:datastoreItem xmlns:ds="http://schemas.openxmlformats.org/officeDocument/2006/customXml" ds:itemID="{0FFC13DC-9E91-480E-AA50-E69DFCF153D3}">
+  <ds:schemaRefs>
+    <ds:schemaRef ds:uri="http://schemas.microsoft.com/sharepoint/v3/contenttype/forms"/>
+  </ds:schemaRefs>
+</ds:datastoreItem>
+</file>
+
+<file path=docMetadata/LabelInfo.xml><?xml version="1.0" encoding="utf-8"?>
+<clbl:labelList xmlns:clbl="http://schemas.microsoft.com/office/2020/mipLabelMetadata">
+  <clbl:label id="{14c8150c-bc7e-4d77-82d5-2d0905f0cd74}" enabled="1" method="Standard" siteId="{2638f43e-f77d-4fc7-ab92-7b753b7876fd}" contentBits="0" removed="0"/>
+</clbl:labelList>
 </file>
--- a/CDGC Databricks Tag Writer.pptx
+++ b/CDGC Databricks Tag Writer.pptx
@@ -7,10 +7,10 @@
     <p:sldMasterId id="2147483794" r:id="rId5"/>
   </p:sldMasterIdLst>
   <p:notesMasterIdLst>
-    <p:notesMasterId r:id="rId29"/>
+    <p:notesMasterId r:id="rId28"/>
   </p:notesMasterIdLst>
   <p:handoutMasterIdLst>
-    <p:handoutMasterId r:id="rId30"/>
+    <p:handoutMasterId r:id="rId29"/>
   </p:handoutMasterIdLst>
   <p:sldIdLst>
     <p:sldId id="288" r:id="rId6"/>
@@ -22,20 +22,19 @@
     <p:sldId id="2134807776" r:id="rId12"/>
     <p:sldId id="2134807787" r:id="rId13"/>
     <p:sldId id="2134807777" r:id="rId14"/>
-    <p:sldId id="2134807790" r:id="rId15"/>
-    <p:sldId id="2134807780" r:id="rId16"/>
-    <p:sldId id="2134807792" r:id="rId17"/>
-    <p:sldId id="2134807793" r:id="rId18"/>
-    <p:sldId id="2134807794" r:id="rId19"/>
-    <p:sldId id="2134807795" r:id="rId20"/>
-    <p:sldId id="2134807796" r:id="rId21"/>
-    <p:sldId id="2134807797" r:id="rId22"/>
-    <p:sldId id="2134807798" r:id="rId23"/>
-    <p:sldId id="2134807799" r:id="rId24"/>
-    <p:sldId id="2134807800" r:id="rId25"/>
-    <p:sldId id="2134807801" r:id="rId26"/>
-    <p:sldId id="2134807802" r:id="rId27"/>
-    <p:sldId id="267" r:id="rId28"/>
+    <p:sldId id="2134807780" r:id="rId15"/>
+    <p:sldId id="2134807792" r:id="rId16"/>
+    <p:sldId id="2134807793" r:id="rId17"/>
+    <p:sldId id="2134807794" r:id="rId18"/>
+    <p:sldId id="2134807795" r:id="rId19"/>
+    <p:sldId id="2134807796" r:id="rId20"/>
+    <p:sldId id="2134807797" r:id="rId21"/>
+    <p:sldId id="2134807798" r:id="rId22"/>
+    <p:sldId id="2134807799" r:id="rId23"/>
+    <p:sldId id="2134807800" r:id="rId24"/>
+    <p:sldId id="2134807801" r:id="rId25"/>
+    <p:sldId id="2134807802" r:id="rId26"/>
+    <p:sldId id="267" r:id="rId27"/>
   </p:sldIdLst>
   <p:sldSz cx="12188825" cy="6858000"/>
   <p:notesSz cx="7104063" cy="10234613"/>
@@ -152,7 +151,6 @@
             <p14:sldId id="2134807776"/>
             <p14:sldId id="2134807787"/>
             <p14:sldId id="2134807777"/>
-            <p14:sldId id="2134807790"/>
             <p14:sldId id="2134807780"/>
             <p14:sldId id="2134807792"/>
             <p14:sldId id="2134807793"/>
@@ -359,7 +357,7 @@
           <a:p>
             <a:fld id="{A8AF0ABA-1503-4581-BC5A-AF3D56D7DD45}" type="datetimeFigureOut">
               <a:rPr lang="en-US" smtClean="0"/>
-              <a:t>7/9/2025</a:t>
+              <a:t>11/14/2025</a:t>
             </a:fld>
             <a:endParaRPr lang="en-US"/>
           </a:p>
@@ -524,7 +522,7 @@
           <a:p>
             <a:fld id="{78186FDC-CD1E-4E7E-B1CD-1CBCCD519E8C}" type="datetimeFigureOut">
               <a:rPr lang="en-US" smtClean="0"/>
-              <a:t>7/9/2025</a:t>
+              <a:t>11/14/2025</a:t>
             </a:fld>
             <a:endParaRPr lang="en-US"/>
           </a:p>
@@ -1148,7 +1146,7 @@
           <a:p>
             <a:fld id="{4B9A8B04-59C6-4476-9B83-8806D24CC38B}" type="slidenum">
               <a:rPr lang="en-US" smtClean="0"/>
-              <a:t>19</a:t>
+              <a:t>18</a:t>
             </a:fld>
             <a:endParaRPr lang="en-US"/>
           </a:p>
@@ -1256,7 +1254,7 @@
           <a:p>
             <a:fld id="{4B9A8B04-59C6-4476-9B83-8806D24CC38B}" type="slidenum">
               <a:rPr lang="en-US" smtClean="0"/>
-              <a:t>20</a:t>
+              <a:t>19</a:t>
             </a:fld>
             <a:endParaRPr lang="en-US"/>
           </a:p>
@@ -1364,7 +1362,7 @@
           <a:p>
             <a:fld id="{4B9A8B04-59C6-4476-9B83-8806D24CC38B}" type="slidenum">
               <a:rPr lang="en-US" smtClean="0"/>
-              <a:t>21</a:t>
+              <a:t>20</a:t>
             </a:fld>
             <a:endParaRPr lang="en-US"/>
           </a:p>
@@ -1472,7 +1470,7 @@
           <a:p>
             <a:fld id="{4B9A8B04-59C6-4476-9B83-8806D24CC38B}" type="slidenum">
               <a:rPr lang="en-US" smtClean="0"/>
-              <a:t>22</a:t>
+              <a:t>21</a:t>
             </a:fld>
             <a:endParaRPr lang="en-US"/>
           </a:p>
@@ -1556,7 +1554,7 @@
           <a:p>
             <a:fld id="{4B9A8B04-59C6-4476-9B83-8806D24CC38B}" type="slidenum">
               <a:rPr lang="en-US" smtClean="0"/>
-              <a:t>23</a:t>
+              <a:t>22</a:t>
             </a:fld>
             <a:endParaRPr lang="en-US"/>
           </a:p>
@@ -22957,154 +22955,6 @@
           <a:p>
             <a:r>
               <a:rPr lang="en-US" dirty="0"/>
-              <a:t>Setup Step 5</a:t>
-            </a:r>
-            <a:endParaRPr lang="en-IN" dirty="0"/>
-          </a:p>
-        </p:txBody>
-      </p:sp>
-      <p:sp>
-        <p:nvSpPr>
-          <p:cNvPr id="6" name="TextBox 5">
-            <a:extLst>
-              <a:ext uri="{FF2B5EF4-FFF2-40B4-BE49-F238E27FC236}">
-                <a16:creationId xmlns:a16="http://schemas.microsoft.com/office/drawing/2014/main" id="{9F8FFC18-4FD7-5E97-CCB3-5E13CE612AEB}"/>
-              </a:ext>
-            </a:extLst>
-          </p:cNvPr>
-          <p:cNvSpPr txBox="1"/>
-          <p:nvPr/>
-        </p:nvSpPr>
-        <p:spPr>
-          <a:xfrm>
-            <a:off x="1068870" y="1045029"/>
-            <a:ext cx="10022383" cy="2296885"/>
-          </a:xfrm>
-          <a:prstGeom prst="rect">
-            <a:avLst/>
-          </a:prstGeom>
-          <a:noFill/>
-        </p:spPr>
-        <p:txBody>
-          <a:bodyPr wrap="square" lIns="0" tIns="0" rIns="0" bIns="0" rtlCol="0">
-            <a:noAutofit/>
-          </a:bodyPr>
-          <a:lstStyle/>
-          <a:p>
-            <a:pPr>
-              <a:lnSpc>
-                <a:spcPct val="90000"/>
-              </a:lnSpc>
-              <a:spcAft>
-                <a:spcPts val="1000"/>
-              </a:spcAft>
-            </a:pPr>
-            <a:r>
-              <a:rPr lang="en-US" dirty="0">
-                <a:latin typeface="Roboto" charset="0"/>
-                <a:ea typeface="Roboto" charset="0"/>
-                <a:cs typeface="Roboto" charset="0"/>
-              </a:rPr>
-              <a:t>This script uses a JDBC connection, so ensure that you have a JAVA_HOME set</a:t>
-            </a:r>
-          </a:p>
-        </p:txBody>
-      </p:sp>
-      <p:pic>
-        <p:nvPicPr>
-          <p:cNvPr id="3" name="Picture 2">
-            <a:extLst>
-              <a:ext uri="{FF2B5EF4-FFF2-40B4-BE49-F238E27FC236}">
-                <a16:creationId xmlns:a16="http://schemas.microsoft.com/office/drawing/2014/main" id="{95B8C900-C15F-9A27-5208-AE9B5A355528}"/>
-              </a:ext>
-            </a:extLst>
-          </p:cNvPr>
-          <p:cNvPicPr>
-            <a:picLocks noChangeAspect="1"/>
-          </p:cNvPicPr>
-          <p:nvPr/>
-        </p:nvPicPr>
-        <p:blipFill>
-          <a:blip r:embed="rId2"/>
-          <a:stretch>
-            <a:fillRect/>
-          </a:stretch>
-        </p:blipFill>
-        <p:spPr>
-          <a:xfrm>
-            <a:off x="3842775" y="3341914"/>
-            <a:ext cx="3808294" cy="699179"/>
-          </a:xfrm>
-          <a:prstGeom prst="rect">
-            <a:avLst/>
-          </a:prstGeom>
-        </p:spPr>
-      </p:pic>
-    </p:spTree>
-    <p:extLst>
-      <p:ext uri="{BB962C8B-B14F-4D97-AF65-F5344CB8AC3E}">
-        <p14:creationId xmlns:p14="http://schemas.microsoft.com/office/powerpoint/2010/main" val="1144679010"/>
-      </p:ext>
-    </p:extLst>
-  </p:cSld>
-  <p:clrMapOvr>
-    <a:masterClrMapping/>
-  </p:clrMapOvr>
-  <mc:AlternateContent xmlns:mc="http://schemas.openxmlformats.org/markup-compatibility/2006" xmlns:p14="http://schemas.microsoft.com/office/powerpoint/2010/main">
-    <mc:Choice Requires="p14">
-      <p:transition spd="med" p14:dur="700" advClick="0">
-        <p:fade/>
-      </p:transition>
-    </mc:Choice>
-    <mc:Fallback xmlns="">
-      <p:transition spd="med" advClick="0">
-        <p:fade/>
-      </p:transition>
-    </mc:Fallback>
-  </mc:AlternateContent>
-</p:sld>
-</file>
-
-<file path=ppt/slides/slide11.xml><?xml version="1.0" encoding="utf-8"?>
-<p:sld xmlns:a="http://schemas.openxmlformats.org/drawingml/2006/main" xmlns:r="http://schemas.openxmlformats.org/officeDocument/2006/relationships" xmlns:p="http://schemas.openxmlformats.org/presentationml/2006/main">
-  <p:cSld>
-    <p:spTree>
-      <p:nvGrpSpPr>
-        <p:cNvPr id="1" name=""/>
-        <p:cNvGrpSpPr/>
-        <p:nvPr/>
-      </p:nvGrpSpPr>
-      <p:grpSpPr>
-        <a:xfrm>
-          <a:off x="0" y="0"/>
-          <a:ext cx="0" cy="0"/>
-          <a:chOff x="0" y="0"/>
-          <a:chExt cx="0" cy="0"/>
-        </a:xfrm>
-      </p:grpSpPr>
-      <p:sp>
-        <p:nvSpPr>
-          <p:cNvPr id="5" name="Title 4">
-            <a:extLst>
-              <a:ext uri="{FF2B5EF4-FFF2-40B4-BE49-F238E27FC236}">
-                <a16:creationId xmlns:a16="http://schemas.microsoft.com/office/drawing/2014/main" id="{C2B479B7-4E1E-475F-B459-5CE8B05302D3}"/>
-              </a:ext>
-            </a:extLst>
-          </p:cNvPr>
-          <p:cNvSpPr>
-            <a:spLocks noGrp="1"/>
-          </p:cNvSpPr>
-          <p:nvPr>
-            <p:ph type="title"/>
-          </p:nvPr>
-        </p:nvSpPr>
-        <p:spPr/>
-        <p:txBody>
-          <a:bodyPr/>
-          <a:lstStyle/>
-          <a:p>
-            <a:r>
-              <a:rPr lang="en-US" dirty="0"/>
               <a:t>Running</a:t>
             </a:r>
             <a:endParaRPr lang="en-IN" dirty="0"/>
@@ -23345,7 +23195,7 @@
 </p:sld>
 </file>
 
-<file path=ppt/slides/slide12.xml><?xml version="1.0" encoding="utf-8"?>
+<file path=ppt/slides/slide11.xml><?xml version="1.0" encoding="utf-8"?>
 <p:sld xmlns:a="http://schemas.openxmlformats.org/drawingml/2006/main" xmlns:r="http://schemas.openxmlformats.org/officeDocument/2006/relationships" xmlns:p="http://schemas.openxmlformats.org/presentationml/2006/main">
   <p:cSld>
     <p:spTree>
@@ -23863,7 +23713,7 @@
 </p:sld>
 </file>
 
-<file path=ppt/slides/slide13.xml><?xml version="1.0" encoding="utf-8"?>
+<file path=ppt/slides/slide12.xml><?xml version="1.0" encoding="utf-8"?>
 <p:sld xmlns:a="http://schemas.openxmlformats.org/drawingml/2006/main" xmlns:r="http://schemas.openxmlformats.org/officeDocument/2006/relationships" xmlns:p="http://schemas.openxmlformats.org/presentationml/2006/main">
   <p:cSld>
     <p:spTree>
@@ -24420,7 +24270,7 @@
 </p:sld>
 </file>
 
-<file path=ppt/slides/slide14.xml><?xml version="1.0" encoding="utf-8"?>
+<file path=ppt/slides/slide13.xml><?xml version="1.0" encoding="utf-8"?>
 <p:sld xmlns:a="http://schemas.openxmlformats.org/drawingml/2006/main" xmlns:r="http://schemas.openxmlformats.org/officeDocument/2006/relationships" xmlns:p="http://schemas.openxmlformats.org/presentationml/2006/main">
   <p:cSld>
     <p:spTree>
@@ -24926,7 +24776,7 @@
 </p:sld>
 </file>
 
-<file path=ppt/slides/slide15.xml><?xml version="1.0" encoding="utf-8"?>
+<file path=ppt/slides/slide14.xml><?xml version="1.0" encoding="utf-8"?>
 <p:sld xmlns:a="http://schemas.openxmlformats.org/drawingml/2006/main" xmlns:r="http://schemas.openxmlformats.org/officeDocument/2006/relationships" xmlns:p="http://schemas.openxmlformats.org/presentationml/2006/main">
   <p:cSld>
     <p:spTree>
@@ -25445,7 +25295,7 @@
 </p:sld>
 </file>
 
-<file path=ppt/slides/slide16.xml><?xml version="1.0" encoding="utf-8"?>
+<file path=ppt/slides/slide15.xml><?xml version="1.0" encoding="utf-8"?>
 <p:sld xmlns:a="http://schemas.openxmlformats.org/drawingml/2006/main" xmlns:r="http://schemas.openxmlformats.org/officeDocument/2006/relationships" xmlns:p="http://schemas.openxmlformats.org/presentationml/2006/main">
   <p:cSld>
     <p:spTree>
@@ -25837,7 +25687,7 @@
 </p:sld>
 </file>
 
-<file path=ppt/slides/slide17.xml><?xml version="1.0" encoding="utf-8"?>
+<file path=ppt/slides/slide16.xml><?xml version="1.0" encoding="utf-8"?>
 <p:sld xmlns:a="http://schemas.openxmlformats.org/drawingml/2006/main" xmlns:r="http://schemas.openxmlformats.org/officeDocument/2006/relationships" xmlns:p="http://schemas.openxmlformats.org/presentationml/2006/main">
   <p:cSld>
     <p:spTree>
@@ -26328,7 +26178,7 @@
 </p:sld>
 </file>
 
-<file path=ppt/slides/slide18.xml><?xml version="1.0" encoding="utf-8"?>
+<file path=ppt/slides/slide17.xml><?xml version="1.0" encoding="utf-8"?>
 <p:sld xmlns:a="http://schemas.openxmlformats.org/drawingml/2006/main" xmlns:r="http://schemas.openxmlformats.org/officeDocument/2006/relationships" xmlns:p="http://schemas.openxmlformats.org/presentationml/2006/main">
   <p:cSld>
     <p:spTree>
@@ -26862,7 +26712,7 @@
 </p:sld>
 </file>
 
-<file path=ppt/slides/slide19.xml><?xml version="1.0" encoding="utf-8"?>
+<file path=ppt/slides/slide18.xml><?xml version="1.0" encoding="utf-8"?>
 <p:sld xmlns:a="http://schemas.openxmlformats.org/drawingml/2006/main" xmlns:r="http://schemas.openxmlformats.org/officeDocument/2006/relationships" xmlns:p="http://schemas.openxmlformats.org/presentationml/2006/main">
   <p:cSld>
     <p:spTree>
@@ -27298,6 +27148,567 @@
     <p:extLst>
       <p:ext uri="{BB962C8B-B14F-4D97-AF65-F5344CB8AC3E}">
         <p14:creationId xmlns:p14="http://schemas.microsoft.com/office/powerpoint/2010/main" val="3542068506"/>
+      </p:ext>
+    </p:extLst>
+  </p:cSld>
+  <p:clrMapOvr>
+    <a:masterClrMapping/>
+  </p:clrMapOvr>
+  <mc:AlternateContent xmlns:mc="http://schemas.openxmlformats.org/markup-compatibility/2006" xmlns:p14="http://schemas.microsoft.com/office/powerpoint/2010/main">
+    <mc:Choice Requires="p14">
+      <p:transition spd="med" p14:dur="700" advClick="0">
+        <p:fade/>
+      </p:transition>
+    </mc:Choice>
+    <mc:Fallback xmlns="">
+      <p:transition spd="med" advClick="0">
+        <p:fade/>
+      </p:transition>
+    </mc:Fallback>
+  </mc:AlternateContent>
+</p:sld>
+</file>
+
+<file path=ppt/slides/slide19.xml><?xml version="1.0" encoding="utf-8"?>
+<p:sld xmlns:a="http://schemas.openxmlformats.org/drawingml/2006/main" xmlns:r="http://schemas.openxmlformats.org/officeDocument/2006/relationships" xmlns:p="http://schemas.openxmlformats.org/presentationml/2006/main">
+  <p:cSld>
+    <p:spTree>
+      <p:nvGrpSpPr>
+        <p:cNvPr id="1" name="">
+          <a:extLst>
+            <a:ext uri="{FF2B5EF4-FFF2-40B4-BE49-F238E27FC236}">
+              <a16:creationId xmlns:a16="http://schemas.microsoft.com/office/drawing/2014/main" id="{6E97DB95-0030-BBE7-9EAF-AD2320A80700}"/>
+            </a:ext>
+          </a:extLst>
+        </p:cNvPr>
+        <p:cNvGrpSpPr/>
+        <p:nvPr/>
+      </p:nvGrpSpPr>
+      <p:grpSpPr>
+        <a:xfrm>
+          <a:off x="0" y="0"/>
+          <a:ext cx="0" cy="0"/>
+          <a:chOff x="0" y="0"/>
+          <a:chExt cx="0" cy="0"/>
+        </a:xfrm>
+      </p:grpSpPr>
+      <p:sp>
+        <p:nvSpPr>
+          <p:cNvPr id="5" name="Title 4">
+            <a:extLst>
+              <a:ext uri="{FF2B5EF4-FFF2-40B4-BE49-F238E27FC236}">
+                <a16:creationId xmlns:a16="http://schemas.microsoft.com/office/drawing/2014/main" id="{1DCCE66F-F0D7-5749-D059-7C2D0D00735A}"/>
+              </a:ext>
+            </a:extLst>
+          </p:cNvPr>
+          <p:cNvSpPr>
+            <a:spLocks noGrp="1"/>
+          </p:cNvSpPr>
+          <p:nvPr>
+            <p:ph type="title"/>
+          </p:nvPr>
+        </p:nvSpPr>
+        <p:spPr/>
+        <p:txBody>
+          <a:bodyPr/>
+          <a:lstStyle/>
+          <a:p>
+            <a:r>
+              <a:rPr lang="en-US" dirty="0"/>
+              <a:t>Optional Command Line Arguments (continued)</a:t>
+            </a:r>
+            <a:endParaRPr lang="en-IN" dirty="0"/>
+          </a:p>
+        </p:txBody>
+      </p:sp>
+      <p:sp>
+        <p:nvSpPr>
+          <p:cNvPr id="6" name="TextBox 5">
+            <a:extLst>
+              <a:ext uri="{FF2B5EF4-FFF2-40B4-BE49-F238E27FC236}">
+                <a16:creationId xmlns:a16="http://schemas.microsoft.com/office/drawing/2014/main" id="{1952A84B-2E7F-2DE6-FC4E-70F1B110D5C3}"/>
+              </a:ext>
+            </a:extLst>
+          </p:cNvPr>
+          <p:cNvSpPr txBox="1"/>
+          <p:nvPr/>
+        </p:nvSpPr>
+        <p:spPr>
+          <a:xfrm>
+            <a:off x="717176" y="1045029"/>
+            <a:ext cx="11195177" cy="5330369"/>
+          </a:xfrm>
+          <a:prstGeom prst="rect">
+            <a:avLst/>
+          </a:prstGeom>
+          <a:noFill/>
+        </p:spPr>
+        <p:txBody>
+          <a:bodyPr wrap="square" lIns="0" tIns="0" rIns="0" bIns="0" rtlCol="0">
+            <a:noAutofit/>
+          </a:bodyPr>
+          <a:lstStyle/>
+          <a:p>
+            <a:pPr>
+              <a:lnSpc>
+                <a:spcPct val="90000"/>
+              </a:lnSpc>
+              <a:spcAft>
+                <a:spcPts val="1000"/>
+              </a:spcAft>
+            </a:pPr>
+            <a:r>
+              <a:rPr lang="en-US" sz="1100" dirty="0">
+                <a:latin typeface="Courier New" panose="02070309020205020404" pitchFamily="49" charset="0"/>
+                <a:ea typeface="Roboto" charset="0"/>
+                <a:cs typeface="Courier New" panose="02070309020205020404" pitchFamily="49" charset="0"/>
+              </a:rPr>
+              <a:t> --</a:t>
+            </a:r>
+            <a:r>
+              <a:rPr lang="en-US" sz="1100" b="1" dirty="0" err="1">
+                <a:latin typeface="Courier New" panose="02070309020205020404" pitchFamily="49" charset="0"/>
+                <a:ea typeface="Roboto" charset="0"/>
+                <a:cs typeface="Courier New" panose="02070309020205020404" pitchFamily="49" charset="0"/>
+              </a:rPr>
+              <a:t>encrypted_jdbc_password</a:t>
+            </a:r>
+            <a:endParaRPr lang="en-US" sz="1100" b="1" dirty="0">
+              <a:latin typeface="Courier New" panose="02070309020205020404" pitchFamily="49" charset="0"/>
+              <a:ea typeface="Roboto" charset="0"/>
+              <a:cs typeface="Courier New" panose="02070309020205020404" pitchFamily="49" charset="0"/>
+            </a:endParaRPr>
+          </a:p>
+          <a:p>
+            <a:pPr>
+              <a:lnSpc>
+                <a:spcPct val="90000"/>
+              </a:lnSpc>
+              <a:spcAft>
+                <a:spcPts val="1000"/>
+              </a:spcAft>
+            </a:pPr>
+            <a:r>
+              <a:rPr lang="en-US" sz="1100" dirty="0">
+                <a:latin typeface="Courier New" panose="02070309020205020404" pitchFamily="49" charset="0"/>
+                <a:ea typeface="Roboto" charset="0"/>
+                <a:cs typeface="Courier New" panose="02070309020205020404" pitchFamily="49" charset="0"/>
+              </a:rPr>
+              <a:t>        (Databricks JDBC) Encrypted JDBC password.</a:t>
+            </a:r>
+          </a:p>
+          <a:p>
+            <a:pPr>
+              <a:lnSpc>
+                <a:spcPct val="90000"/>
+              </a:lnSpc>
+              <a:spcAft>
+                <a:spcPts val="1000"/>
+              </a:spcAft>
+            </a:pPr>
+            <a:r>
+              <a:rPr lang="en-US" sz="1100" dirty="0">
+                <a:latin typeface="Courier New" panose="02070309020205020404" pitchFamily="49" charset="0"/>
+                <a:ea typeface="Roboto" charset="0"/>
+                <a:cs typeface="Courier New" panose="02070309020205020404" pitchFamily="49" charset="0"/>
+              </a:rPr>
+              <a:t>		* See the Encryption related options to see how to create encrypted passwords</a:t>
+            </a:r>
+          </a:p>
+          <a:p>
+            <a:pPr>
+              <a:lnSpc>
+                <a:spcPct val="90000"/>
+              </a:lnSpc>
+              <a:spcAft>
+                <a:spcPts val="1000"/>
+              </a:spcAft>
+            </a:pPr>
+            <a:r>
+              <a:rPr lang="en-US" sz="1100" dirty="0">
+                <a:latin typeface="Courier New" panose="02070309020205020404" pitchFamily="49" charset="0"/>
+                <a:ea typeface="Roboto" charset="0"/>
+                <a:cs typeface="Courier New" panose="02070309020205020404" pitchFamily="49" charset="0"/>
+              </a:rPr>
+              <a:t>        If provided alongside --</a:t>
+            </a:r>
+            <a:r>
+              <a:rPr lang="en-US" sz="1100" dirty="0" err="1">
+                <a:latin typeface="Courier New" panose="02070309020205020404" pitchFamily="49" charset="0"/>
+                <a:ea typeface="Roboto" charset="0"/>
+                <a:cs typeface="Courier New" panose="02070309020205020404" pitchFamily="49" charset="0"/>
+              </a:rPr>
+              <a:t>jdbc_password</a:t>
+            </a:r>
+            <a:r>
+              <a:rPr lang="en-US" sz="1100" dirty="0">
+                <a:latin typeface="Courier New" panose="02070309020205020404" pitchFamily="49" charset="0"/>
+                <a:ea typeface="Roboto" charset="0"/>
+                <a:cs typeface="Courier New" panose="02070309020205020404" pitchFamily="49" charset="0"/>
+              </a:rPr>
+              <a:t>, this value will be used instead.</a:t>
+            </a:r>
+          </a:p>
+          <a:p>
+            <a:pPr>
+              <a:lnSpc>
+                <a:spcPct val="90000"/>
+              </a:lnSpc>
+              <a:spcAft>
+                <a:spcPts val="1000"/>
+              </a:spcAft>
+            </a:pPr>
+            <a:r>
+              <a:rPr lang="en-US" sz="1100" dirty="0">
+                <a:latin typeface="Courier New" panose="02070309020205020404" pitchFamily="49" charset="0"/>
+                <a:ea typeface="Roboto" charset="0"/>
+                <a:cs typeface="Courier New" panose="02070309020205020404" pitchFamily="49" charset="0"/>
+              </a:rPr>
+              <a:t>        The script will decrypt it automatically.</a:t>
+            </a:r>
+          </a:p>
+          <a:p>
+            <a:pPr>
+              <a:lnSpc>
+                <a:spcPct val="90000"/>
+              </a:lnSpc>
+              <a:spcAft>
+                <a:spcPts val="1000"/>
+              </a:spcAft>
+            </a:pPr>
+            <a:r>
+              <a:rPr lang="en-US" sz="1100" dirty="0">
+                <a:latin typeface="Courier New" panose="02070309020205020404" pitchFamily="49" charset="0"/>
+                <a:ea typeface="Roboto" charset="0"/>
+                <a:cs typeface="Courier New" panose="02070309020205020404" pitchFamily="49" charset="0"/>
+              </a:rPr>
+              <a:t>        Example:</a:t>
+            </a:r>
+          </a:p>
+          <a:p>
+            <a:pPr>
+              <a:lnSpc>
+                <a:spcPct val="90000"/>
+              </a:lnSpc>
+              <a:spcAft>
+                <a:spcPts val="1000"/>
+              </a:spcAft>
+            </a:pPr>
+            <a:r>
+              <a:rPr lang="en-US" sz="1100" dirty="0">
+                <a:latin typeface="Courier New" panose="02070309020205020404" pitchFamily="49" charset="0"/>
+                <a:ea typeface="Roboto" charset="0"/>
+                <a:cs typeface="Courier New" panose="02070309020205020404" pitchFamily="49" charset="0"/>
+              </a:rPr>
+              <a:t>            --</a:t>
+            </a:r>
+            <a:r>
+              <a:rPr lang="en-US" sz="1100" dirty="0" err="1">
+                <a:latin typeface="Courier New" panose="02070309020205020404" pitchFamily="49" charset="0"/>
+                <a:ea typeface="Roboto" charset="0"/>
+                <a:cs typeface="Courier New" panose="02070309020205020404" pitchFamily="49" charset="0"/>
+              </a:rPr>
+              <a:t>encrypted_jdbc_password</a:t>
+            </a:r>
+            <a:r>
+              <a:rPr lang="en-US" sz="1100" dirty="0">
+                <a:latin typeface="Courier New" panose="02070309020205020404" pitchFamily="49" charset="0"/>
+                <a:ea typeface="Roboto" charset="0"/>
+                <a:cs typeface="Courier New" panose="02070309020205020404" pitchFamily="49" charset="0"/>
+              </a:rPr>
+              <a:t>=gAAAAABn7rHu...</a:t>
+            </a:r>
+          </a:p>
+          <a:p>
+            <a:pPr>
+              <a:lnSpc>
+                <a:spcPct val="90000"/>
+              </a:lnSpc>
+              <a:spcAft>
+                <a:spcPts val="1000"/>
+              </a:spcAft>
+            </a:pPr>
+            <a:endParaRPr lang="en-US" sz="1100" dirty="0">
+              <a:latin typeface="Courier New" panose="02070309020205020404" pitchFamily="49" charset="0"/>
+              <a:ea typeface="Roboto" charset="0"/>
+              <a:cs typeface="Courier New" panose="02070309020205020404" pitchFamily="49" charset="0"/>
+            </a:endParaRPr>
+          </a:p>
+          <a:p>
+            <a:pPr>
+              <a:lnSpc>
+                <a:spcPct val="90000"/>
+              </a:lnSpc>
+              <a:spcAft>
+                <a:spcPts val="1000"/>
+              </a:spcAft>
+            </a:pPr>
+            <a:r>
+              <a:rPr lang="en-US" sz="1100" dirty="0">
+                <a:latin typeface="Courier New" panose="02070309020205020404" pitchFamily="49" charset="0"/>
+                <a:ea typeface="Roboto" charset="0"/>
+                <a:cs typeface="Courier New" panose="02070309020205020404" pitchFamily="49" charset="0"/>
+              </a:rPr>
+              <a:t> --</a:t>
+            </a:r>
+            <a:r>
+              <a:rPr lang="en-US" sz="1100" b="1" dirty="0" err="1">
+                <a:latin typeface="Courier New" panose="02070309020205020404" pitchFamily="49" charset="0"/>
+                <a:ea typeface="Roboto" charset="0"/>
+                <a:cs typeface="Courier New" panose="02070309020205020404" pitchFamily="49" charset="0"/>
+              </a:rPr>
+              <a:t>jdbc_driver_file</a:t>
+            </a:r>
+            <a:endParaRPr lang="en-US" sz="1100" b="1" dirty="0">
+              <a:latin typeface="Courier New" panose="02070309020205020404" pitchFamily="49" charset="0"/>
+              <a:ea typeface="Roboto" charset="0"/>
+              <a:cs typeface="Courier New" panose="02070309020205020404" pitchFamily="49" charset="0"/>
+            </a:endParaRPr>
+          </a:p>
+          <a:p>
+            <a:pPr>
+              <a:lnSpc>
+                <a:spcPct val="90000"/>
+              </a:lnSpc>
+              <a:spcAft>
+                <a:spcPts val="1000"/>
+              </a:spcAft>
+            </a:pPr>
+            <a:r>
+              <a:rPr lang="en-US" sz="1100" dirty="0">
+                <a:latin typeface="Courier New" panose="02070309020205020404" pitchFamily="49" charset="0"/>
+                <a:ea typeface="Roboto" charset="0"/>
+                <a:cs typeface="Courier New" panose="02070309020205020404" pitchFamily="49" charset="0"/>
+              </a:rPr>
+              <a:t>        (Databricks JDBC) File path to the JDBC driver JAR file.</a:t>
+            </a:r>
+          </a:p>
+          <a:p>
+            <a:pPr>
+              <a:lnSpc>
+                <a:spcPct val="90000"/>
+              </a:lnSpc>
+              <a:spcAft>
+                <a:spcPts val="1000"/>
+              </a:spcAft>
+            </a:pPr>
+            <a:r>
+              <a:rPr lang="en-US" sz="1100" dirty="0">
+                <a:latin typeface="Courier New" panose="02070309020205020404" pitchFamily="49" charset="0"/>
+                <a:ea typeface="Roboto" charset="0"/>
+                <a:cs typeface="Courier New" panose="02070309020205020404" pitchFamily="49" charset="0"/>
+              </a:rPr>
+              <a:t>		You can specify just a filename (which it will expect in the same directory as the python script,</a:t>
+            </a:r>
+          </a:p>
+          <a:p>
+            <a:pPr>
+              <a:lnSpc>
+                <a:spcPct val="90000"/>
+              </a:lnSpc>
+              <a:spcAft>
+                <a:spcPts val="1000"/>
+              </a:spcAft>
+            </a:pPr>
+            <a:r>
+              <a:rPr lang="en-US" sz="1100" dirty="0">
+                <a:latin typeface="Courier New" panose="02070309020205020404" pitchFamily="49" charset="0"/>
+                <a:ea typeface="Roboto" charset="0"/>
+                <a:cs typeface="Courier New" panose="02070309020205020404" pitchFamily="49" charset="0"/>
+              </a:rPr>
+              <a:t>		or you can specify a full path to where the jar file resides.</a:t>
+            </a:r>
+          </a:p>
+          <a:p>
+            <a:pPr>
+              <a:lnSpc>
+                <a:spcPct val="90000"/>
+              </a:lnSpc>
+              <a:spcAft>
+                <a:spcPts val="1000"/>
+              </a:spcAft>
+            </a:pPr>
+            <a:r>
+              <a:rPr lang="en-US" sz="1100" dirty="0">
+                <a:latin typeface="Courier New" panose="02070309020205020404" pitchFamily="49" charset="0"/>
+                <a:ea typeface="Roboto" charset="0"/>
+                <a:cs typeface="Courier New" panose="02070309020205020404" pitchFamily="49" charset="0"/>
+              </a:rPr>
+              <a:t>        Example:</a:t>
+            </a:r>
+          </a:p>
+          <a:p>
+            <a:pPr>
+              <a:lnSpc>
+                <a:spcPct val="90000"/>
+              </a:lnSpc>
+              <a:spcAft>
+                <a:spcPts val="1000"/>
+              </a:spcAft>
+            </a:pPr>
+            <a:r>
+              <a:rPr lang="en-US" sz="1100" dirty="0">
+                <a:latin typeface="Courier New" panose="02070309020205020404" pitchFamily="49" charset="0"/>
+                <a:ea typeface="Roboto" charset="0"/>
+                <a:cs typeface="Courier New" panose="02070309020205020404" pitchFamily="49" charset="0"/>
+              </a:rPr>
+              <a:t>            --</a:t>
+            </a:r>
+            <a:r>
+              <a:rPr lang="en-US" sz="1100" dirty="0" err="1">
+                <a:latin typeface="Courier New" panose="02070309020205020404" pitchFamily="49" charset="0"/>
+                <a:ea typeface="Roboto" charset="0"/>
+                <a:cs typeface="Courier New" panose="02070309020205020404" pitchFamily="49" charset="0"/>
+              </a:rPr>
+              <a:t>jdbc_driver_file</a:t>
+            </a:r>
+            <a:r>
+              <a:rPr lang="en-US" sz="1100" dirty="0">
+                <a:latin typeface="Courier New" panose="02070309020205020404" pitchFamily="49" charset="0"/>
+                <a:ea typeface="Roboto" charset="0"/>
+                <a:cs typeface="Courier New" panose="02070309020205020404" pitchFamily="49" charset="0"/>
+              </a:rPr>
+              <a:t>=./DatabricksJDBC42.jar</a:t>
+            </a:r>
+          </a:p>
+          <a:p>
+            <a:pPr>
+              <a:lnSpc>
+                <a:spcPct val="90000"/>
+              </a:lnSpc>
+              <a:spcAft>
+                <a:spcPts val="1000"/>
+              </a:spcAft>
+            </a:pPr>
+            <a:endParaRPr lang="en-US" sz="1100" dirty="0">
+              <a:latin typeface="Courier New" panose="02070309020205020404" pitchFamily="49" charset="0"/>
+              <a:ea typeface="Roboto" charset="0"/>
+              <a:cs typeface="Courier New" panose="02070309020205020404" pitchFamily="49" charset="0"/>
+            </a:endParaRPr>
+          </a:p>
+          <a:p>
+            <a:pPr>
+              <a:lnSpc>
+                <a:spcPct val="90000"/>
+              </a:lnSpc>
+              <a:spcAft>
+                <a:spcPts val="1000"/>
+              </a:spcAft>
+            </a:pPr>
+            <a:r>
+              <a:rPr lang="en-US" sz="1100" dirty="0">
+                <a:latin typeface="Courier New" panose="02070309020205020404" pitchFamily="49" charset="0"/>
+                <a:ea typeface="Roboto" charset="0"/>
+                <a:cs typeface="Courier New" panose="02070309020205020404" pitchFamily="49" charset="0"/>
+              </a:rPr>
+              <a:t> --</a:t>
+            </a:r>
+            <a:r>
+              <a:rPr lang="en-US" sz="1100" b="1" dirty="0" err="1">
+                <a:latin typeface="Courier New" panose="02070309020205020404" pitchFamily="49" charset="0"/>
+                <a:ea typeface="Roboto" charset="0"/>
+                <a:cs typeface="Courier New" panose="02070309020205020404" pitchFamily="49" charset="0"/>
+              </a:rPr>
+              <a:t>databricks_pre_statements</a:t>
+            </a:r>
+            <a:endParaRPr lang="en-US" sz="1100" b="1" dirty="0">
+              <a:latin typeface="Courier New" panose="02070309020205020404" pitchFamily="49" charset="0"/>
+              <a:ea typeface="Roboto" charset="0"/>
+              <a:cs typeface="Courier New" panose="02070309020205020404" pitchFamily="49" charset="0"/>
+            </a:endParaRPr>
+          </a:p>
+          <a:p>
+            <a:pPr>
+              <a:lnSpc>
+                <a:spcPct val="90000"/>
+              </a:lnSpc>
+              <a:spcAft>
+                <a:spcPts val="1000"/>
+              </a:spcAft>
+            </a:pPr>
+            <a:r>
+              <a:rPr lang="en-US" sz="1100" dirty="0">
+                <a:latin typeface="Courier New" panose="02070309020205020404" pitchFamily="49" charset="0"/>
+                <a:ea typeface="Roboto" charset="0"/>
+                <a:cs typeface="Courier New" panose="02070309020205020404" pitchFamily="49" charset="0"/>
+              </a:rPr>
+              <a:t>        (Databricks) List of SQL statements to execute prior to main operations.</a:t>
+            </a:r>
+          </a:p>
+          <a:p>
+            <a:pPr>
+              <a:lnSpc>
+                <a:spcPct val="90000"/>
+              </a:lnSpc>
+              <a:spcAft>
+                <a:spcPts val="1000"/>
+              </a:spcAft>
+            </a:pPr>
+            <a:r>
+              <a:rPr lang="en-US" sz="1100" dirty="0">
+                <a:latin typeface="Courier New" panose="02070309020205020404" pitchFamily="49" charset="0"/>
+                <a:ea typeface="Roboto" charset="0"/>
+                <a:cs typeface="Courier New" panose="02070309020205020404" pitchFamily="49" charset="0"/>
+              </a:rPr>
+              <a:t>        Example:</a:t>
+            </a:r>
+          </a:p>
+          <a:p>
+            <a:pPr>
+              <a:lnSpc>
+                <a:spcPct val="90000"/>
+              </a:lnSpc>
+              <a:spcAft>
+                <a:spcPts val="1000"/>
+              </a:spcAft>
+            </a:pPr>
+            <a:r>
+              <a:rPr lang="en-US" sz="1100" dirty="0">
+                <a:latin typeface="Courier New" panose="02070309020205020404" pitchFamily="49" charset="0"/>
+                <a:ea typeface="Roboto" charset="0"/>
+                <a:cs typeface="Courier New" panose="02070309020205020404" pitchFamily="49" charset="0"/>
+              </a:rPr>
+              <a:t>            --</a:t>
+            </a:r>
+            <a:r>
+              <a:rPr lang="en-US" sz="1100" dirty="0" err="1">
+                <a:latin typeface="Courier New" panose="02070309020205020404" pitchFamily="49" charset="0"/>
+                <a:ea typeface="Roboto" charset="0"/>
+                <a:cs typeface="Courier New" panose="02070309020205020404" pitchFamily="49" charset="0"/>
+              </a:rPr>
+              <a:t>databricks_pre_statements</a:t>
+            </a:r>
+            <a:r>
+              <a:rPr lang="en-US" sz="1100" dirty="0">
+                <a:latin typeface="Courier New" panose="02070309020205020404" pitchFamily="49" charset="0"/>
+                <a:ea typeface="Roboto" charset="0"/>
+                <a:cs typeface="Courier New" panose="02070309020205020404" pitchFamily="49" charset="0"/>
+              </a:rPr>
+              <a:t>=["SET </a:t>
+            </a:r>
+            <a:r>
+              <a:rPr lang="en-US" sz="1100" dirty="0" err="1">
+                <a:latin typeface="Courier New" panose="02070309020205020404" pitchFamily="49" charset="0"/>
+                <a:ea typeface="Roboto" charset="0"/>
+                <a:cs typeface="Courier New" panose="02070309020205020404" pitchFamily="49" charset="0"/>
+              </a:rPr>
+              <a:t>spark.sql.shuffle.partitions</a:t>
+            </a:r>
+            <a:r>
+              <a:rPr lang="en-US" sz="1100" dirty="0">
+                <a:latin typeface="Courier New" panose="02070309020205020404" pitchFamily="49" charset="0"/>
+                <a:ea typeface="Roboto" charset="0"/>
+                <a:cs typeface="Courier New" panose="02070309020205020404" pitchFamily="49" charset="0"/>
+              </a:rPr>
+              <a:t>=10"]</a:t>
+            </a:r>
+          </a:p>
+        </p:txBody>
+      </p:sp>
+    </p:spTree>
+    <p:extLst>
+      <p:ext uri="{BB962C8B-B14F-4D97-AF65-F5344CB8AC3E}">
+        <p14:creationId xmlns:p14="http://schemas.microsoft.com/office/powerpoint/2010/main" val="584359797"/>
       </p:ext>
     </p:extLst>
   </p:cSld>
@@ -27838,567 +28249,6 @@
         <p:cNvPr id="1" name="">
           <a:extLst>
             <a:ext uri="{FF2B5EF4-FFF2-40B4-BE49-F238E27FC236}">
-              <a16:creationId xmlns:a16="http://schemas.microsoft.com/office/drawing/2014/main" id="{6E97DB95-0030-BBE7-9EAF-AD2320A80700}"/>
-            </a:ext>
-          </a:extLst>
-        </p:cNvPr>
-        <p:cNvGrpSpPr/>
-        <p:nvPr/>
-      </p:nvGrpSpPr>
-      <p:grpSpPr>
-        <a:xfrm>
-          <a:off x="0" y="0"/>
-          <a:ext cx="0" cy="0"/>
-          <a:chOff x="0" y="0"/>
-          <a:chExt cx="0" cy="0"/>
-        </a:xfrm>
-      </p:grpSpPr>
-      <p:sp>
-        <p:nvSpPr>
-          <p:cNvPr id="5" name="Title 4">
-            <a:extLst>
-              <a:ext uri="{FF2B5EF4-FFF2-40B4-BE49-F238E27FC236}">
-                <a16:creationId xmlns:a16="http://schemas.microsoft.com/office/drawing/2014/main" id="{1DCCE66F-F0D7-5749-D059-7C2D0D00735A}"/>
-              </a:ext>
-            </a:extLst>
-          </p:cNvPr>
-          <p:cNvSpPr>
-            <a:spLocks noGrp="1"/>
-          </p:cNvSpPr>
-          <p:nvPr>
-            <p:ph type="title"/>
-          </p:nvPr>
-        </p:nvSpPr>
-        <p:spPr/>
-        <p:txBody>
-          <a:bodyPr/>
-          <a:lstStyle/>
-          <a:p>
-            <a:r>
-              <a:rPr lang="en-US" dirty="0"/>
-              <a:t>Optional Command Line Arguments (continued)</a:t>
-            </a:r>
-            <a:endParaRPr lang="en-IN" dirty="0"/>
-          </a:p>
-        </p:txBody>
-      </p:sp>
-      <p:sp>
-        <p:nvSpPr>
-          <p:cNvPr id="6" name="TextBox 5">
-            <a:extLst>
-              <a:ext uri="{FF2B5EF4-FFF2-40B4-BE49-F238E27FC236}">
-                <a16:creationId xmlns:a16="http://schemas.microsoft.com/office/drawing/2014/main" id="{1952A84B-2E7F-2DE6-FC4E-70F1B110D5C3}"/>
-              </a:ext>
-            </a:extLst>
-          </p:cNvPr>
-          <p:cNvSpPr txBox="1"/>
-          <p:nvPr/>
-        </p:nvSpPr>
-        <p:spPr>
-          <a:xfrm>
-            <a:off x="717176" y="1045029"/>
-            <a:ext cx="11195177" cy="5330369"/>
-          </a:xfrm>
-          <a:prstGeom prst="rect">
-            <a:avLst/>
-          </a:prstGeom>
-          <a:noFill/>
-        </p:spPr>
-        <p:txBody>
-          <a:bodyPr wrap="square" lIns="0" tIns="0" rIns="0" bIns="0" rtlCol="0">
-            <a:noAutofit/>
-          </a:bodyPr>
-          <a:lstStyle/>
-          <a:p>
-            <a:pPr>
-              <a:lnSpc>
-                <a:spcPct val="90000"/>
-              </a:lnSpc>
-              <a:spcAft>
-                <a:spcPts val="1000"/>
-              </a:spcAft>
-            </a:pPr>
-            <a:r>
-              <a:rPr lang="en-US" sz="1100" dirty="0">
-                <a:latin typeface="Courier New" panose="02070309020205020404" pitchFamily="49" charset="0"/>
-                <a:ea typeface="Roboto" charset="0"/>
-                <a:cs typeface="Courier New" panose="02070309020205020404" pitchFamily="49" charset="0"/>
-              </a:rPr>
-              <a:t> --</a:t>
-            </a:r>
-            <a:r>
-              <a:rPr lang="en-US" sz="1100" b="1" dirty="0" err="1">
-                <a:latin typeface="Courier New" panose="02070309020205020404" pitchFamily="49" charset="0"/>
-                <a:ea typeface="Roboto" charset="0"/>
-                <a:cs typeface="Courier New" panose="02070309020205020404" pitchFamily="49" charset="0"/>
-              </a:rPr>
-              <a:t>encrypted_jdbc_password</a:t>
-            </a:r>
-            <a:endParaRPr lang="en-US" sz="1100" b="1" dirty="0">
-              <a:latin typeface="Courier New" panose="02070309020205020404" pitchFamily="49" charset="0"/>
-              <a:ea typeface="Roboto" charset="0"/>
-              <a:cs typeface="Courier New" panose="02070309020205020404" pitchFamily="49" charset="0"/>
-            </a:endParaRPr>
-          </a:p>
-          <a:p>
-            <a:pPr>
-              <a:lnSpc>
-                <a:spcPct val="90000"/>
-              </a:lnSpc>
-              <a:spcAft>
-                <a:spcPts val="1000"/>
-              </a:spcAft>
-            </a:pPr>
-            <a:r>
-              <a:rPr lang="en-US" sz="1100" dirty="0">
-                <a:latin typeface="Courier New" panose="02070309020205020404" pitchFamily="49" charset="0"/>
-                <a:ea typeface="Roboto" charset="0"/>
-                <a:cs typeface="Courier New" panose="02070309020205020404" pitchFamily="49" charset="0"/>
-              </a:rPr>
-              <a:t>        (Databricks JDBC) Encrypted JDBC password.</a:t>
-            </a:r>
-          </a:p>
-          <a:p>
-            <a:pPr>
-              <a:lnSpc>
-                <a:spcPct val="90000"/>
-              </a:lnSpc>
-              <a:spcAft>
-                <a:spcPts val="1000"/>
-              </a:spcAft>
-            </a:pPr>
-            <a:r>
-              <a:rPr lang="en-US" sz="1100" dirty="0">
-                <a:latin typeface="Courier New" panose="02070309020205020404" pitchFamily="49" charset="0"/>
-                <a:ea typeface="Roboto" charset="0"/>
-                <a:cs typeface="Courier New" panose="02070309020205020404" pitchFamily="49" charset="0"/>
-              </a:rPr>
-              <a:t>		* See the Encryption related options to see how to create encrypted passwords</a:t>
-            </a:r>
-          </a:p>
-          <a:p>
-            <a:pPr>
-              <a:lnSpc>
-                <a:spcPct val="90000"/>
-              </a:lnSpc>
-              <a:spcAft>
-                <a:spcPts val="1000"/>
-              </a:spcAft>
-            </a:pPr>
-            <a:r>
-              <a:rPr lang="en-US" sz="1100" dirty="0">
-                <a:latin typeface="Courier New" panose="02070309020205020404" pitchFamily="49" charset="0"/>
-                <a:ea typeface="Roboto" charset="0"/>
-                <a:cs typeface="Courier New" panose="02070309020205020404" pitchFamily="49" charset="0"/>
-              </a:rPr>
-              <a:t>        If provided alongside --</a:t>
-            </a:r>
-            <a:r>
-              <a:rPr lang="en-US" sz="1100" dirty="0" err="1">
-                <a:latin typeface="Courier New" panose="02070309020205020404" pitchFamily="49" charset="0"/>
-                <a:ea typeface="Roboto" charset="0"/>
-                <a:cs typeface="Courier New" panose="02070309020205020404" pitchFamily="49" charset="0"/>
-              </a:rPr>
-              <a:t>jdbc_password</a:t>
-            </a:r>
-            <a:r>
-              <a:rPr lang="en-US" sz="1100" dirty="0">
-                <a:latin typeface="Courier New" panose="02070309020205020404" pitchFamily="49" charset="0"/>
-                <a:ea typeface="Roboto" charset="0"/>
-                <a:cs typeface="Courier New" panose="02070309020205020404" pitchFamily="49" charset="0"/>
-              </a:rPr>
-              <a:t>, this value will be used instead.</a:t>
-            </a:r>
-          </a:p>
-          <a:p>
-            <a:pPr>
-              <a:lnSpc>
-                <a:spcPct val="90000"/>
-              </a:lnSpc>
-              <a:spcAft>
-                <a:spcPts val="1000"/>
-              </a:spcAft>
-            </a:pPr>
-            <a:r>
-              <a:rPr lang="en-US" sz="1100" dirty="0">
-                <a:latin typeface="Courier New" panose="02070309020205020404" pitchFamily="49" charset="0"/>
-                <a:ea typeface="Roboto" charset="0"/>
-                <a:cs typeface="Courier New" panose="02070309020205020404" pitchFamily="49" charset="0"/>
-              </a:rPr>
-              <a:t>        The script will decrypt it automatically.</a:t>
-            </a:r>
-          </a:p>
-          <a:p>
-            <a:pPr>
-              <a:lnSpc>
-                <a:spcPct val="90000"/>
-              </a:lnSpc>
-              <a:spcAft>
-                <a:spcPts val="1000"/>
-              </a:spcAft>
-            </a:pPr>
-            <a:r>
-              <a:rPr lang="en-US" sz="1100" dirty="0">
-                <a:latin typeface="Courier New" panose="02070309020205020404" pitchFamily="49" charset="0"/>
-                <a:ea typeface="Roboto" charset="0"/>
-                <a:cs typeface="Courier New" panose="02070309020205020404" pitchFamily="49" charset="0"/>
-              </a:rPr>
-              <a:t>        Example:</a:t>
-            </a:r>
-          </a:p>
-          <a:p>
-            <a:pPr>
-              <a:lnSpc>
-                <a:spcPct val="90000"/>
-              </a:lnSpc>
-              <a:spcAft>
-                <a:spcPts val="1000"/>
-              </a:spcAft>
-            </a:pPr>
-            <a:r>
-              <a:rPr lang="en-US" sz="1100" dirty="0">
-                <a:latin typeface="Courier New" panose="02070309020205020404" pitchFamily="49" charset="0"/>
-                <a:ea typeface="Roboto" charset="0"/>
-                <a:cs typeface="Courier New" panose="02070309020205020404" pitchFamily="49" charset="0"/>
-              </a:rPr>
-              <a:t>            --</a:t>
-            </a:r>
-            <a:r>
-              <a:rPr lang="en-US" sz="1100" dirty="0" err="1">
-                <a:latin typeface="Courier New" panose="02070309020205020404" pitchFamily="49" charset="0"/>
-                <a:ea typeface="Roboto" charset="0"/>
-                <a:cs typeface="Courier New" panose="02070309020205020404" pitchFamily="49" charset="0"/>
-              </a:rPr>
-              <a:t>encrypted_jdbc_password</a:t>
-            </a:r>
-            <a:r>
-              <a:rPr lang="en-US" sz="1100" dirty="0">
-                <a:latin typeface="Courier New" panose="02070309020205020404" pitchFamily="49" charset="0"/>
-                <a:ea typeface="Roboto" charset="0"/>
-                <a:cs typeface="Courier New" panose="02070309020205020404" pitchFamily="49" charset="0"/>
-              </a:rPr>
-              <a:t>=gAAAAABn7rHu...</a:t>
-            </a:r>
-          </a:p>
-          <a:p>
-            <a:pPr>
-              <a:lnSpc>
-                <a:spcPct val="90000"/>
-              </a:lnSpc>
-              <a:spcAft>
-                <a:spcPts val="1000"/>
-              </a:spcAft>
-            </a:pPr>
-            <a:endParaRPr lang="en-US" sz="1100" dirty="0">
-              <a:latin typeface="Courier New" panose="02070309020205020404" pitchFamily="49" charset="0"/>
-              <a:ea typeface="Roboto" charset="0"/>
-              <a:cs typeface="Courier New" panose="02070309020205020404" pitchFamily="49" charset="0"/>
-            </a:endParaRPr>
-          </a:p>
-          <a:p>
-            <a:pPr>
-              <a:lnSpc>
-                <a:spcPct val="90000"/>
-              </a:lnSpc>
-              <a:spcAft>
-                <a:spcPts val="1000"/>
-              </a:spcAft>
-            </a:pPr>
-            <a:r>
-              <a:rPr lang="en-US" sz="1100" dirty="0">
-                <a:latin typeface="Courier New" panose="02070309020205020404" pitchFamily="49" charset="0"/>
-                <a:ea typeface="Roboto" charset="0"/>
-                <a:cs typeface="Courier New" panose="02070309020205020404" pitchFamily="49" charset="0"/>
-              </a:rPr>
-              <a:t> --</a:t>
-            </a:r>
-            <a:r>
-              <a:rPr lang="en-US" sz="1100" b="1" dirty="0" err="1">
-                <a:latin typeface="Courier New" panose="02070309020205020404" pitchFamily="49" charset="0"/>
-                <a:ea typeface="Roboto" charset="0"/>
-                <a:cs typeface="Courier New" panose="02070309020205020404" pitchFamily="49" charset="0"/>
-              </a:rPr>
-              <a:t>jdbc_driver_file</a:t>
-            </a:r>
-            <a:endParaRPr lang="en-US" sz="1100" b="1" dirty="0">
-              <a:latin typeface="Courier New" panose="02070309020205020404" pitchFamily="49" charset="0"/>
-              <a:ea typeface="Roboto" charset="0"/>
-              <a:cs typeface="Courier New" panose="02070309020205020404" pitchFamily="49" charset="0"/>
-            </a:endParaRPr>
-          </a:p>
-          <a:p>
-            <a:pPr>
-              <a:lnSpc>
-                <a:spcPct val="90000"/>
-              </a:lnSpc>
-              <a:spcAft>
-                <a:spcPts val="1000"/>
-              </a:spcAft>
-            </a:pPr>
-            <a:r>
-              <a:rPr lang="en-US" sz="1100" dirty="0">
-                <a:latin typeface="Courier New" panose="02070309020205020404" pitchFamily="49" charset="0"/>
-                <a:ea typeface="Roboto" charset="0"/>
-                <a:cs typeface="Courier New" panose="02070309020205020404" pitchFamily="49" charset="0"/>
-              </a:rPr>
-              <a:t>        (Databricks JDBC) File path to the JDBC driver JAR file.</a:t>
-            </a:r>
-          </a:p>
-          <a:p>
-            <a:pPr>
-              <a:lnSpc>
-                <a:spcPct val="90000"/>
-              </a:lnSpc>
-              <a:spcAft>
-                <a:spcPts val="1000"/>
-              </a:spcAft>
-            </a:pPr>
-            <a:r>
-              <a:rPr lang="en-US" sz="1100" dirty="0">
-                <a:latin typeface="Courier New" panose="02070309020205020404" pitchFamily="49" charset="0"/>
-                <a:ea typeface="Roboto" charset="0"/>
-                <a:cs typeface="Courier New" panose="02070309020205020404" pitchFamily="49" charset="0"/>
-              </a:rPr>
-              <a:t>		You can specify just a filename (which it will expect in the same directory as the python script,</a:t>
-            </a:r>
-          </a:p>
-          <a:p>
-            <a:pPr>
-              <a:lnSpc>
-                <a:spcPct val="90000"/>
-              </a:lnSpc>
-              <a:spcAft>
-                <a:spcPts val="1000"/>
-              </a:spcAft>
-            </a:pPr>
-            <a:r>
-              <a:rPr lang="en-US" sz="1100" dirty="0">
-                <a:latin typeface="Courier New" panose="02070309020205020404" pitchFamily="49" charset="0"/>
-                <a:ea typeface="Roboto" charset="0"/>
-                <a:cs typeface="Courier New" panose="02070309020205020404" pitchFamily="49" charset="0"/>
-              </a:rPr>
-              <a:t>		or you can specify a full path to where the jar file resides.</a:t>
-            </a:r>
-          </a:p>
-          <a:p>
-            <a:pPr>
-              <a:lnSpc>
-                <a:spcPct val="90000"/>
-              </a:lnSpc>
-              <a:spcAft>
-                <a:spcPts val="1000"/>
-              </a:spcAft>
-            </a:pPr>
-            <a:r>
-              <a:rPr lang="en-US" sz="1100" dirty="0">
-                <a:latin typeface="Courier New" panose="02070309020205020404" pitchFamily="49" charset="0"/>
-                <a:ea typeface="Roboto" charset="0"/>
-                <a:cs typeface="Courier New" panose="02070309020205020404" pitchFamily="49" charset="0"/>
-              </a:rPr>
-              <a:t>        Example:</a:t>
-            </a:r>
-          </a:p>
-          <a:p>
-            <a:pPr>
-              <a:lnSpc>
-                <a:spcPct val="90000"/>
-              </a:lnSpc>
-              <a:spcAft>
-                <a:spcPts val="1000"/>
-              </a:spcAft>
-            </a:pPr>
-            <a:r>
-              <a:rPr lang="en-US" sz="1100" dirty="0">
-                <a:latin typeface="Courier New" panose="02070309020205020404" pitchFamily="49" charset="0"/>
-                <a:ea typeface="Roboto" charset="0"/>
-                <a:cs typeface="Courier New" panose="02070309020205020404" pitchFamily="49" charset="0"/>
-              </a:rPr>
-              <a:t>            --</a:t>
-            </a:r>
-            <a:r>
-              <a:rPr lang="en-US" sz="1100" dirty="0" err="1">
-                <a:latin typeface="Courier New" panose="02070309020205020404" pitchFamily="49" charset="0"/>
-                <a:ea typeface="Roboto" charset="0"/>
-                <a:cs typeface="Courier New" panose="02070309020205020404" pitchFamily="49" charset="0"/>
-              </a:rPr>
-              <a:t>jdbc_driver_file</a:t>
-            </a:r>
-            <a:r>
-              <a:rPr lang="en-US" sz="1100" dirty="0">
-                <a:latin typeface="Courier New" panose="02070309020205020404" pitchFamily="49" charset="0"/>
-                <a:ea typeface="Roboto" charset="0"/>
-                <a:cs typeface="Courier New" panose="02070309020205020404" pitchFamily="49" charset="0"/>
-              </a:rPr>
-              <a:t>=./DatabricksJDBC42.jar</a:t>
-            </a:r>
-          </a:p>
-          <a:p>
-            <a:pPr>
-              <a:lnSpc>
-                <a:spcPct val="90000"/>
-              </a:lnSpc>
-              <a:spcAft>
-                <a:spcPts val="1000"/>
-              </a:spcAft>
-            </a:pPr>
-            <a:endParaRPr lang="en-US" sz="1100" dirty="0">
-              <a:latin typeface="Courier New" panose="02070309020205020404" pitchFamily="49" charset="0"/>
-              <a:ea typeface="Roboto" charset="0"/>
-              <a:cs typeface="Courier New" panose="02070309020205020404" pitchFamily="49" charset="0"/>
-            </a:endParaRPr>
-          </a:p>
-          <a:p>
-            <a:pPr>
-              <a:lnSpc>
-                <a:spcPct val="90000"/>
-              </a:lnSpc>
-              <a:spcAft>
-                <a:spcPts val="1000"/>
-              </a:spcAft>
-            </a:pPr>
-            <a:r>
-              <a:rPr lang="en-US" sz="1100" dirty="0">
-                <a:latin typeface="Courier New" panose="02070309020205020404" pitchFamily="49" charset="0"/>
-                <a:ea typeface="Roboto" charset="0"/>
-                <a:cs typeface="Courier New" panose="02070309020205020404" pitchFamily="49" charset="0"/>
-              </a:rPr>
-              <a:t> --</a:t>
-            </a:r>
-            <a:r>
-              <a:rPr lang="en-US" sz="1100" b="1" dirty="0" err="1">
-                <a:latin typeface="Courier New" panose="02070309020205020404" pitchFamily="49" charset="0"/>
-                <a:ea typeface="Roboto" charset="0"/>
-                <a:cs typeface="Courier New" panose="02070309020205020404" pitchFamily="49" charset="0"/>
-              </a:rPr>
-              <a:t>databricks_pre_statements</a:t>
-            </a:r>
-            <a:endParaRPr lang="en-US" sz="1100" b="1" dirty="0">
-              <a:latin typeface="Courier New" panose="02070309020205020404" pitchFamily="49" charset="0"/>
-              <a:ea typeface="Roboto" charset="0"/>
-              <a:cs typeface="Courier New" panose="02070309020205020404" pitchFamily="49" charset="0"/>
-            </a:endParaRPr>
-          </a:p>
-          <a:p>
-            <a:pPr>
-              <a:lnSpc>
-                <a:spcPct val="90000"/>
-              </a:lnSpc>
-              <a:spcAft>
-                <a:spcPts val="1000"/>
-              </a:spcAft>
-            </a:pPr>
-            <a:r>
-              <a:rPr lang="en-US" sz="1100" dirty="0">
-                <a:latin typeface="Courier New" panose="02070309020205020404" pitchFamily="49" charset="0"/>
-                <a:ea typeface="Roboto" charset="0"/>
-                <a:cs typeface="Courier New" panose="02070309020205020404" pitchFamily="49" charset="0"/>
-              </a:rPr>
-              <a:t>        (Databricks) List of SQL statements to execute prior to main operations.</a:t>
-            </a:r>
-          </a:p>
-          <a:p>
-            <a:pPr>
-              <a:lnSpc>
-                <a:spcPct val="90000"/>
-              </a:lnSpc>
-              <a:spcAft>
-                <a:spcPts val="1000"/>
-              </a:spcAft>
-            </a:pPr>
-            <a:r>
-              <a:rPr lang="en-US" sz="1100" dirty="0">
-                <a:latin typeface="Courier New" panose="02070309020205020404" pitchFamily="49" charset="0"/>
-                <a:ea typeface="Roboto" charset="0"/>
-                <a:cs typeface="Courier New" panose="02070309020205020404" pitchFamily="49" charset="0"/>
-              </a:rPr>
-              <a:t>        Example:</a:t>
-            </a:r>
-          </a:p>
-          <a:p>
-            <a:pPr>
-              <a:lnSpc>
-                <a:spcPct val="90000"/>
-              </a:lnSpc>
-              <a:spcAft>
-                <a:spcPts val="1000"/>
-              </a:spcAft>
-            </a:pPr>
-            <a:r>
-              <a:rPr lang="en-US" sz="1100" dirty="0">
-                <a:latin typeface="Courier New" panose="02070309020205020404" pitchFamily="49" charset="0"/>
-                <a:ea typeface="Roboto" charset="0"/>
-                <a:cs typeface="Courier New" panose="02070309020205020404" pitchFamily="49" charset="0"/>
-              </a:rPr>
-              <a:t>            --</a:t>
-            </a:r>
-            <a:r>
-              <a:rPr lang="en-US" sz="1100" dirty="0" err="1">
-                <a:latin typeface="Courier New" panose="02070309020205020404" pitchFamily="49" charset="0"/>
-                <a:ea typeface="Roboto" charset="0"/>
-                <a:cs typeface="Courier New" panose="02070309020205020404" pitchFamily="49" charset="0"/>
-              </a:rPr>
-              <a:t>databricks_pre_statements</a:t>
-            </a:r>
-            <a:r>
-              <a:rPr lang="en-US" sz="1100" dirty="0">
-                <a:latin typeface="Courier New" panose="02070309020205020404" pitchFamily="49" charset="0"/>
-                <a:ea typeface="Roboto" charset="0"/>
-                <a:cs typeface="Courier New" panose="02070309020205020404" pitchFamily="49" charset="0"/>
-              </a:rPr>
-              <a:t>=["SET </a:t>
-            </a:r>
-            <a:r>
-              <a:rPr lang="en-US" sz="1100" dirty="0" err="1">
-                <a:latin typeface="Courier New" panose="02070309020205020404" pitchFamily="49" charset="0"/>
-                <a:ea typeface="Roboto" charset="0"/>
-                <a:cs typeface="Courier New" panose="02070309020205020404" pitchFamily="49" charset="0"/>
-              </a:rPr>
-              <a:t>spark.sql.shuffle.partitions</a:t>
-            </a:r>
-            <a:r>
-              <a:rPr lang="en-US" sz="1100" dirty="0">
-                <a:latin typeface="Courier New" panose="02070309020205020404" pitchFamily="49" charset="0"/>
-                <a:ea typeface="Roboto" charset="0"/>
-                <a:cs typeface="Courier New" panose="02070309020205020404" pitchFamily="49" charset="0"/>
-              </a:rPr>
-              <a:t>=10"]</a:t>
-            </a:r>
-          </a:p>
-        </p:txBody>
-      </p:sp>
-    </p:spTree>
-    <p:extLst>
-      <p:ext uri="{BB962C8B-B14F-4D97-AF65-F5344CB8AC3E}">
-        <p14:creationId xmlns:p14="http://schemas.microsoft.com/office/powerpoint/2010/main" val="584359797"/>
-      </p:ext>
-    </p:extLst>
-  </p:cSld>
-  <p:clrMapOvr>
-    <a:masterClrMapping/>
-  </p:clrMapOvr>
-  <mc:AlternateContent xmlns:mc="http://schemas.openxmlformats.org/markup-compatibility/2006" xmlns:p14="http://schemas.microsoft.com/office/powerpoint/2010/main">
-    <mc:Choice Requires="p14">
-      <p:transition spd="med" p14:dur="700" advClick="0">
-        <p:fade/>
-      </p:transition>
-    </mc:Choice>
-    <mc:Fallback xmlns="">
-      <p:transition spd="med" advClick="0">
-        <p:fade/>
-      </p:transition>
-    </mc:Fallback>
-  </mc:AlternateContent>
-</p:sld>
-</file>
-
-<file path=ppt/slides/slide21.xml><?xml version="1.0" encoding="utf-8"?>
-<p:sld xmlns:a="http://schemas.openxmlformats.org/drawingml/2006/main" xmlns:r="http://schemas.openxmlformats.org/officeDocument/2006/relationships" xmlns:p="http://schemas.openxmlformats.org/presentationml/2006/main">
-  <p:cSld>
-    <p:spTree>
-      <p:nvGrpSpPr>
-        <p:cNvPr id="1" name="">
-          <a:extLst>
-            <a:ext uri="{FF2B5EF4-FFF2-40B4-BE49-F238E27FC236}">
               <a16:creationId xmlns:a16="http://schemas.microsoft.com/office/drawing/2014/main" id="{8B964BBB-7921-36F0-3521-B56ADAD1E54F}"/>
             </a:ext>
           </a:extLst>
@@ -28714,7 +28564,7 @@
 </p:sld>
 </file>
 
-<file path=ppt/slides/slide22.xml><?xml version="1.0" encoding="utf-8"?>
+<file path=ppt/slides/slide21.xml><?xml version="1.0" encoding="utf-8"?>
 <p:sld xmlns:a="http://schemas.openxmlformats.org/drawingml/2006/main" xmlns:r="http://schemas.openxmlformats.org/officeDocument/2006/relationships" xmlns:p="http://schemas.openxmlformats.org/presentationml/2006/main">
   <p:cSld>
     <p:spTree>
@@ -29124,7 +28974,7 @@
 </p:sld>
 </file>
 
-<file path=ppt/slides/slide23.xml><?xml version="1.0" encoding="utf-8"?>
+<file path=ppt/slides/slide22.xml><?xml version="1.0" encoding="utf-8"?>
 <p:sld xmlns:a="http://schemas.openxmlformats.org/drawingml/2006/main" xmlns:r="http://schemas.openxmlformats.org/officeDocument/2006/relationships" xmlns:p="http://schemas.openxmlformats.org/presentationml/2006/main">
   <p:cSld>
     <p:spTree>
@@ -30937,6 +30787,36 @@
           <a:chExt cx="0" cy="0"/>
         </a:xfrm>
       </p:grpSpPr>
+      <p:pic>
+        <p:nvPicPr>
+          <p:cNvPr id="4" name="Picture 3">
+            <a:extLst>
+              <a:ext uri="{FF2B5EF4-FFF2-40B4-BE49-F238E27FC236}">
+                <a16:creationId xmlns:a16="http://schemas.microsoft.com/office/drawing/2014/main" id="{8B532996-3836-DA24-D3D6-687286418C71}"/>
+              </a:ext>
+            </a:extLst>
+          </p:cNvPr>
+          <p:cNvPicPr>
+            <a:picLocks noChangeAspect="1"/>
+          </p:cNvPicPr>
+          <p:nvPr/>
+        </p:nvPicPr>
+        <p:blipFill>
+          <a:blip r:embed="rId3"/>
+          <a:stretch>
+            <a:fillRect/>
+          </a:stretch>
+        </p:blipFill>
+        <p:spPr>
+          <a:xfrm>
+            <a:off x="5539172" y="1503867"/>
+            <a:ext cx="4578633" cy="4711460"/>
+          </a:xfrm>
+          <a:prstGeom prst="rect">
+            <a:avLst/>
+          </a:prstGeom>
+        </p:spPr>
+      </p:pic>
       <p:sp>
         <p:nvSpPr>
           <p:cNvPr id="5" name="Title 4">
@@ -31265,7 +31145,43 @@
                 <a:ea typeface="Roboto" charset="0"/>
                 <a:cs typeface="Roboto" charset="0"/>
               </a:rPr>
-              <a:t>JDBC Driver URL, User and Password (encrypted) for Databricks</a:t>
+              <a:t>Hostname, Port, and </a:t>
+            </a:r>
+            <a:r>
+              <a:rPr lang="en-US" sz="1200" dirty="0" err="1">
+                <a:latin typeface="Roboto" charset="0"/>
+                <a:ea typeface="Roboto" charset="0"/>
+                <a:cs typeface="Roboto" charset="0"/>
+              </a:rPr>
+              <a:t>httpPath</a:t>
+            </a:r>
+            <a:r>
+              <a:rPr lang="en-US" sz="1200" dirty="0">
+                <a:latin typeface="Roboto" charset="0"/>
+                <a:ea typeface="Roboto" charset="0"/>
+                <a:cs typeface="Roboto" charset="0"/>
+              </a:rPr>
+              <a:t> for Databricks</a:t>
+            </a:r>
+          </a:p>
+          <a:p>
+            <a:pPr marL="285750" indent="-285750">
+              <a:lnSpc>
+                <a:spcPct val="90000"/>
+              </a:lnSpc>
+              <a:spcAft>
+                <a:spcPts val="1000"/>
+              </a:spcAft>
+              <a:buFont typeface="Arial" panose="020B0604020202020204" pitchFamily="34" charset="0"/>
+              <a:buChar char="•"/>
+            </a:pPr>
+            <a:r>
+              <a:rPr lang="en-US" sz="1200" dirty="0">
+                <a:latin typeface="Roboto" charset="0"/>
+                <a:ea typeface="Roboto" charset="0"/>
+                <a:cs typeface="Roboto" charset="0"/>
+              </a:rPr>
+              <a:t>Databricks token value</a:t>
             </a:r>
           </a:p>
           <a:p>
@@ -31325,9 +31241,9 @@
           <p:nvPr/>
         </p:nvCxnSpPr>
         <p:spPr>
-          <a:xfrm>
-            <a:off x="3758135" y="2226982"/>
-            <a:ext cx="1416486" cy="94876"/>
+          <a:xfrm flipV="1">
+            <a:off x="3758135" y="2221639"/>
+            <a:ext cx="1781037" cy="5343"/>
           </a:xfrm>
           <a:prstGeom prst="straightConnector1">
             <a:avLst/>
@@ -31369,9 +31285,9 @@
           <p:nvPr/>
         </p:nvCxnSpPr>
         <p:spPr>
-          <a:xfrm>
-            <a:off x="3735851" y="2610178"/>
-            <a:ext cx="1438770" cy="100219"/>
+          <a:xfrm flipV="1">
+            <a:off x="3735851" y="2641883"/>
+            <a:ext cx="1645041" cy="4370"/>
           </a:xfrm>
           <a:prstGeom prst="straightConnector1">
             <a:avLst/>
@@ -31414,8 +31330,8 @@
         </p:nvCxnSpPr>
         <p:spPr>
           <a:xfrm flipV="1">
-            <a:off x="2935111" y="4058287"/>
-            <a:ext cx="2225941" cy="605157"/>
+            <a:off x="2935111" y="3752456"/>
+            <a:ext cx="2604061" cy="910988"/>
           </a:xfrm>
           <a:prstGeom prst="straightConnector1">
             <a:avLst/>
@@ -31458,8 +31374,8 @@
         </p:nvCxnSpPr>
         <p:spPr>
           <a:xfrm flipV="1">
-            <a:off x="3716071" y="3339976"/>
-            <a:ext cx="1444981" cy="526723"/>
+            <a:off x="3716071" y="3228835"/>
+            <a:ext cx="1664821" cy="637864"/>
           </a:xfrm>
           <a:prstGeom prst="straightConnector1">
             <a:avLst/>
@@ -31502,8 +31418,8 @@
         </p:nvCxnSpPr>
         <p:spPr>
           <a:xfrm flipV="1">
-            <a:off x="3758135" y="3050964"/>
-            <a:ext cx="1416486" cy="177871"/>
+            <a:off x="3758135" y="2949123"/>
+            <a:ext cx="1622757" cy="279712"/>
           </a:xfrm>
           <a:prstGeom prst="straightConnector1">
             <a:avLst/>
@@ -31545,9 +31461,9 @@
           <p:nvPr/>
         </p:nvCxnSpPr>
         <p:spPr>
-          <a:xfrm>
+          <a:xfrm flipV="1">
             <a:off x="2071019" y="5709731"/>
-            <a:ext cx="3090033" cy="0"/>
+            <a:ext cx="3309873" cy="140084"/>
           </a:xfrm>
           <a:prstGeom prst="straightConnector1">
             <a:avLst/>
@@ -31590,8 +31506,8 @@
         </p:nvCxnSpPr>
         <p:spPr>
           <a:xfrm flipV="1">
-            <a:off x="3165231" y="4896881"/>
-            <a:ext cx="1995821" cy="352857"/>
+            <a:off x="3165231" y="4320953"/>
+            <a:ext cx="2261599" cy="928785"/>
           </a:xfrm>
           <a:prstGeom prst="straightConnector1">
             <a:avLst/>
@@ -31629,13 +31545,14 @@
           </p:cNvPr>
           <p:cNvCxnSpPr>
             <a:cxnSpLocks/>
+            <a:endCxn id="4" idx="1"/>
           </p:cNvCxnSpPr>
           <p:nvPr/>
         </p:nvCxnSpPr>
         <p:spPr>
           <a:xfrm flipV="1">
-            <a:off x="3045017" y="4243369"/>
-            <a:ext cx="2116035" cy="710592"/>
+            <a:off x="3045017" y="3859597"/>
+            <a:ext cx="2494155" cy="1094364"/>
           </a:xfrm>
           <a:prstGeom prst="straightConnector1">
             <a:avLst/>
@@ -31673,14 +31590,13 @@
           </p:cNvPr>
           <p:cNvCxnSpPr>
             <a:cxnSpLocks/>
-            <a:endCxn id="3" idx="1"/>
           </p:cNvCxnSpPr>
           <p:nvPr/>
         </p:nvCxnSpPr>
         <p:spPr>
           <a:xfrm flipV="1">
-            <a:off x="3423138" y="3866699"/>
-            <a:ext cx="1751483" cy="392318"/>
+            <a:off x="3423138" y="3429000"/>
+            <a:ext cx="2116034" cy="830017"/>
           </a:xfrm>
           <a:prstGeom prst="straightConnector1">
             <a:avLst/>
@@ -31722,9 +31638,9 @@
           <p:nvPr/>
         </p:nvCxnSpPr>
         <p:spPr>
-          <a:xfrm>
-            <a:off x="2223911" y="6029920"/>
-            <a:ext cx="2937141" cy="139805"/>
+          <a:xfrm flipV="1">
+            <a:off x="2223911" y="6084277"/>
+            <a:ext cx="3156981" cy="85448"/>
           </a:xfrm>
           <a:prstGeom prst="straightConnector1">
             <a:avLst/>
@@ -31751,36 +31667,50 @@
           </a:fontRef>
         </p:style>
       </p:cxnSp>
-      <p:pic>
-        <p:nvPicPr>
-          <p:cNvPr id="3" name="Picture 2">
+      <p:cxnSp>
+        <p:nvCxnSpPr>
+          <p:cNvPr id="24" name="Straight Arrow Connector 23">
             <a:extLst>
               <a:ext uri="{FF2B5EF4-FFF2-40B4-BE49-F238E27FC236}">
-                <a16:creationId xmlns:a16="http://schemas.microsoft.com/office/drawing/2014/main" id="{60E51846-EC42-426D-7025-0C49CC7C56F0}"/>
+                <a16:creationId xmlns:a16="http://schemas.microsoft.com/office/drawing/2014/main" id="{6E6AC0FC-2B47-FAE2-8C36-D6867696C68E}"/>
               </a:ext>
             </a:extLst>
           </p:cNvPr>
-          <p:cNvPicPr>
-            <a:picLocks noChangeAspect="1"/>
-          </p:cNvPicPr>
+          <p:cNvCxnSpPr>
+            <a:cxnSpLocks/>
+          </p:cNvCxnSpPr>
           <p:nvPr/>
-        </p:nvPicPr>
-        <p:blipFill>
-          <a:blip r:embed="rId3"/>
-          <a:stretch>
-            <a:fillRect/>
-          </a:stretch>
-        </p:blipFill>
+        </p:nvCxnSpPr>
         <p:spPr>
-          <a:xfrm>
-            <a:off x="5174621" y="1418432"/>
-            <a:ext cx="5420481" cy="4896533"/>
+          <a:xfrm flipV="1">
+            <a:off x="2223911" y="5334000"/>
+            <a:ext cx="3202919" cy="246778"/>
           </a:xfrm>
-          <a:prstGeom prst="rect">
+          <a:prstGeom prst="straightConnector1">
             <a:avLst/>
           </a:prstGeom>
+          <a:ln w="19050">
+            <a:solidFill>
+              <a:schemeClr val="tx1"/>
+            </a:solidFill>
+            <a:tailEnd type="triangle"/>
+          </a:ln>
         </p:spPr>
-      </p:pic>
+        <p:style>
+          <a:lnRef idx="1">
+            <a:schemeClr val="accent1"/>
+          </a:lnRef>
+          <a:fillRef idx="0">
+            <a:schemeClr val="accent1"/>
+          </a:fillRef>
+          <a:effectRef idx="0">
+            <a:schemeClr val="accent1"/>
+          </a:effectRef>
+          <a:fontRef idx="minor">
+            <a:schemeClr val="tx1"/>
+          </a:fontRef>
+        </p:style>
+      </p:cxnSp>
     </p:spTree>
     <p:extLst>
       <p:ext uri="{BB962C8B-B14F-4D97-AF65-F5344CB8AC3E}">
